--- a/ProjectNhom3/src/baocaogiuaki/lambda/Lambda.pptx
+++ b/ProjectNhom3/src/baocaogiuaki/lambda/Lambda.pptx
@@ -5,32 +5,45 @@
     <p:sldMasterId id="2147483658" r:id="rId1"/>
   </p:sldMasterIdLst>
   <p:notesMasterIdLst>
-    <p:notesMasterId r:id="rId8"/>
+    <p:notesMasterId r:id="rId14"/>
   </p:notesMasterIdLst>
   <p:sldIdLst>
-    <p:sldId id="256" r:id="rId2"/>
-    <p:sldId id="261" r:id="rId3"/>
-    <p:sldId id="262" r:id="rId4"/>
-    <p:sldId id="263" r:id="rId5"/>
-    <p:sldId id="264" r:id="rId6"/>
-    <p:sldId id="265" r:id="rId7"/>
+    <p:sldId id="266" r:id="rId2"/>
+    <p:sldId id="267" r:id="rId3"/>
+    <p:sldId id="268" r:id="rId4"/>
+    <p:sldId id="269" r:id="rId5"/>
+    <p:sldId id="270" r:id="rId6"/>
+    <p:sldId id="271" r:id="rId7"/>
+    <p:sldId id="256" r:id="rId8"/>
+    <p:sldId id="261" r:id="rId9"/>
+    <p:sldId id="262" r:id="rId10"/>
+    <p:sldId id="263" r:id="rId11"/>
+    <p:sldId id="264" r:id="rId12"/>
+    <p:sldId id="265" r:id="rId13"/>
   </p:sldIdLst>
   <p:sldSz cx="9144000" cy="5143500" type="screen16x9"/>
   <p:notesSz cx="6858000" cy="9144000"/>
   <p:embeddedFontLst>
     <p:embeddedFont>
+      <p:font typeface="Roboto" panose="02000000000000000000" pitchFamily="2" charset="0"/>
+      <p:regular r:id="rId15"/>
+      <p:bold r:id="rId16"/>
+      <p:italic r:id="rId17"/>
+      <p:boldItalic r:id="rId18"/>
+    </p:embeddedFont>
+    <p:embeddedFont>
       <p:font typeface="Work Sans" pitchFamily="2" charset="0"/>
-      <p:regular r:id="rId9"/>
-      <p:bold r:id="rId10"/>
-      <p:italic r:id="rId11"/>
-      <p:boldItalic r:id="rId12"/>
+      <p:regular r:id="rId19"/>
+      <p:bold r:id="rId20"/>
+      <p:italic r:id="rId21"/>
+      <p:boldItalic r:id="rId22"/>
     </p:embeddedFont>
     <p:embeddedFont>
       <p:font typeface="Work Sans Light" pitchFamily="2" charset="0"/>
-      <p:regular r:id="rId13"/>
-      <p:bold r:id="rId14"/>
-      <p:italic r:id="rId15"/>
-      <p:boldItalic r:id="rId16"/>
+      <p:regular r:id="rId23"/>
+      <p:bold r:id="rId24"/>
+      <p:italic r:id="rId25"/>
+      <p:boldItalic r:id="rId26"/>
     </p:embeddedFont>
   </p:embeddedFontLst>
   <p:defaultTextStyle>
@@ -2889,6 +2902,4064 @@
   <p:cSld>
     <p:spTree>
       <p:nvGrpSpPr>
+        <p:cNvPr id="1" name=""/>
+        <p:cNvGrpSpPr/>
+        <p:nvPr/>
+      </p:nvGrpSpPr>
+      <p:grpSpPr>
+        <a:xfrm>
+          <a:off x="0" y="0"/>
+          <a:ext cx="0" cy="0"/>
+          <a:chOff x="0" y="0"/>
+          <a:chExt cx="0" cy="0"/>
+        </a:xfrm>
+      </p:grpSpPr>
+      <p:sp>
+        <p:nvSpPr>
+          <p:cNvPr id="2" name="Title 1">
+            <a:extLst>
+              <a:ext uri="{FF2B5EF4-FFF2-40B4-BE49-F238E27FC236}">
+                <a16:creationId xmlns:a16="http://schemas.microsoft.com/office/drawing/2014/main" id="{68C31805-1B6F-21B3-77E5-B4412D821221}"/>
+              </a:ext>
+            </a:extLst>
+          </p:cNvPr>
+          <p:cNvSpPr>
+            <a:spLocks noGrp="1"/>
+          </p:cNvSpPr>
+          <p:nvPr>
+            <p:ph type="ctrTitle"/>
+          </p:nvPr>
+        </p:nvSpPr>
+        <p:spPr>
+          <a:xfrm>
+            <a:off x="921006" y="1016723"/>
+            <a:ext cx="4914000" cy="1159800"/>
+          </a:xfrm>
+        </p:spPr>
+        <p:txBody>
+          <a:bodyPr/>
+          <a:lstStyle/>
+          <a:p>
+            <a:r>
+              <a:rPr lang="en-US"/>
+              <a:t>Lớp ẩn danh</a:t>
+            </a:r>
+          </a:p>
+        </p:txBody>
+      </p:sp>
+      <p:grpSp>
+        <p:nvGrpSpPr>
+          <p:cNvPr id="3" name="Google Shape;59;p12">
+            <a:extLst>
+              <a:ext uri="{FF2B5EF4-FFF2-40B4-BE49-F238E27FC236}">
+                <a16:creationId xmlns:a16="http://schemas.microsoft.com/office/drawing/2014/main" id="{4B9031D7-ED38-3DAD-0EC5-9C7E07BA7D0B}"/>
+              </a:ext>
+            </a:extLst>
+          </p:cNvPr>
+          <p:cNvGrpSpPr/>
+          <p:nvPr/>
+        </p:nvGrpSpPr>
+        <p:grpSpPr>
+          <a:xfrm>
+            <a:off x="6867248" y="652997"/>
+            <a:ext cx="1580904" cy="1684493"/>
+            <a:chOff x="5970800" y="1619250"/>
+            <a:chExt cx="428650" cy="456725"/>
+          </a:xfrm>
+        </p:grpSpPr>
+        <p:sp>
+          <p:nvSpPr>
+            <p:cNvPr id="4" name="Google Shape;60;p12">
+              <a:extLst>
+                <a:ext uri="{FF2B5EF4-FFF2-40B4-BE49-F238E27FC236}">
+                  <a16:creationId xmlns:a16="http://schemas.microsoft.com/office/drawing/2014/main" id="{3DC5937A-858C-83EE-AA94-C98DF0D44DAE}"/>
+                </a:ext>
+              </a:extLst>
+            </p:cNvPr>
+            <p:cNvSpPr/>
+            <p:nvPr/>
+          </p:nvSpPr>
+          <p:spPr>
+            <a:xfrm>
+              <a:off x="5970800" y="1674200"/>
+              <a:ext cx="377975" cy="377950"/>
+            </a:xfrm>
+            <a:custGeom>
+              <a:avLst/>
+              <a:gdLst/>
+              <a:ahLst/>
+              <a:cxnLst/>
+              <a:rect l="l" t="t" r="r" b="b"/>
+              <a:pathLst>
+                <a:path w="15119" h="15118" extrusionOk="0">
+                  <a:moveTo>
+                    <a:pt x="7181" y="0"/>
+                  </a:moveTo>
+                  <a:lnTo>
+                    <a:pt x="6790" y="49"/>
+                  </a:lnTo>
+                  <a:lnTo>
+                    <a:pt x="6424" y="98"/>
+                  </a:lnTo>
+                  <a:lnTo>
+                    <a:pt x="6058" y="147"/>
+                  </a:lnTo>
+                  <a:lnTo>
+                    <a:pt x="5691" y="244"/>
+                  </a:lnTo>
+                  <a:lnTo>
+                    <a:pt x="5325" y="342"/>
+                  </a:lnTo>
+                  <a:lnTo>
+                    <a:pt x="4983" y="464"/>
+                  </a:lnTo>
+                  <a:lnTo>
+                    <a:pt x="4641" y="586"/>
+                  </a:lnTo>
+                  <a:lnTo>
+                    <a:pt x="4299" y="733"/>
+                  </a:lnTo>
+                  <a:lnTo>
+                    <a:pt x="3982" y="904"/>
+                  </a:lnTo>
+                  <a:lnTo>
+                    <a:pt x="3664" y="1099"/>
+                  </a:lnTo>
+                  <a:lnTo>
+                    <a:pt x="3347" y="1295"/>
+                  </a:lnTo>
+                  <a:lnTo>
+                    <a:pt x="3053" y="1490"/>
+                  </a:lnTo>
+                  <a:lnTo>
+                    <a:pt x="2760" y="1734"/>
+                  </a:lnTo>
+                  <a:lnTo>
+                    <a:pt x="2492" y="1954"/>
+                  </a:lnTo>
+                  <a:lnTo>
+                    <a:pt x="2223" y="2223"/>
+                  </a:lnTo>
+                  <a:lnTo>
+                    <a:pt x="1979" y="2467"/>
+                  </a:lnTo>
+                  <a:lnTo>
+                    <a:pt x="1735" y="2760"/>
+                  </a:lnTo>
+                  <a:lnTo>
+                    <a:pt x="1515" y="3029"/>
+                  </a:lnTo>
+                  <a:lnTo>
+                    <a:pt x="1295" y="3322"/>
+                  </a:lnTo>
+                  <a:lnTo>
+                    <a:pt x="1100" y="3639"/>
+                  </a:lnTo>
+                  <a:lnTo>
+                    <a:pt x="929" y="3957"/>
+                  </a:lnTo>
+                  <a:lnTo>
+                    <a:pt x="758" y="4274"/>
+                  </a:lnTo>
+                  <a:lnTo>
+                    <a:pt x="611" y="4616"/>
+                  </a:lnTo>
+                  <a:lnTo>
+                    <a:pt x="465" y="4958"/>
+                  </a:lnTo>
+                  <a:lnTo>
+                    <a:pt x="343" y="5300"/>
+                  </a:lnTo>
+                  <a:lnTo>
+                    <a:pt x="245" y="5666"/>
+                  </a:lnTo>
+                  <a:lnTo>
+                    <a:pt x="172" y="6033"/>
+                  </a:lnTo>
+                  <a:lnTo>
+                    <a:pt x="98" y="6399"/>
+                  </a:lnTo>
+                  <a:lnTo>
+                    <a:pt x="49" y="6790"/>
+                  </a:lnTo>
+                  <a:lnTo>
+                    <a:pt x="25" y="7156"/>
+                  </a:lnTo>
+                  <a:lnTo>
+                    <a:pt x="1" y="7547"/>
+                  </a:lnTo>
+                  <a:lnTo>
+                    <a:pt x="25" y="7938"/>
+                  </a:lnTo>
+                  <a:lnTo>
+                    <a:pt x="49" y="8328"/>
+                  </a:lnTo>
+                  <a:lnTo>
+                    <a:pt x="98" y="8695"/>
+                  </a:lnTo>
+                  <a:lnTo>
+                    <a:pt x="172" y="9085"/>
+                  </a:lnTo>
+                  <a:lnTo>
+                    <a:pt x="245" y="9452"/>
+                  </a:lnTo>
+                  <a:lnTo>
+                    <a:pt x="343" y="9794"/>
+                  </a:lnTo>
+                  <a:lnTo>
+                    <a:pt x="465" y="10160"/>
+                  </a:lnTo>
+                  <a:lnTo>
+                    <a:pt x="611" y="10502"/>
+                  </a:lnTo>
+                  <a:lnTo>
+                    <a:pt x="758" y="10820"/>
+                  </a:lnTo>
+                  <a:lnTo>
+                    <a:pt x="929" y="11161"/>
+                  </a:lnTo>
+                  <a:lnTo>
+                    <a:pt x="1100" y="11479"/>
+                  </a:lnTo>
+                  <a:lnTo>
+                    <a:pt x="1295" y="11772"/>
+                  </a:lnTo>
+                  <a:lnTo>
+                    <a:pt x="1515" y="12065"/>
+                  </a:lnTo>
+                  <a:lnTo>
+                    <a:pt x="1735" y="12358"/>
+                  </a:lnTo>
+                  <a:lnTo>
+                    <a:pt x="1979" y="12627"/>
+                  </a:lnTo>
+                  <a:lnTo>
+                    <a:pt x="2223" y="12895"/>
+                  </a:lnTo>
+                  <a:lnTo>
+                    <a:pt x="2492" y="13140"/>
+                  </a:lnTo>
+                  <a:lnTo>
+                    <a:pt x="2760" y="13384"/>
+                  </a:lnTo>
+                  <a:lnTo>
+                    <a:pt x="3053" y="13604"/>
+                  </a:lnTo>
+                  <a:lnTo>
+                    <a:pt x="3347" y="13824"/>
+                  </a:lnTo>
+                  <a:lnTo>
+                    <a:pt x="3664" y="14019"/>
+                  </a:lnTo>
+                  <a:lnTo>
+                    <a:pt x="3982" y="14190"/>
+                  </a:lnTo>
+                  <a:lnTo>
+                    <a:pt x="4299" y="14361"/>
+                  </a:lnTo>
+                  <a:lnTo>
+                    <a:pt x="4641" y="14507"/>
+                  </a:lnTo>
+                  <a:lnTo>
+                    <a:pt x="4983" y="14654"/>
+                  </a:lnTo>
+                  <a:lnTo>
+                    <a:pt x="5325" y="14776"/>
+                  </a:lnTo>
+                  <a:lnTo>
+                    <a:pt x="5691" y="14874"/>
+                  </a:lnTo>
+                  <a:lnTo>
+                    <a:pt x="6058" y="14947"/>
+                  </a:lnTo>
+                  <a:lnTo>
+                    <a:pt x="6424" y="15020"/>
+                  </a:lnTo>
+                  <a:lnTo>
+                    <a:pt x="6790" y="15069"/>
+                  </a:lnTo>
+                  <a:lnTo>
+                    <a:pt x="7181" y="15094"/>
+                  </a:lnTo>
+                  <a:lnTo>
+                    <a:pt x="7572" y="15118"/>
+                  </a:lnTo>
+                  <a:lnTo>
+                    <a:pt x="7963" y="15094"/>
+                  </a:lnTo>
+                  <a:lnTo>
+                    <a:pt x="8329" y="15069"/>
+                  </a:lnTo>
+                  <a:lnTo>
+                    <a:pt x="8720" y="15020"/>
+                  </a:lnTo>
+                  <a:lnTo>
+                    <a:pt x="9086" y="14947"/>
+                  </a:lnTo>
+                  <a:lnTo>
+                    <a:pt x="9452" y="14874"/>
+                  </a:lnTo>
+                  <a:lnTo>
+                    <a:pt x="9819" y="14776"/>
+                  </a:lnTo>
+                  <a:lnTo>
+                    <a:pt x="10161" y="14654"/>
+                  </a:lnTo>
+                  <a:lnTo>
+                    <a:pt x="10503" y="14507"/>
+                  </a:lnTo>
+                  <a:lnTo>
+                    <a:pt x="10844" y="14361"/>
+                  </a:lnTo>
+                  <a:lnTo>
+                    <a:pt x="11162" y="14190"/>
+                  </a:lnTo>
+                  <a:lnTo>
+                    <a:pt x="11479" y="14019"/>
+                  </a:lnTo>
+                  <a:lnTo>
+                    <a:pt x="11797" y="13824"/>
+                  </a:lnTo>
+                  <a:lnTo>
+                    <a:pt x="12090" y="13604"/>
+                  </a:lnTo>
+                  <a:lnTo>
+                    <a:pt x="12383" y="13384"/>
+                  </a:lnTo>
+                  <a:lnTo>
+                    <a:pt x="12652" y="13140"/>
+                  </a:lnTo>
+                  <a:lnTo>
+                    <a:pt x="12920" y="12895"/>
+                  </a:lnTo>
+                  <a:lnTo>
+                    <a:pt x="13165" y="12627"/>
+                  </a:lnTo>
+                  <a:lnTo>
+                    <a:pt x="13409" y="12358"/>
+                  </a:lnTo>
+                  <a:lnTo>
+                    <a:pt x="13629" y="12065"/>
+                  </a:lnTo>
+                  <a:lnTo>
+                    <a:pt x="13824" y="11772"/>
+                  </a:lnTo>
+                  <a:lnTo>
+                    <a:pt x="14019" y="11479"/>
+                  </a:lnTo>
+                  <a:lnTo>
+                    <a:pt x="14215" y="11161"/>
+                  </a:lnTo>
+                  <a:lnTo>
+                    <a:pt x="14386" y="10820"/>
+                  </a:lnTo>
+                  <a:lnTo>
+                    <a:pt x="14532" y="10502"/>
+                  </a:lnTo>
+                  <a:lnTo>
+                    <a:pt x="14654" y="10160"/>
+                  </a:lnTo>
+                  <a:lnTo>
+                    <a:pt x="14777" y="9794"/>
+                  </a:lnTo>
+                  <a:lnTo>
+                    <a:pt x="14899" y="9452"/>
+                  </a:lnTo>
+                  <a:lnTo>
+                    <a:pt x="14972" y="9085"/>
+                  </a:lnTo>
+                  <a:lnTo>
+                    <a:pt x="15045" y="8695"/>
+                  </a:lnTo>
+                  <a:lnTo>
+                    <a:pt x="15094" y="8328"/>
+                  </a:lnTo>
+                  <a:lnTo>
+                    <a:pt x="15118" y="7938"/>
+                  </a:lnTo>
+                  <a:lnTo>
+                    <a:pt x="15118" y="7547"/>
+                  </a:lnTo>
+                  <a:lnTo>
+                    <a:pt x="15094" y="6936"/>
+                  </a:lnTo>
+                  <a:lnTo>
+                    <a:pt x="15021" y="6326"/>
+                  </a:lnTo>
+                  <a:lnTo>
+                    <a:pt x="14899" y="5740"/>
+                  </a:lnTo>
+                  <a:lnTo>
+                    <a:pt x="14728" y="5178"/>
+                  </a:lnTo>
+                  <a:lnTo>
+                    <a:pt x="14532" y="4616"/>
+                  </a:lnTo>
+                  <a:lnTo>
+                    <a:pt x="14288" y="4079"/>
+                  </a:lnTo>
+                  <a:lnTo>
+                    <a:pt x="13995" y="3590"/>
+                  </a:lnTo>
+                  <a:lnTo>
+                    <a:pt x="13653" y="3102"/>
+                  </a:lnTo>
+                  <a:lnTo>
+                    <a:pt x="13458" y="3053"/>
+                  </a:lnTo>
+                  <a:lnTo>
+                    <a:pt x="12163" y="4347"/>
+                  </a:lnTo>
+                  <a:lnTo>
+                    <a:pt x="12383" y="4689"/>
+                  </a:lnTo>
+                  <a:lnTo>
+                    <a:pt x="12578" y="5056"/>
+                  </a:lnTo>
+                  <a:lnTo>
+                    <a:pt x="12749" y="5446"/>
+                  </a:lnTo>
+                  <a:lnTo>
+                    <a:pt x="12896" y="5837"/>
+                  </a:lnTo>
+                  <a:lnTo>
+                    <a:pt x="13018" y="6252"/>
+                  </a:lnTo>
+                  <a:lnTo>
+                    <a:pt x="13091" y="6668"/>
+                  </a:lnTo>
+                  <a:lnTo>
+                    <a:pt x="13165" y="7107"/>
+                  </a:lnTo>
+                  <a:lnTo>
+                    <a:pt x="13165" y="7547"/>
+                  </a:lnTo>
+                  <a:lnTo>
+                    <a:pt x="13140" y="8133"/>
+                  </a:lnTo>
+                  <a:lnTo>
+                    <a:pt x="13067" y="8695"/>
+                  </a:lnTo>
+                  <a:lnTo>
+                    <a:pt x="12920" y="9208"/>
+                  </a:lnTo>
+                  <a:lnTo>
+                    <a:pt x="12725" y="9745"/>
+                  </a:lnTo>
+                  <a:lnTo>
+                    <a:pt x="12505" y="10233"/>
+                  </a:lnTo>
+                  <a:lnTo>
+                    <a:pt x="12212" y="10673"/>
+                  </a:lnTo>
+                  <a:lnTo>
+                    <a:pt x="11895" y="11113"/>
+                  </a:lnTo>
+                  <a:lnTo>
+                    <a:pt x="11528" y="11503"/>
+                  </a:lnTo>
+                  <a:lnTo>
+                    <a:pt x="11138" y="11870"/>
+                  </a:lnTo>
+                  <a:lnTo>
+                    <a:pt x="10698" y="12187"/>
+                  </a:lnTo>
+                  <a:lnTo>
+                    <a:pt x="10234" y="12480"/>
+                  </a:lnTo>
+                  <a:lnTo>
+                    <a:pt x="9745" y="12725"/>
+                  </a:lnTo>
+                  <a:lnTo>
+                    <a:pt x="9233" y="12895"/>
+                  </a:lnTo>
+                  <a:lnTo>
+                    <a:pt x="8695" y="13042"/>
+                  </a:lnTo>
+                  <a:lnTo>
+                    <a:pt x="8133" y="13140"/>
+                  </a:lnTo>
+                  <a:lnTo>
+                    <a:pt x="7572" y="13164"/>
+                  </a:lnTo>
+                  <a:lnTo>
+                    <a:pt x="6986" y="13140"/>
+                  </a:lnTo>
+                  <a:lnTo>
+                    <a:pt x="6448" y="13042"/>
+                  </a:lnTo>
+                  <a:lnTo>
+                    <a:pt x="5911" y="12895"/>
+                  </a:lnTo>
+                  <a:lnTo>
+                    <a:pt x="5398" y="12725"/>
+                  </a:lnTo>
+                  <a:lnTo>
+                    <a:pt x="4910" y="12480"/>
+                  </a:lnTo>
+                  <a:lnTo>
+                    <a:pt x="4446" y="12187"/>
+                  </a:lnTo>
+                  <a:lnTo>
+                    <a:pt x="4006" y="11870"/>
+                  </a:lnTo>
+                  <a:lnTo>
+                    <a:pt x="3615" y="11503"/>
+                  </a:lnTo>
+                  <a:lnTo>
+                    <a:pt x="3249" y="11113"/>
+                  </a:lnTo>
+                  <a:lnTo>
+                    <a:pt x="2931" y="10673"/>
+                  </a:lnTo>
+                  <a:lnTo>
+                    <a:pt x="2638" y="10233"/>
+                  </a:lnTo>
+                  <a:lnTo>
+                    <a:pt x="2418" y="9745"/>
+                  </a:lnTo>
+                  <a:lnTo>
+                    <a:pt x="2223" y="9208"/>
+                  </a:lnTo>
+                  <a:lnTo>
+                    <a:pt x="2077" y="8695"/>
+                  </a:lnTo>
+                  <a:lnTo>
+                    <a:pt x="2003" y="8133"/>
+                  </a:lnTo>
+                  <a:lnTo>
+                    <a:pt x="1954" y="7547"/>
+                  </a:lnTo>
+                  <a:lnTo>
+                    <a:pt x="2003" y="6985"/>
+                  </a:lnTo>
+                  <a:lnTo>
+                    <a:pt x="2077" y="6423"/>
+                  </a:lnTo>
+                  <a:lnTo>
+                    <a:pt x="2223" y="5886"/>
+                  </a:lnTo>
+                  <a:lnTo>
+                    <a:pt x="2418" y="5373"/>
+                  </a:lnTo>
+                  <a:lnTo>
+                    <a:pt x="2638" y="4885"/>
+                  </a:lnTo>
+                  <a:lnTo>
+                    <a:pt x="2931" y="4421"/>
+                  </a:lnTo>
+                  <a:lnTo>
+                    <a:pt x="3249" y="4005"/>
+                  </a:lnTo>
+                  <a:lnTo>
+                    <a:pt x="3615" y="3590"/>
+                  </a:lnTo>
+                  <a:lnTo>
+                    <a:pt x="4006" y="3224"/>
+                  </a:lnTo>
+                  <a:lnTo>
+                    <a:pt x="4446" y="2906"/>
+                  </a:lnTo>
+                  <a:lnTo>
+                    <a:pt x="4910" y="2638"/>
+                  </a:lnTo>
+                  <a:lnTo>
+                    <a:pt x="5398" y="2394"/>
+                  </a:lnTo>
+                  <a:lnTo>
+                    <a:pt x="5911" y="2198"/>
+                  </a:lnTo>
+                  <a:lnTo>
+                    <a:pt x="6448" y="2076"/>
+                  </a:lnTo>
+                  <a:lnTo>
+                    <a:pt x="6986" y="1978"/>
+                  </a:lnTo>
+                  <a:lnTo>
+                    <a:pt x="7572" y="1954"/>
+                  </a:lnTo>
+                  <a:lnTo>
+                    <a:pt x="8011" y="1978"/>
+                  </a:lnTo>
+                  <a:lnTo>
+                    <a:pt x="8451" y="2027"/>
+                  </a:lnTo>
+                  <a:lnTo>
+                    <a:pt x="8866" y="2100"/>
+                  </a:lnTo>
+                  <a:lnTo>
+                    <a:pt x="9281" y="2223"/>
+                  </a:lnTo>
+                  <a:lnTo>
+                    <a:pt x="9672" y="2369"/>
+                  </a:lnTo>
+                  <a:lnTo>
+                    <a:pt x="10063" y="2540"/>
+                  </a:lnTo>
+                  <a:lnTo>
+                    <a:pt x="10429" y="2735"/>
+                  </a:lnTo>
+                  <a:lnTo>
+                    <a:pt x="10771" y="2955"/>
+                  </a:lnTo>
+                  <a:lnTo>
+                    <a:pt x="11943" y="1807"/>
+                  </a:lnTo>
+                  <a:lnTo>
+                    <a:pt x="11846" y="1343"/>
+                  </a:lnTo>
+                  <a:lnTo>
+                    <a:pt x="11382" y="1026"/>
+                  </a:lnTo>
+                  <a:lnTo>
+                    <a:pt x="10893" y="782"/>
+                  </a:lnTo>
+                  <a:lnTo>
+                    <a:pt x="10380" y="537"/>
+                  </a:lnTo>
+                  <a:lnTo>
+                    <a:pt x="9843" y="342"/>
+                  </a:lnTo>
+                  <a:lnTo>
+                    <a:pt x="9306" y="195"/>
+                  </a:lnTo>
+                  <a:lnTo>
+                    <a:pt x="8744" y="98"/>
+                  </a:lnTo>
+                  <a:lnTo>
+                    <a:pt x="8158" y="25"/>
+                  </a:lnTo>
+                  <a:lnTo>
+                    <a:pt x="7572" y="0"/>
+                  </a:lnTo>
+                  <a:close/>
+                </a:path>
+              </a:pathLst>
+            </a:custGeom>
+            <a:solidFill>
+              <a:srgbClr val="000000"/>
+            </a:solidFill>
+            <a:ln>
+              <a:noFill/>
+            </a:ln>
+          </p:spPr>
+          <p:txBody>
+            <a:bodyPr spcFirstLastPara="1" wrap="square" lIns="91425" tIns="91425" rIns="91425" bIns="91425" anchor="ctr" anchorCtr="0">
+              <a:noAutofit/>
+            </a:bodyPr>
+            <a:lstStyle/>
+            <a:p>
+              <a:pPr marL="0" lvl="0" indent="0" algn="l" rtl="0">
+                <a:spcBef>
+                  <a:spcPts val="0"/>
+                </a:spcBef>
+                <a:spcAft>
+                  <a:spcPts val="0"/>
+                </a:spcAft>
+                <a:buNone/>
+              </a:pPr>
+              <a:endParaRPr/>
+            </a:p>
+          </p:txBody>
+        </p:sp>
+        <p:sp>
+          <p:nvSpPr>
+            <p:cNvPr id="5" name="Google Shape;61;p12">
+              <a:extLst>
+                <a:ext uri="{FF2B5EF4-FFF2-40B4-BE49-F238E27FC236}">
+                  <a16:creationId xmlns:a16="http://schemas.microsoft.com/office/drawing/2014/main" id="{FD1A21F3-DE10-465B-4A38-259B7FB61A5D}"/>
+                </a:ext>
+              </a:extLst>
+            </p:cNvPr>
+            <p:cNvSpPr/>
+            <p:nvPr/>
+          </p:nvSpPr>
+          <p:spPr>
+            <a:xfrm>
+              <a:off x="6068500" y="1771875"/>
+              <a:ext cx="182575" cy="182600"/>
+            </a:xfrm>
+            <a:custGeom>
+              <a:avLst/>
+              <a:gdLst/>
+              <a:ahLst/>
+              <a:cxnLst/>
+              <a:rect l="l" t="t" r="r" b="b"/>
+              <a:pathLst>
+                <a:path w="7303" h="7304" extrusionOk="0">
+                  <a:moveTo>
+                    <a:pt x="3664" y="1"/>
+                  </a:moveTo>
+                  <a:lnTo>
+                    <a:pt x="3297" y="25"/>
+                  </a:lnTo>
+                  <a:lnTo>
+                    <a:pt x="2931" y="74"/>
+                  </a:lnTo>
+                  <a:lnTo>
+                    <a:pt x="2565" y="147"/>
+                  </a:lnTo>
+                  <a:lnTo>
+                    <a:pt x="2247" y="294"/>
+                  </a:lnTo>
+                  <a:lnTo>
+                    <a:pt x="1930" y="440"/>
+                  </a:lnTo>
+                  <a:lnTo>
+                    <a:pt x="1612" y="611"/>
+                  </a:lnTo>
+                  <a:lnTo>
+                    <a:pt x="1344" y="831"/>
+                  </a:lnTo>
+                  <a:lnTo>
+                    <a:pt x="1075" y="1075"/>
+                  </a:lnTo>
+                  <a:lnTo>
+                    <a:pt x="831" y="1320"/>
+                  </a:lnTo>
+                  <a:lnTo>
+                    <a:pt x="635" y="1613"/>
+                  </a:lnTo>
+                  <a:lnTo>
+                    <a:pt x="440" y="1906"/>
+                  </a:lnTo>
+                  <a:lnTo>
+                    <a:pt x="293" y="2223"/>
+                  </a:lnTo>
+                  <a:lnTo>
+                    <a:pt x="171" y="2565"/>
+                  </a:lnTo>
+                  <a:lnTo>
+                    <a:pt x="74" y="2907"/>
+                  </a:lnTo>
+                  <a:lnTo>
+                    <a:pt x="25" y="3273"/>
+                  </a:lnTo>
+                  <a:lnTo>
+                    <a:pt x="0" y="3640"/>
+                  </a:lnTo>
+                  <a:lnTo>
+                    <a:pt x="25" y="4031"/>
+                  </a:lnTo>
+                  <a:lnTo>
+                    <a:pt x="74" y="4373"/>
+                  </a:lnTo>
+                  <a:lnTo>
+                    <a:pt x="171" y="4739"/>
+                  </a:lnTo>
+                  <a:lnTo>
+                    <a:pt x="293" y="5081"/>
+                  </a:lnTo>
+                  <a:lnTo>
+                    <a:pt x="440" y="5398"/>
+                  </a:lnTo>
+                  <a:lnTo>
+                    <a:pt x="635" y="5691"/>
+                  </a:lnTo>
+                  <a:lnTo>
+                    <a:pt x="831" y="5960"/>
+                  </a:lnTo>
+                  <a:lnTo>
+                    <a:pt x="1075" y="6229"/>
+                  </a:lnTo>
+                  <a:lnTo>
+                    <a:pt x="1344" y="6473"/>
+                  </a:lnTo>
+                  <a:lnTo>
+                    <a:pt x="1612" y="6668"/>
+                  </a:lnTo>
+                  <a:lnTo>
+                    <a:pt x="1930" y="6864"/>
+                  </a:lnTo>
+                  <a:lnTo>
+                    <a:pt x="2247" y="7010"/>
+                  </a:lnTo>
+                  <a:lnTo>
+                    <a:pt x="2565" y="7132"/>
+                  </a:lnTo>
+                  <a:lnTo>
+                    <a:pt x="2931" y="7230"/>
+                  </a:lnTo>
+                  <a:lnTo>
+                    <a:pt x="3297" y="7279"/>
+                  </a:lnTo>
+                  <a:lnTo>
+                    <a:pt x="3664" y="7303"/>
+                  </a:lnTo>
+                  <a:lnTo>
+                    <a:pt x="4030" y="7279"/>
+                  </a:lnTo>
+                  <a:lnTo>
+                    <a:pt x="4396" y="7230"/>
+                  </a:lnTo>
+                  <a:lnTo>
+                    <a:pt x="4738" y="7132"/>
+                  </a:lnTo>
+                  <a:lnTo>
+                    <a:pt x="5080" y="7010"/>
+                  </a:lnTo>
+                  <a:lnTo>
+                    <a:pt x="5398" y="6864"/>
+                  </a:lnTo>
+                  <a:lnTo>
+                    <a:pt x="5691" y="6668"/>
+                  </a:lnTo>
+                  <a:lnTo>
+                    <a:pt x="5984" y="6473"/>
+                  </a:lnTo>
+                  <a:lnTo>
+                    <a:pt x="6253" y="6229"/>
+                  </a:lnTo>
+                  <a:lnTo>
+                    <a:pt x="6472" y="5960"/>
+                  </a:lnTo>
+                  <a:lnTo>
+                    <a:pt x="6692" y="5691"/>
+                  </a:lnTo>
+                  <a:lnTo>
+                    <a:pt x="6863" y="5398"/>
+                  </a:lnTo>
+                  <a:lnTo>
+                    <a:pt x="7034" y="5081"/>
+                  </a:lnTo>
+                  <a:lnTo>
+                    <a:pt x="7156" y="4739"/>
+                  </a:lnTo>
+                  <a:lnTo>
+                    <a:pt x="7230" y="4373"/>
+                  </a:lnTo>
+                  <a:lnTo>
+                    <a:pt x="7303" y="4031"/>
+                  </a:lnTo>
+                  <a:lnTo>
+                    <a:pt x="7303" y="3640"/>
+                  </a:lnTo>
+                  <a:lnTo>
+                    <a:pt x="7303" y="3396"/>
+                  </a:lnTo>
+                  <a:lnTo>
+                    <a:pt x="7278" y="3176"/>
+                  </a:lnTo>
+                  <a:lnTo>
+                    <a:pt x="7254" y="2932"/>
+                  </a:lnTo>
+                  <a:lnTo>
+                    <a:pt x="7181" y="2712"/>
+                  </a:lnTo>
+                  <a:lnTo>
+                    <a:pt x="7132" y="2492"/>
+                  </a:lnTo>
+                  <a:lnTo>
+                    <a:pt x="7034" y="2272"/>
+                  </a:lnTo>
+                  <a:lnTo>
+                    <a:pt x="6839" y="1857"/>
+                  </a:lnTo>
+                  <a:lnTo>
+                    <a:pt x="5325" y="3347"/>
+                  </a:lnTo>
+                  <a:lnTo>
+                    <a:pt x="5349" y="3640"/>
+                  </a:lnTo>
+                  <a:lnTo>
+                    <a:pt x="5349" y="3811"/>
+                  </a:lnTo>
+                  <a:lnTo>
+                    <a:pt x="5325" y="3982"/>
+                  </a:lnTo>
+                  <a:lnTo>
+                    <a:pt x="5276" y="4153"/>
+                  </a:lnTo>
+                  <a:lnTo>
+                    <a:pt x="5227" y="4299"/>
+                  </a:lnTo>
+                  <a:lnTo>
+                    <a:pt x="5154" y="4446"/>
+                  </a:lnTo>
+                  <a:lnTo>
+                    <a:pt x="5080" y="4592"/>
+                  </a:lnTo>
+                  <a:lnTo>
+                    <a:pt x="4983" y="4739"/>
+                  </a:lnTo>
+                  <a:lnTo>
+                    <a:pt x="4860" y="4861"/>
+                  </a:lnTo>
+                  <a:lnTo>
+                    <a:pt x="4738" y="4959"/>
+                  </a:lnTo>
+                  <a:lnTo>
+                    <a:pt x="4616" y="5056"/>
+                  </a:lnTo>
+                  <a:lnTo>
+                    <a:pt x="4470" y="5154"/>
+                  </a:lnTo>
+                  <a:lnTo>
+                    <a:pt x="4323" y="5203"/>
+                  </a:lnTo>
+                  <a:lnTo>
+                    <a:pt x="4177" y="5276"/>
+                  </a:lnTo>
+                  <a:lnTo>
+                    <a:pt x="4006" y="5301"/>
+                  </a:lnTo>
+                  <a:lnTo>
+                    <a:pt x="3835" y="5349"/>
+                  </a:lnTo>
+                  <a:lnTo>
+                    <a:pt x="3493" y="5349"/>
+                  </a:lnTo>
+                  <a:lnTo>
+                    <a:pt x="3322" y="5301"/>
+                  </a:lnTo>
+                  <a:lnTo>
+                    <a:pt x="3151" y="5276"/>
+                  </a:lnTo>
+                  <a:lnTo>
+                    <a:pt x="3004" y="5203"/>
+                  </a:lnTo>
+                  <a:lnTo>
+                    <a:pt x="2858" y="5154"/>
+                  </a:lnTo>
+                  <a:lnTo>
+                    <a:pt x="2711" y="5056"/>
+                  </a:lnTo>
+                  <a:lnTo>
+                    <a:pt x="2589" y="4959"/>
+                  </a:lnTo>
+                  <a:lnTo>
+                    <a:pt x="2467" y="4861"/>
+                  </a:lnTo>
+                  <a:lnTo>
+                    <a:pt x="2345" y="4739"/>
+                  </a:lnTo>
+                  <a:lnTo>
+                    <a:pt x="2247" y="4592"/>
+                  </a:lnTo>
+                  <a:lnTo>
+                    <a:pt x="2174" y="4446"/>
+                  </a:lnTo>
+                  <a:lnTo>
+                    <a:pt x="2101" y="4299"/>
+                  </a:lnTo>
+                  <a:lnTo>
+                    <a:pt x="2027" y="4153"/>
+                  </a:lnTo>
+                  <a:lnTo>
+                    <a:pt x="2003" y="3982"/>
+                  </a:lnTo>
+                  <a:lnTo>
+                    <a:pt x="1979" y="3811"/>
+                  </a:lnTo>
+                  <a:lnTo>
+                    <a:pt x="1954" y="3640"/>
+                  </a:lnTo>
+                  <a:lnTo>
+                    <a:pt x="1979" y="3469"/>
+                  </a:lnTo>
+                  <a:lnTo>
+                    <a:pt x="2003" y="3298"/>
+                  </a:lnTo>
+                  <a:lnTo>
+                    <a:pt x="2027" y="3151"/>
+                  </a:lnTo>
+                  <a:lnTo>
+                    <a:pt x="2101" y="2980"/>
+                  </a:lnTo>
+                  <a:lnTo>
+                    <a:pt x="2174" y="2834"/>
+                  </a:lnTo>
+                  <a:lnTo>
+                    <a:pt x="2247" y="2687"/>
+                  </a:lnTo>
+                  <a:lnTo>
+                    <a:pt x="2345" y="2565"/>
+                  </a:lnTo>
+                  <a:lnTo>
+                    <a:pt x="2467" y="2443"/>
+                  </a:lnTo>
+                  <a:lnTo>
+                    <a:pt x="2589" y="2345"/>
+                  </a:lnTo>
+                  <a:lnTo>
+                    <a:pt x="2711" y="2248"/>
+                  </a:lnTo>
+                  <a:lnTo>
+                    <a:pt x="2858" y="2150"/>
+                  </a:lnTo>
+                  <a:lnTo>
+                    <a:pt x="3004" y="2077"/>
+                  </a:lnTo>
+                  <a:lnTo>
+                    <a:pt x="3151" y="2028"/>
+                  </a:lnTo>
+                  <a:lnTo>
+                    <a:pt x="3322" y="1979"/>
+                  </a:lnTo>
+                  <a:lnTo>
+                    <a:pt x="3493" y="1955"/>
+                  </a:lnTo>
+                  <a:lnTo>
+                    <a:pt x="3664" y="1955"/>
+                  </a:lnTo>
+                  <a:lnTo>
+                    <a:pt x="3957" y="1979"/>
+                  </a:lnTo>
+                  <a:lnTo>
+                    <a:pt x="5447" y="465"/>
+                  </a:lnTo>
+                  <a:lnTo>
+                    <a:pt x="5056" y="269"/>
+                  </a:lnTo>
+                  <a:lnTo>
+                    <a:pt x="4836" y="196"/>
+                  </a:lnTo>
+                  <a:lnTo>
+                    <a:pt x="4616" y="123"/>
+                  </a:lnTo>
+                  <a:lnTo>
+                    <a:pt x="4372" y="74"/>
+                  </a:lnTo>
+                  <a:lnTo>
+                    <a:pt x="4152" y="25"/>
+                  </a:lnTo>
+                  <a:lnTo>
+                    <a:pt x="3908" y="1"/>
+                  </a:lnTo>
+                  <a:close/>
+                </a:path>
+              </a:pathLst>
+            </a:custGeom>
+            <a:solidFill>
+              <a:srgbClr val="000000"/>
+            </a:solidFill>
+            <a:ln>
+              <a:noFill/>
+            </a:ln>
+          </p:spPr>
+          <p:txBody>
+            <a:bodyPr spcFirstLastPara="1" wrap="square" lIns="91425" tIns="91425" rIns="91425" bIns="91425" anchor="ctr" anchorCtr="0">
+              <a:noAutofit/>
+            </a:bodyPr>
+            <a:lstStyle/>
+            <a:p>
+              <a:pPr marL="0" lvl="0" indent="0" algn="l" rtl="0">
+                <a:spcBef>
+                  <a:spcPts val="0"/>
+                </a:spcBef>
+                <a:spcAft>
+                  <a:spcPts val="0"/>
+                </a:spcAft>
+                <a:buNone/>
+              </a:pPr>
+              <a:endParaRPr/>
+            </a:p>
+          </p:txBody>
+        </p:sp>
+        <p:sp>
+          <p:nvSpPr>
+            <p:cNvPr id="6" name="Google Shape;62;p12">
+              <a:extLst>
+                <a:ext uri="{FF2B5EF4-FFF2-40B4-BE49-F238E27FC236}">
+                  <a16:creationId xmlns:a16="http://schemas.microsoft.com/office/drawing/2014/main" id="{B2C5922E-87C7-A0BA-36F9-F13BB28024A4}"/>
+                </a:ext>
+              </a:extLst>
+            </p:cNvPr>
+            <p:cNvSpPr/>
+            <p:nvPr/>
+          </p:nvSpPr>
+          <p:spPr>
+            <a:xfrm>
+              <a:off x="5981175" y="2005125"/>
+              <a:ext cx="75125" cy="70850"/>
+            </a:xfrm>
+            <a:custGeom>
+              <a:avLst/>
+              <a:gdLst/>
+              <a:ahLst/>
+              <a:cxnLst/>
+              <a:rect l="l" t="t" r="r" b="b"/>
+              <a:pathLst>
+                <a:path w="3005" h="2834" extrusionOk="0">
+                  <a:moveTo>
+                    <a:pt x="1466" y="0"/>
+                  </a:moveTo>
+                  <a:lnTo>
+                    <a:pt x="294" y="1173"/>
+                  </a:lnTo>
+                  <a:lnTo>
+                    <a:pt x="172" y="1319"/>
+                  </a:lnTo>
+                  <a:lnTo>
+                    <a:pt x="74" y="1490"/>
+                  </a:lnTo>
+                  <a:lnTo>
+                    <a:pt x="25" y="1661"/>
+                  </a:lnTo>
+                  <a:lnTo>
+                    <a:pt x="1" y="1857"/>
+                  </a:lnTo>
+                  <a:lnTo>
+                    <a:pt x="25" y="2052"/>
+                  </a:lnTo>
+                  <a:lnTo>
+                    <a:pt x="74" y="2223"/>
+                  </a:lnTo>
+                  <a:lnTo>
+                    <a:pt x="172" y="2394"/>
+                  </a:lnTo>
+                  <a:lnTo>
+                    <a:pt x="294" y="2540"/>
+                  </a:lnTo>
+                  <a:lnTo>
+                    <a:pt x="440" y="2663"/>
+                  </a:lnTo>
+                  <a:lnTo>
+                    <a:pt x="611" y="2760"/>
+                  </a:lnTo>
+                  <a:lnTo>
+                    <a:pt x="807" y="2809"/>
+                  </a:lnTo>
+                  <a:lnTo>
+                    <a:pt x="978" y="2833"/>
+                  </a:lnTo>
+                  <a:lnTo>
+                    <a:pt x="1173" y="2809"/>
+                  </a:lnTo>
+                  <a:lnTo>
+                    <a:pt x="1344" y="2760"/>
+                  </a:lnTo>
+                  <a:lnTo>
+                    <a:pt x="1515" y="2663"/>
+                  </a:lnTo>
+                  <a:lnTo>
+                    <a:pt x="1686" y="2540"/>
+                  </a:lnTo>
+                  <a:lnTo>
+                    <a:pt x="2858" y="1368"/>
+                  </a:lnTo>
+                  <a:lnTo>
+                    <a:pt x="3005" y="1197"/>
+                  </a:lnTo>
+                  <a:lnTo>
+                    <a:pt x="2590" y="928"/>
+                  </a:lnTo>
+                  <a:lnTo>
+                    <a:pt x="2199" y="635"/>
+                  </a:lnTo>
+                  <a:lnTo>
+                    <a:pt x="1808" y="342"/>
+                  </a:lnTo>
+                  <a:lnTo>
+                    <a:pt x="1466" y="0"/>
+                  </a:lnTo>
+                  <a:close/>
+                </a:path>
+              </a:pathLst>
+            </a:custGeom>
+            <a:solidFill>
+              <a:srgbClr val="000000"/>
+            </a:solidFill>
+            <a:ln>
+              <a:noFill/>
+            </a:ln>
+          </p:spPr>
+          <p:txBody>
+            <a:bodyPr spcFirstLastPara="1" wrap="square" lIns="91425" tIns="91425" rIns="91425" bIns="91425" anchor="ctr" anchorCtr="0">
+              <a:noAutofit/>
+            </a:bodyPr>
+            <a:lstStyle/>
+            <a:p>
+              <a:pPr marL="0" lvl="0" indent="0" algn="l" rtl="0">
+                <a:spcBef>
+                  <a:spcPts val="0"/>
+                </a:spcBef>
+                <a:spcAft>
+                  <a:spcPts val="0"/>
+                </a:spcAft>
+                <a:buNone/>
+              </a:pPr>
+              <a:endParaRPr/>
+            </a:p>
+          </p:txBody>
+        </p:sp>
+        <p:sp>
+          <p:nvSpPr>
+            <p:cNvPr id="7" name="Google Shape;63;p12">
+              <a:extLst>
+                <a:ext uri="{FF2B5EF4-FFF2-40B4-BE49-F238E27FC236}">
+                  <a16:creationId xmlns:a16="http://schemas.microsoft.com/office/drawing/2014/main" id="{0FB80475-67C3-4CE1-85FA-F0C729AB9E28}"/>
+                </a:ext>
+              </a:extLst>
+            </p:cNvPr>
+            <p:cNvSpPr/>
+            <p:nvPr/>
+          </p:nvSpPr>
+          <p:spPr>
+            <a:xfrm>
+              <a:off x="6263875" y="2005125"/>
+              <a:ext cx="74525" cy="70850"/>
+            </a:xfrm>
+            <a:custGeom>
+              <a:avLst/>
+              <a:gdLst/>
+              <a:ahLst/>
+              <a:cxnLst/>
+              <a:rect l="l" t="t" r="r" b="b"/>
+              <a:pathLst>
+                <a:path w="2981" h="2834" extrusionOk="0">
+                  <a:moveTo>
+                    <a:pt x="1539" y="0"/>
+                  </a:moveTo>
+                  <a:lnTo>
+                    <a:pt x="1173" y="342"/>
+                  </a:lnTo>
+                  <a:lnTo>
+                    <a:pt x="807" y="635"/>
+                  </a:lnTo>
+                  <a:lnTo>
+                    <a:pt x="416" y="928"/>
+                  </a:lnTo>
+                  <a:lnTo>
+                    <a:pt x="1" y="1197"/>
+                  </a:lnTo>
+                  <a:lnTo>
+                    <a:pt x="123" y="1368"/>
+                  </a:lnTo>
+                  <a:lnTo>
+                    <a:pt x="1319" y="2540"/>
+                  </a:lnTo>
+                  <a:lnTo>
+                    <a:pt x="1466" y="2663"/>
+                  </a:lnTo>
+                  <a:lnTo>
+                    <a:pt x="1637" y="2760"/>
+                  </a:lnTo>
+                  <a:lnTo>
+                    <a:pt x="1832" y="2809"/>
+                  </a:lnTo>
+                  <a:lnTo>
+                    <a:pt x="2003" y="2833"/>
+                  </a:lnTo>
+                  <a:lnTo>
+                    <a:pt x="2199" y="2809"/>
+                  </a:lnTo>
+                  <a:lnTo>
+                    <a:pt x="2370" y="2760"/>
+                  </a:lnTo>
+                  <a:lnTo>
+                    <a:pt x="2541" y="2663"/>
+                  </a:lnTo>
+                  <a:lnTo>
+                    <a:pt x="2712" y="2540"/>
+                  </a:lnTo>
+                  <a:lnTo>
+                    <a:pt x="2834" y="2394"/>
+                  </a:lnTo>
+                  <a:lnTo>
+                    <a:pt x="2931" y="2223"/>
+                  </a:lnTo>
+                  <a:lnTo>
+                    <a:pt x="2980" y="2052"/>
+                  </a:lnTo>
+                  <a:lnTo>
+                    <a:pt x="2980" y="1857"/>
+                  </a:lnTo>
+                  <a:lnTo>
+                    <a:pt x="2980" y="1661"/>
+                  </a:lnTo>
+                  <a:lnTo>
+                    <a:pt x="2931" y="1490"/>
+                  </a:lnTo>
+                  <a:lnTo>
+                    <a:pt x="2834" y="1319"/>
+                  </a:lnTo>
+                  <a:lnTo>
+                    <a:pt x="2712" y="1173"/>
+                  </a:lnTo>
+                  <a:lnTo>
+                    <a:pt x="1539" y="0"/>
+                  </a:lnTo>
+                  <a:close/>
+                </a:path>
+              </a:pathLst>
+            </a:custGeom>
+            <a:solidFill>
+              <a:srgbClr val="000000"/>
+            </a:solidFill>
+            <a:ln>
+              <a:noFill/>
+            </a:ln>
+          </p:spPr>
+          <p:txBody>
+            <a:bodyPr spcFirstLastPara="1" wrap="square" lIns="91425" tIns="91425" rIns="91425" bIns="91425" anchor="ctr" anchorCtr="0">
+              <a:noAutofit/>
+            </a:bodyPr>
+            <a:lstStyle/>
+            <a:p>
+              <a:pPr marL="0" lvl="0" indent="0" algn="l" rtl="0">
+                <a:spcBef>
+                  <a:spcPts val="0"/>
+                </a:spcBef>
+                <a:spcAft>
+                  <a:spcPts val="0"/>
+                </a:spcAft>
+                <a:buNone/>
+              </a:pPr>
+              <a:endParaRPr/>
+            </a:p>
+          </p:txBody>
+        </p:sp>
+        <p:sp>
+          <p:nvSpPr>
+            <p:cNvPr id="8" name="Google Shape;64;p12">
+              <a:extLst>
+                <a:ext uri="{FF2B5EF4-FFF2-40B4-BE49-F238E27FC236}">
+                  <a16:creationId xmlns:a16="http://schemas.microsoft.com/office/drawing/2014/main" id="{DED122C1-5AAE-442B-46F4-FD0F8778EF85}"/>
+                </a:ext>
+              </a:extLst>
+            </p:cNvPr>
+            <p:cNvSpPr/>
+            <p:nvPr/>
+          </p:nvSpPr>
+          <p:spPr>
+            <a:xfrm>
+              <a:off x="6147875" y="1619250"/>
+              <a:ext cx="251575" cy="255850"/>
+            </a:xfrm>
+            <a:custGeom>
+              <a:avLst/>
+              <a:gdLst/>
+              <a:ahLst/>
+              <a:cxnLst/>
+              <a:rect l="l" t="t" r="r" b="b"/>
+              <a:pathLst>
+                <a:path w="10063" h="10234" extrusionOk="0">
+                  <a:moveTo>
+                    <a:pt x="7352" y="0"/>
+                  </a:moveTo>
+                  <a:lnTo>
+                    <a:pt x="7254" y="24"/>
+                  </a:lnTo>
+                  <a:lnTo>
+                    <a:pt x="7181" y="73"/>
+                  </a:lnTo>
+                  <a:lnTo>
+                    <a:pt x="7083" y="147"/>
+                  </a:lnTo>
+                  <a:lnTo>
+                    <a:pt x="5447" y="1758"/>
+                  </a:lnTo>
+                  <a:lnTo>
+                    <a:pt x="5373" y="1856"/>
+                  </a:lnTo>
+                  <a:lnTo>
+                    <a:pt x="5300" y="1978"/>
+                  </a:lnTo>
+                  <a:lnTo>
+                    <a:pt x="5227" y="2125"/>
+                  </a:lnTo>
+                  <a:lnTo>
+                    <a:pt x="5178" y="2247"/>
+                  </a:lnTo>
+                  <a:lnTo>
+                    <a:pt x="5154" y="2393"/>
+                  </a:lnTo>
+                  <a:lnTo>
+                    <a:pt x="5129" y="2540"/>
+                  </a:lnTo>
+                  <a:lnTo>
+                    <a:pt x="5129" y="2687"/>
+                  </a:lnTo>
+                  <a:lnTo>
+                    <a:pt x="5129" y="2809"/>
+                  </a:lnTo>
+                  <a:lnTo>
+                    <a:pt x="5349" y="3981"/>
+                  </a:lnTo>
+                  <a:lnTo>
+                    <a:pt x="5398" y="4152"/>
+                  </a:lnTo>
+                  <a:lnTo>
+                    <a:pt x="147" y="9403"/>
+                  </a:lnTo>
+                  <a:lnTo>
+                    <a:pt x="74" y="9476"/>
+                  </a:lnTo>
+                  <a:lnTo>
+                    <a:pt x="25" y="9574"/>
+                  </a:lnTo>
+                  <a:lnTo>
+                    <a:pt x="0" y="9672"/>
+                  </a:lnTo>
+                  <a:lnTo>
+                    <a:pt x="0" y="9745"/>
+                  </a:lnTo>
+                  <a:lnTo>
+                    <a:pt x="0" y="9843"/>
+                  </a:lnTo>
+                  <a:lnTo>
+                    <a:pt x="25" y="9940"/>
+                  </a:lnTo>
+                  <a:lnTo>
+                    <a:pt x="74" y="10013"/>
+                  </a:lnTo>
+                  <a:lnTo>
+                    <a:pt x="147" y="10087"/>
+                  </a:lnTo>
+                  <a:lnTo>
+                    <a:pt x="220" y="10160"/>
+                  </a:lnTo>
+                  <a:lnTo>
+                    <a:pt x="293" y="10209"/>
+                  </a:lnTo>
+                  <a:lnTo>
+                    <a:pt x="391" y="10233"/>
+                  </a:lnTo>
+                  <a:lnTo>
+                    <a:pt x="586" y="10233"/>
+                  </a:lnTo>
+                  <a:lnTo>
+                    <a:pt x="660" y="10209"/>
+                  </a:lnTo>
+                  <a:lnTo>
+                    <a:pt x="757" y="10160"/>
+                  </a:lnTo>
+                  <a:lnTo>
+                    <a:pt x="831" y="10087"/>
+                  </a:lnTo>
+                  <a:lnTo>
+                    <a:pt x="6204" y="4738"/>
+                  </a:lnTo>
+                  <a:lnTo>
+                    <a:pt x="7254" y="4909"/>
+                  </a:lnTo>
+                  <a:lnTo>
+                    <a:pt x="7376" y="4933"/>
+                  </a:lnTo>
+                  <a:lnTo>
+                    <a:pt x="7523" y="4933"/>
+                  </a:lnTo>
+                  <a:lnTo>
+                    <a:pt x="7645" y="4909"/>
+                  </a:lnTo>
+                  <a:lnTo>
+                    <a:pt x="7791" y="4860"/>
+                  </a:lnTo>
+                  <a:lnTo>
+                    <a:pt x="7938" y="4811"/>
+                  </a:lnTo>
+                  <a:lnTo>
+                    <a:pt x="8060" y="4763"/>
+                  </a:lnTo>
+                  <a:lnTo>
+                    <a:pt x="8182" y="4689"/>
+                  </a:lnTo>
+                  <a:lnTo>
+                    <a:pt x="8280" y="4592"/>
+                  </a:lnTo>
+                  <a:lnTo>
+                    <a:pt x="9916" y="2955"/>
+                  </a:lnTo>
+                  <a:lnTo>
+                    <a:pt x="9989" y="2882"/>
+                  </a:lnTo>
+                  <a:lnTo>
+                    <a:pt x="10038" y="2784"/>
+                  </a:lnTo>
+                  <a:lnTo>
+                    <a:pt x="10063" y="2711"/>
+                  </a:lnTo>
+                  <a:lnTo>
+                    <a:pt x="10038" y="2613"/>
+                  </a:lnTo>
+                  <a:lnTo>
+                    <a:pt x="10014" y="2564"/>
+                  </a:lnTo>
+                  <a:lnTo>
+                    <a:pt x="9940" y="2491"/>
+                  </a:lnTo>
+                  <a:lnTo>
+                    <a:pt x="9843" y="2442"/>
+                  </a:lnTo>
+                  <a:lnTo>
+                    <a:pt x="9745" y="2418"/>
+                  </a:lnTo>
+                  <a:lnTo>
+                    <a:pt x="8695" y="2223"/>
+                  </a:lnTo>
+                  <a:lnTo>
+                    <a:pt x="9721" y="1197"/>
+                  </a:lnTo>
+                  <a:lnTo>
+                    <a:pt x="9794" y="1123"/>
+                  </a:lnTo>
+                  <a:lnTo>
+                    <a:pt x="9843" y="1026"/>
+                  </a:lnTo>
+                  <a:lnTo>
+                    <a:pt x="9867" y="953"/>
+                  </a:lnTo>
+                  <a:lnTo>
+                    <a:pt x="9867" y="855"/>
+                  </a:lnTo>
+                  <a:lnTo>
+                    <a:pt x="9867" y="757"/>
+                  </a:lnTo>
+                  <a:lnTo>
+                    <a:pt x="9843" y="659"/>
+                  </a:lnTo>
+                  <a:lnTo>
+                    <a:pt x="9794" y="586"/>
+                  </a:lnTo>
+                  <a:lnTo>
+                    <a:pt x="9721" y="513"/>
+                  </a:lnTo>
+                  <a:lnTo>
+                    <a:pt x="9647" y="440"/>
+                  </a:lnTo>
+                  <a:lnTo>
+                    <a:pt x="9574" y="391"/>
+                  </a:lnTo>
+                  <a:lnTo>
+                    <a:pt x="9476" y="366"/>
+                  </a:lnTo>
+                  <a:lnTo>
+                    <a:pt x="9281" y="366"/>
+                  </a:lnTo>
+                  <a:lnTo>
+                    <a:pt x="9208" y="391"/>
+                  </a:lnTo>
+                  <a:lnTo>
+                    <a:pt x="9110" y="440"/>
+                  </a:lnTo>
+                  <a:lnTo>
+                    <a:pt x="9037" y="513"/>
+                  </a:lnTo>
+                  <a:lnTo>
+                    <a:pt x="7889" y="1661"/>
+                  </a:lnTo>
+                  <a:lnTo>
+                    <a:pt x="7840" y="1490"/>
+                  </a:lnTo>
+                  <a:lnTo>
+                    <a:pt x="7620" y="318"/>
+                  </a:lnTo>
+                  <a:lnTo>
+                    <a:pt x="7596" y="195"/>
+                  </a:lnTo>
+                  <a:lnTo>
+                    <a:pt x="7547" y="98"/>
+                  </a:lnTo>
+                  <a:lnTo>
+                    <a:pt x="7498" y="49"/>
+                  </a:lnTo>
+                  <a:lnTo>
+                    <a:pt x="7425" y="0"/>
+                  </a:lnTo>
+                  <a:close/>
+                </a:path>
+              </a:pathLst>
+            </a:custGeom>
+            <a:solidFill>
+              <a:srgbClr val="000000"/>
+            </a:solidFill>
+            <a:ln>
+              <a:noFill/>
+            </a:ln>
+          </p:spPr>
+          <p:txBody>
+            <a:bodyPr spcFirstLastPara="1" wrap="square" lIns="91425" tIns="91425" rIns="91425" bIns="91425" anchor="ctr" anchorCtr="0">
+              <a:noAutofit/>
+            </a:bodyPr>
+            <a:lstStyle/>
+            <a:p>
+              <a:pPr marL="0" lvl="0" indent="0" algn="l" rtl="0">
+                <a:spcBef>
+                  <a:spcPts val="0"/>
+                </a:spcBef>
+                <a:spcAft>
+                  <a:spcPts val="0"/>
+                </a:spcAft>
+                <a:buNone/>
+              </a:pPr>
+              <a:endParaRPr/>
+            </a:p>
+          </p:txBody>
+        </p:sp>
+      </p:grpSp>
+      <p:sp>
+        <p:nvSpPr>
+          <p:cNvPr id="15" name="Title 1">
+            <a:extLst>
+              <a:ext uri="{FF2B5EF4-FFF2-40B4-BE49-F238E27FC236}">
+                <a16:creationId xmlns:a16="http://schemas.microsoft.com/office/drawing/2014/main" id="{C9FB675D-BBD2-6CEE-6057-8DABC13AB59B}"/>
+              </a:ext>
+            </a:extLst>
+          </p:cNvPr>
+          <p:cNvSpPr txBox="1">
+            <a:spLocks/>
+          </p:cNvSpPr>
+          <p:nvPr/>
+        </p:nvSpPr>
+        <p:spPr>
+          <a:xfrm>
+            <a:off x="602770" y="2156758"/>
+            <a:ext cx="6264478" cy="1159800"/>
+          </a:xfrm>
+          <a:prstGeom prst="rect">
+            <a:avLst/>
+          </a:prstGeom>
+          <a:noFill/>
+          <a:ln>
+            <a:noFill/>
+          </a:ln>
+        </p:spPr>
+        <p:txBody>
+          <a:bodyPr spcFirstLastPara="1" wrap="square" lIns="91425" tIns="91425" rIns="91425" bIns="91425" anchor="b" anchorCtr="0">
+            <a:noAutofit/>
+          </a:bodyPr>
+          <a:lstStyle>
+            <a:defPPr marR="0" lvl="0" algn="l" rtl="0">
+              <a:lnSpc>
+                <a:spcPct val="100000"/>
+              </a:lnSpc>
+              <a:spcBef>
+                <a:spcPts val="0"/>
+              </a:spcBef>
+              <a:spcAft>
+                <a:spcPts val="0"/>
+              </a:spcAft>
+            </a:defPPr>
+            <a:lvl1pPr marR="0" lvl="0" algn="l" rtl="0">
+              <a:lnSpc>
+                <a:spcPct val="100000"/>
+              </a:lnSpc>
+              <a:spcBef>
+                <a:spcPts val="0"/>
+              </a:spcBef>
+              <a:spcAft>
+                <a:spcPts val="0"/>
+              </a:spcAft>
+              <a:buClr>
+                <a:schemeClr val="dk1"/>
+              </a:buClr>
+              <a:buSzPts val="4800"/>
+              <a:buFont typeface="Work Sans"/>
+              <a:buNone/>
+              <a:defRPr sz="4800" b="1" i="0" u="none" strike="noStrike" cap="none">
+                <a:solidFill>
+                  <a:schemeClr val="dk1"/>
+                </a:solidFill>
+                <a:latin typeface="Work Sans"/>
+                <a:ea typeface="Work Sans"/>
+                <a:cs typeface="Work Sans"/>
+                <a:sym typeface="Work Sans"/>
+              </a:defRPr>
+            </a:lvl1pPr>
+            <a:lvl2pPr marR="0" lvl="1" algn="l" rtl="0">
+              <a:lnSpc>
+                <a:spcPct val="100000"/>
+              </a:lnSpc>
+              <a:spcBef>
+                <a:spcPts val="0"/>
+              </a:spcBef>
+              <a:spcAft>
+                <a:spcPts val="0"/>
+              </a:spcAft>
+              <a:buClr>
+                <a:schemeClr val="dk1"/>
+              </a:buClr>
+              <a:buSzPts val="4800"/>
+              <a:buFont typeface="Work Sans"/>
+              <a:buNone/>
+              <a:defRPr sz="4800" b="1" i="0" u="none" strike="noStrike" cap="none">
+                <a:solidFill>
+                  <a:schemeClr val="dk1"/>
+                </a:solidFill>
+                <a:latin typeface="Work Sans"/>
+                <a:ea typeface="Work Sans"/>
+                <a:cs typeface="Work Sans"/>
+                <a:sym typeface="Work Sans"/>
+              </a:defRPr>
+            </a:lvl2pPr>
+            <a:lvl3pPr marR="0" lvl="2" algn="l" rtl="0">
+              <a:lnSpc>
+                <a:spcPct val="100000"/>
+              </a:lnSpc>
+              <a:spcBef>
+                <a:spcPts val="0"/>
+              </a:spcBef>
+              <a:spcAft>
+                <a:spcPts val="0"/>
+              </a:spcAft>
+              <a:buClr>
+                <a:schemeClr val="dk1"/>
+              </a:buClr>
+              <a:buSzPts val="4800"/>
+              <a:buFont typeface="Work Sans"/>
+              <a:buNone/>
+              <a:defRPr sz="4800" b="1" i="0" u="none" strike="noStrike" cap="none">
+                <a:solidFill>
+                  <a:schemeClr val="dk1"/>
+                </a:solidFill>
+                <a:latin typeface="Work Sans"/>
+                <a:ea typeface="Work Sans"/>
+                <a:cs typeface="Work Sans"/>
+                <a:sym typeface="Work Sans"/>
+              </a:defRPr>
+            </a:lvl3pPr>
+            <a:lvl4pPr marR="0" lvl="3" algn="l" rtl="0">
+              <a:lnSpc>
+                <a:spcPct val="100000"/>
+              </a:lnSpc>
+              <a:spcBef>
+                <a:spcPts val="0"/>
+              </a:spcBef>
+              <a:spcAft>
+                <a:spcPts val="0"/>
+              </a:spcAft>
+              <a:buClr>
+                <a:schemeClr val="dk1"/>
+              </a:buClr>
+              <a:buSzPts val="4800"/>
+              <a:buFont typeface="Work Sans"/>
+              <a:buNone/>
+              <a:defRPr sz="4800" b="1" i="0" u="none" strike="noStrike" cap="none">
+                <a:solidFill>
+                  <a:schemeClr val="dk1"/>
+                </a:solidFill>
+                <a:latin typeface="Work Sans"/>
+                <a:ea typeface="Work Sans"/>
+                <a:cs typeface="Work Sans"/>
+                <a:sym typeface="Work Sans"/>
+              </a:defRPr>
+            </a:lvl4pPr>
+            <a:lvl5pPr marR="0" lvl="4" algn="l" rtl="0">
+              <a:lnSpc>
+                <a:spcPct val="100000"/>
+              </a:lnSpc>
+              <a:spcBef>
+                <a:spcPts val="0"/>
+              </a:spcBef>
+              <a:spcAft>
+                <a:spcPts val="0"/>
+              </a:spcAft>
+              <a:buClr>
+                <a:schemeClr val="dk1"/>
+              </a:buClr>
+              <a:buSzPts val="4800"/>
+              <a:buFont typeface="Work Sans"/>
+              <a:buNone/>
+              <a:defRPr sz="4800" b="1" i="0" u="none" strike="noStrike" cap="none">
+                <a:solidFill>
+                  <a:schemeClr val="dk1"/>
+                </a:solidFill>
+                <a:latin typeface="Work Sans"/>
+                <a:ea typeface="Work Sans"/>
+                <a:cs typeface="Work Sans"/>
+                <a:sym typeface="Work Sans"/>
+              </a:defRPr>
+            </a:lvl5pPr>
+            <a:lvl6pPr marR="0" lvl="5" algn="l" rtl="0">
+              <a:lnSpc>
+                <a:spcPct val="100000"/>
+              </a:lnSpc>
+              <a:spcBef>
+                <a:spcPts val="0"/>
+              </a:spcBef>
+              <a:spcAft>
+                <a:spcPts val="0"/>
+              </a:spcAft>
+              <a:buClr>
+                <a:schemeClr val="dk1"/>
+              </a:buClr>
+              <a:buSzPts val="4800"/>
+              <a:buFont typeface="Work Sans"/>
+              <a:buNone/>
+              <a:defRPr sz="4800" b="1" i="0" u="none" strike="noStrike" cap="none">
+                <a:solidFill>
+                  <a:schemeClr val="dk1"/>
+                </a:solidFill>
+                <a:latin typeface="Work Sans"/>
+                <a:ea typeface="Work Sans"/>
+                <a:cs typeface="Work Sans"/>
+                <a:sym typeface="Work Sans"/>
+              </a:defRPr>
+            </a:lvl6pPr>
+            <a:lvl7pPr marR="0" lvl="6" algn="l" rtl="0">
+              <a:lnSpc>
+                <a:spcPct val="100000"/>
+              </a:lnSpc>
+              <a:spcBef>
+                <a:spcPts val="0"/>
+              </a:spcBef>
+              <a:spcAft>
+                <a:spcPts val="0"/>
+              </a:spcAft>
+              <a:buClr>
+                <a:schemeClr val="dk1"/>
+              </a:buClr>
+              <a:buSzPts val="4800"/>
+              <a:buFont typeface="Work Sans"/>
+              <a:buNone/>
+              <a:defRPr sz="4800" b="1" i="0" u="none" strike="noStrike" cap="none">
+                <a:solidFill>
+                  <a:schemeClr val="dk1"/>
+                </a:solidFill>
+                <a:latin typeface="Work Sans"/>
+                <a:ea typeface="Work Sans"/>
+                <a:cs typeface="Work Sans"/>
+                <a:sym typeface="Work Sans"/>
+              </a:defRPr>
+            </a:lvl7pPr>
+            <a:lvl8pPr marR="0" lvl="7" algn="l" rtl="0">
+              <a:lnSpc>
+                <a:spcPct val="100000"/>
+              </a:lnSpc>
+              <a:spcBef>
+                <a:spcPts val="0"/>
+              </a:spcBef>
+              <a:spcAft>
+                <a:spcPts val="0"/>
+              </a:spcAft>
+              <a:buClr>
+                <a:schemeClr val="dk1"/>
+              </a:buClr>
+              <a:buSzPts val="4800"/>
+              <a:buFont typeface="Work Sans"/>
+              <a:buNone/>
+              <a:defRPr sz="4800" b="1" i="0" u="none" strike="noStrike" cap="none">
+                <a:solidFill>
+                  <a:schemeClr val="dk1"/>
+                </a:solidFill>
+                <a:latin typeface="Work Sans"/>
+                <a:ea typeface="Work Sans"/>
+                <a:cs typeface="Work Sans"/>
+                <a:sym typeface="Work Sans"/>
+              </a:defRPr>
+            </a:lvl8pPr>
+            <a:lvl9pPr marR="0" lvl="8" algn="l" rtl="0">
+              <a:lnSpc>
+                <a:spcPct val="100000"/>
+              </a:lnSpc>
+              <a:spcBef>
+                <a:spcPts val="0"/>
+              </a:spcBef>
+              <a:spcAft>
+                <a:spcPts val="0"/>
+              </a:spcAft>
+              <a:buClr>
+                <a:schemeClr val="dk1"/>
+              </a:buClr>
+              <a:buSzPts val="4800"/>
+              <a:buFont typeface="Work Sans"/>
+              <a:buNone/>
+              <a:defRPr sz="4800" b="1" i="0" u="none" strike="noStrike" cap="none">
+                <a:solidFill>
+                  <a:schemeClr val="dk1"/>
+                </a:solidFill>
+                <a:latin typeface="Work Sans"/>
+                <a:ea typeface="Work Sans"/>
+                <a:cs typeface="Work Sans"/>
+                <a:sym typeface="Work Sans"/>
+              </a:defRPr>
+            </a:lvl9pPr>
+          </a:lstStyle>
+          <a:p>
+            <a:r>
+              <a:rPr lang="en-US"/>
+              <a:t>(</a:t>
+            </a:r>
+            <a:r>
+              <a:rPr lang="en-US" b="1" i="1">
+                <a:solidFill>
+                  <a:srgbClr val="003573"/>
+                </a:solidFill>
+                <a:effectLst/>
+                <a:latin typeface="Roboto" panose="02000000000000000000" pitchFamily="2" charset="0"/>
+              </a:rPr>
+              <a:t>Anonymous Class</a:t>
+            </a:r>
+            <a:r>
+              <a:rPr lang="en-US"/>
+              <a:t>)</a:t>
+            </a:r>
+          </a:p>
+        </p:txBody>
+      </p:sp>
+    </p:spTree>
+    <p:extLst>
+      <p:ext uri="{BB962C8B-B14F-4D97-AF65-F5344CB8AC3E}">
+        <p14:creationId xmlns:p14="http://schemas.microsoft.com/office/powerpoint/2010/main" val="3099593086"/>
+      </p:ext>
+    </p:extLst>
+  </p:cSld>
+  <p:clrMapOvr>
+    <a:masterClrMapping/>
+  </p:clrMapOvr>
+</p:sld>
+</file>
+
+<file path=ppt/slides/slide10.xml><?xml version="1.0" encoding="utf-8"?>
+<p:sld xmlns:a="http://schemas.openxmlformats.org/drawingml/2006/main" xmlns:r="http://schemas.openxmlformats.org/officeDocument/2006/relationships" xmlns:p="http://schemas.openxmlformats.org/presentationml/2006/main">
+  <p:cSld>
+    <p:spTree>
+      <p:nvGrpSpPr>
+        <p:cNvPr id="1" name=""/>
+        <p:cNvGrpSpPr/>
+        <p:nvPr/>
+      </p:nvGrpSpPr>
+      <p:grpSpPr>
+        <a:xfrm>
+          <a:off x="0" y="0"/>
+          <a:ext cx="0" cy="0"/>
+          <a:chOff x="0" y="0"/>
+          <a:chExt cx="0" cy="0"/>
+        </a:xfrm>
+      </p:grpSpPr>
+      <p:sp>
+        <p:nvSpPr>
+          <p:cNvPr id="3" name="Text Placeholder 2">
+            <a:extLst>
+              <a:ext uri="{FF2B5EF4-FFF2-40B4-BE49-F238E27FC236}">
+                <a16:creationId xmlns:a16="http://schemas.microsoft.com/office/drawing/2014/main" id="{E1BA9527-E2D2-87EA-7E8C-B283A2D2AEDD}"/>
+              </a:ext>
+            </a:extLst>
+          </p:cNvPr>
+          <p:cNvSpPr>
+            <a:spLocks noGrp="1"/>
+          </p:cNvSpPr>
+          <p:nvPr>
+            <p:ph type="body" idx="1"/>
+          </p:nvPr>
+        </p:nvSpPr>
+        <p:spPr>
+          <a:xfrm>
+            <a:off x="869100" y="1833097"/>
+            <a:ext cx="7405800" cy="1002000"/>
+          </a:xfrm>
+        </p:spPr>
+        <p:txBody>
+          <a:bodyPr/>
+          <a:lstStyle/>
+          <a:p>
+            <a:r>
+              <a:rPr lang="vi-VN"/>
+              <a:t>Biểu thức lambda sử dụng chính để thể hiện các giao diện có duy nhất 1 phương thức trừu tượng</a:t>
+            </a:r>
+            <a:r>
+              <a:rPr lang="en-US"/>
+              <a:t>.</a:t>
+            </a:r>
+          </a:p>
+        </p:txBody>
+      </p:sp>
+      <p:sp>
+        <p:nvSpPr>
+          <p:cNvPr id="4" name="Slide Number Placeholder 3">
+            <a:extLst>
+              <a:ext uri="{FF2B5EF4-FFF2-40B4-BE49-F238E27FC236}">
+                <a16:creationId xmlns:a16="http://schemas.microsoft.com/office/drawing/2014/main" id="{E78770F5-967E-DEAA-8035-25EFA5BB1CEC}"/>
+              </a:ext>
+            </a:extLst>
+          </p:cNvPr>
+          <p:cNvSpPr>
+            <a:spLocks noGrp="1"/>
+          </p:cNvSpPr>
+          <p:nvPr>
+            <p:ph type="sldNum" idx="12"/>
+          </p:nvPr>
+        </p:nvSpPr>
+        <p:spPr/>
+        <p:txBody>
+          <a:bodyPr/>
+          <a:lstStyle/>
+          <a:p>
+            <a:pPr marL="0" lvl="0" indent="0" algn="r" rtl="0">
+              <a:spcBef>
+                <a:spcPts val="0"/>
+              </a:spcBef>
+              <a:spcAft>
+                <a:spcPts val="0"/>
+              </a:spcAft>
+              <a:buNone/>
+            </a:pPr>
+            <a:fld id="{00000000-1234-1234-1234-123412341234}" type="slidenum">
+              <a:rPr lang="en" smtClean="0"/>
+              <a:t>10</a:t>
+            </a:fld>
+            <a:endParaRPr lang="en"/>
+          </a:p>
+        </p:txBody>
+      </p:sp>
+    </p:spTree>
+    <p:extLst>
+      <p:ext uri="{BB962C8B-B14F-4D97-AF65-F5344CB8AC3E}">
+        <p14:creationId xmlns:p14="http://schemas.microsoft.com/office/powerpoint/2010/main" val="281672299"/>
+      </p:ext>
+    </p:extLst>
+  </p:cSld>
+  <p:clrMapOvr>
+    <a:masterClrMapping/>
+  </p:clrMapOvr>
+  <p:timing>
+    <p:tnLst>
+      <p:par>
+        <p:cTn id="1" dur="indefinite" restart="never" nodeType="tmRoot">
+          <p:childTnLst>
+            <p:seq concurrent="1" nextAc="seek">
+              <p:cTn id="2" dur="indefinite" nodeType="mainSeq">
+                <p:childTnLst>
+                  <p:par>
+                    <p:cTn id="3" fill="hold">
+                      <p:stCondLst>
+                        <p:cond delay="indefinite"/>
+                      </p:stCondLst>
+                      <p:childTnLst>
+                        <p:par>
+                          <p:cTn id="4" fill="hold">
+                            <p:stCondLst>
+                              <p:cond delay="0"/>
+                            </p:stCondLst>
+                            <p:childTnLst>
+                              <p:par>
+                                <p:cTn id="5" presetID="2" presetClass="entr" presetSubtype="4" fill="hold" grpId="0" nodeType="clickEffect">
+                                  <p:stCondLst>
+                                    <p:cond delay="0"/>
+                                  </p:stCondLst>
+                                  <p:childTnLst>
+                                    <p:set>
+                                      <p:cBhvr>
+                                        <p:cTn id="6" dur="1" fill="hold">
+                                          <p:stCondLst>
+                                            <p:cond delay="0"/>
+                                          </p:stCondLst>
+                                        </p:cTn>
+                                        <p:tgtEl>
+                                          <p:spTgt spid="3">
+                                            <p:txEl>
+                                              <p:pRg st="0" end="0"/>
+                                            </p:txEl>
+                                          </p:spTgt>
+                                        </p:tgtEl>
+                                        <p:attrNameLst>
+                                          <p:attrName>style.visibility</p:attrName>
+                                        </p:attrNameLst>
+                                      </p:cBhvr>
+                                      <p:to>
+                                        <p:strVal val="visible"/>
+                                      </p:to>
+                                    </p:set>
+                                    <p:anim calcmode="lin" valueType="num">
+                                      <p:cBhvr additive="base">
+                                        <p:cTn id="7" dur="500" fill="hold"/>
+                                        <p:tgtEl>
+                                          <p:spTgt spid="3">
+                                            <p:txEl>
+                                              <p:pRg st="0" end="0"/>
+                                            </p:txEl>
+                                          </p:spTgt>
+                                        </p:tgtEl>
+                                        <p:attrNameLst>
+                                          <p:attrName>ppt_x</p:attrName>
+                                        </p:attrNameLst>
+                                      </p:cBhvr>
+                                      <p:tavLst>
+                                        <p:tav tm="0">
+                                          <p:val>
+                                            <p:strVal val="#ppt_x"/>
+                                          </p:val>
+                                        </p:tav>
+                                        <p:tav tm="100000">
+                                          <p:val>
+                                            <p:strVal val="#ppt_x"/>
+                                          </p:val>
+                                        </p:tav>
+                                      </p:tavLst>
+                                    </p:anim>
+                                    <p:anim calcmode="lin" valueType="num">
+                                      <p:cBhvr additive="base">
+                                        <p:cTn id="8" dur="500" fill="hold"/>
+                                        <p:tgtEl>
+                                          <p:spTgt spid="3">
+                                            <p:txEl>
+                                              <p:pRg st="0" end="0"/>
+                                            </p:txEl>
+                                          </p:spTgt>
+                                        </p:tgtEl>
+                                        <p:attrNameLst>
+                                          <p:attrName>ppt_y</p:attrName>
+                                        </p:attrNameLst>
+                                      </p:cBhvr>
+                                      <p:tavLst>
+                                        <p:tav tm="0">
+                                          <p:val>
+                                            <p:strVal val="1+#ppt_h/2"/>
+                                          </p:val>
+                                        </p:tav>
+                                        <p:tav tm="100000">
+                                          <p:val>
+                                            <p:strVal val="#ppt_y"/>
+                                          </p:val>
+                                        </p:tav>
+                                      </p:tavLst>
+                                    </p:anim>
+                                  </p:childTnLst>
+                                </p:cTn>
+                              </p:par>
+                            </p:childTnLst>
+                          </p:cTn>
+                        </p:par>
+                      </p:childTnLst>
+                    </p:cTn>
+                  </p:par>
+                </p:childTnLst>
+              </p:cTn>
+              <p:prevCondLst>
+                <p:cond evt="onPrev" delay="0">
+                  <p:tgtEl>
+                    <p:sldTgt/>
+                  </p:tgtEl>
+                </p:cond>
+              </p:prevCondLst>
+              <p:nextCondLst>
+                <p:cond evt="onNext" delay="0">
+                  <p:tgtEl>
+                    <p:sldTgt/>
+                  </p:tgtEl>
+                </p:cond>
+              </p:nextCondLst>
+            </p:seq>
+          </p:childTnLst>
+        </p:cTn>
+      </p:par>
+    </p:tnLst>
+    <p:bldLst>
+      <p:bldP spid="3" grpId="0" build="p"/>
+    </p:bldLst>
+  </p:timing>
+</p:sld>
+</file>
+
+<file path=ppt/slides/slide11.xml><?xml version="1.0" encoding="utf-8"?>
+<p:sld xmlns:a="http://schemas.openxmlformats.org/drawingml/2006/main" xmlns:r="http://schemas.openxmlformats.org/officeDocument/2006/relationships" xmlns:p="http://schemas.openxmlformats.org/presentationml/2006/main">
+  <p:cSld>
+    <p:spTree>
+      <p:nvGrpSpPr>
+        <p:cNvPr id="1" name=""/>
+        <p:cNvGrpSpPr/>
+        <p:nvPr/>
+      </p:nvGrpSpPr>
+      <p:grpSpPr>
+        <a:xfrm>
+          <a:off x="0" y="0"/>
+          <a:ext cx="0" cy="0"/>
+          <a:chOff x="0" y="0"/>
+          <a:chExt cx="0" cy="0"/>
+        </a:xfrm>
+      </p:grpSpPr>
+      <p:sp>
+        <p:nvSpPr>
+          <p:cNvPr id="4" name="Slide Number Placeholder 3">
+            <a:extLst>
+              <a:ext uri="{FF2B5EF4-FFF2-40B4-BE49-F238E27FC236}">
+                <a16:creationId xmlns:a16="http://schemas.microsoft.com/office/drawing/2014/main" id="{EB8605B1-C986-0C2E-6BD8-24FCF8879998}"/>
+              </a:ext>
+            </a:extLst>
+          </p:cNvPr>
+          <p:cNvSpPr>
+            <a:spLocks noGrp="1"/>
+          </p:cNvSpPr>
+          <p:nvPr>
+            <p:ph type="sldNum" idx="12"/>
+          </p:nvPr>
+        </p:nvSpPr>
+        <p:spPr/>
+        <p:txBody>
+          <a:bodyPr/>
+          <a:lstStyle/>
+          <a:p>
+            <a:pPr marL="0" lvl="0" indent="0" algn="r" rtl="0">
+              <a:spcBef>
+                <a:spcPts val="0"/>
+              </a:spcBef>
+              <a:spcAft>
+                <a:spcPts val="0"/>
+              </a:spcAft>
+              <a:buNone/>
+            </a:pPr>
+            <a:fld id="{00000000-1234-1234-1234-123412341234}" type="slidenum">
+              <a:rPr lang="en" smtClean="0"/>
+              <a:t>11</a:t>
+            </a:fld>
+            <a:endParaRPr lang="en"/>
+          </a:p>
+        </p:txBody>
+      </p:sp>
+      <p:pic>
+        <p:nvPicPr>
+          <p:cNvPr id="6" name="Picture 5">
+            <a:extLst>
+              <a:ext uri="{FF2B5EF4-FFF2-40B4-BE49-F238E27FC236}">
+                <a16:creationId xmlns:a16="http://schemas.microsoft.com/office/drawing/2014/main" id="{DD118F5E-9BA4-1682-24CB-3EA6BC0E5A5F}"/>
+              </a:ext>
+            </a:extLst>
+          </p:cNvPr>
+          <p:cNvPicPr>
+            <a:picLocks noChangeAspect="1"/>
+          </p:cNvPicPr>
+          <p:nvPr/>
+        </p:nvPicPr>
+        <p:blipFill>
+          <a:blip r:embed="rId2"/>
+          <a:stretch>
+            <a:fillRect/>
+          </a:stretch>
+        </p:blipFill>
+        <p:spPr>
+          <a:xfrm>
+            <a:off x="745720" y="618708"/>
+            <a:ext cx="4111573" cy="619211"/>
+          </a:xfrm>
+          <a:prstGeom prst="rect">
+            <a:avLst/>
+          </a:prstGeom>
+        </p:spPr>
+      </p:pic>
+      <p:pic>
+        <p:nvPicPr>
+          <p:cNvPr id="8" name="Picture 7">
+            <a:extLst>
+              <a:ext uri="{FF2B5EF4-FFF2-40B4-BE49-F238E27FC236}">
+                <a16:creationId xmlns:a16="http://schemas.microsoft.com/office/drawing/2014/main" id="{31BC3DE0-52BE-E116-889A-AB559762D938}"/>
+              </a:ext>
+            </a:extLst>
+          </p:cNvPr>
+          <p:cNvPicPr>
+            <a:picLocks noChangeAspect="1"/>
+          </p:cNvPicPr>
+          <p:nvPr/>
+        </p:nvPicPr>
+        <p:blipFill>
+          <a:blip r:embed="rId3"/>
+          <a:stretch>
+            <a:fillRect/>
+          </a:stretch>
+        </p:blipFill>
+        <p:spPr>
+          <a:xfrm>
+            <a:off x="4194632" y="3261637"/>
+            <a:ext cx="4239217" cy="1324160"/>
+          </a:xfrm>
+          <a:prstGeom prst="rect">
+            <a:avLst/>
+          </a:prstGeom>
+        </p:spPr>
+      </p:pic>
+      <p:pic>
+        <p:nvPicPr>
+          <p:cNvPr id="10" name="Picture 9">
+            <a:extLst>
+              <a:ext uri="{FF2B5EF4-FFF2-40B4-BE49-F238E27FC236}">
+                <a16:creationId xmlns:a16="http://schemas.microsoft.com/office/drawing/2014/main" id="{C71C3B6A-38A6-137C-A9C5-639112E10D22}"/>
+              </a:ext>
+            </a:extLst>
+          </p:cNvPr>
+          <p:cNvPicPr>
+            <a:picLocks noChangeAspect="1"/>
+          </p:cNvPicPr>
+          <p:nvPr/>
+        </p:nvPicPr>
+        <p:blipFill>
+          <a:blip r:embed="rId4"/>
+          <a:stretch>
+            <a:fillRect/>
+          </a:stretch>
+        </p:blipFill>
+        <p:spPr>
+          <a:xfrm>
+            <a:off x="1570128" y="1382882"/>
+            <a:ext cx="5249008" cy="1733792"/>
+          </a:xfrm>
+          <a:prstGeom prst="rect">
+            <a:avLst/>
+          </a:prstGeom>
+        </p:spPr>
+      </p:pic>
+    </p:spTree>
+    <p:extLst>
+      <p:ext uri="{BB962C8B-B14F-4D97-AF65-F5344CB8AC3E}">
+        <p14:creationId xmlns:p14="http://schemas.microsoft.com/office/powerpoint/2010/main" val="1251228716"/>
+      </p:ext>
+    </p:extLst>
+  </p:cSld>
+  <p:clrMapOvr>
+    <a:masterClrMapping/>
+  </p:clrMapOvr>
+</p:sld>
+</file>
+
+<file path=ppt/slides/slide12.xml><?xml version="1.0" encoding="utf-8"?>
+<p:sld xmlns:a="http://schemas.openxmlformats.org/drawingml/2006/main" xmlns:r="http://schemas.openxmlformats.org/officeDocument/2006/relationships" xmlns:p="http://schemas.openxmlformats.org/presentationml/2006/main">
+  <p:cSld>
+    <p:spTree>
+      <p:nvGrpSpPr>
+        <p:cNvPr id="1" name=""/>
+        <p:cNvGrpSpPr/>
+        <p:nvPr/>
+      </p:nvGrpSpPr>
+      <p:grpSpPr>
+        <a:xfrm>
+          <a:off x="0" y="0"/>
+          <a:ext cx="0" cy="0"/>
+          <a:chOff x="0" y="0"/>
+          <a:chExt cx="0" cy="0"/>
+        </a:xfrm>
+      </p:grpSpPr>
+      <p:sp>
+        <p:nvSpPr>
+          <p:cNvPr id="4" name="Slide Number Placeholder 3">
+            <a:extLst>
+              <a:ext uri="{FF2B5EF4-FFF2-40B4-BE49-F238E27FC236}">
+                <a16:creationId xmlns:a16="http://schemas.microsoft.com/office/drawing/2014/main" id="{A336AEF3-97B2-3E72-3AC5-094F95F09282}"/>
+              </a:ext>
+            </a:extLst>
+          </p:cNvPr>
+          <p:cNvSpPr>
+            <a:spLocks noGrp="1"/>
+          </p:cNvSpPr>
+          <p:nvPr>
+            <p:ph type="sldNum" idx="12"/>
+          </p:nvPr>
+        </p:nvSpPr>
+        <p:spPr/>
+        <p:txBody>
+          <a:bodyPr/>
+          <a:lstStyle/>
+          <a:p>
+            <a:pPr marL="0" lvl="0" indent="0" algn="r" rtl="0">
+              <a:spcBef>
+                <a:spcPts val="0"/>
+              </a:spcBef>
+              <a:spcAft>
+                <a:spcPts val="0"/>
+              </a:spcAft>
+              <a:buNone/>
+            </a:pPr>
+            <a:fld id="{00000000-1234-1234-1234-123412341234}" type="slidenum">
+              <a:rPr lang="en" smtClean="0"/>
+              <a:t>12</a:t>
+            </a:fld>
+            <a:endParaRPr lang="en"/>
+          </a:p>
+        </p:txBody>
+      </p:sp>
+      <p:pic>
+        <p:nvPicPr>
+          <p:cNvPr id="6" name="Picture 5">
+            <a:extLst>
+              <a:ext uri="{FF2B5EF4-FFF2-40B4-BE49-F238E27FC236}">
+                <a16:creationId xmlns:a16="http://schemas.microsoft.com/office/drawing/2014/main" id="{83FAFD26-EC95-23E5-3518-EBB1090CB332}"/>
+              </a:ext>
+            </a:extLst>
+          </p:cNvPr>
+          <p:cNvPicPr>
+            <a:picLocks noChangeAspect="1"/>
+          </p:cNvPicPr>
+          <p:nvPr/>
+        </p:nvPicPr>
+        <p:blipFill>
+          <a:blip r:embed="rId2"/>
+          <a:stretch>
+            <a:fillRect/>
+          </a:stretch>
+        </p:blipFill>
+        <p:spPr>
+          <a:xfrm>
+            <a:off x="2771736" y="2357359"/>
+            <a:ext cx="5458587" cy="1648055"/>
+          </a:xfrm>
+          <a:prstGeom prst="rect">
+            <a:avLst/>
+          </a:prstGeom>
+        </p:spPr>
+      </p:pic>
+      <p:pic>
+        <p:nvPicPr>
+          <p:cNvPr id="7" name="Picture 6">
+            <a:extLst>
+              <a:ext uri="{FF2B5EF4-FFF2-40B4-BE49-F238E27FC236}">
+                <a16:creationId xmlns:a16="http://schemas.microsoft.com/office/drawing/2014/main" id="{6F5C8DF9-6002-54D5-1FD6-761DAB75AFE7}"/>
+              </a:ext>
+            </a:extLst>
+          </p:cNvPr>
+          <p:cNvPicPr>
+            <a:picLocks noChangeAspect="1"/>
+          </p:cNvPicPr>
+          <p:nvPr/>
+        </p:nvPicPr>
+        <p:blipFill>
+          <a:blip r:embed="rId3"/>
+          <a:stretch>
+            <a:fillRect/>
+          </a:stretch>
+        </p:blipFill>
+        <p:spPr>
+          <a:xfrm>
+            <a:off x="943231" y="1138086"/>
+            <a:ext cx="4111573" cy="690714"/>
+          </a:xfrm>
+          <a:prstGeom prst="rect">
+            <a:avLst/>
+          </a:prstGeom>
+        </p:spPr>
+      </p:pic>
+    </p:spTree>
+    <p:extLst>
+      <p:ext uri="{BB962C8B-B14F-4D97-AF65-F5344CB8AC3E}">
+        <p14:creationId xmlns:p14="http://schemas.microsoft.com/office/powerpoint/2010/main" val="856331890"/>
+      </p:ext>
+    </p:extLst>
+  </p:cSld>
+  <p:clrMapOvr>
+    <a:masterClrMapping/>
+  </p:clrMapOvr>
+</p:sld>
+</file>
+
+<file path=ppt/slides/slide2.xml><?xml version="1.0" encoding="utf-8"?>
+<p:sld xmlns:a="http://schemas.openxmlformats.org/drawingml/2006/main" xmlns:r="http://schemas.openxmlformats.org/officeDocument/2006/relationships" xmlns:p="http://schemas.openxmlformats.org/presentationml/2006/main">
+  <p:cSld>
+    <p:spTree>
+      <p:nvGrpSpPr>
+        <p:cNvPr id="1" name=""/>
+        <p:cNvGrpSpPr/>
+        <p:nvPr/>
+      </p:nvGrpSpPr>
+      <p:grpSpPr>
+        <a:xfrm>
+          <a:off x="0" y="0"/>
+          <a:ext cx="0" cy="0"/>
+          <a:chOff x="0" y="0"/>
+          <a:chExt cx="0" cy="0"/>
+        </a:xfrm>
+      </p:grpSpPr>
+      <p:sp>
+        <p:nvSpPr>
+          <p:cNvPr id="2" name="Title 1">
+            <a:extLst>
+              <a:ext uri="{FF2B5EF4-FFF2-40B4-BE49-F238E27FC236}">
+                <a16:creationId xmlns:a16="http://schemas.microsoft.com/office/drawing/2014/main" id="{EEBE8625-A865-4330-2B01-9D2BEFA064D3}"/>
+              </a:ext>
+            </a:extLst>
+          </p:cNvPr>
+          <p:cNvSpPr>
+            <a:spLocks noGrp="1"/>
+          </p:cNvSpPr>
+          <p:nvPr>
+            <p:ph type="title"/>
+          </p:nvPr>
+        </p:nvSpPr>
+        <p:spPr>
+          <a:xfrm>
+            <a:off x="658135" y="396752"/>
+            <a:ext cx="5092200" cy="859646"/>
+          </a:xfrm>
+        </p:spPr>
+        <p:txBody>
+          <a:bodyPr/>
+          <a:lstStyle/>
+          <a:p>
+            <a:r>
+              <a:rPr lang="en-US"/>
+              <a:t>1. Khái niệm</a:t>
+            </a:r>
+          </a:p>
+        </p:txBody>
+      </p:sp>
+      <p:sp>
+        <p:nvSpPr>
+          <p:cNvPr id="3" name="Text Placeholder 2">
+            <a:extLst>
+              <a:ext uri="{FF2B5EF4-FFF2-40B4-BE49-F238E27FC236}">
+                <a16:creationId xmlns:a16="http://schemas.microsoft.com/office/drawing/2014/main" id="{963BEEC6-E08A-DFF6-3789-80BE58E1F3F3}"/>
+              </a:ext>
+            </a:extLst>
+          </p:cNvPr>
+          <p:cNvSpPr>
+            <a:spLocks noGrp="1"/>
+          </p:cNvSpPr>
+          <p:nvPr>
+            <p:ph type="body" idx="1"/>
+          </p:nvPr>
+        </p:nvSpPr>
+        <p:spPr>
+          <a:xfrm>
+            <a:off x="869100" y="1256398"/>
+            <a:ext cx="7405800" cy="2272248"/>
+          </a:xfrm>
+        </p:spPr>
+        <p:txBody>
+          <a:bodyPr/>
+          <a:lstStyle/>
+          <a:p>
+            <a:r>
+              <a:rPr lang="en-US"/>
+              <a:t>Trong java có lớp có thể chứa một lớp khác được gọi là lớp lồng nhau.</a:t>
+            </a:r>
+          </a:p>
+          <a:p>
+            <a:r>
+              <a:rPr lang="en-US"/>
+              <a:t>Có thể tạo 1 lớp lồng nhau mà không cần đặt bất kì tên nào.</a:t>
+            </a:r>
+          </a:p>
+          <a:p>
+            <a:r>
+              <a:rPr lang="en-US"/>
+              <a:t>Một lớp lồng nhau không có bất kì tên nào thì được gọi là lớp ẩn danh</a:t>
+            </a:r>
+          </a:p>
+        </p:txBody>
+      </p:sp>
+      <p:sp>
+        <p:nvSpPr>
+          <p:cNvPr id="4" name="Slide Number Placeholder 3">
+            <a:extLst>
+              <a:ext uri="{FF2B5EF4-FFF2-40B4-BE49-F238E27FC236}">
+                <a16:creationId xmlns:a16="http://schemas.microsoft.com/office/drawing/2014/main" id="{7C59957F-82D2-F410-51F8-2D208483ED87}"/>
+              </a:ext>
+            </a:extLst>
+          </p:cNvPr>
+          <p:cNvSpPr>
+            <a:spLocks noGrp="1"/>
+          </p:cNvSpPr>
+          <p:nvPr>
+            <p:ph type="sldNum" idx="12"/>
+          </p:nvPr>
+        </p:nvSpPr>
+        <p:spPr/>
+        <p:txBody>
+          <a:bodyPr/>
+          <a:lstStyle/>
+          <a:p>
+            <a:pPr marL="0" lvl="0" indent="0" algn="r" rtl="0">
+              <a:spcBef>
+                <a:spcPts val="0"/>
+              </a:spcBef>
+              <a:spcAft>
+                <a:spcPts val="0"/>
+              </a:spcAft>
+              <a:buNone/>
+            </a:pPr>
+            <a:fld id="{00000000-1234-1234-1234-123412341234}" type="slidenum">
+              <a:rPr lang="en" smtClean="0"/>
+              <a:t>2</a:t>
+            </a:fld>
+            <a:endParaRPr lang="en"/>
+          </a:p>
+        </p:txBody>
+      </p:sp>
+    </p:spTree>
+    <p:extLst>
+      <p:ext uri="{BB962C8B-B14F-4D97-AF65-F5344CB8AC3E}">
+        <p14:creationId xmlns:p14="http://schemas.microsoft.com/office/powerpoint/2010/main" val="1079380178"/>
+      </p:ext>
+    </p:extLst>
+  </p:cSld>
+  <p:clrMapOvr>
+    <a:masterClrMapping/>
+  </p:clrMapOvr>
+</p:sld>
+</file>
+
+<file path=ppt/slides/slide3.xml><?xml version="1.0" encoding="utf-8"?>
+<p:sld xmlns:a="http://schemas.openxmlformats.org/drawingml/2006/main" xmlns:r="http://schemas.openxmlformats.org/officeDocument/2006/relationships" xmlns:p="http://schemas.openxmlformats.org/presentationml/2006/main">
+  <p:cSld>
+    <p:spTree>
+      <p:nvGrpSpPr>
+        <p:cNvPr id="1" name=""/>
+        <p:cNvGrpSpPr/>
+        <p:nvPr/>
+      </p:nvGrpSpPr>
+      <p:grpSpPr>
+        <a:xfrm>
+          <a:off x="0" y="0"/>
+          <a:ext cx="0" cy="0"/>
+          <a:chOff x="0" y="0"/>
+          <a:chExt cx="0" cy="0"/>
+        </a:xfrm>
+      </p:grpSpPr>
+      <p:sp>
+        <p:nvSpPr>
+          <p:cNvPr id="2" name="Title 1">
+            <a:extLst>
+              <a:ext uri="{FF2B5EF4-FFF2-40B4-BE49-F238E27FC236}">
+                <a16:creationId xmlns:a16="http://schemas.microsoft.com/office/drawing/2014/main" id="{5EDB2AD7-E7EE-F9B0-AD7C-35EAC5100A0E}"/>
+              </a:ext>
+            </a:extLst>
+          </p:cNvPr>
+          <p:cNvSpPr>
+            <a:spLocks noGrp="1"/>
+          </p:cNvSpPr>
+          <p:nvPr>
+            <p:ph type="title"/>
+          </p:nvPr>
+        </p:nvSpPr>
+        <p:spPr>
+          <a:xfrm>
+            <a:off x="705026" y="1093784"/>
+            <a:ext cx="7090820" cy="735015"/>
+          </a:xfrm>
+        </p:spPr>
+        <p:txBody>
+          <a:bodyPr/>
+          <a:lstStyle/>
+          <a:p>
+            <a:r>
+              <a:rPr lang="en-US"/>
+              <a:t>? Nhận biết đâu là lớp ẩn danh</a:t>
+            </a:r>
+          </a:p>
+        </p:txBody>
+      </p:sp>
+      <p:sp>
+        <p:nvSpPr>
+          <p:cNvPr id="4" name="Slide Number Placeholder 3">
+            <a:extLst>
+              <a:ext uri="{FF2B5EF4-FFF2-40B4-BE49-F238E27FC236}">
+                <a16:creationId xmlns:a16="http://schemas.microsoft.com/office/drawing/2014/main" id="{70CB7206-3E90-6FAA-A07F-29C06A58B621}"/>
+              </a:ext>
+            </a:extLst>
+          </p:cNvPr>
+          <p:cNvSpPr>
+            <a:spLocks noGrp="1"/>
+          </p:cNvSpPr>
+          <p:nvPr>
+            <p:ph type="sldNum" idx="12"/>
+          </p:nvPr>
+        </p:nvSpPr>
+        <p:spPr/>
+        <p:txBody>
+          <a:bodyPr/>
+          <a:lstStyle/>
+          <a:p>
+            <a:pPr marL="0" lvl="0" indent="0" algn="r" rtl="0">
+              <a:spcBef>
+                <a:spcPts val="0"/>
+              </a:spcBef>
+              <a:spcAft>
+                <a:spcPts val="0"/>
+              </a:spcAft>
+              <a:buNone/>
+            </a:pPr>
+            <a:fld id="{00000000-1234-1234-1234-123412341234}" type="slidenum">
+              <a:rPr lang="en" smtClean="0"/>
+              <a:t>3</a:t>
+            </a:fld>
+            <a:endParaRPr lang="en"/>
+          </a:p>
+        </p:txBody>
+      </p:sp>
+      <p:sp>
+        <p:nvSpPr>
+          <p:cNvPr id="5" name="Text Placeholder 2">
+            <a:extLst>
+              <a:ext uri="{FF2B5EF4-FFF2-40B4-BE49-F238E27FC236}">
+                <a16:creationId xmlns:a16="http://schemas.microsoft.com/office/drawing/2014/main" id="{BDE35463-C92F-F4A6-A0C6-5688FD91E926}"/>
+              </a:ext>
+            </a:extLst>
+          </p:cNvPr>
+          <p:cNvSpPr>
+            <a:spLocks noGrp="1"/>
+          </p:cNvSpPr>
+          <p:nvPr>
+            <p:ph type="body" idx="1"/>
+          </p:nvPr>
+        </p:nvSpPr>
+        <p:spPr>
+          <a:xfrm>
+            <a:off x="547536" y="1561198"/>
+            <a:ext cx="7405800" cy="2272248"/>
+          </a:xfrm>
+        </p:spPr>
+        <p:txBody>
+          <a:bodyPr/>
+          <a:lstStyle/>
+          <a:p>
+            <a:r>
+              <a:rPr lang="en-US"/>
+              <a:t>Ví dụ:</a:t>
+            </a:r>
+          </a:p>
+          <a:p>
+            <a:pPr lvl="1"/>
+            <a:endParaRPr lang="en-US">
+              <a:latin typeface="Times New Roman" panose="02020603050405020304" pitchFamily="18" charset="0"/>
+              <a:cs typeface="Times New Roman" panose="02020603050405020304" pitchFamily="18" charset="0"/>
+            </a:endParaRPr>
+          </a:p>
+        </p:txBody>
+      </p:sp>
+      <p:sp>
+        <p:nvSpPr>
+          <p:cNvPr id="6" name="Rectangle 1">
+            <a:extLst>
+              <a:ext uri="{FF2B5EF4-FFF2-40B4-BE49-F238E27FC236}">
+                <a16:creationId xmlns:a16="http://schemas.microsoft.com/office/drawing/2014/main" id="{9309C394-C473-7533-3598-CA81F14F632F}"/>
+              </a:ext>
+            </a:extLst>
+          </p:cNvPr>
+          <p:cNvSpPr>
+            <a:spLocks noChangeArrowheads="1"/>
+          </p:cNvSpPr>
+          <p:nvPr/>
+        </p:nvSpPr>
+        <p:spPr bwMode="auto">
+          <a:xfrm>
+            <a:off x="973016" y="1875690"/>
+            <a:ext cx="2907802" cy="1588745"/>
+          </a:xfrm>
+          <a:prstGeom prst="rect">
+            <a:avLst/>
+          </a:prstGeom>
+          <a:noFill/>
+          <a:ln>
+            <a:noFill/>
+          </a:ln>
+          <a:effectLst/>
+          <a:extLst>
+            <a:ext uri="{909E8E84-426E-40DD-AFC4-6F175D3DCCD1}">
+              <a14:hiddenFill xmlns:a14="http://schemas.microsoft.com/office/drawing/2010/main">
+                <a:solidFill>
+                  <a:schemeClr val="accent1"/>
+                </a:solidFill>
+              </a14:hiddenFill>
+            </a:ext>
+            <a:ext uri="{91240B29-F687-4F45-9708-019B960494DF}">
+              <a14:hiddenLine xmlns:a14="http://schemas.microsoft.com/office/drawing/2010/main" w="9525">
+                <a:solidFill>
+                  <a:schemeClr val="tx1"/>
+                </a:solidFill>
+                <a:miter lim="800000"/>
+                <a:headEnd/>
+                <a:tailEnd/>
+              </a14:hiddenLine>
+            </a:ext>
+            <a:ext uri="{AF507438-7753-43E0-B8FC-AC1667EBCBE1}">
+              <a14:hiddenEffects xmlns:a14="http://schemas.microsoft.com/office/drawing/2010/main">
+                <a:effectLst>
+                  <a:outerShdw dist="35921" dir="2700000" algn="ctr" rotWithShape="0">
+                    <a:schemeClr val="bg2"/>
+                  </a:outerShdw>
+                </a:effectLst>
+              </a14:hiddenEffects>
+            </a:ext>
+          </a:extLst>
+        </p:spPr>
+        <p:txBody>
+          <a:bodyPr vert="horz" wrap="none" lIns="142830" tIns="238050" rIns="0" bIns="238050" numCol="1" anchor="ctr" anchorCtr="0" compatLnSpc="1">
+            <a:prstTxWarp prst="textNoShape">
+              <a:avLst/>
+            </a:prstTxWarp>
+            <a:spAutoFit/>
+          </a:bodyPr>
+          <a:lstStyle/>
+          <a:p>
+            <a:pPr marL="0" marR="0" lvl="0" indent="0" algn="l" defTabSz="914400" rtl="0" eaLnBrk="0" fontAlgn="base" latinLnBrk="0" hangingPunct="0">
+              <a:lnSpc>
+                <a:spcPct val="100000"/>
+              </a:lnSpc>
+              <a:spcBef>
+                <a:spcPct val="0"/>
+              </a:spcBef>
+              <a:spcAft>
+                <a:spcPct val="0"/>
+              </a:spcAft>
+              <a:buClrTx/>
+              <a:buSzTx/>
+              <a:buFontTx/>
+              <a:buNone/>
+              <a:tabLst/>
+            </a:pPr>
+            <a:r>
+              <a:rPr kumimoji="0" lang="en-US" altLang="en-US" sz="1800" b="1" i="0" u="none" strike="noStrike" cap="none" normalizeH="0" baseline="0">
+                <a:ln>
+                  <a:noFill/>
+                </a:ln>
+                <a:solidFill>
+                  <a:schemeClr val="tx1"/>
+                </a:solidFill>
+                <a:effectLst/>
+                <a:latin typeface="Times New Roman" panose="02020603050405020304" pitchFamily="18" charset="0"/>
+                <a:cs typeface="Times New Roman" panose="02020603050405020304" pitchFamily="18" charset="0"/>
+              </a:rPr>
+              <a:t>class tên_lớp { </a:t>
+            </a:r>
+          </a:p>
+          <a:p>
+            <a:pPr marL="0" marR="0" lvl="0" indent="0" algn="l" defTabSz="914400" rtl="0" eaLnBrk="0" fontAlgn="base" latinLnBrk="0" hangingPunct="0">
+              <a:lnSpc>
+                <a:spcPct val="100000"/>
+              </a:lnSpc>
+              <a:spcBef>
+                <a:spcPct val="0"/>
+              </a:spcBef>
+              <a:spcAft>
+                <a:spcPct val="0"/>
+              </a:spcAft>
+              <a:buClrTx/>
+              <a:buSzTx/>
+              <a:buFontTx/>
+              <a:buNone/>
+              <a:tabLst/>
+            </a:pPr>
+            <a:r>
+              <a:rPr kumimoji="0" lang="en-US" altLang="en-US" sz="1800" b="1" i="0" u="none" strike="noStrike" cap="none" normalizeH="0" baseline="0">
+                <a:ln>
+                  <a:noFill/>
+                </a:ln>
+                <a:solidFill>
+                  <a:schemeClr val="tx1"/>
+                </a:solidFill>
+                <a:effectLst/>
+                <a:latin typeface="Times New Roman" panose="02020603050405020304" pitchFamily="18" charset="0"/>
+                <a:cs typeface="Times New Roman" panose="02020603050405020304" pitchFamily="18" charset="0"/>
+              </a:rPr>
+              <a:t>	các_thuộc_tính; </a:t>
+            </a:r>
+          </a:p>
+          <a:p>
+            <a:pPr marL="0" marR="0" lvl="0" indent="0" algn="l" defTabSz="914400" rtl="0" eaLnBrk="0" fontAlgn="base" latinLnBrk="0" hangingPunct="0">
+              <a:lnSpc>
+                <a:spcPct val="100000"/>
+              </a:lnSpc>
+              <a:spcBef>
+                <a:spcPct val="0"/>
+              </a:spcBef>
+              <a:spcAft>
+                <a:spcPct val="0"/>
+              </a:spcAft>
+              <a:buClrTx/>
+              <a:buSzTx/>
+              <a:buFontTx/>
+              <a:buNone/>
+              <a:tabLst/>
+            </a:pPr>
+            <a:r>
+              <a:rPr kumimoji="0" lang="en-US" altLang="en-US" sz="1800" b="1" i="0" u="none" strike="noStrike" cap="none" normalizeH="0" baseline="0">
+                <a:ln>
+                  <a:noFill/>
+                </a:ln>
+                <a:solidFill>
+                  <a:schemeClr val="tx1"/>
+                </a:solidFill>
+                <a:effectLst/>
+                <a:latin typeface="Times New Roman" panose="02020603050405020304" pitchFamily="18" charset="0"/>
+                <a:cs typeface="Times New Roman" panose="02020603050405020304" pitchFamily="18" charset="0"/>
+              </a:rPr>
+              <a:t>	các_phương_thức;</a:t>
+            </a:r>
+          </a:p>
+          <a:p>
+            <a:pPr marL="0" marR="0" lvl="0" indent="0" algn="l" defTabSz="914400" rtl="0" eaLnBrk="0" fontAlgn="base" latinLnBrk="0" hangingPunct="0">
+              <a:lnSpc>
+                <a:spcPct val="100000"/>
+              </a:lnSpc>
+              <a:spcBef>
+                <a:spcPct val="0"/>
+              </a:spcBef>
+              <a:spcAft>
+                <a:spcPct val="0"/>
+              </a:spcAft>
+              <a:buClrTx/>
+              <a:buSzTx/>
+              <a:buFontTx/>
+              <a:buNone/>
+              <a:tabLst/>
+            </a:pPr>
+            <a:r>
+              <a:rPr kumimoji="0" lang="en-US" altLang="en-US" sz="1800" b="1" i="0" u="none" strike="noStrike" cap="none" normalizeH="0" baseline="0">
+                <a:ln>
+                  <a:noFill/>
+                </a:ln>
+                <a:solidFill>
+                  <a:schemeClr val="tx1"/>
+                </a:solidFill>
+                <a:effectLst/>
+                <a:latin typeface="Times New Roman" panose="02020603050405020304" pitchFamily="18" charset="0"/>
+                <a:cs typeface="Times New Roman" panose="02020603050405020304" pitchFamily="18" charset="0"/>
+              </a:rPr>
+              <a:t>} </a:t>
+            </a:r>
+          </a:p>
+        </p:txBody>
+      </p:sp>
+      <p:sp>
+        <p:nvSpPr>
+          <p:cNvPr id="8" name="Arrow: Right 7">
+            <a:extLst>
+              <a:ext uri="{FF2B5EF4-FFF2-40B4-BE49-F238E27FC236}">
+                <a16:creationId xmlns:a16="http://schemas.microsoft.com/office/drawing/2014/main" id="{9F2BB970-B11F-4AE6-3135-DD121CCA8B61}"/>
+              </a:ext>
+            </a:extLst>
+          </p:cNvPr>
+          <p:cNvSpPr/>
+          <p:nvPr/>
+        </p:nvSpPr>
+        <p:spPr>
+          <a:xfrm>
+            <a:off x="4636716" y="2366551"/>
+            <a:ext cx="1195754" cy="269631"/>
+          </a:xfrm>
+          <a:prstGeom prst="rightArrow">
+            <a:avLst/>
+          </a:prstGeom>
+        </p:spPr>
+        <p:style>
+          <a:lnRef idx="2">
+            <a:schemeClr val="accent1">
+              <a:shade val="50000"/>
+            </a:schemeClr>
+          </a:lnRef>
+          <a:fillRef idx="1">
+            <a:schemeClr val="accent1"/>
+          </a:fillRef>
+          <a:effectRef idx="0">
+            <a:schemeClr val="accent1"/>
+          </a:effectRef>
+          <a:fontRef idx="minor">
+            <a:schemeClr val="lt1"/>
+          </a:fontRef>
+        </p:style>
+        <p:txBody>
+          <a:bodyPr rtlCol="0" anchor="ctr"/>
+          <a:lstStyle/>
+          <a:p>
+            <a:pPr algn="ctr"/>
+            <a:endParaRPr lang="en-US"/>
+          </a:p>
+        </p:txBody>
+      </p:sp>
+      <p:sp>
+        <p:nvSpPr>
+          <p:cNvPr id="10" name="TextBox 9">
+            <a:extLst>
+              <a:ext uri="{FF2B5EF4-FFF2-40B4-BE49-F238E27FC236}">
+                <a16:creationId xmlns:a16="http://schemas.microsoft.com/office/drawing/2014/main" id="{0B4CADCB-3B7C-1CE6-0DC8-7F34568BBC60}"/>
+              </a:ext>
+            </a:extLst>
+          </p:cNvPr>
+          <p:cNvSpPr txBox="1"/>
+          <p:nvPr/>
+        </p:nvSpPr>
+        <p:spPr>
+          <a:xfrm>
+            <a:off x="6071261" y="2244180"/>
+            <a:ext cx="2362588" cy="461665"/>
+          </a:xfrm>
+          <a:prstGeom prst="rect">
+            <a:avLst/>
+          </a:prstGeom>
+          <a:noFill/>
+        </p:spPr>
+        <p:txBody>
+          <a:bodyPr wrap="square" rtlCol="0">
+            <a:spAutoFit/>
+          </a:bodyPr>
+          <a:lstStyle/>
+          <a:p>
+            <a:r>
+              <a:rPr lang="en-US" sz="2400" b="1">
+                <a:latin typeface="Times New Roman" panose="02020603050405020304" pitchFamily="18" charset="0"/>
+                <a:cs typeface="Times New Roman" panose="02020603050405020304" pitchFamily="18" charset="0"/>
+              </a:rPr>
+              <a:t>Từ khóa: NEW</a:t>
+            </a:r>
+          </a:p>
+        </p:txBody>
+      </p:sp>
+      <p:sp>
+        <p:nvSpPr>
+          <p:cNvPr id="11" name="Arrow: Right 10">
+            <a:extLst>
+              <a:ext uri="{FF2B5EF4-FFF2-40B4-BE49-F238E27FC236}">
+                <a16:creationId xmlns:a16="http://schemas.microsoft.com/office/drawing/2014/main" id="{1C3C4E42-6526-29E8-CB44-D0E66D48E1B8}"/>
+              </a:ext>
+            </a:extLst>
+          </p:cNvPr>
+          <p:cNvSpPr/>
+          <p:nvPr/>
+        </p:nvSpPr>
+        <p:spPr>
+          <a:xfrm>
+            <a:off x="705026" y="3821152"/>
+            <a:ext cx="1874051" cy="393600"/>
+          </a:xfrm>
+          <a:prstGeom prst="rightArrow">
+            <a:avLst/>
+          </a:prstGeom>
+        </p:spPr>
+        <p:style>
+          <a:lnRef idx="2">
+            <a:schemeClr val="accent1">
+              <a:shade val="50000"/>
+            </a:schemeClr>
+          </a:lnRef>
+          <a:fillRef idx="1">
+            <a:schemeClr val="accent1"/>
+          </a:fillRef>
+          <a:effectRef idx="0">
+            <a:schemeClr val="accent1"/>
+          </a:effectRef>
+          <a:fontRef idx="minor">
+            <a:schemeClr val="lt1"/>
+          </a:fontRef>
+        </p:style>
+        <p:txBody>
+          <a:bodyPr rtlCol="0" anchor="ctr"/>
+          <a:lstStyle/>
+          <a:p>
+            <a:pPr algn="ctr"/>
+            <a:endParaRPr lang="en-US"/>
+          </a:p>
+        </p:txBody>
+      </p:sp>
+      <p:sp>
+        <p:nvSpPr>
+          <p:cNvPr id="12" name="TextBox 11">
+            <a:extLst>
+              <a:ext uri="{FF2B5EF4-FFF2-40B4-BE49-F238E27FC236}">
+                <a16:creationId xmlns:a16="http://schemas.microsoft.com/office/drawing/2014/main" id="{5E7F97E5-0A38-DDB3-4AFB-AE49B2CEA617}"/>
+              </a:ext>
+            </a:extLst>
+          </p:cNvPr>
+          <p:cNvSpPr txBox="1"/>
+          <p:nvPr/>
+        </p:nvSpPr>
+        <p:spPr>
+          <a:xfrm>
+            <a:off x="2872005" y="3753087"/>
+            <a:ext cx="3692920" cy="461665"/>
+          </a:xfrm>
+          <a:prstGeom prst="rect">
+            <a:avLst/>
+          </a:prstGeom>
+          <a:noFill/>
+        </p:spPr>
+        <p:txBody>
+          <a:bodyPr wrap="square" rtlCol="0">
+            <a:spAutoFit/>
+          </a:bodyPr>
+          <a:lstStyle/>
+          <a:p>
+            <a:r>
+              <a:rPr lang="en-US" sz="2400" b="1">
+                <a:latin typeface="Times New Roman" panose="02020603050405020304" pitchFamily="18" charset="0"/>
+                <a:cs typeface="Times New Roman" panose="02020603050405020304" pitchFamily="18" charset="0"/>
+              </a:rPr>
+              <a:t>Đây là cách thông thường</a:t>
+            </a:r>
+          </a:p>
+        </p:txBody>
+      </p:sp>
+    </p:spTree>
+    <p:extLst>
+      <p:ext uri="{BB962C8B-B14F-4D97-AF65-F5344CB8AC3E}">
+        <p14:creationId xmlns:p14="http://schemas.microsoft.com/office/powerpoint/2010/main" val="806173269"/>
+      </p:ext>
+    </p:extLst>
+  </p:cSld>
+  <p:clrMapOvr>
+    <a:masterClrMapping/>
+  </p:clrMapOvr>
+</p:sld>
+</file>
+
+<file path=ppt/slides/slide4.xml><?xml version="1.0" encoding="utf-8"?>
+<p:sld xmlns:a="http://schemas.openxmlformats.org/drawingml/2006/main" xmlns:r="http://schemas.openxmlformats.org/officeDocument/2006/relationships" xmlns:p="http://schemas.openxmlformats.org/presentationml/2006/main">
+  <p:cSld>
+    <p:spTree>
+      <p:nvGrpSpPr>
+        <p:cNvPr id="1" name=""/>
+        <p:cNvGrpSpPr/>
+        <p:nvPr/>
+      </p:nvGrpSpPr>
+      <p:grpSpPr>
+        <a:xfrm>
+          <a:off x="0" y="0"/>
+          <a:ext cx="0" cy="0"/>
+          <a:chOff x="0" y="0"/>
+          <a:chExt cx="0" cy="0"/>
+        </a:xfrm>
+      </p:grpSpPr>
+      <p:sp>
+        <p:nvSpPr>
+          <p:cNvPr id="3" name="Text Placeholder 2">
+            <a:extLst>
+              <a:ext uri="{FF2B5EF4-FFF2-40B4-BE49-F238E27FC236}">
+                <a16:creationId xmlns:a16="http://schemas.microsoft.com/office/drawing/2014/main" id="{9FF2071F-4388-0D53-13CF-6D396E752187}"/>
+              </a:ext>
+            </a:extLst>
+          </p:cNvPr>
+          <p:cNvSpPr>
+            <a:spLocks noGrp="1"/>
+          </p:cNvSpPr>
+          <p:nvPr>
+            <p:ph type="body" idx="1"/>
+          </p:nvPr>
+        </p:nvSpPr>
+        <p:spPr>
+          <a:xfrm>
+            <a:off x="564350" y="567750"/>
+            <a:ext cx="7405800" cy="1003142"/>
+          </a:xfrm>
+        </p:spPr>
+        <p:txBody>
+          <a:bodyPr/>
+          <a:lstStyle/>
+          <a:p>
+            <a:r>
+              <a:rPr lang="vi-VN">
+                <a:solidFill>
+                  <a:schemeClr val="tx1"/>
+                </a:solidFill>
+                <a:effectLst/>
+                <a:latin typeface="Roboto" panose="02000000000000000000" pitchFamily="2" charset="0"/>
+              </a:rPr>
+              <a:t>Còn với các lớp </a:t>
+            </a:r>
+            <a:r>
+              <a:rPr lang="en-US" i="1">
+                <a:solidFill>
+                  <a:schemeClr val="tx1"/>
+                </a:solidFill>
+                <a:latin typeface="Roboto" panose="02000000000000000000" pitchFamily="2" charset="0"/>
+              </a:rPr>
+              <a:t>Ẩn</a:t>
+            </a:r>
+            <a:r>
+              <a:rPr lang="vi-VN" i="1">
+                <a:solidFill>
+                  <a:schemeClr val="tx1"/>
+                </a:solidFill>
+                <a:effectLst/>
+                <a:latin typeface="Roboto" panose="02000000000000000000" pitchFamily="2" charset="0"/>
+              </a:rPr>
+              <a:t> Danh</a:t>
+            </a:r>
+            <a:r>
+              <a:rPr lang="vi-VN">
+                <a:solidFill>
+                  <a:schemeClr val="tx1"/>
+                </a:solidFill>
+                <a:effectLst/>
+                <a:latin typeface="Roboto" panose="02000000000000000000" pitchFamily="2" charset="0"/>
+              </a:rPr>
+              <a:t>, bạn sẽ </a:t>
+            </a:r>
+            <a:r>
+              <a:rPr lang="vi-VN" b="1" i="1">
+                <a:solidFill>
+                  <a:srgbClr val="00B0F0"/>
+                </a:solidFill>
+                <a:effectLst/>
+                <a:latin typeface="Roboto" panose="02000000000000000000" pitchFamily="2" charset="0"/>
+              </a:rPr>
+              <a:t>không cần phải khai báo một lớp nào, mà vẫn có thể tạo ra các đối tượng của nó</a:t>
+            </a:r>
+            <a:r>
+              <a:rPr lang="vi-VN">
+                <a:solidFill>
+                  <a:schemeClr val="tx1"/>
+                </a:solidFill>
+                <a:effectLst/>
+                <a:latin typeface="Roboto" panose="02000000000000000000" pitchFamily="2" charset="0"/>
+              </a:rPr>
+              <a:t>.</a:t>
+            </a:r>
+            <a:endParaRPr lang="en-US">
+              <a:solidFill>
+                <a:schemeClr val="tx1"/>
+              </a:solidFill>
+              <a:effectLst/>
+              <a:latin typeface="Roboto" panose="02000000000000000000" pitchFamily="2" charset="0"/>
+            </a:endParaRPr>
+          </a:p>
+          <a:p>
+            <a:r>
+              <a:rPr lang="en-US">
+                <a:solidFill>
+                  <a:schemeClr val="tx1"/>
+                </a:solidFill>
+                <a:latin typeface="Roboto" panose="02000000000000000000" pitchFamily="2" charset="0"/>
+              </a:rPr>
+              <a:t>Ví dụ:</a:t>
+            </a:r>
+            <a:r>
+              <a:rPr lang="vi-VN">
+                <a:solidFill>
+                  <a:schemeClr val="tx1"/>
+                </a:solidFill>
+                <a:effectLst/>
+                <a:latin typeface="Roboto" panose="02000000000000000000" pitchFamily="2" charset="0"/>
+              </a:rPr>
+              <a:t> </a:t>
+            </a:r>
+            <a:endParaRPr lang="en-US"/>
+          </a:p>
+        </p:txBody>
+      </p:sp>
+      <p:sp>
+        <p:nvSpPr>
+          <p:cNvPr id="4" name="Slide Number Placeholder 3">
+            <a:extLst>
+              <a:ext uri="{FF2B5EF4-FFF2-40B4-BE49-F238E27FC236}">
+                <a16:creationId xmlns:a16="http://schemas.microsoft.com/office/drawing/2014/main" id="{762AC6A8-BD47-CF01-49E8-9F397CAAABC7}"/>
+              </a:ext>
+            </a:extLst>
+          </p:cNvPr>
+          <p:cNvSpPr>
+            <a:spLocks noGrp="1"/>
+          </p:cNvSpPr>
+          <p:nvPr>
+            <p:ph type="sldNum" idx="12"/>
+          </p:nvPr>
+        </p:nvSpPr>
+        <p:spPr/>
+        <p:txBody>
+          <a:bodyPr/>
+          <a:lstStyle/>
+          <a:p>
+            <a:pPr marL="0" lvl="0" indent="0" algn="r" rtl="0">
+              <a:spcBef>
+                <a:spcPts val="0"/>
+              </a:spcBef>
+              <a:spcAft>
+                <a:spcPts val="0"/>
+              </a:spcAft>
+              <a:buNone/>
+            </a:pPr>
+            <a:fld id="{00000000-1234-1234-1234-123412341234}" type="slidenum">
+              <a:rPr lang="en" smtClean="0"/>
+              <a:t>4</a:t>
+            </a:fld>
+            <a:endParaRPr lang="en"/>
+          </a:p>
+        </p:txBody>
+      </p:sp>
+      <p:sp>
+        <p:nvSpPr>
+          <p:cNvPr id="5" name="Rectangle 1">
+            <a:extLst>
+              <a:ext uri="{FF2B5EF4-FFF2-40B4-BE49-F238E27FC236}">
+                <a16:creationId xmlns:a16="http://schemas.microsoft.com/office/drawing/2014/main" id="{4BF54E3A-4722-4537-4148-B05330320908}"/>
+              </a:ext>
+            </a:extLst>
+          </p:cNvPr>
+          <p:cNvSpPr>
+            <a:spLocks noChangeArrowheads="1"/>
+          </p:cNvSpPr>
+          <p:nvPr/>
+        </p:nvSpPr>
+        <p:spPr bwMode="auto">
+          <a:xfrm>
+            <a:off x="808892" y="1777377"/>
+            <a:ext cx="3566637" cy="1588745"/>
+          </a:xfrm>
+          <a:prstGeom prst="rect">
+            <a:avLst/>
+          </a:prstGeom>
+          <a:noFill/>
+          <a:ln>
+            <a:noFill/>
+          </a:ln>
+          <a:effectLst/>
+          <a:extLst>
+            <a:ext uri="{909E8E84-426E-40DD-AFC4-6F175D3DCCD1}">
+              <a14:hiddenFill xmlns:a14="http://schemas.microsoft.com/office/drawing/2010/main">
+                <a:solidFill>
+                  <a:schemeClr val="accent1"/>
+                </a:solidFill>
+              </a14:hiddenFill>
+            </a:ext>
+            <a:ext uri="{91240B29-F687-4F45-9708-019B960494DF}">
+              <a14:hiddenLine xmlns:a14="http://schemas.microsoft.com/office/drawing/2010/main" w="9525">
+                <a:solidFill>
+                  <a:schemeClr val="tx1"/>
+                </a:solidFill>
+                <a:miter lim="800000"/>
+                <a:headEnd/>
+                <a:tailEnd/>
+              </a14:hiddenLine>
+            </a:ext>
+            <a:ext uri="{AF507438-7753-43E0-B8FC-AC1667EBCBE1}">
+              <a14:hiddenEffects xmlns:a14="http://schemas.microsoft.com/office/drawing/2010/main">
+                <a:effectLst>
+                  <a:outerShdw dist="35921" dir="2700000" algn="ctr" rotWithShape="0">
+                    <a:schemeClr val="bg2"/>
+                  </a:outerShdw>
+                </a:effectLst>
+              </a14:hiddenEffects>
+            </a:ext>
+          </a:extLst>
+        </p:spPr>
+        <p:txBody>
+          <a:bodyPr vert="horz" wrap="none" lIns="142830" tIns="238050" rIns="0" bIns="238050" numCol="1" anchor="ctr" anchorCtr="0" compatLnSpc="1">
+            <a:prstTxWarp prst="textNoShape">
+              <a:avLst/>
+            </a:prstTxWarp>
+            <a:spAutoFit/>
+          </a:bodyPr>
+          <a:lstStyle/>
+          <a:p>
+            <a:pPr marL="0" marR="0" lvl="0" indent="0" algn="l" defTabSz="914400" rtl="0" eaLnBrk="0" fontAlgn="base" latinLnBrk="0" hangingPunct="0">
+              <a:lnSpc>
+                <a:spcPct val="100000"/>
+              </a:lnSpc>
+              <a:spcBef>
+                <a:spcPct val="0"/>
+              </a:spcBef>
+              <a:spcAft>
+                <a:spcPct val="0"/>
+              </a:spcAft>
+              <a:buClrTx/>
+              <a:buSzTx/>
+              <a:buFontTx/>
+              <a:buNone/>
+              <a:tabLst/>
+            </a:pPr>
+            <a:r>
+              <a:rPr kumimoji="0" lang="en-US" altLang="en-US" sz="1800" b="1" i="0" u="none" strike="noStrike" cap="none" normalizeH="0" baseline="0">
+                <a:ln>
+                  <a:noFill/>
+                </a:ln>
+                <a:solidFill>
+                  <a:schemeClr val="tx1"/>
+                </a:solidFill>
+                <a:effectLst/>
+                <a:latin typeface="Times New Roman" panose="02020603050405020304" pitchFamily="18" charset="0"/>
+                <a:cs typeface="Times New Roman" panose="02020603050405020304" pitchFamily="18" charset="0"/>
+              </a:rPr>
+              <a:t>NhanVien nv1 = new NhanVien() {</a:t>
+            </a:r>
+          </a:p>
+          <a:p>
+            <a:pPr marL="0" marR="0" lvl="0" indent="0" algn="l" defTabSz="914400" rtl="0" eaLnBrk="0" fontAlgn="base" latinLnBrk="0" hangingPunct="0">
+              <a:lnSpc>
+                <a:spcPct val="100000"/>
+              </a:lnSpc>
+              <a:spcBef>
+                <a:spcPct val="0"/>
+              </a:spcBef>
+              <a:spcAft>
+                <a:spcPct val="0"/>
+              </a:spcAft>
+              <a:buClrTx/>
+              <a:buSzTx/>
+              <a:buFontTx/>
+              <a:buNone/>
+              <a:tabLst/>
+            </a:pPr>
+            <a:r>
+              <a:rPr kumimoji="0" lang="en-US" altLang="en-US" sz="1800" b="1" i="0" u="none" strike="noStrike" cap="none" normalizeH="0" baseline="0">
+                <a:ln>
+                  <a:noFill/>
+                </a:ln>
+                <a:solidFill>
+                  <a:schemeClr val="tx1"/>
+                </a:solidFill>
+                <a:effectLst/>
+                <a:latin typeface="Times New Roman" panose="02020603050405020304" pitchFamily="18" charset="0"/>
+                <a:cs typeface="Times New Roman" panose="02020603050405020304" pitchFamily="18" charset="0"/>
+              </a:rPr>
+              <a:t> 	các_thuộc_tính; </a:t>
+            </a:r>
+          </a:p>
+          <a:p>
+            <a:pPr marL="0" marR="0" lvl="0" indent="0" algn="l" defTabSz="914400" rtl="0" eaLnBrk="0" fontAlgn="base" latinLnBrk="0" hangingPunct="0">
+              <a:lnSpc>
+                <a:spcPct val="100000"/>
+              </a:lnSpc>
+              <a:spcBef>
+                <a:spcPct val="0"/>
+              </a:spcBef>
+              <a:spcAft>
+                <a:spcPct val="0"/>
+              </a:spcAft>
+              <a:buClrTx/>
+              <a:buSzTx/>
+              <a:buFontTx/>
+              <a:buNone/>
+              <a:tabLst/>
+            </a:pPr>
+            <a:r>
+              <a:rPr lang="en-US" altLang="en-US" sz="1800" b="1">
+                <a:solidFill>
+                  <a:schemeClr val="tx1"/>
+                </a:solidFill>
+                <a:latin typeface="Times New Roman" panose="02020603050405020304" pitchFamily="18" charset="0"/>
+                <a:cs typeface="Times New Roman" panose="02020603050405020304" pitchFamily="18" charset="0"/>
+              </a:rPr>
+              <a:t>	</a:t>
+            </a:r>
+            <a:r>
+              <a:rPr kumimoji="0" lang="en-US" altLang="en-US" sz="1800" b="1" i="0" u="none" strike="noStrike" cap="none" normalizeH="0" baseline="0">
+                <a:ln>
+                  <a:noFill/>
+                </a:ln>
+                <a:solidFill>
+                  <a:schemeClr val="tx1"/>
+                </a:solidFill>
+                <a:effectLst/>
+                <a:latin typeface="Times New Roman" panose="02020603050405020304" pitchFamily="18" charset="0"/>
+                <a:cs typeface="Times New Roman" panose="02020603050405020304" pitchFamily="18" charset="0"/>
+              </a:rPr>
+              <a:t>các_phương_thức;</a:t>
+            </a:r>
+          </a:p>
+          <a:p>
+            <a:pPr marL="0" marR="0" lvl="0" indent="0" algn="l" defTabSz="914400" rtl="0" eaLnBrk="0" fontAlgn="base" latinLnBrk="0" hangingPunct="0">
+              <a:lnSpc>
+                <a:spcPct val="100000"/>
+              </a:lnSpc>
+              <a:spcBef>
+                <a:spcPct val="0"/>
+              </a:spcBef>
+              <a:spcAft>
+                <a:spcPct val="0"/>
+              </a:spcAft>
+              <a:buClrTx/>
+              <a:buSzTx/>
+              <a:buFontTx/>
+              <a:buNone/>
+              <a:tabLst/>
+            </a:pPr>
+            <a:r>
+              <a:rPr kumimoji="0" lang="en-US" altLang="en-US" sz="1800" b="1" i="0" u="none" strike="noStrike" cap="none" normalizeH="0" baseline="0">
+                <a:ln>
+                  <a:noFill/>
+                </a:ln>
+                <a:solidFill>
+                  <a:schemeClr val="tx1"/>
+                </a:solidFill>
+                <a:effectLst/>
+                <a:latin typeface="Times New Roman" panose="02020603050405020304" pitchFamily="18" charset="0"/>
+                <a:cs typeface="Times New Roman" panose="02020603050405020304" pitchFamily="18" charset="0"/>
+              </a:rPr>
+              <a:t> }</a:t>
+            </a:r>
+            <a:r>
+              <a:rPr kumimoji="0" lang="en-US" altLang="en-US" sz="1100" b="1" i="0" u="none" strike="noStrike" cap="none" normalizeH="0" baseline="0">
+                <a:ln>
+                  <a:noFill/>
+                </a:ln>
+                <a:solidFill>
+                  <a:schemeClr val="tx1"/>
+                </a:solidFill>
+                <a:effectLst/>
+                <a:latin typeface="Times New Roman" panose="02020603050405020304" pitchFamily="18" charset="0"/>
+                <a:cs typeface="Times New Roman" panose="02020603050405020304" pitchFamily="18" charset="0"/>
+              </a:rPr>
+              <a:t> </a:t>
+            </a:r>
+            <a:endParaRPr kumimoji="0" lang="en-US" altLang="en-US" sz="4000" b="1" i="0" u="none" strike="noStrike" cap="none" normalizeH="0" baseline="0">
+              <a:ln>
+                <a:noFill/>
+              </a:ln>
+              <a:solidFill>
+                <a:schemeClr val="tx1"/>
+              </a:solidFill>
+              <a:effectLst/>
+              <a:latin typeface="Times New Roman" panose="02020603050405020304" pitchFamily="18" charset="0"/>
+              <a:cs typeface="Times New Roman" panose="02020603050405020304" pitchFamily="18" charset="0"/>
+            </a:endParaRPr>
+          </a:p>
+        </p:txBody>
+      </p:sp>
+      <p:sp>
+        <p:nvSpPr>
+          <p:cNvPr id="6" name="Arrow: Right 5">
+            <a:extLst>
+              <a:ext uri="{FF2B5EF4-FFF2-40B4-BE49-F238E27FC236}">
+                <a16:creationId xmlns:a16="http://schemas.microsoft.com/office/drawing/2014/main" id="{9B990876-BE83-7A21-D0D1-AECC118E75DB}"/>
+              </a:ext>
+            </a:extLst>
+          </p:cNvPr>
+          <p:cNvSpPr/>
+          <p:nvPr/>
+        </p:nvSpPr>
+        <p:spPr>
+          <a:xfrm>
+            <a:off x="808892" y="3856893"/>
+            <a:ext cx="1324708" cy="281353"/>
+          </a:xfrm>
+          <a:prstGeom prst="rightArrow">
+            <a:avLst/>
+          </a:prstGeom>
+        </p:spPr>
+        <p:style>
+          <a:lnRef idx="2">
+            <a:schemeClr val="accent1">
+              <a:shade val="50000"/>
+            </a:schemeClr>
+          </a:lnRef>
+          <a:fillRef idx="1">
+            <a:schemeClr val="accent1"/>
+          </a:fillRef>
+          <a:effectRef idx="0">
+            <a:schemeClr val="accent1"/>
+          </a:effectRef>
+          <a:fontRef idx="minor">
+            <a:schemeClr val="lt1"/>
+          </a:fontRef>
+        </p:style>
+        <p:txBody>
+          <a:bodyPr rtlCol="0" anchor="ctr"/>
+          <a:lstStyle/>
+          <a:p>
+            <a:pPr algn="ctr"/>
+            <a:endParaRPr lang="en-US"/>
+          </a:p>
+        </p:txBody>
+      </p:sp>
+      <p:sp>
+        <p:nvSpPr>
+          <p:cNvPr id="7" name="TextBox 6">
+            <a:extLst>
+              <a:ext uri="{FF2B5EF4-FFF2-40B4-BE49-F238E27FC236}">
+                <a16:creationId xmlns:a16="http://schemas.microsoft.com/office/drawing/2014/main" id="{4DB05461-F79C-8C63-A8F7-8B48B6CFEDDA}"/>
+              </a:ext>
+            </a:extLst>
+          </p:cNvPr>
+          <p:cNvSpPr txBox="1"/>
+          <p:nvPr/>
+        </p:nvSpPr>
+        <p:spPr>
+          <a:xfrm>
+            <a:off x="2211537" y="3643626"/>
+            <a:ext cx="5533442" cy="707886"/>
+          </a:xfrm>
+          <a:prstGeom prst="rect">
+            <a:avLst/>
+          </a:prstGeom>
+          <a:noFill/>
+        </p:spPr>
+        <p:txBody>
+          <a:bodyPr wrap="square" rtlCol="0">
+            <a:spAutoFit/>
+          </a:bodyPr>
+          <a:lstStyle/>
+          <a:p>
+            <a:r>
+              <a:rPr lang="en-US" sz="2000" b="1">
+                <a:latin typeface="Times New Roman" panose="02020603050405020304" pitchFamily="18" charset="0"/>
+                <a:cs typeface="Times New Roman" panose="02020603050405020304" pitchFamily="18" charset="0"/>
+              </a:rPr>
+              <a:t>Đối tượng có tên nv1 sẽ là đối tượng được tạo ra từ lớp nào có phải là của lớp NhanVien ?</a:t>
+            </a:r>
+          </a:p>
+        </p:txBody>
+      </p:sp>
+    </p:spTree>
+    <p:extLst>
+      <p:ext uri="{BB962C8B-B14F-4D97-AF65-F5344CB8AC3E}">
+        <p14:creationId xmlns:p14="http://schemas.microsoft.com/office/powerpoint/2010/main" val="2599325257"/>
+      </p:ext>
+    </p:extLst>
+  </p:cSld>
+  <p:clrMapOvr>
+    <a:masterClrMapping/>
+  </p:clrMapOvr>
+</p:sld>
+</file>
+
+<file path=ppt/slides/slide5.xml><?xml version="1.0" encoding="utf-8"?>
+<p:sld xmlns:a="http://schemas.openxmlformats.org/drawingml/2006/main" xmlns:r="http://schemas.openxmlformats.org/officeDocument/2006/relationships" xmlns:p="http://schemas.openxmlformats.org/presentationml/2006/main">
+  <p:cSld>
+    <p:spTree>
+      <p:nvGrpSpPr>
+        <p:cNvPr id="1" name=""/>
+        <p:cNvGrpSpPr/>
+        <p:nvPr/>
+      </p:nvGrpSpPr>
+      <p:grpSpPr>
+        <a:xfrm>
+          <a:off x="0" y="0"/>
+          <a:ext cx="0" cy="0"/>
+          <a:chOff x="0" y="0"/>
+          <a:chExt cx="0" cy="0"/>
+        </a:xfrm>
+      </p:grpSpPr>
+      <p:sp>
+        <p:nvSpPr>
+          <p:cNvPr id="2" name="Title 1">
+            <a:extLst>
+              <a:ext uri="{FF2B5EF4-FFF2-40B4-BE49-F238E27FC236}">
+                <a16:creationId xmlns:a16="http://schemas.microsoft.com/office/drawing/2014/main" id="{804600E3-E339-F73B-279F-EEE7A5497881}"/>
+              </a:ext>
+            </a:extLst>
+          </p:cNvPr>
+          <p:cNvSpPr>
+            <a:spLocks noGrp="1"/>
+          </p:cNvSpPr>
+          <p:nvPr>
+            <p:ph type="title"/>
+          </p:nvPr>
+        </p:nvSpPr>
+        <p:spPr>
+          <a:xfrm>
+            <a:off x="705026" y="296615"/>
+            <a:ext cx="5930235" cy="1360200"/>
+          </a:xfrm>
+        </p:spPr>
+        <p:txBody>
+          <a:bodyPr/>
+          <a:lstStyle/>
+          <a:p>
+            <a:r>
+              <a:rPr lang="en-US"/>
+              <a:t>Phân loại lớp ẩn danh</a:t>
+            </a:r>
+          </a:p>
+        </p:txBody>
+      </p:sp>
+      <p:sp>
+        <p:nvSpPr>
+          <p:cNvPr id="3" name="Text Placeholder 2">
+            <a:extLst>
+              <a:ext uri="{FF2B5EF4-FFF2-40B4-BE49-F238E27FC236}">
+                <a16:creationId xmlns:a16="http://schemas.microsoft.com/office/drawing/2014/main" id="{045275B3-4B9C-1CB2-AE62-0D57DB242391}"/>
+              </a:ext>
+            </a:extLst>
+          </p:cNvPr>
+          <p:cNvSpPr>
+            <a:spLocks noGrp="1"/>
+          </p:cNvSpPr>
+          <p:nvPr>
+            <p:ph type="body" idx="1"/>
+          </p:nvPr>
+        </p:nvSpPr>
+        <p:spPr>
+          <a:xfrm>
+            <a:off x="869100" y="2008125"/>
+            <a:ext cx="7405800" cy="2004000"/>
+          </a:xfrm>
+        </p:spPr>
+        <p:txBody>
+          <a:bodyPr/>
+          <a:lstStyle/>
+          <a:p>
+            <a:r>
+              <a:rPr lang="en-US"/>
+              <a:t>Lớp ẩn danh được tạo ra thông qua kế thừa từ lớp khác</a:t>
+            </a:r>
+          </a:p>
+          <a:p>
+            <a:r>
+              <a:rPr lang="en-US"/>
+              <a:t>Lớp ẩn danh được tạo ra thông qua triển khai từ interface khác</a:t>
+            </a:r>
+          </a:p>
+          <a:p>
+            <a:r>
+              <a:rPr lang="en-US"/>
+              <a:t>Lớp ẩn danh được dùng như thông số truyền vào.</a:t>
+            </a:r>
+          </a:p>
+        </p:txBody>
+      </p:sp>
+      <p:sp>
+        <p:nvSpPr>
+          <p:cNvPr id="4" name="Slide Number Placeholder 3">
+            <a:extLst>
+              <a:ext uri="{FF2B5EF4-FFF2-40B4-BE49-F238E27FC236}">
+                <a16:creationId xmlns:a16="http://schemas.microsoft.com/office/drawing/2014/main" id="{4C8061A6-CAF9-9299-759B-93FCB946BECE}"/>
+              </a:ext>
+            </a:extLst>
+          </p:cNvPr>
+          <p:cNvSpPr>
+            <a:spLocks noGrp="1"/>
+          </p:cNvSpPr>
+          <p:nvPr>
+            <p:ph type="sldNum" idx="12"/>
+          </p:nvPr>
+        </p:nvSpPr>
+        <p:spPr/>
+        <p:txBody>
+          <a:bodyPr/>
+          <a:lstStyle/>
+          <a:p>
+            <a:pPr marL="0" lvl="0" indent="0" algn="r" rtl="0">
+              <a:spcBef>
+                <a:spcPts val="0"/>
+              </a:spcBef>
+              <a:spcAft>
+                <a:spcPts val="0"/>
+              </a:spcAft>
+              <a:buNone/>
+            </a:pPr>
+            <a:fld id="{00000000-1234-1234-1234-123412341234}" type="slidenum">
+              <a:rPr lang="en" smtClean="0"/>
+              <a:t>5</a:t>
+            </a:fld>
+            <a:endParaRPr lang="en"/>
+          </a:p>
+        </p:txBody>
+      </p:sp>
+    </p:spTree>
+    <p:extLst>
+      <p:ext uri="{BB962C8B-B14F-4D97-AF65-F5344CB8AC3E}">
+        <p14:creationId xmlns:p14="http://schemas.microsoft.com/office/powerpoint/2010/main" val="704558206"/>
+      </p:ext>
+    </p:extLst>
+  </p:cSld>
+  <p:clrMapOvr>
+    <a:masterClrMapping/>
+  </p:clrMapOvr>
+</p:sld>
+</file>
+
+<file path=ppt/slides/slide6.xml><?xml version="1.0" encoding="utf-8"?>
+<p:sld xmlns:a="http://schemas.openxmlformats.org/drawingml/2006/main" xmlns:r="http://schemas.openxmlformats.org/officeDocument/2006/relationships" xmlns:p="http://schemas.openxmlformats.org/presentationml/2006/main">
+  <p:cSld>
+    <p:spTree>
+      <p:nvGrpSpPr>
+        <p:cNvPr id="1" name=""/>
+        <p:cNvGrpSpPr/>
+        <p:nvPr/>
+      </p:nvGrpSpPr>
+      <p:grpSpPr>
+        <a:xfrm>
+          <a:off x="0" y="0"/>
+          <a:ext cx="0" cy="0"/>
+          <a:chOff x="0" y="0"/>
+          <a:chExt cx="0" cy="0"/>
+        </a:xfrm>
+      </p:grpSpPr>
+      <p:sp>
+        <p:nvSpPr>
+          <p:cNvPr id="2" name="Title 1">
+            <a:extLst>
+              <a:ext uri="{FF2B5EF4-FFF2-40B4-BE49-F238E27FC236}">
+                <a16:creationId xmlns:a16="http://schemas.microsoft.com/office/drawing/2014/main" id="{804600E3-E339-F73B-279F-EEE7A5497881}"/>
+              </a:ext>
+            </a:extLst>
+          </p:cNvPr>
+          <p:cNvSpPr>
+            <a:spLocks noGrp="1"/>
+          </p:cNvSpPr>
+          <p:nvPr>
+            <p:ph type="title"/>
+          </p:nvPr>
+        </p:nvSpPr>
+        <p:spPr>
+          <a:xfrm>
+            <a:off x="622965" y="422030"/>
+            <a:ext cx="5930235" cy="824477"/>
+          </a:xfrm>
+        </p:spPr>
+        <p:txBody>
+          <a:bodyPr/>
+          <a:lstStyle/>
+          <a:p>
+            <a:r>
+              <a:rPr lang="en-US"/>
+              <a:t>Đặc điểm lớp ẩn danh</a:t>
+            </a:r>
+          </a:p>
+        </p:txBody>
+      </p:sp>
+      <p:sp>
+        <p:nvSpPr>
+          <p:cNvPr id="3" name="Text Placeholder 2">
+            <a:extLst>
+              <a:ext uri="{FF2B5EF4-FFF2-40B4-BE49-F238E27FC236}">
+                <a16:creationId xmlns:a16="http://schemas.microsoft.com/office/drawing/2014/main" id="{045275B3-4B9C-1CB2-AE62-0D57DB242391}"/>
+              </a:ext>
+            </a:extLst>
+          </p:cNvPr>
+          <p:cNvSpPr>
+            <a:spLocks noGrp="1"/>
+          </p:cNvSpPr>
+          <p:nvPr>
+            <p:ph type="body" idx="1"/>
+          </p:nvPr>
+        </p:nvSpPr>
+        <p:spPr>
+          <a:xfrm>
+            <a:off x="622965" y="998364"/>
+            <a:ext cx="7405800" cy="3146771"/>
+          </a:xfrm>
+        </p:spPr>
+        <p:txBody>
+          <a:bodyPr/>
+          <a:lstStyle/>
+          <a:p>
+            <a:r>
+              <a:rPr lang="vi-VN" sz="1600" b="0" i="0">
+                <a:solidFill>
+                  <a:srgbClr val="555555"/>
+                </a:solidFill>
+                <a:effectLst/>
+                <a:latin typeface="Roboto" panose="02000000000000000000" pitchFamily="2" charset="0"/>
+              </a:rPr>
+              <a:t>Nếu một lớp bình thường có thể triển khai bao nhiêu interface cũng được, thì </a:t>
+            </a:r>
+            <a:r>
+              <a:rPr lang="vi-VN" sz="1600" b="1" i="1">
+                <a:solidFill>
+                  <a:srgbClr val="003573"/>
+                </a:solidFill>
+                <a:effectLst/>
+                <a:latin typeface="Roboto" panose="02000000000000000000" pitchFamily="2" charset="0"/>
+              </a:rPr>
+              <a:t>lớp Vô Danh chỉ có thể triển khai từ duy nhất một interface</a:t>
+            </a:r>
+            <a:r>
+              <a:rPr lang="vi-VN" sz="1600" b="0" i="0">
+                <a:solidFill>
+                  <a:srgbClr val="555555"/>
+                </a:solidFill>
+                <a:effectLst/>
+                <a:latin typeface="Roboto" panose="02000000000000000000" pitchFamily="2" charset="0"/>
+              </a:rPr>
+              <a:t> mà thôi.</a:t>
+            </a:r>
+            <a:endParaRPr lang="en-US" sz="1600" b="0" i="0">
+              <a:solidFill>
+                <a:srgbClr val="555555"/>
+              </a:solidFill>
+              <a:effectLst/>
+              <a:latin typeface="Roboto" panose="02000000000000000000" pitchFamily="2" charset="0"/>
+            </a:endParaRPr>
+          </a:p>
+          <a:p>
+            <a:r>
+              <a:rPr lang="vi-VN" sz="1600" b="0" i="0">
+                <a:solidFill>
+                  <a:srgbClr val="555555"/>
+                </a:solidFill>
+                <a:effectLst/>
+                <a:latin typeface="Roboto" panose="02000000000000000000" pitchFamily="2" charset="0"/>
+              </a:rPr>
+              <a:t>Nếu một lớp bình thường vừa có thể kế thừa từ một lớp nào đó, vừa có thể triển khai từ nhiều interface khác, thì </a:t>
+            </a:r>
+            <a:r>
+              <a:rPr lang="vi-VN" sz="1600" b="1" i="1">
+                <a:solidFill>
+                  <a:srgbClr val="003573"/>
+                </a:solidFill>
+                <a:effectLst/>
+                <a:latin typeface="Roboto" panose="02000000000000000000" pitchFamily="2" charset="0"/>
+              </a:rPr>
+              <a:t>lớp Vô Danh chỉ có thể hoặc là kế thừa hoặc là triển khai một lớp hay một interface khác thôi</a:t>
+            </a:r>
+            <a:r>
+              <a:rPr lang="vi-VN" sz="1600" b="0" i="0">
+                <a:solidFill>
+                  <a:srgbClr val="555555"/>
+                </a:solidFill>
+                <a:effectLst/>
+                <a:latin typeface="Roboto" panose="02000000000000000000" pitchFamily="2" charset="0"/>
+              </a:rPr>
+              <a:t>.</a:t>
+            </a:r>
+            <a:endParaRPr lang="en-US" sz="1600" b="0" i="0">
+              <a:solidFill>
+                <a:srgbClr val="555555"/>
+              </a:solidFill>
+              <a:effectLst/>
+              <a:latin typeface="Roboto" panose="02000000000000000000" pitchFamily="2" charset="0"/>
+            </a:endParaRPr>
+          </a:p>
+          <a:p>
+            <a:r>
+              <a:rPr lang="vi-VN" sz="1600" b="0" i="0">
+                <a:solidFill>
+                  <a:srgbClr val="555555"/>
+                </a:solidFill>
+                <a:effectLst/>
+                <a:latin typeface="Roboto" panose="02000000000000000000" pitchFamily="2" charset="0"/>
+              </a:rPr>
+              <a:t>Với một lớp bình thường, bạn có thể định nghĩa các </a:t>
+            </a:r>
+            <a:r>
+              <a:rPr lang="vi-VN" sz="1600" b="0" i="1" u="sng">
+                <a:effectLst/>
+                <a:latin typeface="Roboto" panose="02000000000000000000" pitchFamily="2" charset="0"/>
+                <a:hlinkClick r:id="rId2"/>
+              </a:rPr>
+              <a:t>constructor</a:t>
+            </a:r>
+            <a:r>
+              <a:rPr lang="vi-VN" sz="1600" b="0" i="0">
+                <a:solidFill>
+                  <a:srgbClr val="555555"/>
+                </a:solidFill>
+                <a:effectLst/>
+                <a:latin typeface="Roboto" panose="02000000000000000000" pitchFamily="2" charset="0"/>
+              </a:rPr>
+              <a:t> tùy thích. Nhưng </a:t>
+            </a:r>
+            <a:r>
+              <a:rPr lang="vi-VN" sz="1600" b="1" i="1">
+                <a:solidFill>
+                  <a:srgbClr val="003573"/>
+                </a:solidFill>
+                <a:effectLst/>
+                <a:latin typeface="Roboto" panose="02000000000000000000" pitchFamily="2" charset="0"/>
+              </a:rPr>
+              <a:t>lớp Vô Danh lại không hề có bất kỳ constructor nào</a:t>
+            </a:r>
+            <a:r>
+              <a:rPr lang="vi-VN" sz="1600" b="0" i="0">
+                <a:solidFill>
+                  <a:srgbClr val="555555"/>
+                </a:solidFill>
+                <a:effectLst/>
+                <a:latin typeface="Roboto" panose="02000000000000000000" pitchFamily="2" charset="0"/>
+              </a:rPr>
+              <a:t>. Điều này cũng dễ hiểu, vì constructor buộc phải có tên trùng với tên lớp, mà lớp </a:t>
+            </a:r>
+            <a:r>
+              <a:rPr lang="vi-VN" sz="1600" b="0" i="1">
+                <a:solidFill>
+                  <a:srgbClr val="003573"/>
+                </a:solidFill>
+                <a:effectLst/>
+                <a:latin typeface="Roboto" panose="02000000000000000000" pitchFamily="2" charset="0"/>
+              </a:rPr>
+              <a:t>Vô Danh</a:t>
+            </a:r>
+            <a:r>
+              <a:rPr lang="vi-VN" sz="1600" b="0" i="0">
+                <a:solidFill>
+                  <a:srgbClr val="555555"/>
+                </a:solidFill>
+                <a:effectLst/>
+                <a:latin typeface="Roboto" panose="02000000000000000000" pitchFamily="2" charset="0"/>
+              </a:rPr>
+              <a:t> thì không có tên, nên chẳng bao giờ bạn có thể định nghĩa được constructor cho nó.</a:t>
+            </a:r>
+            <a:endParaRPr lang="en-US" sz="1600" b="0" i="0">
+              <a:solidFill>
+                <a:srgbClr val="555555"/>
+              </a:solidFill>
+              <a:effectLst/>
+              <a:latin typeface="Roboto" panose="02000000000000000000" pitchFamily="2" charset="0"/>
+            </a:endParaRPr>
+          </a:p>
+          <a:p>
+            <a:r>
+              <a:rPr lang="vi-VN" sz="1600" b="0" i="0">
+                <a:solidFill>
+                  <a:srgbClr val="555555"/>
+                </a:solidFill>
+                <a:effectLst/>
+                <a:latin typeface="Roboto" panose="02000000000000000000" pitchFamily="2" charset="0"/>
+              </a:rPr>
+              <a:t>Và vì một lớp </a:t>
+            </a:r>
+            <a:r>
+              <a:rPr lang="vi-VN" sz="1600" b="0" i="1">
+                <a:solidFill>
+                  <a:srgbClr val="003573"/>
+                </a:solidFill>
+                <a:effectLst/>
+                <a:latin typeface="Roboto" panose="02000000000000000000" pitchFamily="2" charset="0"/>
+              </a:rPr>
+              <a:t>Vô Danh</a:t>
+            </a:r>
+            <a:r>
+              <a:rPr lang="vi-VN" sz="1600" b="0" i="0">
+                <a:solidFill>
+                  <a:srgbClr val="555555"/>
+                </a:solidFill>
+                <a:effectLst/>
+                <a:latin typeface="Roboto" panose="02000000000000000000" pitchFamily="2" charset="0"/>
+              </a:rPr>
+              <a:t> được khai báo bên trong lớp khác, nên nó có một đặc điểm giống với </a:t>
+            </a:r>
+            <a:r>
+              <a:rPr lang="vi-VN" sz="1600" b="0" i="1" u="sng">
+                <a:effectLst/>
+                <a:latin typeface="Roboto" panose="02000000000000000000" pitchFamily="2" charset="0"/>
+                <a:hlinkClick r:id="rId3"/>
+              </a:rPr>
+              <a:t>lớp Lồng</a:t>
+            </a:r>
+            <a:r>
+              <a:rPr lang="vi-VN" sz="1600" b="0" i="0">
+                <a:solidFill>
+                  <a:srgbClr val="555555"/>
+                </a:solidFill>
+                <a:effectLst/>
+                <a:latin typeface="Roboto" panose="02000000000000000000" pitchFamily="2" charset="0"/>
+              </a:rPr>
+              <a:t>, ở chỗ nó có thể truy cập đến các thành viên của lớp bao của nó</a:t>
+            </a:r>
+            <a:endParaRPr lang="en-US" sz="1600"/>
+          </a:p>
+        </p:txBody>
+      </p:sp>
+      <p:sp>
+        <p:nvSpPr>
+          <p:cNvPr id="4" name="Slide Number Placeholder 3">
+            <a:extLst>
+              <a:ext uri="{FF2B5EF4-FFF2-40B4-BE49-F238E27FC236}">
+                <a16:creationId xmlns:a16="http://schemas.microsoft.com/office/drawing/2014/main" id="{4C8061A6-CAF9-9299-759B-93FCB946BECE}"/>
+              </a:ext>
+            </a:extLst>
+          </p:cNvPr>
+          <p:cNvSpPr>
+            <a:spLocks noGrp="1"/>
+          </p:cNvSpPr>
+          <p:nvPr>
+            <p:ph type="sldNum" idx="12"/>
+          </p:nvPr>
+        </p:nvSpPr>
+        <p:spPr/>
+        <p:txBody>
+          <a:bodyPr/>
+          <a:lstStyle/>
+          <a:p>
+            <a:pPr marL="0" lvl="0" indent="0" algn="r" rtl="0">
+              <a:spcBef>
+                <a:spcPts val="0"/>
+              </a:spcBef>
+              <a:spcAft>
+                <a:spcPts val="0"/>
+              </a:spcAft>
+              <a:buNone/>
+            </a:pPr>
+            <a:fld id="{00000000-1234-1234-1234-123412341234}" type="slidenum">
+              <a:rPr lang="en" smtClean="0"/>
+              <a:t>6</a:t>
+            </a:fld>
+            <a:endParaRPr lang="en"/>
+          </a:p>
+        </p:txBody>
+      </p:sp>
+    </p:spTree>
+    <p:extLst>
+      <p:ext uri="{BB962C8B-B14F-4D97-AF65-F5344CB8AC3E}">
+        <p14:creationId xmlns:p14="http://schemas.microsoft.com/office/powerpoint/2010/main" val="2985988765"/>
+      </p:ext>
+    </p:extLst>
+  </p:cSld>
+  <p:clrMapOvr>
+    <a:masterClrMapping/>
+  </p:clrMapOvr>
+</p:sld>
+</file>
+
+<file path=ppt/slides/slide7.xml><?xml version="1.0" encoding="utf-8"?>
+<p:sld xmlns:a="http://schemas.openxmlformats.org/drawingml/2006/main" xmlns:r="http://schemas.openxmlformats.org/officeDocument/2006/relationships" xmlns:p="http://schemas.openxmlformats.org/presentationml/2006/main">
+  <p:cSld>
+    <p:spTree>
+      <p:nvGrpSpPr>
         <p:cNvPr id="1" name="Shape 57"/>
         <p:cNvGrpSpPr/>
         <p:nvPr/>
@@ -4502,7 +8573,7 @@
 </p:sld>
 </file>
 
-<file path=ppt/slides/slide2.xml><?xml version="1.0" encoding="utf-8"?>
+<file path=ppt/slides/slide8.xml><?xml version="1.0" encoding="utf-8"?>
 <p:sld xmlns:a="http://schemas.openxmlformats.org/drawingml/2006/main" xmlns:r="http://schemas.openxmlformats.org/officeDocument/2006/relationships" xmlns:p="http://schemas.openxmlformats.org/presentationml/2006/main">
   <p:cSld>
     <p:spTree>
@@ -5100,7 +9171,7 @@
             </a:pPr>
             <a:fld id="{00000000-1234-1234-1234-123412341234}" type="slidenum">
               <a:rPr lang="en"/>
-              <a:t>2</a:t>
+              <a:t>8</a:t>
             </a:fld>
             <a:endParaRPr/>
           </a:p>
@@ -5757,7 +9828,7 @@
 </p:sld>
 </file>
 
-<file path=ppt/slides/slide3.xml><?xml version="1.0" encoding="utf-8"?>
+<file path=ppt/slides/slide9.xml><?xml version="1.0" encoding="utf-8"?>
 <p:sld xmlns:a="http://schemas.openxmlformats.org/drawingml/2006/main" xmlns:r="http://schemas.openxmlformats.org/officeDocument/2006/relationships" xmlns:p="http://schemas.openxmlformats.org/presentationml/2006/main">
   <p:cSld>
     <p:spTree>
@@ -5931,7 +10002,7 @@
             </a:pPr>
             <a:fld id="{00000000-1234-1234-1234-123412341234}" type="slidenum">
               <a:rPr lang="en" smtClean="0"/>
-              <a:t>3</a:t>
+              <a:t>9</a:t>
             </a:fld>
             <a:endParaRPr lang="en"/>
           </a:p>
@@ -6984,533 +11055,6 @@
 </p:sld>
 </file>
 
-<file path=ppt/slides/slide4.xml><?xml version="1.0" encoding="utf-8"?>
-<p:sld xmlns:a="http://schemas.openxmlformats.org/drawingml/2006/main" xmlns:r="http://schemas.openxmlformats.org/officeDocument/2006/relationships" xmlns:p="http://schemas.openxmlformats.org/presentationml/2006/main">
-  <p:cSld>
-    <p:spTree>
-      <p:nvGrpSpPr>
-        <p:cNvPr id="1" name=""/>
-        <p:cNvGrpSpPr/>
-        <p:nvPr/>
-      </p:nvGrpSpPr>
-      <p:grpSpPr>
-        <a:xfrm>
-          <a:off x="0" y="0"/>
-          <a:ext cx="0" cy="0"/>
-          <a:chOff x="0" y="0"/>
-          <a:chExt cx="0" cy="0"/>
-        </a:xfrm>
-      </p:grpSpPr>
-      <p:sp>
-        <p:nvSpPr>
-          <p:cNvPr id="3" name="Text Placeholder 2">
-            <a:extLst>
-              <a:ext uri="{FF2B5EF4-FFF2-40B4-BE49-F238E27FC236}">
-                <a16:creationId xmlns:a16="http://schemas.microsoft.com/office/drawing/2014/main" id="{E1BA9527-E2D2-87EA-7E8C-B283A2D2AEDD}"/>
-              </a:ext>
-            </a:extLst>
-          </p:cNvPr>
-          <p:cNvSpPr>
-            <a:spLocks noGrp="1"/>
-          </p:cNvSpPr>
-          <p:nvPr>
-            <p:ph type="body" idx="1"/>
-          </p:nvPr>
-        </p:nvSpPr>
-        <p:spPr>
-          <a:xfrm>
-            <a:off x="869100" y="1833097"/>
-            <a:ext cx="7405800" cy="1002000"/>
-          </a:xfrm>
-        </p:spPr>
-        <p:txBody>
-          <a:bodyPr/>
-          <a:lstStyle/>
-          <a:p>
-            <a:r>
-              <a:rPr lang="vi-VN"/>
-              <a:t>Biểu thức lambda sử dụng chính để thể hiện các giao diện có duy nhất 1 phương thức trừu tượng</a:t>
-            </a:r>
-            <a:r>
-              <a:rPr lang="en-US"/>
-              <a:t>.</a:t>
-            </a:r>
-          </a:p>
-        </p:txBody>
-      </p:sp>
-      <p:sp>
-        <p:nvSpPr>
-          <p:cNvPr id="4" name="Slide Number Placeholder 3">
-            <a:extLst>
-              <a:ext uri="{FF2B5EF4-FFF2-40B4-BE49-F238E27FC236}">
-                <a16:creationId xmlns:a16="http://schemas.microsoft.com/office/drawing/2014/main" id="{E78770F5-967E-DEAA-8035-25EFA5BB1CEC}"/>
-              </a:ext>
-            </a:extLst>
-          </p:cNvPr>
-          <p:cNvSpPr>
-            <a:spLocks noGrp="1"/>
-          </p:cNvSpPr>
-          <p:nvPr>
-            <p:ph type="sldNum" idx="12"/>
-          </p:nvPr>
-        </p:nvSpPr>
-        <p:spPr/>
-        <p:txBody>
-          <a:bodyPr/>
-          <a:lstStyle/>
-          <a:p>
-            <a:pPr marL="0" lvl="0" indent="0" algn="r" rtl="0">
-              <a:spcBef>
-                <a:spcPts val="0"/>
-              </a:spcBef>
-              <a:spcAft>
-                <a:spcPts val="0"/>
-              </a:spcAft>
-              <a:buNone/>
-            </a:pPr>
-            <a:fld id="{00000000-1234-1234-1234-123412341234}" type="slidenum">
-              <a:rPr lang="en" smtClean="0"/>
-              <a:t>4</a:t>
-            </a:fld>
-            <a:endParaRPr lang="en"/>
-          </a:p>
-        </p:txBody>
-      </p:sp>
-    </p:spTree>
-    <p:extLst>
-      <p:ext uri="{BB962C8B-B14F-4D97-AF65-F5344CB8AC3E}">
-        <p14:creationId xmlns:p14="http://schemas.microsoft.com/office/powerpoint/2010/main" val="281672299"/>
-      </p:ext>
-    </p:extLst>
-  </p:cSld>
-  <p:clrMapOvr>
-    <a:masterClrMapping/>
-  </p:clrMapOvr>
-  <p:timing>
-    <p:tnLst>
-      <p:par>
-        <p:cTn id="1" dur="indefinite" restart="never" nodeType="tmRoot">
-          <p:childTnLst>
-            <p:seq concurrent="1" nextAc="seek">
-              <p:cTn id="2" dur="indefinite" nodeType="mainSeq">
-                <p:childTnLst>
-                  <p:par>
-                    <p:cTn id="3" fill="hold">
-                      <p:stCondLst>
-                        <p:cond delay="indefinite"/>
-                      </p:stCondLst>
-                      <p:childTnLst>
-                        <p:par>
-                          <p:cTn id="4" fill="hold">
-                            <p:stCondLst>
-                              <p:cond delay="0"/>
-                            </p:stCondLst>
-                            <p:childTnLst>
-                              <p:par>
-                                <p:cTn id="5" presetID="2" presetClass="entr" presetSubtype="4" fill="hold" grpId="0" nodeType="clickEffect">
-                                  <p:stCondLst>
-                                    <p:cond delay="0"/>
-                                  </p:stCondLst>
-                                  <p:childTnLst>
-                                    <p:set>
-                                      <p:cBhvr>
-                                        <p:cTn id="6" dur="1" fill="hold">
-                                          <p:stCondLst>
-                                            <p:cond delay="0"/>
-                                          </p:stCondLst>
-                                        </p:cTn>
-                                        <p:tgtEl>
-                                          <p:spTgt spid="3">
-                                            <p:txEl>
-                                              <p:pRg st="0" end="0"/>
-                                            </p:txEl>
-                                          </p:spTgt>
-                                        </p:tgtEl>
-                                        <p:attrNameLst>
-                                          <p:attrName>style.visibility</p:attrName>
-                                        </p:attrNameLst>
-                                      </p:cBhvr>
-                                      <p:to>
-                                        <p:strVal val="visible"/>
-                                      </p:to>
-                                    </p:set>
-                                    <p:anim calcmode="lin" valueType="num">
-                                      <p:cBhvr additive="base">
-                                        <p:cTn id="7" dur="500" fill="hold"/>
-                                        <p:tgtEl>
-                                          <p:spTgt spid="3">
-                                            <p:txEl>
-                                              <p:pRg st="0" end="0"/>
-                                            </p:txEl>
-                                          </p:spTgt>
-                                        </p:tgtEl>
-                                        <p:attrNameLst>
-                                          <p:attrName>ppt_x</p:attrName>
-                                        </p:attrNameLst>
-                                      </p:cBhvr>
-                                      <p:tavLst>
-                                        <p:tav tm="0">
-                                          <p:val>
-                                            <p:strVal val="#ppt_x"/>
-                                          </p:val>
-                                        </p:tav>
-                                        <p:tav tm="100000">
-                                          <p:val>
-                                            <p:strVal val="#ppt_x"/>
-                                          </p:val>
-                                        </p:tav>
-                                      </p:tavLst>
-                                    </p:anim>
-                                    <p:anim calcmode="lin" valueType="num">
-                                      <p:cBhvr additive="base">
-                                        <p:cTn id="8" dur="500" fill="hold"/>
-                                        <p:tgtEl>
-                                          <p:spTgt spid="3">
-                                            <p:txEl>
-                                              <p:pRg st="0" end="0"/>
-                                            </p:txEl>
-                                          </p:spTgt>
-                                        </p:tgtEl>
-                                        <p:attrNameLst>
-                                          <p:attrName>ppt_y</p:attrName>
-                                        </p:attrNameLst>
-                                      </p:cBhvr>
-                                      <p:tavLst>
-                                        <p:tav tm="0">
-                                          <p:val>
-                                            <p:strVal val="1+#ppt_h/2"/>
-                                          </p:val>
-                                        </p:tav>
-                                        <p:tav tm="100000">
-                                          <p:val>
-                                            <p:strVal val="#ppt_y"/>
-                                          </p:val>
-                                        </p:tav>
-                                      </p:tavLst>
-                                    </p:anim>
-                                  </p:childTnLst>
-                                </p:cTn>
-                              </p:par>
-                            </p:childTnLst>
-                          </p:cTn>
-                        </p:par>
-                      </p:childTnLst>
-                    </p:cTn>
-                  </p:par>
-                </p:childTnLst>
-              </p:cTn>
-              <p:prevCondLst>
-                <p:cond evt="onPrev" delay="0">
-                  <p:tgtEl>
-                    <p:sldTgt/>
-                  </p:tgtEl>
-                </p:cond>
-              </p:prevCondLst>
-              <p:nextCondLst>
-                <p:cond evt="onNext" delay="0">
-                  <p:tgtEl>
-                    <p:sldTgt/>
-                  </p:tgtEl>
-                </p:cond>
-              </p:nextCondLst>
-            </p:seq>
-          </p:childTnLst>
-        </p:cTn>
-      </p:par>
-    </p:tnLst>
-    <p:bldLst>
-      <p:bldP spid="3" grpId="0" build="p"/>
-    </p:bldLst>
-  </p:timing>
-</p:sld>
-</file>
-
-<file path=ppt/slides/slide5.xml><?xml version="1.0" encoding="utf-8"?>
-<p:sld xmlns:a="http://schemas.openxmlformats.org/drawingml/2006/main" xmlns:r="http://schemas.openxmlformats.org/officeDocument/2006/relationships" xmlns:p="http://schemas.openxmlformats.org/presentationml/2006/main">
-  <p:cSld>
-    <p:spTree>
-      <p:nvGrpSpPr>
-        <p:cNvPr id="1" name=""/>
-        <p:cNvGrpSpPr/>
-        <p:nvPr/>
-      </p:nvGrpSpPr>
-      <p:grpSpPr>
-        <a:xfrm>
-          <a:off x="0" y="0"/>
-          <a:ext cx="0" cy="0"/>
-          <a:chOff x="0" y="0"/>
-          <a:chExt cx="0" cy="0"/>
-        </a:xfrm>
-      </p:grpSpPr>
-      <p:sp>
-        <p:nvSpPr>
-          <p:cNvPr id="4" name="Slide Number Placeholder 3">
-            <a:extLst>
-              <a:ext uri="{FF2B5EF4-FFF2-40B4-BE49-F238E27FC236}">
-                <a16:creationId xmlns:a16="http://schemas.microsoft.com/office/drawing/2014/main" id="{EB8605B1-C986-0C2E-6BD8-24FCF8879998}"/>
-              </a:ext>
-            </a:extLst>
-          </p:cNvPr>
-          <p:cNvSpPr>
-            <a:spLocks noGrp="1"/>
-          </p:cNvSpPr>
-          <p:nvPr>
-            <p:ph type="sldNum" idx="12"/>
-          </p:nvPr>
-        </p:nvSpPr>
-        <p:spPr/>
-        <p:txBody>
-          <a:bodyPr/>
-          <a:lstStyle/>
-          <a:p>
-            <a:pPr marL="0" lvl="0" indent="0" algn="r" rtl="0">
-              <a:spcBef>
-                <a:spcPts val="0"/>
-              </a:spcBef>
-              <a:spcAft>
-                <a:spcPts val="0"/>
-              </a:spcAft>
-              <a:buNone/>
-            </a:pPr>
-            <a:fld id="{00000000-1234-1234-1234-123412341234}" type="slidenum">
-              <a:rPr lang="en" smtClean="0"/>
-              <a:t>5</a:t>
-            </a:fld>
-            <a:endParaRPr lang="en"/>
-          </a:p>
-        </p:txBody>
-      </p:sp>
-      <p:pic>
-        <p:nvPicPr>
-          <p:cNvPr id="6" name="Picture 5">
-            <a:extLst>
-              <a:ext uri="{FF2B5EF4-FFF2-40B4-BE49-F238E27FC236}">
-                <a16:creationId xmlns:a16="http://schemas.microsoft.com/office/drawing/2014/main" id="{DD118F5E-9BA4-1682-24CB-3EA6BC0E5A5F}"/>
-              </a:ext>
-            </a:extLst>
-          </p:cNvPr>
-          <p:cNvPicPr>
-            <a:picLocks noChangeAspect="1"/>
-          </p:cNvPicPr>
-          <p:nvPr/>
-        </p:nvPicPr>
-        <p:blipFill>
-          <a:blip r:embed="rId2"/>
-          <a:stretch>
-            <a:fillRect/>
-          </a:stretch>
-        </p:blipFill>
-        <p:spPr>
-          <a:xfrm>
-            <a:off x="745720" y="618708"/>
-            <a:ext cx="4111573" cy="619211"/>
-          </a:xfrm>
-          <a:prstGeom prst="rect">
-            <a:avLst/>
-          </a:prstGeom>
-        </p:spPr>
-      </p:pic>
-      <p:pic>
-        <p:nvPicPr>
-          <p:cNvPr id="8" name="Picture 7">
-            <a:extLst>
-              <a:ext uri="{FF2B5EF4-FFF2-40B4-BE49-F238E27FC236}">
-                <a16:creationId xmlns:a16="http://schemas.microsoft.com/office/drawing/2014/main" id="{31BC3DE0-52BE-E116-889A-AB559762D938}"/>
-              </a:ext>
-            </a:extLst>
-          </p:cNvPr>
-          <p:cNvPicPr>
-            <a:picLocks noChangeAspect="1"/>
-          </p:cNvPicPr>
-          <p:nvPr/>
-        </p:nvPicPr>
-        <p:blipFill>
-          <a:blip r:embed="rId3"/>
-          <a:stretch>
-            <a:fillRect/>
-          </a:stretch>
-        </p:blipFill>
-        <p:spPr>
-          <a:xfrm>
-            <a:off x="4194632" y="3261637"/>
-            <a:ext cx="4239217" cy="1324160"/>
-          </a:xfrm>
-          <a:prstGeom prst="rect">
-            <a:avLst/>
-          </a:prstGeom>
-        </p:spPr>
-      </p:pic>
-      <p:pic>
-        <p:nvPicPr>
-          <p:cNvPr id="10" name="Picture 9">
-            <a:extLst>
-              <a:ext uri="{FF2B5EF4-FFF2-40B4-BE49-F238E27FC236}">
-                <a16:creationId xmlns:a16="http://schemas.microsoft.com/office/drawing/2014/main" id="{C71C3B6A-38A6-137C-A9C5-639112E10D22}"/>
-              </a:ext>
-            </a:extLst>
-          </p:cNvPr>
-          <p:cNvPicPr>
-            <a:picLocks noChangeAspect="1"/>
-          </p:cNvPicPr>
-          <p:nvPr/>
-        </p:nvPicPr>
-        <p:blipFill>
-          <a:blip r:embed="rId4"/>
-          <a:stretch>
-            <a:fillRect/>
-          </a:stretch>
-        </p:blipFill>
-        <p:spPr>
-          <a:xfrm>
-            <a:off x="1570128" y="1382882"/>
-            <a:ext cx="5249008" cy="1733792"/>
-          </a:xfrm>
-          <a:prstGeom prst="rect">
-            <a:avLst/>
-          </a:prstGeom>
-        </p:spPr>
-      </p:pic>
-    </p:spTree>
-    <p:extLst>
-      <p:ext uri="{BB962C8B-B14F-4D97-AF65-F5344CB8AC3E}">
-        <p14:creationId xmlns:p14="http://schemas.microsoft.com/office/powerpoint/2010/main" val="1251228716"/>
-      </p:ext>
-    </p:extLst>
-  </p:cSld>
-  <p:clrMapOvr>
-    <a:masterClrMapping/>
-  </p:clrMapOvr>
-</p:sld>
-</file>
-
-<file path=ppt/slides/slide6.xml><?xml version="1.0" encoding="utf-8"?>
-<p:sld xmlns:a="http://schemas.openxmlformats.org/drawingml/2006/main" xmlns:r="http://schemas.openxmlformats.org/officeDocument/2006/relationships" xmlns:p="http://schemas.openxmlformats.org/presentationml/2006/main">
-  <p:cSld>
-    <p:spTree>
-      <p:nvGrpSpPr>
-        <p:cNvPr id="1" name=""/>
-        <p:cNvGrpSpPr/>
-        <p:nvPr/>
-      </p:nvGrpSpPr>
-      <p:grpSpPr>
-        <a:xfrm>
-          <a:off x="0" y="0"/>
-          <a:ext cx="0" cy="0"/>
-          <a:chOff x="0" y="0"/>
-          <a:chExt cx="0" cy="0"/>
-        </a:xfrm>
-      </p:grpSpPr>
-      <p:sp>
-        <p:nvSpPr>
-          <p:cNvPr id="4" name="Slide Number Placeholder 3">
-            <a:extLst>
-              <a:ext uri="{FF2B5EF4-FFF2-40B4-BE49-F238E27FC236}">
-                <a16:creationId xmlns:a16="http://schemas.microsoft.com/office/drawing/2014/main" id="{A336AEF3-97B2-3E72-3AC5-094F95F09282}"/>
-              </a:ext>
-            </a:extLst>
-          </p:cNvPr>
-          <p:cNvSpPr>
-            <a:spLocks noGrp="1"/>
-          </p:cNvSpPr>
-          <p:nvPr>
-            <p:ph type="sldNum" idx="12"/>
-          </p:nvPr>
-        </p:nvSpPr>
-        <p:spPr/>
-        <p:txBody>
-          <a:bodyPr/>
-          <a:lstStyle/>
-          <a:p>
-            <a:pPr marL="0" lvl="0" indent="0" algn="r" rtl="0">
-              <a:spcBef>
-                <a:spcPts val="0"/>
-              </a:spcBef>
-              <a:spcAft>
-                <a:spcPts val="0"/>
-              </a:spcAft>
-              <a:buNone/>
-            </a:pPr>
-            <a:fld id="{00000000-1234-1234-1234-123412341234}" type="slidenum">
-              <a:rPr lang="en" smtClean="0"/>
-              <a:t>6</a:t>
-            </a:fld>
-            <a:endParaRPr lang="en"/>
-          </a:p>
-        </p:txBody>
-      </p:sp>
-      <p:pic>
-        <p:nvPicPr>
-          <p:cNvPr id="6" name="Picture 5">
-            <a:extLst>
-              <a:ext uri="{FF2B5EF4-FFF2-40B4-BE49-F238E27FC236}">
-                <a16:creationId xmlns:a16="http://schemas.microsoft.com/office/drawing/2014/main" id="{83FAFD26-EC95-23E5-3518-EBB1090CB332}"/>
-              </a:ext>
-            </a:extLst>
-          </p:cNvPr>
-          <p:cNvPicPr>
-            <a:picLocks noChangeAspect="1"/>
-          </p:cNvPicPr>
-          <p:nvPr/>
-        </p:nvPicPr>
-        <p:blipFill>
-          <a:blip r:embed="rId2"/>
-          <a:stretch>
-            <a:fillRect/>
-          </a:stretch>
-        </p:blipFill>
-        <p:spPr>
-          <a:xfrm>
-            <a:off x="2771736" y="2357359"/>
-            <a:ext cx="5458587" cy="1648055"/>
-          </a:xfrm>
-          <a:prstGeom prst="rect">
-            <a:avLst/>
-          </a:prstGeom>
-        </p:spPr>
-      </p:pic>
-      <p:pic>
-        <p:nvPicPr>
-          <p:cNvPr id="7" name="Picture 6">
-            <a:extLst>
-              <a:ext uri="{FF2B5EF4-FFF2-40B4-BE49-F238E27FC236}">
-                <a16:creationId xmlns:a16="http://schemas.microsoft.com/office/drawing/2014/main" id="{6F5C8DF9-6002-54D5-1FD6-761DAB75AFE7}"/>
-              </a:ext>
-            </a:extLst>
-          </p:cNvPr>
-          <p:cNvPicPr>
-            <a:picLocks noChangeAspect="1"/>
-          </p:cNvPicPr>
-          <p:nvPr/>
-        </p:nvPicPr>
-        <p:blipFill>
-          <a:blip r:embed="rId3"/>
-          <a:stretch>
-            <a:fillRect/>
-          </a:stretch>
-        </p:blipFill>
-        <p:spPr>
-          <a:xfrm>
-            <a:off x="943231" y="1138086"/>
-            <a:ext cx="4111573" cy="690714"/>
-          </a:xfrm>
-          <a:prstGeom prst="rect">
-            <a:avLst/>
-          </a:prstGeom>
-        </p:spPr>
-      </p:pic>
-    </p:spTree>
-    <p:extLst>
-      <p:ext uri="{BB962C8B-B14F-4D97-AF65-F5344CB8AC3E}">
-        <p14:creationId xmlns:p14="http://schemas.microsoft.com/office/powerpoint/2010/main" val="856331890"/>
-      </p:ext>
-    </p:extLst>
-  </p:cSld>
-  <p:clrMapOvr>
-    <a:masterClrMapping/>
-  </p:clrMapOvr>
-</p:sld>
-</file>
-
 <file path=ppt/theme/theme1.xml><?xml version="1.0" encoding="utf-8"?>
 <a:theme xmlns:a="http://schemas.openxmlformats.org/drawingml/2006/main" name="Jacquenetta template">
   <a:themeElements>

--- a/ProjectNhom3/src/baocaogiuaki/lambda/Lambda.pptx
+++ b/ProjectNhom3/src/baocaogiuaki/lambda/Lambda.pptx
@@ -5,7 +5,7 @@
     <p:sldMasterId id="2147483658" r:id="rId1"/>
   </p:sldMasterIdLst>
   <p:notesMasterIdLst>
-    <p:notesMasterId r:id="rId14"/>
+    <p:notesMasterId r:id="rId20"/>
   </p:notesMasterIdLst>
   <p:sldIdLst>
     <p:sldId id="266" r:id="rId2"/>
@@ -14,36 +14,42 @@
     <p:sldId id="269" r:id="rId5"/>
     <p:sldId id="270" r:id="rId6"/>
     <p:sldId id="271" r:id="rId7"/>
-    <p:sldId id="256" r:id="rId8"/>
-    <p:sldId id="261" r:id="rId9"/>
-    <p:sldId id="262" r:id="rId10"/>
-    <p:sldId id="263" r:id="rId11"/>
-    <p:sldId id="264" r:id="rId12"/>
-    <p:sldId id="265" r:id="rId13"/>
+    <p:sldId id="273" r:id="rId8"/>
+    <p:sldId id="272" r:id="rId9"/>
+    <p:sldId id="274" r:id="rId10"/>
+    <p:sldId id="275" r:id="rId11"/>
+    <p:sldId id="276" r:id="rId12"/>
+    <p:sldId id="277" r:id="rId13"/>
+    <p:sldId id="256" r:id="rId14"/>
+    <p:sldId id="261" r:id="rId15"/>
+    <p:sldId id="262" r:id="rId16"/>
+    <p:sldId id="263" r:id="rId17"/>
+    <p:sldId id="264" r:id="rId18"/>
+    <p:sldId id="265" r:id="rId19"/>
   </p:sldIdLst>
   <p:sldSz cx="9144000" cy="5143500" type="screen16x9"/>
   <p:notesSz cx="6858000" cy="9144000"/>
   <p:embeddedFontLst>
     <p:embeddedFont>
-      <p:font typeface="Roboto" panose="02000000000000000000" pitchFamily="2" charset="0"/>
-      <p:regular r:id="rId15"/>
-      <p:bold r:id="rId16"/>
-      <p:italic r:id="rId17"/>
-      <p:boldItalic r:id="rId18"/>
+      <p:font typeface="Roboto" panose="020B0604020202020204" charset="0"/>
+      <p:regular r:id="rId21"/>
+      <p:bold r:id="rId22"/>
+      <p:italic r:id="rId23"/>
+      <p:boldItalic r:id="rId24"/>
     </p:embeddedFont>
     <p:embeddedFont>
-      <p:font typeface="Work Sans" pitchFamily="2" charset="0"/>
-      <p:regular r:id="rId19"/>
-      <p:bold r:id="rId20"/>
-      <p:italic r:id="rId21"/>
-      <p:boldItalic r:id="rId22"/>
+      <p:font typeface="Work Sans Light" panose="020B0604020202020204" charset="0"/>
+      <p:regular r:id="rId25"/>
+      <p:bold r:id="rId26"/>
+      <p:italic r:id="rId27"/>
+      <p:boldItalic r:id="rId28"/>
     </p:embeddedFont>
     <p:embeddedFont>
-      <p:font typeface="Work Sans Light" pitchFamily="2" charset="0"/>
-      <p:regular r:id="rId23"/>
-      <p:bold r:id="rId24"/>
-      <p:italic r:id="rId25"/>
-      <p:boldItalic r:id="rId26"/>
+      <p:font typeface="Work Sans" panose="020B0604020202020204" charset="0"/>
+      <p:regular r:id="rId29"/>
+      <p:bold r:id="rId30"/>
+      <p:italic r:id="rId31"/>
+      <p:boldItalic r:id="rId32"/>
     </p:embeddedFont>
   </p:embeddedFontLst>
   <p:defaultTextStyle>
@@ -4798,6 +4804,13 @@
   <p:clrMapOvr>
     <a:masterClrMapping/>
   </p:clrMapOvr>
+  <p:timing>
+    <p:tnLst>
+      <p:par>
+        <p:cTn id="1" dur="indefinite" restart="never" nodeType="tmRoot"/>
+      </p:par>
+    </p:tnLst>
+  </p:timing>
 </p:sld>
 </file>
 
@@ -4820,24 +4833,18 @@
       </p:grpSpPr>
       <p:sp>
         <p:nvSpPr>
-          <p:cNvPr id="3" name="Text Placeholder 2">
-            <a:extLst>
-              <a:ext uri="{FF2B5EF4-FFF2-40B4-BE49-F238E27FC236}">
-                <a16:creationId xmlns:a16="http://schemas.microsoft.com/office/drawing/2014/main" id="{E1BA9527-E2D2-87EA-7E8C-B283A2D2AEDD}"/>
-              </a:ext>
-            </a:extLst>
-          </p:cNvPr>
+          <p:cNvPr id="2" name="Title 1"/>
           <p:cNvSpPr>
             <a:spLocks noGrp="1"/>
           </p:cNvSpPr>
           <p:nvPr>
-            <p:ph type="body" idx="1"/>
+            <p:ph type="title"/>
           </p:nvPr>
         </p:nvSpPr>
         <p:spPr>
           <a:xfrm>
-            <a:off x="869100" y="1833097"/>
-            <a:ext cx="7405800" cy="1002000"/>
+            <a:off x="869150" y="523461"/>
+            <a:ext cx="5092200" cy="710304"/>
           </a:xfrm>
         </p:spPr>
         <p:txBody>
@@ -4845,25 +4852,16 @@
           <a:lstStyle/>
           <a:p>
             <a:r>
-              <a:rPr lang="vi-VN"/>
-              <a:t>Biểu thức lambda sử dụng chính để thể hiện các giao diện có duy nhất 1 phương thức trừu tượng</a:t>
+              <a:rPr lang="vi-VN" dirty="0"/>
+              <a:t>Non-static class</a:t>
             </a:r>
-            <a:r>
-              <a:rPr lang="en-US"/>
-              <a:t>.</a:t>
-            </a:r>
+            <a:endParaRPr lang="en-US" dirty="0"/>
           </a:p>
         </p:txBody>
       </p:sp>
       <p:sp>
         <p:nvSpPr>
-          <p:cNvPr id="4" name="Slide Number Placeholder 3">
-            <a:extLst>
-              <a:ext uri="{FF2B5EF4-FFF2-40B4-BE49-F238E27FC236}">
-                <a16:creationId xmlns:a16="http://schemas.microsoft.com/office/drawing/2014/main" id="{E78770F5-967E-DEAA-8035-25EFA5BB1CEC}"/>
-              </a:ext>
-            </a:extLst>
-          </p:cNvPr>
+          <p:cNvPr id="4" name="Slide Number Placeholder 3"/>
           <p:cNvSpPr>
             <a:spLocks noGrp="1"/>
           </p:cNvSpPr>
@@ -4893,10 +4891,128 @@
           </a:p>
         </p:txBody>
       </p:sp>
+      <p:pic>
+        <p:nvPicPr>
+          <p:cNvPr id="1026" name="Picture 2" descr="C:\Users\Hao\AppData\Local\ZaloPC\1843231483270529470\ZaloDownloads\picture\6669448870354575012\z3614478010219_fd9447b3e829702e82d43febf122260d.jpg"/>
+          <p:cNvPicPr>
+            <a:picLocks noChangeAspect="1" noChangeArrowheads="1"/>
+          </p:cNvPicPr>
+          <p:nvPr/>
+        </p:nvPicPr>
+        <p:blipFill>
+          <a:blip r:embed="rId2">
+            <a:extLst>
+              <a:ext uri="{28A0092B-C50C-407E-A947-70E740481C1C}">
+                <a14:useLocalDpi xmlns:a14="http://schemas.microsoft.com/office/drawing/2010/main" val="0"/>
+              </a:ext>
+            </a:extLst>
+          </a:blip>
+          <a:srcRect/>
+          <a:stretch>
+            <a:fillRect/>
+          </a:stretch>
+        </p:blipFill>
+        <p:spPr bwMode="auto">
+          <a:xfrm>
+            <a:off x="2059308" y="1797279"/>
+            <a:ext cx="4932735" cy="2792799"/>
+          </a:xfrm>
+          <a:prstGeom prst="rect">
+            <a:avLst/>
+          </a:prstGeom>
+          <a:noFill/>
+          <a:extLst>
+            <a:ext uri="{909E8E84-426E-40DD-AFC4-6F175D3DCCD1}">
+              <a14:hiddenFill xmlns:a14="http://schemas.microsoft.com/office/drawing/2010/main">
+                <a:solidFill>
+                  <a:srgbClr val="FFFFFF"/>
+                </a:solidFill>
+              </a14:hiddenFill>
+            </a:ext>
+          </a:extLst>
+        </p:spPr>
+      </p:pic>
+      <p:sp>
+        <p:nvSpPr>
+          <p:cNvPr id="5" name="TextBox 4"/>
+          <p:cNvSpPr txBox="1"/>
+          <p:nvPr/>
+        </p:nvSpPr>
+        <p:spPr>
+          <a:xfrm>
+            <a:off x="1000539" y="1233765"/>
+            <a:ext cx="4393096" cy="523220"/>
+          </a:xfrm>
+          <a:prstGeom prst="rect">
+            <a:avLst/>
+          </a:prstGeom>
+          <a:noFill/>
+        </p:spPr>
+        <p:txBody>
+          <a:bodyPr wrap="square" rtlCol="0">
+            <a:spAutoFit/>
+          </a:bodyPr>
+          <a:lstStyle/>
+          <a:p>
+            <a:pPr marL="285750" indent="-285750">
+              <a:buFont typeface="Arial" panose="020B0604020202020204" pitchFamily="34" charset="0"/>
+              <a:buChar char="•"/>
+            </a:pPr>
+            <a:r>
+              <a:rPr lang="en-US" dirty="0" smtClean="0"/>
+              <a:t>N</a:t>
+            </a:r>
+            <a:r>
+              <a:rPr lang="vi-VN" dirty="0" smtClean="0"/>
+              <a:t>gười </a:t>
+            </a:r>
+            <a:r>
+              <a:rPr lang="vi-VN" dirty="0"/>
+              <a:t>ta gọi loại này là Inner </a:t>
+            </a:r>
+            <a:r>
+              <a:rPr lang="vi-VN" dirty="0" smtClean="0"/>
+              <a:t>Class.</a:t>
+            </a:r>
+            <a:endParaRPr lang="en-US" dirty="0" smtClean="0"/>
+          </a:p>
+          <a:p>
+            <a:pPr marL="285750" indent="-285750">
+              <a:buFont typeface="Arial" panose="020B0604020202020204" pitchFamily="34" charset="0"/>
+              <a:buChar char="•"/>
+            </a:pPr>
+            <a:r>
+              <a:rPr lang="vi-VN" dirty="0" smtClean="0"/>
+              <a:t>Đây </a:t>
+            </a:r>
+            <a:r>
+              <a:rPr lang="vi-VN" dirty="0"/>
+              <a:t>là lớp không có khai báo với từ </a:t>
+            </a:r>
+            <a:r>
+              <a:rPr lang="vi-VN" dirty="0" smtClean="0"/>
+              <a:t>khóa</a:t>
+            </a:r>
+            <a:r>
+              <a:rPr lang="en-US" dirty="0" smtClean="0"/>
+              <a:t> </a:t>
+            </a:r>
+            <a:r>
+              <a:rPr lang="vi-VN" dirty="0" smtClean="0"/>
+              <a:t>static</a:t>
+            </a:r>
+            <a:r>
+              <a:rPr lang="vi-VN" dirty="0"/>
+              <a:t>.</a:t>
+            </a:r>
+            <a:endParaRPr lang="en-US" dirty="0"/>
+          </a:p>
+        </p:txBody>
+      </p:sp>
     </p:spTree>
     <p:extLst>
       <p:ext uri="{BB962C8B-B14F-4D97-AF65-F5344CB8AC3E}">
-        <p14:creationId xmlns:p14="http://schemas.microsoft.com/office/powerpoint/2010/main" val="281672299"/>
+        <p14:creationId xmlns:p14="http://schemas.microsoft.com/office/powerpoint/2010/main" val="490754302"/>
       </p:ext>
     </p:extLst>
   </p:cSld>
@@ -4906,138 +5022,9 @@
   <p:timing>
     <p:tnLst>
       <p:par>
-        <p:cTn id="1" dur="indefinite" restart="never" nodeType="tmRoot">
-          <p:childTnLst>
-            <p:seq concurrent="1" nextAc="seek">
-              <p:cTn id="2" dur="indefinite" nodeType="mainSeq">
-                <p:childTnLst>
-                  <p:par>
-                    <p:cTn id="3" fill="hold">
-                      <p:stCondLst>
-                        <p:cond delay="indefinite"/>
-                      </p:stCondLst>
-                      <p:childTnLst>
-                        <p:par>
-                          <p:cTn id="4" fill="hold">
-                            <p:stCondLst>
-                              <p:cond delay="0"/>
-                            </p:stCondLst>
-                            <p:childTnLst>
-                              <p:par>
-                                <p:cTn id="5" presetID="2" presetClass="entr" presetSubtype="4" fill="hold" grpId="0" nodeType="clickEffect">
-                                  <p:stCondLst>
-                                    <p:cond delay="0"/>
-                                  </p:stCondLst>
-                                  <p:childTnLst>
-                                    <p:set>
-                                      <p:cBhvr>
-                                        <p:cTn id="6" dur="1" fill="hold">
-                                          <p:stCondLst>
-                                            <p:cond delay="0"/>
-                                          </p:stCondLst>
-                                        </p:cTn>
-                                        <p:tgtEl>
-                                          <p:spTgt spid="3">
-                                            <p:txEl>
-                                              <p:pRg st="0" end="0"/>
-                                            </p:txEl>
-                                          </p:spTgt>
-                                        </p:tgtEl>
-                                        <p:attrNameLst>
-                                          <p:attrName>style.visibility</p:attrName>
-                                        </p:attrNameLst>
-                                      </p:cBhvr>
-                                      <p:to>
-                                        <p:strVal val="visible"/>
-                                      </p:to>
-                                    </p:set>
-                                    <p:anim calcmode="lin" valueType="num">
-                                      <p:cBhvr additive="base">
-                                        <p:cTn id="7" dur="500" fill="hold"/>
-                                        <p:tgtEl>
-                                          <p:spTgt spid="3">
-                                            <p:txEl>
-                                              <p:pRg st="0" end="0"/>
-                                            </p:txEl>
-                                          </p:spTgt>
-                                        </p:tgtEl>
-                                        <p:attrNameLst>
-                                          <p:attrName>ppt_x</p:attrName>
-                                        </p:attrNameLst>
-                                      </p:cBhvr>
-                                      <p:tavLst>
-                                        <p:tav tm="0">
-                                          <p:val>
-                                            <p:strVal val="#ppt_x"/>
-                                          </p:val>
-                                        </p:tav>
-                                        <p:tav tm="100000">
-                                          <p:val>
-                                            <p:strVal val="#ppt_x"/>
-                                          </p:val>
-                                        </p:tav>
-                                      </p:tavLst>
-                                    </p:anim>
-                                    <p:anim calcmode="lin" valueType="num">
-                                      <p:cBhvr additive="base">
-                                        <p:cTn id="8" dur="500" fill="hold"/>
-                                        <p:tgtEl>
-                                          <p:spTgt spid="3">
-                                            <p:txEl>
-                                              <p:pRg st="0" end="0"/>
-                                            </p:txEl>
-                                          </p:spTgt>
-                                        </p:tgtEl>
-                                        <p:attrNameLst>
-                                          <p:attrName>ppt_y</p:attrName>
-                                        </p:attrNameLst>
-                                      </p:cBhvr>
-                                      <p:tavLst>
-                                        <p:tav tm="0">
-                                          <p:val>
-                                            <p:strVal val="1+#ppt_h/2"/>
-                                          </p:val>
-                                        </p:tav>
-                                        <p:tav tm="100000">
-                                          <p:val>
-                                            <p:strVal val="#ppt_y"/>
-                                          </p:val>
-                                        </p:tav>
-                                      </p:tavLst>
-                                    </p:anim>
-                                  </p:childTnLst>
-                                </p:cTn>
-                              </p:par>
-                            </p:childTnLst>
-                          </p:cTn>
-                        </p:par>
-                      </p:childTnLst>
-                    </p:cTn>
-                  </p:par>
-                </p:childTnLst>
-              </p:cTn>
-              <p:prevCondLst>
-                <p:cond evt="onPrev" delay="0">
-                  <p:tgtEl>
-                    <p:sldTgt/>
-                  </p:tgtEl>
-                </p:cond>
-              </p:prevCondLst>
-              <p:nextCondLst>
-                <p:cond evt="onNext" delay="0">
-                  <p:tgtEl>
-                    <p:sldTgt/>
-                  </p:tgtEl>
-                </p:cond>
-              </p:nextCondLst>
-            </p:seq>
-          </p:childTnLst>
-        </p:cTn>
+        <p:cTn id="1" dur="indefinite" restart="never" nodeType="tmRoot"/>
       </p:par>
     </p:tnLst>
-    <p:bldLst>
-      <p:bldP spid="3" grpId="0" build="p"/>
-    </p:bldLst>
   </p:timing>
 </p:sld>
 </file>
@@ -5061,13 +5048,39 @@
       </p:grpSpPr>
       <p:sp>
         <p:nvSpPr>
-          <p:cNvPr id="4" name="Slide Number Placeholder 3">
-            <a:extLst>
-              <a:ext uri="{FF2B5EF4-FFF2-40B4-BE49-F238E27FC236}">
-                <a16:creationId xmlns:a16="http://schemas.microsoft.com/office/drawing/2014/main" id="{EB8605B1-C986-0C2E-6BD8-24FCF8879998}"/>
-              </a:ext>
-            </a:extLst>
-          </p:cNvPr>
+          <p:cNvPr id="2" name="Title 1"/>
+          <p:cNvSpPr>
+            <a:spLocks noGrp="1"/>
+          </p:cNvSpPr>
+          <p:nvPr>
+            <p:ph type="title"/>
+          </p:nvPr>
+        </p:nvSpPr>
+        <p:spPr>
+          <a:xfrm>
+            <a:off x="869150" y="523461"/>
+            <a:ext cx="5092200" cy="710304"/>
+          </a:xfrm>
+        </p:spPr>
+        <p:txBody>
+          <a:bodyPr/>
+          <a:lstStyle/>
+          <a:p>
+            <a:r>
+              <a:rPr lang="vi-VN" dirty="0"/>
+              <a:t>Static </a:t>
+            </a:r>
+            <a:r>
+              <a:rPr lang="vi-VN" dirty="0" smtClean="0"/>
+              <a:t>class</a:t>
+            </a:r>
+            <a:endParaRPr lang="en-US" dirty="0"/>
+          </a:p>
+        </p:txBody>
+      </p:sp>
+      <p:sp>
+        <p:nvSpPr>
+          <p:cNvPr id="4" name="Slide Number Placeholder 3"/>
           <p:cNvSpPr>
             <a:spLocks noGrp="1"/>
           </p:cNvSpPr>
@@ -5097,106 +5110,125 @@
           </a:p>
         </p:txBody>
       </p:sp>
+      <p:sp>
+        <p:nvSpPr>
+          <p:cNvPr id="5" name="TextBox 4"/>
+          <p:cNvSpPr txBox="1"/>
+          <p:nvPr/>
+        </p:nvSpPr>
+        <p:spPr>
+          <a:xfrm>
+            <a:off x="1000539" y="1233765"/>
+            <a:ext cx="4200939" cy="523220"/>
+          </a:xfrm>
+          <a:prstGeom prst="rect">
+            <a:avLst/>
+          </a:prstGeom>
+          <a:noFill/>
+        </p:spPr>
+        <p:txBody>
+          <a:bodyPr wrap="square" rtlCol="0">
+            <a:spAutoFit/>
+          </a:bodyPr>
+          <a:lstStyle/>
+          <a:p>
+            <a:pPr marL="285750" indent="-285750">
+              <a:buFont typeface="Arial" panose="020B0604020202020204" pitchFamily="34" charset="0"/>
+              <a:buChar char="•"/>
+            </a:pPr>
+            <a:r>
+              <a:rPr lang="en-US" dirty="0" smtClean="0"/>
+              <a:t>N</a:t>
+            </a:r>
+            <a:r>
+              <a:rPr lang="vi-VN" dirty="0" smtClean="0"/>
+              <a:t>gười </a:t>
+            </a:r>
+            <a:r>
+              <a:rPr lang="vi-VN" dirty="0"/>
+              <a:t>ta gọi loại này là Static Nested </a:t>
+            </a:r>
+            <a:r>
+              <a:rPr lang="vi-VN" dirty="0" smtClean="0"/>
+              <a:t>Class.</a:t>
+            </a:r>
+            <a:endParaRPr lang="en-US" dirty="0" smtClean="0"/>
+          </a:p>
+          <a:p>
+            <a:pPr marL="285750" indent="-285750">
+              <a:buFont typeface="Arial" panose="020B0604020202020204" pitchFamily="34" charset="0"/>
+              <a:buChar char="•"/>
+            </a:pPr>
+            <a:r>
+              <a:rPr lang="vi-VN" dirty="0" smtClean="0"/>
+              <a:t>Đây </a:t>
+            </a:r>
+            <a:r>
+              <a:rPr lang="vi-VN" dirty="0"/>
+              <a:t>là lớp có khai báo với từ khóa static.</a:t>
+            </a:r>
+            <a:endParaRPr lang="en-US" dirty="0"/>
+          </a:p>
+        </p:txBody>
+      </p:sp>
       <p:pic>
         <p:nvPicPr>
-          <p:cNvPr id="6" name="Picture 5">
-            <a:extLst>
-              <a:ext uri="{FF2B5EF4-FFF2-40B4-BE49-F238E27FC236}">
-                <a16:creationId xmlns:a16="http://schemas.microsoft.com/office/drawing/2014/main" id="{DD118F5E-9BA4-1682-24CB-3EA6BC0E5A5F}"/>
-              </a:ext>
-            </a:extLst>
-          </p:cNvPr>
+          <p:cNvPr id="3074" name="Picture 2" descr="C:\Users\Hao\AppData\Local\ZaloPC\1843231483270529470\ZaloDownloads\picture\6669448870354575012\z3614480262116_74dbcf165934146f0ba561d1fe30278e.jpg"/>
           <p:cNvPicPr>
-            <a:picLocks noChangeAspect="1"/>
+            <a:picLocks noChangeAspect="1" noChangeArrowheads="1"/>
           </p:cNvPicPr>
           <p:nvPr/>
         </p:nvPicPr>
         <p:blipFill>
-          <a:blip r:embed="rId2"/>
+          <a:blip r:embed="rId2">
+            <a:extLst>
+              <a:ext uri="{28A0092B-C50C-407E-A947-70E740481C1C}">
+                <a14:useLocalDpi xmlns:a14="http://schemas.microsoft.com/office/drawing/2010/main" val="0"/>
+              </a:ext>
+            </a:extLst>
+          </a:blip>
+          <a:srcRect/>
           <a:stretch>
             <a:fillRect/>
           </a:stretch>
         </p:blipFill>
-        <p:spPr>
+        <p:spPr bwMode="auto">
           <a:xfrm>
-            <a:off x="745720" y="618708"/>
-            <a:ext cx="4111573" cy="619211"/>
+            <a:off x="2024131" y="1944069"/>
+            <a:ext cx="5125417" cy="2680404"/>
           </a:xfrm>
           <a:prstGeom prst="rect">
             <a:avLst/>
           </a:prstGeom>
-        </p:spPr>
-      </p:pic>
-      <p:pic>
-        <p:nvPicPr>
-          <p:cNvPr id="8" name="Picture 7">
-            <a:extLst>
-              <a:ext uri="{FF2B5EF4-FFF2-40B4-BE49-F238E27FC236}">
-                <a16:creationId xmlns:a16="http://schemas.microsoft.com/office/drawing/2014/main" id="{31BC3DE0-52BE-E116-889A-AB559762D938}"/>
-              </a:ext>
-            </a:extLst>
-          </p:cNvPr>
-          <p:cNvPicPr>
-            <a:picLocks noChangeAspect="1"/>
-          </p:cNvPicPr>
-          <p:nvPr/>
-        </p:nvPicPr>
-        <p:blipFill>
-          <a:blip r:embed="rId3"/>
-          <a:stretch>
-            <a:fillRect/>
-          </a:stretch>
-        </p:blipFill>
-        <p:spPr>
-          <a:xfrm>
-            <a:off x="4194632" y="3261637"/>
-            <a:ext cx="4239217" cy="1324160"/>
-          </a:xfrm>
-          <a:prstGeom prst="rect">
-            <a:avLst/>
-          </a:prstGeom>
-        </p:spPr>
-      </p:pic>
-      <p:pic>
-        <p:nvPicPr>
-          <p:cNvPr id="10" name="Picture 9">
-            <a:extLst>
-              <a:ext uri="{FF2B5EF4-FFF2-40B4-BE49-F238E27FC236}">
-                <a16:creationId xmlns:a16="http://schemas.microsoft.com/office/drawing/2014/main" id="{C71C3B6A-38A6-137C-A9C5-639112E10D22}"/>
-              </a:ext>
-            </a:extLst>
-          </p:cNvPr>
-          <p:cNvPicPr>
-            <a:picLocks noChangeAspect="1"/>
-          </p:cNvPicPr>
-          <p:nvPr/>
-        </p:nvPicPr>
-        <p:blipFill>
-          <a:blip r:embed="rId4"/>
-          <a:stretch>
-            <a:fillRect/>
-          </a:stretch>
-        </p:blipFill>
-        <p:spPr>
-          <a:xfrm>
-            <a:off x="1570128" y="1382882"/>
-            <a:ext cx="5249008" cy="1733792"/>
-          </a:xfrm>
-          <a:prstGeom prst="rect">
-            <a:avLst/>
-          </a:prstGeom>
+          <a:noFill/>
+          <a:extLst>
+            <a:ext uri="{909E8E84-426E-40DD-AFC4-6F175D3DCCD1}">
+              <a14:hiddenFill xmlns:a14="http://schemas.microsoft.com/office/drawing/2010/main">
+                <a:solidFill>
+                  <a:srgbClr val="FFFFFF"/>
+                </a:solidFill>
+              </a14:hiddenFill>
+            </a:ext>
+          </a:extLst>
         </p:spPr>
       </p:pic>
     </p:spTree>
     <p:extLst>
       <p:ext uri="{BB962C8B-B14F-4D97-AF65-F5344CB8AC3E}">
-        <p14:creationId xmlns:p14="http://schemas.microsoft.com/office/powerpoint/2010/main" val="1251228716"/>
+        <p14:creationId xmlns:p14="http://schemas.microsoft.com/office/powerpoint/2010/main" val="2860321892"/>
       </p:ext>
     </p:extLst>
   </p:cSld>
   <p:clrMapOvr>
     <a:masterClrMapping/>
   </p:clrMapOvr>
+  <p:timing>
+    <p:tnLst>
+      <p:par>
+        <p:cTn id="1" dur="indefinite" restart="never" nodeType="tmRoot"/>
+      </p:par>
+    </p:tnLst>
+  </p:timing>
 </p:sld>
 </file>
 
@@ -5219,13 +5251,51 @@
       </p:grpSpPr>
       <p:sp>
         <p:nvSpPr>
-          <p:cNvPr id="4" name="Slide Number Placeholder 3">
-            <a:extLst>
-              <a:ext uri="{FF2B5EF4-FFF2-40B4-BE49-F238E27FC236}">
-                <a16:creationId xmlns:a16="http://schemas.microsoft.com/office/drawing/2014/main" id="{A336AEF3-97B2-3E72-3AC5-094F95F09282}"/>
-              </a:ext>
-            </a:extLst>
-          </p:cNvPr>
+          <p:cNvPr id="2" name="Title 1"/>
+          <p:cNvSpPr>
+            <a:spLocks noGrp="1"/>
+          </p:cNvSpPr>
+          <p:nvPr>
+            <p:ph type="title"/>
+          </p:nvPr>
+        </p:nvSpPr>
+        <p:spPr>
+          <a:xfrm>
+            <a:off x="869150" y="523461"/>
+            <a:ext cx="5092200" cy="710304"/>
+          </a:xfrm>
+        </p:spPr>
+        <p:txBody>
+          <a:bodyPr/>
+          <a:lstStyle/>
+          <a:p>
+            <a:r>
+              <a:rPr lang="vi-VN" dirty="0" smtClean="0"/>
+              <a:t>Method</a:t>
+            </a:r>
+            <a:r>
+              <a:rPr lang="en-US" dirty="0" smtClean="0"/>
+              <a:t> </a:t>
+            </a:r>
+            <a:r>
+              <a:rPr lang="vi-VN" dirty="0" smtClean="0"/>
+              <a:t>Local</a:t>
+            </a:r>
+            <a:r>
+              <a:rPr lang="en-US" dirty="0" smtClean="0"/>
+              <a:t> </a:t>
+            </a:r>
+            <a:r>
+              <a:rPr lang="vi-VN" dirty="0" smtClean="0"/>
+              <a:t>Inner</a:t>
+            </a:r>
+            <a:endParaRPr lang="en-US" dirty="0"/>
+          </a:p>
+        </p:txBody>
+      </p:sp>
+      <p:sp>
+        <p:nvSpPr>
+          <p:cNvPr id="4" name="Slide Number Placeholder 3"/>
           <p:cNvSpPr>
             <a:spLocks noGrp="1"/>
           </p:cNvSpPr>
@@ -5255,609 +5325,16 @@
           </a:p>
         </p:txBody>
       </p:sp>
-      <p:pic>
-        <p:nvPicPr>
-          <p:cNvPr id="6" name="Picture 5">
-            <a:extLst>
-              <a:ext uri="{FF2B5EF4-FFF2-40B4-BE49-F238E27FC236}">
-                <a16:creationId xmlns:a16="http://schemas.microsoft.com/office/drawing/2014/main" id="{83FAFD26-EC95-23E5-3518-EBB1090CB332}"/>
-              </a:ext>
-            </a:extLst>
-          </p:cNvPr>
-          <p:cNvPicPr>
-            <a:picLocks noChangeAspect="1"/>
-          </p:cNvPicPr>
-          <p:nvPr/>
-        </p:nvPicPr>
-        <p:blipFill>
-          <a:blip r:embed="rId2"/>
-          <a:stretch>
-            <a:fillRect/>
-          </a:stretch>
-        </p:blipFill>
-        <p:spPr>
-          <a:xfrm>
-            <a:off x="2771736" y="2357359"/>
-            <a:ext cx="5458587" cy="1648055"/>
-          </a:xfrm>
-          <a:prstGeom prst="rect">
-            <a:avLst/>
-          </a:prstGeom>
-        </p:spPr>
-      </p:pic>
-      <p:pic>
-        <p:nvPicPr>
-          <p:cNvPr id="7" name="Picture 6">
-            <a:extLst>
-              <a:ext uri="{FF2B5EF4-FFF2-40B4-BE49-F238E27FC236}">
-                <a16:creationId xmlns:a16="http://schemas.microsoft.com/office/drawing/2014/main" id="{6F5C8DF9-6002-54D5-1FD6-761DAB75AFE7}"/>
-              </a:ext>
-            </a:extLst>
-          </p:cNvPr>
-          <p:cNvPicPr>
-            <a:picLocks noChangeAspect="1"/>
-          </p:cNvPicPr>
-          <p:nvPr/>
-        </p:nvPicPr>
-        <p:blipFill>
-          <a:blip r:embed="rId3"/>
-          <a:stretch>
-            <a:fillRect/>
-          </a:stretch>
-        </p:blipFill>
-        <p:spPr>
-          <a:xfrm>
-            <a:off x="943231" y="1138086"/>
-            <a:ext cx="4111573" cy="690714"/>
-          </a:xfrm>
-          <a:prstGeom prst="rect">
-            <a:avLst/>
-          </a:prstGeom>
-        </p:spPr>
-      </p:pic>
-    </p:spTree>
-    <p:extLst>
-      <p:ext uri="{BB962C8B-B14F-4D97-AF65-F5344CB8AC3E}">
-        <p14:creationId xmlns:p14="http://schemas.microsoft.com/office/powerpoint/2010/main" val="856331890"/>
-      </p:ext>
-    </p:extLst>
-  </p:cSld>
-  <p:clrMapOvr>
-    <a:masterClrMapping/>
-  </p:clrMapOvr>
-</p:sld>
-</file>
-
-<file path=ppt/slides/slide2.xml><?xml version="1.0" encoding="utf-8"?>
-<p:sld xmlns:a="http://schemas.openxmlformats.org/drawingml/2006/main" xmlns:r="http://schemas.openxmlformats.org/officeDocument/2006/relationships" xmlns:p="http://schemas.openxmlformats.org/presentationml/2006/main">
-  <p:cSld>
-    <p:spTree>
-      <p:nvGrpSpPr>
-        <p:cNvPr id="1" name=""/>
-        <p:cNvGrpSpPr/>
-        <p:nvPr/>
-      </p:nvGrpSpPr>
-      <p:grpSpPr>
-        <a:xfrm>
-          <a:off x="0" y="0"/>
-          <a:ext cx="0" cy="0"/>
-          <a:chOff x="0" y="0"/>
-          <a:chExt cx="0" cy="0"/>
-        </a:xfrm>
-      </p:grpSpPr>
       <p:sp>
         <p:nvSpPr>
-          <p:cNvPr id="2" name="Title 1">
-            <a:extLst>
-              <a:ext uri="{FF2B5EF4-FFF2-40B4-BE49-F238E27FC236}">
-                <a16:creationId xmlns:a16="http://schemas.microsoft.com/office/drawing/2014/main" id="{EEBE8625-A865-4330-2B01-9D2BEFA064D3}"/>
-              </a:ext>
-            </a:extLst>
-          </p:cNvPr>
-          <p:cNvSpPr>
-            <a:spLocks noGrp="1"/>
-          </p:cNvSpPr>
-          <p:nvPr>
-            <p:ph type="title"/>
-          </p:nvPr>
-        </p:nvSpPr>
-        <p:spPr>
-          <a:xfrm>
-            <a:off x="658135" y="396752"/>
-            <a:ext cx="5092200" cy="859646"/>
-          </a:xfrm>
-        </p:spPr>
-        <p:txBody>
-          <a:bodyPr/>
-          <a:lstStyle/>
-          <a:p>
-            <a:r>
-              <a:rPr lang="en-US"/>
-              <a:t>1. Khái niệm</a:t>
-            </a:r>
-          </a:p>
-        </p:txBody>
-      </p:sp>
-      <p:sp>
-        <p:nvSpPr>
-          <p:cNvPr id="3" name="Text Placeholder 2">
-            <a:extLst>
-              <a:ext uri="{FF2B5EF4-FFF2-40B4-BE49-F238E27FC236}">
-                <a16:creationId xmlns:a16="http://schemas.microsoft.com/office/drawing/2014/main" id="{963BEEC6-E08A-DFF6-3789-80BE58E1F3F3}"/>
-              </a:ext>
-            </a:extLst>
-          </p:cNvPr>
-          <p:cNvSpPr>
-            <a:spLocks noGrp="1"/>
-          </p:cNvSpPr>
-          <p:nvPr>
-            <p:ph type="body" idx="1"/>
-          </p:nvPr>
-        </p:nvSpPr>
-        <p:spPr>
-          <a:xfrm>
-            <a:off x="869100" y="1256398"/>
-            <a:ext cx="7405800" cy="2272248"/>
-          </a:xfrm>
-        </p:spPr>
-        <p:txBody>
-          <a:bodyPr/>
-          <a:lstStyle/>
-          <a:p>
-            <a:r>
-              <a:rPr lang="en-US"/>
-              <a:t>Trong java có lớp có thể chứa một lớp khác được gọi là lớp lồng nhau.</a:t>
-            </a:r>
-          </a:p>
-          <a:p>
-            <a:r>
-              <a:rPr lang="en-US"/>
-              <a:t>Có thể tạo 1 lớp lồng nhau mà không cần đặt bất kì tên nào.</a:t>
-            </a:r>
-          </a:p>
-          <a:p>
-            <a:r>
-              <a:rPr lang="en-US"/>
-              <a:t>Một lớp lồng nhau không có bất kì tên nào thì được gọi là lớp ẩn danh</a:t>
-            </a:r>
-          </a:p>
-        </p:txBody>
-      </p:sp>
-      <p:sp>
-        <p:nvSpPr>
-          <p:cNvPr id="4" name="Slide Number Placeholder 3">
-            <a:extLst>
-              <a:ext uri="{FF2B5EF4-FFF2-40B4-BE49-F238E27FC236}">
-                <a16:creationId xmlns:a16="http://schemas.microsoft.com/office/drawing/2014/main" id="{7C59957F-82D2-F410-51F8-2D208483ED87}"/>
-              </a:ext>
-            </a:extLst>
-          </p:cNvPr>
-          <p:cNvSpPr>
-            <a:spLocks noGrp="1"/>
-          </p:cNvSpPr>
-          <p:nvPr>
-            <p:ph type="sldNum" idx="12"/>
-          </p:nvPr>
-        </p:nvSpPr>
-        <p:spPr/>
-        <p:txBody>
-          <a:bodyPr/>
-          <a:lstStyle/>
-          <a:p>
-            <a:pPr marL="0" lvl="0" indent="0" algn="r" rtl="0">
-              <a:spcBef>
-                <a:spcPts val="0"/>
-              </a:spcBef>
-              <a:spcAft>
-                <a:spcPts val="0"/>
-              </a:spcAft>
-              <a:buNone/>
-            </a:pPr>
-            <a:fld id="{00000000-1234-1234-1234-123412341234}" type="slidenum">
-              <a:rPr lang="en" smtClean="0"/>
-              <a:t>2</a:t>
-            </a:fld>
-            <a:endParaRPr lang="en"/>
-          </a:p>
-        </p:txBody>
-      </p:sp>
-    </p:spTree>
-    <p:extLst>
-      <p:ext uri="{BB962C8B-B14F-4D97-AF65-F5344CB8AC3E}">
-        <p14:creationId xmlns:p14="http://schemas.microsoft.com/office/powerpoint/2010/main" val="1079380178"/>
-      </p:ext>
-    </p:extLst>
-  </p:cSld>
-  <p:clrMapOvr>
-    <a:masterClrMapping/>
-  </p:clrMapOvr>
-</p:sld>
-</file>
-
-<file path=ppt/slides/slide3.xml><?xml version="1.0" encoding="utf-8"?>
-<p:sld xmlns:a="http://schemas.openxmlformats.org/drawingml/2006/main" xmlns:r="http://schemas.openxmlformats.org/officeDocument/2006/relationships" xmlns:p="http://schemas.openxmlformats.org/presentationml/2006/main">
-  <p:cSld>
-    <p:spTree>
-      <p:nvGrpSpPr>
-        <p:cNvPr id="1" name=""/>
-        <p:cNvGrpSpPr/>
-        <p:nvPr/>
-      </p:nvGrpSpPr>
-      <p:grpSpPr>
-        <a:xfrm>
-          <a:off x="0" y="0"/>
-          <a:ext cx="0" cy="0"/>
-          <a:chOff x="0" y="0"/>
-          <a:chExt cx="0" cy="0"/>
-        </a:xfrm>
-      </p:grpSpPr>
-      <p:sp>
-        <p:nvSpPr>
-          <p:cNvPr id="2" name="Title 1">
-            <a:extLst>
-              <a:ext uri="{FF2B5EF4-FFF2-40B4-BE49-F238E27FC236}">
-                <a16:creationId xmlns:a16="http://schemas.microsoft.com/office/drawing/2014/main" id="{5EDB2AD7-E7EE-F9B0-AD7C-35EAC5100A0E}"/>
-              </a:ext>
-            </a:extLst>
-          </p:cNvPr>
-          <p:cNvSpPr>
-            <a:spLocks noGrp="1"/>
-          </p:cNvSpPr>
-          <p:nvPr>
-            <p:ph type="title"/>
-          </p:nvPr>
-        </p:nvSpPr>
-        <p:spPr>
-          <a:xfrm>
-            <a:off x="705026" y="1093784"/>
-            <a:ext cx="7090820" cy="735015"/>
-          </a:xfrm>
-        </p:spPr>
-        <p:txBody>
-          <a:bodyPr/>
-          <a:lstStyle/>
-          <a:p>
-            <a:r>
-              <a:rPr lang="en-US"/>
-              <a:t>? Nhận biết đâu là lớp ẩn danh</a:t>
-            </a:r>
-          </a:p>
-        </p:txBody>
-      </p:sp>
-      <p:sp>
-        <p:nvSpPr>
-          <p:cNvPr id="4" name="Slide Number Placeholder 3">
-            <a:extLst>
-              <a:ext uri="{FF2B5EF4-FFF2-40B4-BE49-F238E27FC236}">
-                <a16:creationId xmlns:a16="http://schemas.microsoft.com/office/drawing/2014/main" id="{70CB7206-3E90-6FAA-A07F-29C06A58B621}"/>
-              </a:ext>
-            </a:extLst>
-          </p:cNvPr>
-          <p:cNvSpPr>
-            <a:spLocks noGrp="1"/>
-          </p:cNvSpPr>
-          <p:nvPr>
-            <p:ph type="sldNum" idx="12"/>
-          </p:nvPr>
-        </p:nvSpPr>
-        <p:spPr/>
-        <p:txBody>
-          <a:bodyPr/>
-          <a:lstStyle/>
-          <a:p>
-            <a:pPr marL="0" lvl="0" indent="0" algn="r" rtl="0">
-              <a:spcBef>
-                <a:spcPts val="0"/>
-              </a:spcBef>
-              <a:spcAft>
-                <a:spcPts val="0"/>
-              </a:spcAft>
-              <a:buNone/>
-            </a:pPr>
-            <a:fld id="{00000000-1234-1234-1234-123412341234}" type="slidenum">
-              <a:rPr lang="en" smtClean="0"/>
-              <a:t>3</a:t>
-            </a:fld>
-            <a:endParaRPr lang="en"/>
-          </a:p>
-        </p:txBody>
-      </p:sp>
-      <p:sp>
-        <p:nvSpPr>
-          <p:cNvPr id="5" name="Text Placeholder 2">
-            <a:extLst>
-              <a:ext uri="{FF2B5EF4-FFF2-40B4-BE49-F238E27FC236}">
-                <a16:creationId xmlns:a16="http://schemas.microsoft.com/office/drawing/2014/main" id="{BDE35463-C92F-F4A6-A0C6-5688FD91E926}"/>
-              </a:ext>
-            </a:extLst>
-          </p:cNvPr>
-          <p:cNvSpPr>
-            <a:spLocks noGrp="1"/>
-          </p:cNvSpPr>
-          <p:nvPr>
-            <p:ph type="body" idx="1"/>
-          </p:nvPr>
-        </p:nvSpPr>
-        <p:spPr>
-          <a:xfrm>
-            <a:off x="547536" y="1561198"/>
-            <a:ext cx="7405800" cy="2272248"/>
-          </a:xfrm>
-        </p:spPr>
-        <p:txBody>
-          <a:bodyPr/>
-          <a:lstStyle/>
-          <a:p>
-            <a:r>
-              <a:rPr lang="en-US"/>
-              <a:t>Ví dụ:</a:t>
-            </a:r>
-          </a:p>
-          <a:p>
-            <a:pPr lvl="1"/>
-            <a:endParaRPr lang="en-US">
-              <a:latin typeface="Times New Roman" panose="02020603050405020304" pitchFamily="18" charset="0"/>
-              <a:cs typeface="Times New Roman" panose="02020603050405020304" pitchFamily="18" charset="0"/>
-            </a:endParaRPr>
-          </a:p>
-        </p:txBody>
-      </p:sp>
-      <p:sp>
-        <p:nvSpPr>
-          <p:cNvPr id="6" name="Rectangle 1">
-            <a:extLst>
-              <a:ext uri="{FF2B5EF4-FFF2-40B4-BE49-F238E27FC236}">
-                <a16:creationId xmlns:a16="http://schemas.microsoft.com/office/drawing/2014/main" id="{9309C394-C473-7533-3598-CA81F14F632F}"/>
-              </a:ext>
-            </a:extLst>
-          </p:cNvPr>
-          <p:cNvSpPr>
-            <a:spLocks noChangeArrowheads="1"/>
-          </p:cNvSpPr>
-          <p:nvPr/>
-        </p:nvSpPr>
-        <p:spPr bwMode="auto">
-          <a:xfrm>
-            <a:off x="973016" y="1875690"/>
-            <a:ext cx="2907802" cy="1588745"/>
-          </a:xfrm>
-          <a:prstGeom prst="rect">
-            <a:avLst/>
-          </a:prstGeom>
-          <a:noFill/>
-          <a:ln>
-            <a:noFill/>
-          </a:ln>
-          <a:effectLst/>
-          <a:extLst>
-            <a:ext uri="{909E8E84-426E-40DD-AFC4-6F175D3DCCD1}">
-              <a14:hiddenFill xmlns:a14="http://schemas.microsoft.com/office/drawing/2010/main">
-                <a:solidFill>
-                  <a:schemeClr val="accent1"/>
-                </a:solidFill>
-              </a14:hiddenFill>
-            </a:ext>
-            <a:ext uri="{91240B29-F687-4F45-9708-019B960494DF}">
-              <a14:hiddenLine xmlns:a14="http://schemas.microsoft.com/office/drawing/2010/main" w="9525">
-                <a:solidFill>
-                  <a:schemeClr val="tx1"/>
-                </a:solidFill>
-                <a:miter lim="800000"/>
-                <a:headEnd/>
-                <a:tailEnd/>
-              </a14:hiddenLine>
-            </a:ext>
-            <a:ext uri="{AF507438-7753-43E0-B8FC-AC1667EBCBE1}">
-              <a14:hiddenEffects xmlns:a14="http://schemas.microsoft.com/office/drawing/2010/main">
-                <a:effectLst>
-                  <a:outerShdw dist="35921" dir="2700000" algn="ctr" rotWithShape="0">
-                    <a:schemeClr val="bg2"/>
-                  </a:outerShdw>
-                </a:effectLst>
-              </a14:hiddenEffects>
-            </a:ext>
-          </a:extLst>
-        </p:spPr>
-        <p:txBody>
-          <a:bodyPr vert="horz" wrap="none" lIns="142830" tIns="238050" rIns="0" bIns="238050" numCol="1" anchor="ctr" anchorCtr="0" compatLnSpc="1">
-            <a:prstTxWarp prst="textNoShape">
-              <a:avLst/>
-            </a:prstTxWarp>
-            <a:spAutoFit/>
-          </a:bodyPr>
-          <a:lstStyle/>
-          <a:p>
-            <a:pPr marL="0" marR="0" lvl="0" indent="0" algn="l" defTabSz="914400" rtl="0" eaLnBrk="0" fontAlgn="base" latinLnBrk="0" hangingPunct="0">
-              <a:lnSpc>
-                <a:spcPct val="100000"/>
-              </a:lnSpc>
-              <a:spcBef>
-                <a:spcPct val="0"/>
-              </a:spcBef>
-              <a:spcAft>
-                <a:spcPct val="0"/>
-              </a:spcAft>
-              <a:buClrTx/>
-              <a:buSzTx/>
-              <a:buFontTx/>
-              <a:buNone/>
-              <a:tabLst/>
-            </a:pPr>
-            <a:r>
-              <a:rPr kumimoji="0" lang="en-US" altLang="en-US" sz="1800" b="1" i="0" u="none" strike="noStrike" cap="none" normalizeH="0" baseline="0">
-                <a:ln>
-                  <a:noFill/>
-                </a:ln>
-                <a:solidFill>
-                  <a:schemeClr val="tx1"/>
-                </a:solidFill>
-                <a:effectLst/>
-                <a:latin typeface="Times New Roman" panose="02020603050405020304" pitchFamily="18" charset="0"/>
-                <a:cs typeface="Times New Roman" panose="02020603050405020304" pitchFamily="18" charset="0"/>
-              </a:rPr>
-              <a:t>class tên_lớp { </a:t>
-            </a:r>
-          </a:p>
-          <a:p>
-            <a:pPr marL="0" marR="0" lvl="0" indent="0" algn="l" defTabSz="914400" rtl="0" eaLnBrk="0" fontAlgn="base" latinLnBrk="0" hangingPunct="0">
-              <a:lnSpc>
-                <a:spcPct val="100000"/>
-              </a:lnSpc>
-              <a:spcBef>
-                <a:spcPct val="0"/>
-              </a:spcBef>
-              <a:spcAft>
-                <a:spcPct val="0"/>
-              </a:spcAft>
-              <a:buClrTx/>
-              <a:buSzTx/>
-              <a:buFontTx/>
-              <a:buNone/>
-              <a:tabLst/>
-            </a:pPr>
-            <a:r>
-              <a:rPr kumimoji="0" lang="en-US" altLang="en-US" sz="1800" b="1" i="0" u="none" strike="noStrike" cap="none" normalizeH="0" baseline="0">
-                <a:ln>
-                  <a:noFill/>
-                </a:ln>
-                <a:solidFill>
-                  <a:schemeClr val="tx1"/>
-                </a:solidFill>
-                <a:effectLst/>
-                <a:latin typeface="Times New Roman" panose="02020603050405020304" pitchFamily="18" charset="0"/>
-                <a:cs typeface="Times New Roman" panose="02020603050405020304" pitchFamily="18" charset="0"/>
-              </a:rPr>
-              <a:t>	các_thuộc_tính; </a:t>
-            </a:r>
-          </a:p>
-          <a:p>
-            <a:pPr marL="0" marR="0" lvl="0" indent="0" algn="l" defTabSz="914400" rtl="0" eaLnBrk="0" fontAlgn="base" latinLnBrk="0" hangingPunct="0">
-              <a:lnSpc>
-                <a:spcPct val="100000"/>
-              </a:lnSpc>
-              <a:spcBef>
-                <a:spcPct val="0"/>
-              </a:spcBef>
-              <a:spcAft>
-                <a:spcPct val="0"/>
-              </a:spcAft>
-              <a:buClrTx/>
-              <a:buSzTx/>
-              <a:buFontTx/>
-              <a:buNone/>
-              <a:tabLst/>
-            </a:pPr>
-            <a:r>
-              <a:rPr kumimoji="0" lang="en-US" altLang="en-US" sz="1800" b="1" i="0" u="none" strike="noStrike" cap="none" normalizeH="0" baseline="0">
-                <a:ln>
-                  <a:noFill/>
-                </a:ln>
-                <a:solidFill>
-                  <a:schemeClr val="tx1"/>
-                </a:solidFill>
-                <a:effectLst/>
-                <a:latin typeface="Times New Roman" panose="02020603050405020304" pitchFamily="18" charset="0"/>
-                <a:cs typeface="Times New Roman" panose="02020603050405020304" pitchFamily="18" charset="0"/>
-              </a:rPr>
-              <a:t>	các_phương_thức;</a:t>
-            </a:r>
-          </a:p>
-          <a:p>
-            <a:pPr marL="0" marR="0" lvl="0" indent="0" algn="l" defTabSz="914400" rtl="0" eaLnBrk="0" fontAlgn="base" latinLnBrk="0" hangingPunct="0">
-              <a:lnSpc>
-                <a:spcPct val="100000"/>
-              </a:lnSpc>
-              <a:spcBef>
-                <a:spcPct val="0"/>
-              </a:spcBef>
-              <a:spcAft>
-                <a:spcPct val="0"/>
-              </a:spcAft>
-              <a:buClrTx/>
-              <a:buSzTx/>
-              <a:buFontTx/>
-              <a:buNone/>
-              <a:tabLst/>
-            </a:pPr>
-            <a:r>
-              <a:rPr kumimoji="0" lang="en-US" altLang="en-US" sz="1800" b="1" i="0" u="none" strike="noStrike" cap="none" normalizeH="0" baseline="0">
-                <a:ln>
-                  <a:noFill/>
-                </a:ln>
-                <a:solidFill>
-                  <a:schemeClr val="tx1"/>
-                </a:solidFill>
-                <a:effectLst/>
-                <a:latin typeface="Times New Roman" panose="02020603050405020304" pitchFamily="18" charset="0"/>
-                <a:cs typeface="Times New Roman" panose="02020603050405020304" pitchFamily="18" charset="0"/>
-              </a:rPr>
-              <a:t>} </a:t>
-            </a:r>
-          </a:p>
-        </p:txBody>
-      </p:sp>
-      <p:sp>
-        <p:nvSpPr>
-          <p:cNvPr id="8" name="Arrow: Right 7">
-            <a:extLst>
-              <a:ext uri="{FF2B5EF4-FFF2-40B4-BE49-F238E27FC236}">
-                <a16:creationId xmlns:a16="http://schemas.microsoft.com/office/drawing/2014/main" id="{9F2BB970-B11F-4AE6-3135-DD121CCA8B61}"/>
-              </a:ext>
-            </a:extLst>
-          </p:cNvPr>
-          <p:cNvSpPr/>
-          <p:nvPr/>
-        </p:nvSpPr>
-        <p:spPr>
-          <a:xfrm>
-            <a:off x="4636716" y="2366551"/>
-            <a:ext cx="1195754" cy="269631"/>
-          </a:xfrm>
-          <a:prstGeom prst="rightArrow">
-            <a:avLst/>
-          </a:prstGeom>
-        </p:spPr>
-        <p:style>
-          <a:lnRef idx="2">
-            <a:schemeClr val="accent1">
-              <a:shade val="50000"/>
-            </a:schemeClr>
-          </a:lnRef>
-          <a:fillRef idx="1">
-            <a:schemeClr val="accent1"/>
-          </a:fillRef>
-          <a:effectRef idx="0">
-            <a:schemeClr val="accent1"/>
-          </a:effectRef>
-          <a:fontRef idx="minor">
-            <a:schemeClr val="lt1"/>
-          </a:fontRef>
-        </p:style>
-        <p:txBody>
-          <a:bodyPr rtlCol="0" anchor="ctr"/>
-          <a:lstStyle/>
-          <a:p>
-            <a:pPr algn="ctr"/>
-            <a:endParaRPr lang="en-US"/>
-          </a:p>
-        </p:txBody>
-      </p:sp>
-      <p:sp>
-        <p:nvSpPr>
-          <p:cNvPr id="10" name="TextBox 9">
-            <a:extLst>
-              <a:ext uri="{FF2B5EF4-FFF2-40B4-BE49-F238E27FC236}">
-                <a16:creationId xmlns:a16="http://schemas.microsoft.com/office/drawing/2014/main" id="{0B4CADCB-3B7C-1CE6-0DC8-7F34568BBC60}"/>
-              </a:ext>
-            </a:extLst>
-          </p:cNvPr>
+          <p:cNvPr id="5" name="TextBox 4"/>
           <p:cNvSpPr txBox="1"/>
           <p:nvPr/>
         </p:nvSpPr>
         <p:spPr>
           <a:xfrm>
-            <a:off x="6071261" y="2244180"/>
-            <a:ext cx="2362588" cy="461665"/>
+            <a:off x="1000539" y="1233765"/>
+            <a:ext cx="4200939" cy="523220"/>
           </a:xfrm>
           <a:prstGeom prst="rect">
             <a:avLst/>
@@ -5870,1092 +5347,106 @@
           </a:bodyPr>
           <a:lstStyle/>
           <a:p>
+            <a:pPr marL="285750" indent="-285750">
+              <a:buFont typeface="Arial" panose="020B0604020202020204" pitchFamily="34" charset="0"/>
+              <a:buChar char="•"/>
+            </a:pPr>
             <a:r>
-              <a:rPr lang="en-US" sz="2400" b="1">
-                <a:latin typeface="Times New Roman" panose="02020603050405020304" pitchFamily="18" charset="0"/>
-                <a:cs typeface="Times New Roman" panose="02020603050405020304" pitchFamily="18" charset="0"/>
-              </a:rPr>
-              <a:t>Từ khóa: NEW</a:t>
+              <a:rPr lang="en-US" dirty="0" smtClean="0"/>
+              <a:t>L</a:t>
             </a:r>
+            <a:r>
+              <a:rPr lang="vi-VN" dirty="0" smtClean="0"/>
+              <a:t>ớp </a:t>
+            </a:r>
+            <a:r>
+              <a:rPr lang="vi-VN" dirty="0"/>
+              <a:t>khai báo bên trong 1 </a:t>
+            </a:r>
+            <a:r>
+              <a:rPr lang="vi-VN" dirty="0" smtClean="0"/>
+              <a:t>method</a:t>
+            </a:r>
+            <a:r>
+              <a:rPr lang="en-US" dirty="0" smtClean="0"/>
+              <a:t>.</a:t>
+            </a:r>
+          </a:p>
+          <a:p>
+            <a:pPr marL="285750" indent="-285750">
+              <a:buFont typeface="Arial" panose="020B0604020202020204" pitchFamily="34" charset="0"/>
+              <a:buChar char="•"/>
+            </a:pPr>
+            <a:r>
+              <a:rPr lang="vi-VN" dirty="0"/>
+              <a:t>Ít dùng.</a:t>
+            </a:r>
+            <a:endParaRPr lang="en-US" dirty="0"/>
           </a:p>
         </p:txBody>
       </p:sp>
-      <p:sp>
-        <p:nvSpPr>
-          <p:cNvPr id="11" name="Arrow: Right 10">
+      <p:pic>
+        <p:nvPicPr>
+          <p:cNvPr id="7" name="Picture 2" descr="C:\Users\Hao\AppData\Local\ZaloPC\1843231483270529470\ZaloDownloads\picture\6669448870354575012\z3614480265897_4e887e7a96d67e8e15332bcb4bd6c892.jpg"/>
+          <p:cNvPicPr>
+            <a:picLocks noChangeAspect="1" noChangeArrowheads="1"/>
+          </p:cNvPicPr>
+          <p:nvPr/>
+        </p:nvPicPr>
+        <p:blipFill>
+          <a:blip r:embed="rId2">
             <a:extLst>
-              <a:ext uri="{FF2B5EF4-FFF2-40B4-BE49-F238E27FC236}">
-                <a16:creationId xmlns:a16="http://schemas.microsoft.com/office/drawing/2014/main" id="{1C3C4E42-6526-29E8-CB44-D0E66D48E1B8}"/>
+              <a:ext uri="{28A0092B-C50C-407E-A947-70E740481C1C}">
+                <a14:useLocalDpi xmlns:a14="http://schemas.microsoft.com/office/drawing/2010/main" val="0"/>
               </a:ext>
             </a:extLst>
-          </p:cNvPr>
-          <p:cNvSpPr/>
-          <p:nvPr/>
-        </p:nvSpPr>
-        <p:spPr>
+          </a:blip>
+          <a:srcRect/>
+          <a:stretch>
+            <a:fillRect/>
+          </a:stretch>
+        </p:blipFill>
+        <p:spPr bwMode="auto">
           <a:xfrm>
-            <a:off x="705026" y="3821152"/>
-            <a:ext cx="1874051" cy="393600"/>
-          </a:xfrm>
-          <a:prstGeom prst="rightArrow">
-            <a:avLst/>
-          </a:prstGeom>
-        </p:spPr>
-        <p:style>
-          <a:lnRef idx="2">
-            <a:schemeClr val="accent1">
-              <a:shade val="50000"/>
-            </a:schemeClr>
-          </a:lnRef>
-          <a:fillRef idx="1">
-            <a:schemeClr val="accent1"/>
-          </a:fillRef>
-          <a:effectRef idx="0">
-            <a:schemeClr val="accent1"/>
-          </a:effectRef>
-          <a:fontRef idx="minor">
-            <a:schemeClr val="lt1"/>
-          </a:fontRef>
-        </p:style>
-        <p:txBody>
-          <a:bodyPr rtlCol="0" anchor="ctr"/>
-          <a:lstStyle/>
-          <a:p>
-            <a:pPr algn="ctr"/>
-            <a:endParaRPr lang="en-US"/>
-          </a:p>
-        </p:txBody>
-      </p:sp>
-      <p:sp>
-        <p:nvSpPr>
-          <p:cNvPr id="12" name="TextBox 11">
-            <a:extLst>
-              <a:ext uri="{FF2B5EF4-FFF2-40B4-BE49-F238E27FC236}">
-                <a16:creationId xmlns:a16="http://schemas.microsoft.com/office/drawing/2014/main" id="{5E7F97E5-0A38-DDB3-4AFB-AE49B2CEA617}"/>
-              </a:ext>
-            </a:extLst>
-          </p:cNvPr>
-          <p:cNvSpPr txBox="1"/>
-          <p:nvPr/>
-        </p:nvSpPr>
-        <p:spPr>
-          <a:xfrm>
-            <a:off x="2872005" y="3753087"/>
-            <a:ext cx="3692920" cy="461665"/>
+            <a:off x="2203037" y="1906199"/>
+            <a:ext cx="4582078" cy="2683879"/>
           </a:xfrm>
           <a:prstGeom prst="rect">
             <a:avLst/>
           </a:prstGeom>
           <a:noFill/>
+          <a:extLst>
+            <a:ext uri="{909E8E84-426E-40DD-AFC4-6F175D3DCCD1}">
+              <a14:hiddenFill xmlns:a14="http://schemas.microsoft.com/office/drawing/2010/main">
+                <a:solidFill>
+                  <a:srgbClr val="FFFFFF"/>
+                </a:solidFill>
+              </a14:hiddenFill>
+            </a:ext>
+          </a:extLst>
         </p:spPr>
-        <p:txBody>
-          <a:bodyPr wrap="square" rtlCol="0">
-            <a:spAutoFit/>
-          </a:bodyPr>
-          <a:lstStyle/>
-          <a:p>
-            <a:r>
-              <a:rPr lang="en-US" sz="2400" b="1">
-                <a:latin typeface="Times New Roman" panose="02020603050405020304" pitchFamily="18" charset="0"/>
-                <a:cs typeface="Times New Roman" panose="02020603050405020304" pitchFamily="18" charset="0"/>
-              </a:rPr>
-              <a:t>Đây là cách thông thường</a:t>
-            </a:r>
-          </a:p>
-        </p:txBody>
-      </p:sp>
+      </p:pic>
     </p:spTree>
     <p:extLst>
       <p:ext uri="{BB962C8B-B14F-4D97-AF65-F5344CB8AC3E}">
-        <p14:creationId xmlns:p14="http://schemas.microsoft.com/office/powerpoint/2010/main" val="806173269"/>
+        <p14:creationId xmlns:p14="http://schemas.microsoft.com/office/powerpoint/2010/main" val="3392317907"/>
       </p:ext>
     </p:extLst>
   </p:cSld>
   <p:clrMapOvr>
     <a:masterClrMapping/>
   </p:clrMapOvr>
+  <p:timing>
+    <p:tnLst>
+      <p:par>
+        <p:cTn id="1" dur="indefinite" restart="never" nodeType="tmRoot"/>
+      </p:par>
+    </p:tnLst>
+  </p:timing>
 </p:sld>
 </file>
 
-<file path=ppt/slides/slide4.xml><?xml version="1.0" encoding="utf-8"?>
-<p:sld xmlns:a="http://schemas.openxmlformats.org/drawingml/2006/main" xmlns:r="http://schemas.openxmlformats.org/officeDocument/2006/relationships" xmlns:p="http://schemas.openxmlformats.org/presentationml/2006/main">
-  <p:cSld>
-    <p:spTree>
-      <p:nvGrpSpPr>
-        <p:cNvPr id="1" name=""/>
-        <p:cNvGrpSpPr/>
-        <p:nvPr/>
-      </p:nvGrpSpPr>
-      <p:grpSpPr>
-        <a:xfrm>
-          <a:off x="0" y="0"/>
-          <a:ext cx="0" cy="0"/>
-          <a:chOff x="0" y="0"/>
-          <a:chExt cx="0" cy="0"/>
-        </a:xfrm>
-      </p:grpSpPr>
-      <p:sp>
-        <p:nvSpPr>
-          <p:cNvPr id="3" name="Text Placeholder 2">
-            <a:extLst>
-              <a:ext uri="{FF2B5EF4-FFF2-40B4-BE49-F238E27FC236}">
-                <a16:creationId xmlns:a16="http://schemas.microsoft.com/office/drawing/2014/main" id="{9FF2071F-4388-0D53-13CF-6D396E752187}"/>
-              </a:ext>
-            </a:extLst>
-          </p:cNvPr>
-          <p:cNvSpPr>
-            <a:spLocks noGrp="1"/>
-          </p:cNvSpPr>
-          <p:nvPr>
-            <p:ph type="body" idx="1"/>
-          </p:nvPr>
-        </p:nvSpPr>
-        <p:spPr>
-          <a:xfrm>
-            <a:off x="564350" y="567750"/>
-            <a:ext cx="7405800" cy="1003142"/>
-          </a:xfrm>
-        </p:spPr>
-        <p:txBody>
-          <a:bodyPr/>
-          <a:lstStyle/>
-          <a:p>
-            <a:r>
-              <a:rPr lang="vi-VN">
-                <a:solidFill>
-                  <a:schemeClr val="tx1"/>
-                </a:solidFill>
-                <a:effectLst/>
-                <a:latin typeface="Roboto" panose="02000000000000000000" pitchFamily="2" charset="0"/>
-              </a:rPr>
-              <a:t>Còn với các lớp </a:t>
-            </a:r>
-            <a:r>
-              <a:rPr lang="en-US" i="1">
-                <a:solidFill>
-                  <a:schemeClr val="tx1"/>
-                </a:solidFill>
-                <a:latin typeface="Roboto" panose="02000000000000000000" pitchFamily="2" charset="0"/>
-              </a:rPr>
-              <a:t>Ẩn</a:t>
-            </a:r>
-            <a:r>
-              <a:rPr lang="vi-VN" i="1">
-                <a:solidFill>
-                  <a:schemeClr val="tx1"/>
-                </a:solidFill>
-                <a:effectLst/>
-                <a:latin typeface="Roboto" panose="02000000000000000000" pitchFamily="2" charset="0"/>
-              </a:rPr>
-              <a:t> Danh</a:t>
-            </a:r>
-            <a:r>
-              <a:rPr lang="vi-VN">
-                <a:solidFill>
-                  <a:schemeClr val="tx1"/>
-                </a:solidFill>
-                <a:effectLst/>
-                <a:latin typeface="Roboto" panose="02000000000000000000" pitchFamily="2" charset="0"/>
-              </a:rPr>
-              <a:t>, bạn sẽ </a:t>
-            </a:r>
-            <a:r>
-              <a:rPr lang="vi-VN" b="1" i="1">
-                <a:solidFill>
-                  <a:srgbClr val="00B0F0"/>
-                </a:solidFill>
-                <a:effectLst/>
-                <a:latin typeface="Roboto" panose="02000000000000000000" pitchFamily="2" charset="0"/>
-              </a:rPr>
-              <a:t>không cần phải khai báo một lớp nào, mà vẫn có thể tạo ra các đối tượng của nó</a:t>
-            </a:r>
-            <a:r>
-              <a:rPr lang="vi-VN">
-                <a:solidFill>
-                  <a:schemeClr val="tx1"/>
-                </a:solidFill>
-                <a:effectLst/>
-                <a:latin typeface="Roboto" panose="02000000000000000000" pitchFamily="2" charset="0"/>
-              </a:rPr>
-              <a:t>.</a:t>
-            </a:r>
-            <a:endParaRPr lang="en-US">
-              <a:solidFill>
-                <a:schemeClr val="tx1"/>
-              </a:solidFill>
-              <a:effectLst/>
-              <a:latin typeface="Roboto" panose="02000000000000000000" pitchFamily="2" charset="0"/>
-            </a:endParaRPr>
-          </a:p>
-          <a:p>
-            <a:r>
-              <a:rPr lang="en-US">
-                <a:solidFill>
-                  <a:schemeClr val="tx1"/>
-                </a:solidFill>
-                <a:latin typeface="Roboto" panose="02000000000000000000" pitchFamily="2" charset="0"/>
-              </a:rPr>
-              <a:t>Ví dụ:</a:t>
-            </a:r>
-            <a:r>
-              <a:rPr lang="vi-VN">
-                <a:solidFill>
-                  <a:schemeClr val="tx1"/>
-                </a:solidFill>
-                <a:effectLst/>
-                <a:latin typeface="Roboto" panose="02000000000000000000" pitchFamily="2" charset="0"/>
-              </a:rPr>
-              <a:t> </a:t>
-            </a:r>
-            <a:endParaRPr lang="en-US"/>
-          </a:p>
-        </p:txBody>
-      </p:sp>
-      <p:sp>
-        <p:nvSpPr>
-          <p:cNvPr id="4" name="Slide Number Placeholder 3">
-            <a:extLst>
-              <a:ext uri="{FF2B5EF4-FFF2-40B4-BE49-F238E27FC236}">
-                <a16:creationId xmlns:a16="http://schemas.microsoft.com/office/drawing/2014/main" id="{762AC6A8-BD47-CF01-49E8-9F397CAAABC7}"/>
-              </a:ext>
-            </a:extLst>
-          </p:cNvPr>
-          <p:cNvSpPr>
-            <a:spLocks noGrp="1"/>
-          </p:cNvSpPr>
-          <p:nvPr>
-            <p:ph type="sldNum" idx="12"/>
-          </p:nvPr>
-        </p:nvSpPr>
-        <p:spPr/>
-        <p:txBody>
-          <a:bodyPr/>
-          <a:lstStyle/>
-          <a:p>
-            <a:pPr marL="0" lvl="0" indent="0" algn="r" rtl="0">
-              <a:spcBef>
-                <a:spcPts val="0"/>
-              </a:spcBef>
-              <a:spcAft>
-                <a:spcPts val="0"/>
-              </a:spcAft>
-              <a:buNone/>
-            </a:pPr>
-            <a:fld id="{00000000-1234-1234-1234-123412341234}" type="slidenum">
-              <a:rPr lang="en" smtClean="0"/>
-              <a:t>4</a:t>
-            </a:fld>
-            <a:endParaRPr lang="en"/>
-          </a:p>
-        </p:txBody>
-      </p:sp>
-      <p:sp>
-        <p:nvSpPr>
-          <p:cNvPr id="5" name="Rectangle 1">
-            <a:extLst>
-              <a:ext uri="{FF2B5EF4-FFF2-40B4-BE49-F238E27FC236}">
-                <a16:creationId xmlns:a16="http://schemas.microsoft.com/office/drawing/2014/main" id="{4BF54E3A-4722-4537-4148-B05330320908}"/>
-              </a:ext>
-            </a:extLst>
-          </p:cNvPr>
-          <p:cNvSpPr>
-            <a:spLocks noChangeArrowheads="1"/>
-          </p:cNvSpPr>
-          <p:nvPr/>
-        </p:nvSpPr>
-        <p:spPr bwMode="auto">
-          <a:xfrm>
-            <a:off x="808892" y="1777377"/>
-            <a:ext cx="3566637" cy="1588745"/>
-          </a:xfrm>
-          <a:prstGeom prst="rect">
-            <a:avLst/>
-          </a:prstGeom>
-          <a:noFill/>
-          <a:ln>
-            <a:noFill/>
-          </a:ln>
-          <a:effectLst/>
-          <a:extLst>
-            <a:ext uri="{909E8E84-426E-40DD-AFC4-6F175D3DCCD1}">
-              <a14:hiddenFill xmlns:a14="http://schemas.microsoft.com/office/drawing/2010/main">
-                <a:solidFill>
-                  <a:schemeClr val="accent1"/>
-                </a:solidFill>
-              </a14:hiddenFill>
-            </a:ext>
-            <a:ext uri="{91240B29-F687-4F45-9708-019B960494DF}">
-              <a14:hiddenLine xmlns:a14="http://schemas.microsoft.com/office/drawing/2010/main" w="9525">
-                <a:solidFill>
-                  <a:schemeClr val="tx1"/>
-                </a:solidFill>
-                <a:miter lim="800000"/>
-                <a:headEnd/>
-                <a:tailEnd/>
-              </a14:hiddenLine>
-            </a:ext>
-            <a:ext uri="{AF507438-7753-43E0-B8FC-AC1667EBCBE1}">
-              <a14:hiddenEffects xmlns:a14="http://schemas.microsoft.com/office/drawing/2010/main">
-                <a:effectLst>
-                  <a:outerShdw dist="35921" dir="2700000" algn="ctr" rotWithShape="0">
-                    <a:schemeClr val="bg2"/>
-                  </a:outerShdw>
-                </a:effectLst>
-              </a14:hiddenEffects>
-            </a:ext>
-          </a:extLst>
-        </p:spPr>
-        <p:txBody>
-          <a:bodyPr vert="horz" wrap="none" lIns="142830" tIns="238050" rIns="0" bIns="238050" numCol="1" anchor="ctr" anchorCtr="0" compatLnSpc="1">
-            <a:prstTxWarp prst="textNoShape">
-              <a:avLst/>
-            </a:prstTxWarp>
-            <a:spAutoFit/>
-          </a:bodyPr>
-          <a:lstStyle/>
-          <a:p>
-            <a:pPr marL="0" marR="0" lvl="0" indent="0" algn="l" defTabSz="914400" rtl="0" eaLnBrk="0" fontAlgn="base" latinLnBrk="0" hangingPunct="0">
-              <a:lnSpc>
-                <a:spcPct val="100000"/>
-              </a:lnSpc>
-              <a:spcBef>
-                <a:spcPct val="0"/>
-              </a:spcBef>
-              <a:spcAft>
-                <a:spcPct val="0"/>
-              </a:spcAft>
-              <a:buClrTx/>
-              <a:buSzTx/>
-              <a:buFontTx/>
-              <a:buNone/>
-              <a:tabLst/>
-            </a:pPr>
-            <a:r>
-              <a:rPr kumimoji="0" lang="en-US" altLang="en-US" sz="1800" b="1" i="0" u="none" strike="noStrike" cap="none" normalizeH="0" baseline="0">
-                <a:ln>
-                  <a:noFill/>
-                </a:ln>
-                <a:solidFill>
-                  <a:schemeClr val="tx1"/>
-                </a:solidFill>
-                <a:effectLst/>
-                <a:latin typeface="Times New Roman" panose="02020603050405020304" pitchFamily="18" charset="0"/>
-                <a:cs typeface="Times New Roman" panose="02020603050405020304" pitchFamily="18" charset="0"/>
-              </a:rPr>
-              <a:t>NhanVien nv1 = new NhanVien() {</a:t>
-            </a:r>
-          </a:p>
-          <a:p>
-            <a:pPr marL="0" marR="0" lvl="0" indent="0" algn="l" defTabSz="914400" rtl="0" eaLnBrk="0" fontAlgn="base" latinLnBrk="0" hangingPunct="0">
-              <a:lnSpc>
-                <a:spcPct val="100000"/>
-              </a:lnSpc>
-              <a:spcBef>
-                <a:spcPct val="0"/>
-              </a:spcBef>
-              <a:spcAft>
-                <a:spcPct val="0"/>
-              </a:spcAft>
-              <a:buClrTx/>
-              <a:buSzTx/>
-              <a:buFontTx/>
-              <a:buNone/>
-              <a:tabLst/>
-            </a:pPr>
-            <a:r>
-              <a:rPr kumimoji="0" lang="en-US" altLang="en-US" sz="1800" b="1" i="0" u="none" strike="noStrike" cap="none" normalizeH="0" baseline="0">
-                <a:ln>
-                  <a:noFill/>
-                </a:ln>
-                <a:solidFill>
-                  <a:schemeClr val="tx1"/>
-                </a:solidFill>
-                <a:effectLst/>
-                <a:latin typeface="Times New Roman" panose="02020603050405020304" pitchFamily="18" charset="0"/>
-                <a:cs typeface="Times New Roman" panose="02020603050405020304" pitchFamily="18" charset="0"/>
-              </a:rPr>
-              <a:t> 	các_thuộc_tính; </a:t>
-            </a:r>
-          </a:p>
-          <a:p>
-            <a:pPr marL="0" marR="0" lvl="0" indent="0" algn="l" defTabSz="914400" rtl="0" eaLnBrk="0" fontAlgn="base" latinLnBrk="0" hangingPunct="0">
-              <a:lnSpc>
-                <a:spcPct val="100000"/>
-              </a:lnSpc>
-              <a:spcBef>
-                <a:spcPct val="0"/>
-              </a:spcBef>
-              <a:spcAft>
-                <a:spcPct val="0"/>
-              </a:spcAft>
-              <a:buClrTx/>
-              <a:buSzTx/>
-              <a:buFontTx/>
-              <a:buNone/>
-              <a:tabLst/>
-            </a:pPr>
-            <a:r>
-              <a:rPr lang="en-US" altLang="en-US" sz="1800" b="1">
-                <a:solidFill>
-                  <a:schemeClr val="tx1"/>
-                </a:solidFill>
-                <a:latin typeface="Times New Roman" panose="02020603050405020304" pitchFamily="18" charset="0"/>
-                <a:cs typeface="Times New Roman" panose="02020603050405020304" pitchFamily="18" charset="0"/>
-              </a:rPr>
-              <a:t>	</a:t>
-            </a:r>
-            <a:r>
-              <a:rPr kumimoji="0" lang="en-US" altLang="en-US" sz="1800" b="1" i="0" u="none" strike="noStrike" cap="none" normalizeH="0" baseline="0">
-                <a:ln>
-                  <a:noFill/>
-                </a:ln>
-                <a:solidFill>
-                  <a:schemeClr val="tx1"/>
-                </a:solidFill>
-                <a:effectLst/>
-                <a:latin typeface="Times New Roman" panose="02020603050405020304" pitchFamily="18" charset="0"/>
-                <a:cs typeface="Times New Roman" panose="02020603050405020304" pitchFamily="18" charset="0"/>
-              </a:rPr>
-              <a:t>các_phương_thức;</a:t>
-            </a:r>
-          </a:p>
-          <a:p>
-            <a:pPr marL="0" marR="0" lvl="0" indent="0" algn="l" defTabSz="914400" rtl="0" eaLnBrk="0" fontAlgn="base" latinLnBrk="0" hangingPunct="0">
-              <a:lnSpc>
-                <a:spcPct val="100000"/>
-              </a:lnSpc>
-              <a:spcBef>
-                <a:spcPct val="0"/>
-              </a:spcBef>
-              <a:spcAft>
-                <a:spcPct val="0"/>
-              </a:spcAft>
-              <a:buClrTx/>
-              <a:buSzTx/>
-              <a:buFontTx/>
-              <a:buNone/>
-              <a:tabLst/>
-            </a:pPr>
-            <a:r>
-              <a:rPr kumimoji="0" lang="en-US" altLang="en-US" sz="1800" b="1" i="0" u="none" strike="noStrike" cap="none" normalizeH="0" baseline="0">
-                <a:ln>
-                  <a:noFill/>
-                </a:ln>
-                <a:solidFill>
-                  <a:schemeClr val="tx1"/>
-                </a:solidFill>
-                <a:effectLst/>
-                <a:latin typeface="Times New Roman" panose="02020603050405020304" pitchFamily="18" charset="0"/>
-                <a:cs typeface="Times New Roman" panose="02020603050405020304" pitchFamily="18" charset="0"/>
-              </a:rPr>
-              <a:t> }</a:t>
-            </a:r>
-            <a:r>
-              <a:rPr kumimoji="0" lang="en-US" altLang="en-US" sz="1100" b="1" i="0" u="none" strike="noStrike" cap="none" normalizeH="0" baseline="0">
-                <a:ln>
-                  <a:noFill/>
-                </a:ln>
-                <a:solidFill>
-                  <a:schemeClr val="tx1"/>
-                </a:solidFill>
-                <a:effectLst/>
-                <a:latin typeface="Times New Roman" panose="02020603050405020304" pitchFamily="18" charset="0"/>
-                <a:cs typeface="Times New Roman" panose="02020603050405020304" pitchFamily="18" charset="0"/>
-              </a:rPr>
-              <a:t> </a:t>
-            </a:r>
-            <a:endParaRPr kumimoji="0" lang="en-US" altLang="en-US" sz="4000" b="1" i="0" u="none" strike="noStrike" cap="none" normalizeH="0" baseline="0">
-              <a:ln>
-                <a:noFill/>
-              </a:ln>
-              <a:solidFill>
-                <a:schemeClr val="tx1"/>
-              </a:solidFill>
-              <a:effectLst/>
-              <a:latin typeface="Times New Roman" panose="02020603050405020304" pitchFamily="18" charset="0"/>
-              <a:cs typeface="Times New Roman" panose="02020603050405020304" pitchFamily="18" charset="0"/>
-            </a:endParaRPr>
-          </a:p>
-        </p:txBody>
-      </p:sp>
-      <p:sp>
-        <p:nvSpPr>
-          <p:cNvPr id="6" name="Arrow: Right 5">
-            <a:extLst>
-              <a:ext uri="{FF2B5EF4-FFF2-40B4-BE49-F238E27FC236}">
-                <a16:creationId xmlns:a16="http://schemas.microsoft.com/office/drawing/2014/main" id="{9B990876-BE83-7A21-D0D1-AECC118E75DB}"/>
-              </a:ext>
-            </a:extLst>
-          </p:cNvPr>
-          <p:cNvSpPr/>
-          <p:nvPr/>
-        </p:nvSpPr>
-        <p:spPr>
-          <a:xfrm>
-            <a:off x="808892" y="3856893"/>
-            <a:ext cx="1324708" cy="281353"/>
-          </a:xfrm>
-          <a:prstGeom prst="rightArrow">
-            <a:avLst/>
-          </a:prstGeom>
-        </p:spPr>
-        <p:style>
-          <a:lnRef idx="2">
-            <a:schemeClr val="accent1">
-              <a:shade val="50000"/>
-            </a:schemeClr>
-          </a:lnRef>
-          <a:fillRef idx="1">
-            <a:schemeClr val="accent1"/>
-          </a:fillRef>
-          <a:effectRef idx="0">
-            <a:schemeClr val="accent1"/>
-          </a:effectRef>
-          <a:fontRef idx="minor">
-            <a:schemeClr val="lt1"/>
-          </a:fontRef>
-        </p:style>
-        <p:txBody>
-          <a:bodyPr rtlCol="0" anchor="ctr"/>
-          <a:lstStyle/>
-          <a:p>
-            <a:pPr algn="ctr"/>
-            <a:endParaRPr lang="en-US"/>
-          </a:p>
-        </p:txBody>
-      </p:sp>
-      <p:sp>
-        <p:nvSpPr>
-          <p:cNvPr id="7" name="TextBox 6">
-            <a:extLst>
-              <a:ext uri="{FF2B5EF4-FFF2-40B4-BE49-F238E27FC236}">
-                <a16:creationId xmlns:a16="http://schemas.microsoft.com/office/drawing/2014/main" id="{4DB05461-F79C-8C63-A8F7-8B48B6CFEDDA}"/>
-              </a:ext>
-            </a:extLst>
-          </p:cNvPr>
-          <p:cNvSpPr txBox="1"/>
-          <p:nvPr/>
-        </p:nvSpPr>
-        <p:spPr>
-          <a:xfrm>
-            <a:off x="2211537" y="3643626"/>
-            <a:ext cx="5533442" cy="707886"/>
-          </a:xfrm>
-          <a:prstGeom prst="rect">
-            <a:avLst/>
-          </a:prstGeom>
-          <a:noFill/>
-        </p:spPr>
-        <p:txBody>
-          <a:bodyPr wrap="square" rtlCol="0">
-            <a:spAutoFit/>
-          </a:bodyPr>
-          <a:lstStyle/>
-          <a:p>
-            <a:r>
-              <a:rPr lang="en-US" sz="2000" b="1">
-                <a:latin typeface="Times New Roman" panose="02020603050405020304" pitchFamily="18" charset="0"/>
-                <a:cs typeface="Times New Roman" panose="02020603050405020304" pitchFamily="18" charset="0"/>
-              </a:rPr>
-              <a:t>Đối tượng có tên nv1 sẽ là đối tượng được tạo ra từ lớp nào có phải là của lớp NhanVien ?</a:t>
-            </a:r>
-          </a:p>
-        </p:txBody>
-      </p:sp>
-    </p:spTree>
-    <p:extLst>
-      <p:ext uri="{BB962C8B-B14F-4D97-AF65-F5344CB8AC3E}">
-        <p14:creationId xmlns:p14="http://schemas.microsoft.com/office/powerpoint/2010/main" val="2599325257"/>
-      </p:ext>
-    </p:extLst>
-  </p:cSld>
-  <p:clrMapOvr>
-    <a:masterClrMapping/>
-  </p:clrMapOvr>
-</p:sld>
-</file>
-
-<file path=ppt/slides/slide5.xml><?xml version="1.0" encoding="utf-8"?>
-<p:sld xmlns:a="http://schemas.openxmlformats.org/drawingml/2006/main" xmlns:r="http://schemas.openxmlformats.org/officeDocument/2006/relationships" xmlns:p="http://schemas.openxmlformats.org/presentationml/2006/main">
-  <p:cSld>
-    <p:spTree>
-      <p:nvGrpSpPr>
-        <p:cNvPr id="1" name=""/>
-        <p:cNvGrpSpPr/>
-        <p:nvPr/>
-      </p:nvGrpSpPr>
-      <p:grpSpPr>
-        <a:xfrm>
-          <a:off x="0" y="0"/>
-          <a:ext cx="0" cy="0"/>
-          <a:chOff x="0" y="0"/>
-          <a:chExt cx="0" cy="0"/>
-        </a:xfrm>
-      </p:grpSpPr>
-      <p:sp>
-        <p:nvSpPr>
-          <p:cNvPr id="2" name="Title 1">
-            <a:extLst>
-              <a:ext uri="{FF2B5EF4-FFF2-40B4-BE49-F238E27FC236}">
-                <a16:creationId xmlns:a16="http://schemas.microsoft.com/office/drawing/2014/main" id="{804600E3-E339-F73B-279F-EEE7A5497881}"/>
-              </a:ext>
-            </a:extLst>
-          </p:cNvPr>
-          <p:cNvSpPr>
-            <a:spLocks noGrp="1"/>
-          </p:cNvSpPr>
-          <p:nvPr>
-            <p:ph type="title"/>
-          </p:nvPr>
-        </p:nvSpPr>
-        <p:spPr>
-          <a:xfrm>
-            <a:off x="705026" y="296615"/>
-            <a:ext cx="5930235" cy="1360200"/>
-          </a:xfrm>
-        </p:spPr>
-        <p:txBody>
-          <a:bodyPr/>
-          <a:lstStyle/>
-          <a:p>
-            <a:r>
-              <a:rPr lang="en-US"/>
-              <a:t>Phân loại lớp ẩn danh</a:t>
-            </a:r>
-          </a:p>
-        </p:txBody>
-      </p:sp>
-      <p:sp>
-        <p:nvSpPr>
-          <p:cNvPr id="3" name="Text Placeholder 2">
-            <a:extLst>
-              <a:ext uri="{FF2B5EF4-FFF2-40B4-BE49-F238E27FC236}">
-                <a16:creationId xmlns:a16="http://schemas.microsoft.com/office/drawing/2014/main" id="{045275B3-4B9C-1CB2-AE62-0D57DB242391}"/>
-              </a:ext>
-            </a:extLst>
-          </p:cNvPr>
-          <p:cNvSpPr>
-            <a:spLocks noGrp="1"/>
-          </p:cNvSpPr>
-          <p:nvPr>
-            <p:ph type="body" idx="1"/>
-          </p:nvPr>
-        </p:nvSpPr>
-        <p:spPr>
-          <a:xfrm>
-            <a:off x="869100" y="2008125"/>
-            <a:ext cx="7405800" cy="2004000"/>
-          </a:xfrm>
-        </p:spPr>
-        <p:txBody>
-          <a:bodyPr/>
-          <a:lstStyle/>
-          <a:p>
-            <a:r>
-              <a:rPr lang="en-US"/>
-              <a:t>Lớp ẩn danh được tạo ra thông qua kế thừa từ lớp khác</a:t>
-            </a:r>
-          </a:p>
-          <a:p>
-            <a:r>
-              <a:rPr lang="en-US"/>
-              <a:t>Lớp ẩn danh được tạo ra thông qua triển khai từ interface khác</a:t>
-            </a:r>
-          </a:p>
-          <a:p>
-            <a:r>
-              <a:rPr lang="en-US"/>
-              <a:t>Lớp ẩn danh được dùng như thông số truyền vào.</a:t>
-            </a:r>
-          </a:p>
-        </p:txBody>
-      </p:sp>
-      <p:sp>
-        <p:nvSpPr>
-          <p:cNvPr id="4" name="Slide Number Placeholder 3">
-            <a:extLst>
-              <a:ext uri="{FF2B5EF4-FFF2-40B4-BE49-F238E27FC236}">
-                <a16:creationId xmlns:a16="http://schemas.microsoft.com/office/drawing/2014/main" id="{4C8061A6-CAF9-9299-759B-93FCB946BECE}"/>
-              </a:ext>
-            </a:extLst>
-          </p:cNvPr>
-          <p:cNvSpPr>
-            <a:spLocks noGrp="1"/>
-          </p:cNvSpPr>
-          <p:nvPr>
-            <p:ph type="sldNum" idx="12"/>
-          </p:nvPr>
-        </p:nvSpPr>
-        <p:spPr/>
-        <p:txBody>
-          <a:bodyPr/>
-          <a:lstStyle/>
-          <a:p>
-            <a:pPr marL="0" lvl="0" indent="0" algn="r" rtl="0">
-              <a:spcBef>
-                <a:spcPts val="0"/>
-              </a:spcBef>
-              <a:spcAft>
-                <a:spcPts val="0"/>
-              </a:spcAft>
-              <a:buNone/>
-            </a:pPr>
-            <a:fld id="{00000000-1234-1234-1234-123412341234}" type="slidenum">
-              <a:rPr lang="en" smtClean="0"/>
-              <a:t>5</a:t>
-            </a:fld>
-            <a:endParaRPr lang="en"/>
-          </a:p>
-        </p:txBody>
-      </p:sp>
-    </p:spTree>
-    <p:extLst>
-      <p:ext uri="{BB962C8B-B14F-4D97-AF65-F5344CB8AC3E}">
-        <p14:creationId xmlns:p14="http://schemas.microsoft.com/office/powerpoint/2010/main" val="704558206"/>
-      </p:ext>
-    </p:extLst>
-  </p:cSld>
-  <p:clrMapOvr>
-    <a:masterClrMapping/>
-  </p:clrMapOvr>
-</p:sld>
-</file>
-
-<file path=ppt/slides/slide6.xml><?xml version="1.0" encoding="utf-8"?>
-<p:sld xmlns:a="http://schemas.openxmlformats.org/drawingml/2006/main" xmlns:r="http://schemas.openxmlformats.org/officeDocument/2006/relationships" xmlns:p="http://schemas.openxmlformats.org/presentationml/2006/main">
-  <p:cSld>
-    <p:spTree>
-      <p:nvGrpSpPr>
-        <p:cNvPr id="1" name=""/>
-        <p:cNvGrpSpPr/>
-        <p:nvPr/>
-      </p:nvGrpSpPr>
-      <p:grpSpPr>
-        <a:xfrm>
-          <a:off x="0" y="0"/>
-          <a:ext cx="0" cy="0"/>
-          <a:chOff x="0" y="0"/>
-          <a:chExt cx="0" cy="0"/>
-        </a:xfrm>
-      </p:grpSpPr>
-      <p:sp>
-        <p:nvSpPr>
-          <p:cNvPr id="2" name="Title 1">
-            <a:extLst>
-              <a:ext uri="{FF2B5EF4-FFF2-40B4-BE49-F238E27FC236}">
-                <a16:creationId xmlns:a16="http://schemas.microsoft.com/office/drawing/2014/main" id="{804600E3-E339-F73B-279F-EEE7A5497881}"/>
-              </a:ext>
-            </a:extLst>
-          </p:cNvPr>
-          <p:cNvSpPr>
-            <a:spLocks noGrp="1"/>
-          </p:cNvSpPr>
-          <p:nvPr>
-            <p:ph type="title"/>
-          </p:nvPr>
-        </p:nvSpPr>
-        <p:spPr>
-          <a:xfrm>
-            <a:off x="622965" y="422030"/>
-            <a:ext cx="5930235" cy="824477"/>
-          </a:xfrm>
-        </p:spPr>
-        <p:txBody>
-          <a:bodyPr/>
-          <a:lstStyle/>
-          <a:p>
-            <a:r>
-              <a:rPr lang="en-US"/>
-              <a:t>Đặc điểm lớp ẩn danh</a:t>
-            </a:r>
-          </a:p>
-        </p:txBody>
-      </p:sp>
-      <p:sp>
-        <p:nvSpPr>
-          <p:cNvPr id="3" name="Text Placeholder 2">
-            <a:extLst>
-              <a:ext uri="{FF2B5EF4-FFF2-40B4-BE49-F238E27FC236}">
-                <a16:creationId xmlns:a16="http://schemas.microsoft.com/office/drawing/2014/main" id="{045275B3-4B9C-1CB2-AE62-0D57DB242391}"/>
-              </a:ext>
-            </a:extLst>
-          </p:cNvPr>
-          <p:cNvSpPr>
-            <a:spLocks noGrp="1"/>
-          </p:cNvSpPr>
-          <p:nvPr>
-            <p:ph type="body" idx="1"/>
-          </p:nvPr>
-        </p:nvSpPr>
-        <p:spPr>
-          <a:xfrm>
-            <a:off x="622965" y="998364"/>
-            <a:ext cx="7405800" cy="3146771"/>
-          </a:xfrm>
-        </p:spPr>
-        <p:txBody>
-          <a:bodyPr/>
-          <a:lstStyle/>
-          <a:p>
-            <a:r>
-              <a:rPr lang="vi-VN" sz="1600" b="0" i="0">
-                <a:solidFill>
-                  <a:srgbClr val="555555"/>
-                </a:solidFill>
-                <a:effectLst/>
-                <a:latin typeface="Roboto" panose="02000000000000000000" pitchFamily="2" charset="0"/>
-              </a:rPr>
-              <a:t>Nếu một lớp bình thường có thể triển khai bao nhiêu interface cũng được, thì </a:t>
-            </a:r>
-            <a:r>
-              <a:rPr lang="vi-VN" sz="1600" b="1" i="1">
-                <a:solidFill>
-                  <a:srgbClr val="003573"/>
-                </a:solidFill>
-                <a:effectLst/>
-                <a:latin typeface="Roboto" panose="02000000000000000000" pitchFamily="2" charset="0"/>
-              </a:rPr>
-              <a:t>lớp Vô Danh chỉ có thể triển khai từ duy nhất một interface</a:t>
-            </a:r>
-            <a:r>
-              <a:rPr lang="vi-VN" sz="1600" b="0" i="0">
-                <a:solidFill>
-                  <a:srgbClr val="555555"/>
-                </a:solidFill>
-                <a:effectLst/>
-                <a:latin typeface="Roboto" panose="02000000000000000000" pitchFamily="2" charset="0"/>
-              </a:rPr>
-              <a:t> mà thôi.</a:t>
-            </a:r>
-            <a:endParaRPr lang="en-US" sz="1600" b="0" i="0">
-              <a:solidFill>
-                <a:srgbClr val="555555"/>
-              </a:solidFill>
-              <a:effectLst/>
-              <a:latin typeface="Roboto" panose="02000000000000000000" pitchFamily="2" charset="0"/>
-            </a:endParaRPr>
-          </a:p>
-          <a:p>
-            <a:r>
-              <a:rPr lang="vi-VN" sz="1600" b="0" i="0">
-                <a:solidFill>
-                  <a:srgbClr val="555555"/>
-                </a:solidFill>
-                <a:effectLst/>
-                <a:latin typeface="Roboto" panose="02000000000000000000" pitchFamily="2" charset="0"/>
-              </a:rPr>
-              <a:t>Nếu một lớp bình thường vừa có thể kế thừa từ một lớp nào đó, vừa có thể triển khai từ nhiều interface khác, thì </a:t>
-            </a:r>
-            <a:r>
-              <a:rPr lang="vi-VN" sz="1600" b="1" i="1">
-                <a:solidFill>
-                  <a:srgbClr val="003573"/>
-                </a:solidFill>
-                <a:effectLst/>
-                <a:latin typeface="Roboto" panose="02000000000000000000" pitchFamily="2" charset="0"/>
-              </a:rPr>
-              <a:t>lớp Vô Danh chỉ có thể hoặc là kế thừa hoặc là triển khai một lớp hay một interface khác thôi</a:t>
-            </a:r>
-            <a:r>
-              <a:rPr lang="vi-VN" sz="1600" b="0" i="0">
-                <a:solidFill>
-                  <a:srgbClr val="555555"/>
-                </a:solidFill>
-                <a:effectLst/>
-                <a:latin typeface="Roboto" panose="02000000000000000000" pitchFamily="2" charset="0"/>
-              </a:rPr>
-              <a:t>.</a:t>
-            </a:r>
-            <a:endParaRPr lang="en-US" sz="1600" b="0" i="0">
-              <a:solidFill>
-                <a:srgbClr val="555555"/>
-              </a:solidFill>
-              <a:effectLst/>
-              <a:latin typeface="Roboto" panose="02000000000000000000" pitchFamily="2" charset="0"/>
-            </a:endParaRPr>
-          </a:p>
-          <a:p>
-            <a:r>
-              <a:rPr lang="vi-VN" sz="1600" b="0" i="0">
-                <a:solidFill>
-                  <a:srgbClr val="555555"/>
-                </a:solidFill>
-                <a:effectLst/>
-                <a:latin typeface="Roboto" panose="02000000000000000000" pitchFamily="2" charset="0"/>
-              </a:rPr>
-              <a:t>Với một lớp bình thường, bạn có thể định nghĩa các </a:t>
-            </a:r>
-            <a:r>
-              <a:rPr lang="vi-VN" sz="1600" b="0" i="1" u="sng">
-                <a:effectLst/>
-                <a:latin typeface="Roboto" panose="02000000000000000000" pitchFamily="2" charset="0"/>
-                <a:hlinkClick r:id="rId2"/>
-              </a:rPr>
-              <a:t>constructor</a:t>
-            </a:r>
-            <a:r>
-              <a:rPr lang="vi-VN" sz="1600" b="0" i="0">
-                <a:solidFill>
-                  <a:srgbClr val="555555"/>
-                </a:solidFill>
-                <a:effectLst/>
-                <a:latin typeface="Roboto" panose="02000000000000000000" pitchFamily="2" charset="0"/>
-              </a:rPr>
-              <a:t> tùy thích. Nhưng </a:t>
-            </a:r>
-            <a:r>
-              <a:rPr lang="vi-VN" sz="1600" b="1" i="1">
-                <a:solidFill>
-                  <a:srgbClr val="003573"/>
-                </a:solidFill>
-                <a:effectLst/>
-                <a:latin typeface="Roboto" panose="02000000000000000000" pitchFamily="2" charset="0"/>
-              </a:rPr>
-              <a:t>lớp Vô Danh lại không hề có bất kỳ constructor nào</a:t>
-            </a:r>
-            <a:r>
-              <a:rPr lang="vi-VN" sz="1600" b="0" i="0">
-                <a:solidFill>
-                  <a:srgbClr val="555555"/>
-                </a:solidFill>
-                <a:effectLst/>
-                <a:latin typeface="Roboto" panose="02000000000000000000" pitchFamily="2" charset="0"/>
-              </a:rPr>
-              <a:t>. Điều này cũng dễ hiểu, vì constructor buộc phải có tên trùng với tên lớp, mà lớp </a:t>
-            </a:r>
-            <a:r>
-              <a:rPr lang="vi-VN" sz="1600" b="0" i="1">
-                <a:solidFill>
-                  <a:srgbClr val="003573"/>
-                </a:solidFill>
-                <a:effectLst/>
-                <a:latin typeface="Roboto" panose="02000000000000000000" pitchFamily="2" charset="0"/>
-              </a:rPr>
-              <a:t>Vô Danh</a:t>
-            </a:r>
-            <a:r>
-              <a:rPr lang="vi-VN" sz="1600" b="0" i="0">
-                <a:solidFill>
-                  <a:srgbClr val="555555"/>
-                </a:solidFill>
-                <a:effectLst/>
-                <a:latin typeface="Roboto" panose="02000000000000000000" pitchFamily="2" charset="0"/>
-              </a:rPr>
-              <a:t> thì không có tên, nên chẳng bao giờ bạn có thể định nghĩa được constructor cho nó.</a:t>
-            </a:r>
-            <a:endParaRPr lang="en-US" sz="1600" b="0" i="0">
-              <a:solidFill>
-                <a:srgbClr val="555555"/>
-              </a:solidFill>
-              <a:effectLst/>
-              <a:latin typeface="Roboto" panose="02000000000000000000" pitchFamily="2" charset="0"/>
-            </a:endParaRPr>
-          </a:p>
-          <a:p>
-            <a:r>
-              <a:rPr lang="vi-VN" sz="1600" b="0" i="0">
-                <a:solidFill>
-                  <a:srgbClr val="555555"/>
-                </a:solidFill>
-                <a:effectLst/>
-                <a:latin typeface="Roboto" panose="02000000000000000000" pitchFamily="2" charset="0"/>
-              </a:rPr>
-              <a:t>Và vì một lớp </a:t>
-            </a:r>
-            <a:r>
-              <a:rPr lang="vi-VN" sz="1600" b="0" i="1">
-                <a:solidFill>
-                  <a:srgbClr val="003573"/>
-                </a:solidFill>
-                <a:effectLst/>
-                <a:latin typeface="Roboto" panose="02000000000000000000" pitchFamily="2" charset="0"/>
-              </a:rPr>
-              <a:t>Vô Danh</a:t>
-            </a:r>
-            <a:r>
-              <a:rPr lang="vi-VN" sz="1600" b="0" i="0">
-                <a:solidFill>
-                  <a:srgbClr val="555555"/>
-                </a:solidFill>
-                <a:effectLst/>
-                <a:latin typeface="Roboto" panose="02000000000000000000" pitchFamily="2" charset="0"/>
-              </a:rPr>
-              <a:t> được khai báo bên trong lớp khác, nên nó có một đặc điểm giống với </a:t>
-            </a:r>
-            <a:r>
-              <a:rPr lang="vi-VN" sz="1600" b="0" i="1" u="sng">
-                <a:effectLst/>
-                <a:latin typeface="Roboto" panose="02000000000000000000" pitchFamily="2" charset="0"/>
-                <a:hlinkClick r:id="rId3"/>
-              </a:rPr>
-              <a:t>lớp Lồng</a:t>
-            </a:r>
-            <a:r>
-              <a:rPr lang="vi-VN" sz="1600" b="0" i="0">
-                <a:solidFill>
-                  <a:srgbClr val="555555"/>
-                </a:solidFill>
-                <a:effectLst/>
-                <a:latin typeface="Roboto" panose="02000000000000000000" pitchFamily="2" charset="0"/>
-              </a:rPr>
-              <a:t>, ở chỗ nó có thể truy cập đến các thành viên của lớp bao của nó</a:t>
-            </a:r>
-            <a:endParaRPr lang="en-US" sz="1600"/>
-          </a:p>
-        </p:txBody>
-      </p:sp>
-      <p:sp>
-        <p:nvSpPr>
-          <p:cNvPr id="4" name="Slide Number Placeholder 3">
-            <a:extLst>
-              <a:ext uri="{FF2B5EF4-FFF2-40B4-BE49-F238E27FC236}">
-                <a16:creationId xmlns:a16="http://schemas.microsoft.com/office/drawing/2014/main" id="{4C8061A6-CAF9-9299-759B-93FCB946BECE}"/>
-              </a:ext>
-            </a:extLst>
-          </p:cNvPr>
-          <p:cNvSpPr>
-            <a:spLocks noGrp="1"/>
-          </p:cNvSpPr>
-          <p:nvPr>
-            <p:ph type="sldNum" idx="12"/>
-          </p:nvPr>
-        </p:nvSpPr>
-        <p:spPr/>
-        <p:txBody>
-          <a:bodyPr/>
-          <a:lstStyle/>
-          <a:p>
-            <a:pPr marL="0" lvl="0" indent="0" algn="r" rtl="0">
-              <a:spcBef>
-                <a:spcPts val="0"/>
-              </a:spcBef>
-              <a:spcAft>
-                <a:spcPts val="0"/>
-              </a:spcAft>
-              <a:buNone/>
-            </a:pPr>
-            <a:fld id="{00000000-1234-1234-1234-123412341234}" type="slidenum">
-              <a:rPr lang="en" smtClean="0"/>
-              <a:t>6</a:t>
-            </a:fld>
-            <a:endParaRPr lang="en"/>
-          </a:p>
-        </p:txBody>
-      </p:sp>
-    </p:spTree>
-    <p:extLst>
-      <p:ext uri="{BB962C8B-B14F-4D97-AF65-F5344CB8AC3E}">
-        <p14:creationId xmlns:p14="http://schemas.microsoft.com/office/powerpoint/2010/main" val="2985988765"/>
-      </p:ext>
-    </p:extLst>
-  </p:cSld>
-  <p:clrMapOvr>
-    <a:masterClrMapping/>
-  </p:clrMapOvr>
-</p:sld>
-</file>
-
-<file path=ppt/slides/slide7.xml><?xml version="1.0" encoding="utf-8"?>
+<file path=ppt/slides/slide13.xml><?xml version="1.0" encoding="utf-8"?>
 <p:sld xmlns:a="http://schemas.openxmlformats.org/drawingml/2006/main" xmlns:r="http://schemas.openxmlformats.org/officeDocument/2006/relationships" xmlns:p="http://schemas.openxmlformats.org/presentationml/2006/main">
   <p:cSld>
     <p:spTree>
@@ -8570,10 +7061,17 @@
   <p:clrMapOvr>
     <a:masterClrMapping/>
   </p:clrMapOvr>
+  <p:timing>
+    <p:tnLst>
+      <p:par>
+        <p:cTn id="1" dur="indefinite" restart="never" nodeType="tmRoot"/>
+      </p:par>
+    </p:tnLst>
+  </p:timing>
 </p:sld>
 </file>
 
-<file path=ppt/slides/slide8.xml><?xml version="1.0" encoding="utf-8"?>
+<file path=ppt/slides/slide14.xml><?xml version="1.0" encoding="utf-8"?>
 <p:sld xmlns:a="http://schemas.openxmlformats.org/drawingml/2006/main" xmlns:r="http://schemas.openxmlformats.org/officeDocument/2006/relationships" xmlns:p="http://schemas.openxmlformats.org/presentationml/2006/main">
   <p:cSld>
     <p:spTree>
@@ -9171,7 +7669,7 @@
             </a:pPr>
             <a:fld id="{00000000-1234-1234-1234-123412341234}" type="slidenum">
               <a:rPr lang="en"/>
-              <a:t>8</a:t>
+              <a:t>14</a:t>
             </a:fld>
             <a:endParaRPr/>
           </a:p>
@@ -9828,7 +8326,7 @@
 </p:sld>
 </file>
 
-<file path=ppt/slides/slide9.xml><?xml version="1.0" encoding="utf-8"?>
+<file path=ppt/slides/slide15.xml><?xml version="1.0" encoding="utf-8"?>
 <p:sld xmlns:a="http://schemas.openxmlformats.org/drawingml/2006/main" xmlns:r="http://schemas.openxmlformats.org/officeDocument/2006/relationships" xmlns:p="http://schemas.openxmlformats.org/presentationml/2006/main">
   <p:cSld>
     <p:spTree>
@@ -10002,7 +8500,7 @@
             </a:pPr>
             <a:fld id="{00000000-1234-1234-1234-123412341234}" type="slidenum">
               <a:rPr lang="en" smtClean="0"/>
-              <a:t>9</a:t>
+              <a:t>15</a:t>
             </a:fld>
             <a:endParaRPr lang="en"/>
           </a:p>
@@ -11055,6 +9553,4342 @@
 </p:sld>
 </file>
 
+<file path=ppt/slides/slide16.xml><?xml version="1.0" encoding="utf-8"?>
+<p:sld xmlns:a="http://schemas.openxmlformats.org/drawingml/2006/main" xmlns:r="http://schemas.openxmlformats.org/officeDocument/2006/relationships" xmlns:p="http://schemas.openxmlformats.org/presentationml/2006/main">
+  <p:cSld>
+    <p:spTree>
+      <p:nvGrpSpPr>
+        <p:cNvPr id="1" name=""/>
+        <p:cNvGrpSpPr/>
+        <p:nvPr/>
+      </p:nvGrpSpPr>
+      <p:grpSpPr>
+        <a:xfrm>
+          <a:off x="0" y="0"/>
+          <a:ext cx="0" cy="0"/>
+          <a:chOff x="0" y="0"/>
+          <a:chExt cx="0" cy="0"/>
+        </a:xfrm>
+      </p:grpSpPr>
+      <p:sp>
+        <p:nvSpPr>
+          <p:cNvPr id="3" name="Text Placeholder 2">
+            <a:extLst>
+              <a:ext uri="{FF2B5EF4-FFF2-40B4-BE49-F238E27FC236}">
+                <a16:creationId xmlns:a16="http://schemas.microsoft.com/office/drawing/2014/main" id="{E1BA9527-E2D2-87EA-7E8C-B283A2D2AEDD}"/>
+              </a:ext>
+            </a:extLst>
+          </p:cNvPr>
+          <p:cNvSpPr>
+            <a:spLocks noGrp="1"/>
+          </p:cNvSpPr>
+          <p:nvPr>
+            <p:ph type="body" idx="1"/>
+          </p:nvPr>
+        </p:nvSpPr>
+        <p:spPr>
+          <a:xfrm>
+            <a:off x="869100" y="1833097"/>
+            <a:ext cx="7405800" cy="1002000"/>
+          </a:xfrm>
+        </p:spPr>
+        <p:txBody>
+          <a:bodyPr/>
+          <a:lstStyle/>
+          <a:p>
+            <a:r>
+              <a:rPr lang="vi-VN"/>
+              <a:t>Biểu thức lambda sử dụng chính để thể hiện các giao diện có duy nhất 1 phương thức trừu tượng</a:t>
+            </a:r>
+            <a:r>
+              <a:rPr lang="en-US"/>
+              <a:t>.</a:t>
+            </a:r>
+          </a:p>
+        </p:txBody>
+      </p:sp>
+      <p:sp>
+        <p:nvSpPr>
+          <p:cNvPr id="4" name="Slide Number Placeholder 3">
+            <a:extLst>
+              <a:ext uri="{FF2B5EF4-FFF2-40B4-BE49-F238E27FC236}">
+                <a16:creationId xmlns:a16="http://schemas.microsoft.com/office/drawing/2014/main" id="{E78770F5-967E-DEAA-8035-25EFA5BB1CEC}"/>
+              </a:ext>
+            </a:extLst>
+          </p:cNvPr>
+          <p:cNvSpPr>
+            <a:spLocks noGrp="1"/>
+          </p:cNvSpPr>
+          <p:nvPr>
+            <p:ph type="sldNum" idx="12"/>
+          </p:nvPr>
+        </p:nvSpPr>
+        <p:spPr/>
+        <p:txBody>
+          <a:bodyPr/>
+          <a:lstStyle/>
+          <a:p>
+            <a:pPr marL="0" lvl="0" indent="0" algn="r" rtl="0">
+              <a:spcBef>
+                <a:spcPts val="0"/>
+              </a:spcBef>
+              <a:spcAft>
+                <a:spcPts val="0"/>
+              </a:spcAft>
+              <a:buNone/>
+            </a:pPr>
+            <a:fld id="{00000000-1234-1234-1234-123412341234}" type="slidenum">
+              <a:rPr lang="en" smtClean="0"/>
+              <a:t>16</a:t>
+            </a:fld>
+            <a:endParaRPr lang="en"/>
+          </a:p>
+        </p:txBody>
+      </p:sp>
+    </p:spTree>
+    <p:extLst>
+      <p:ext uri="{BB962C8B-B14F-4D97-AF65-F5344CB8AC3E}">
+        <p14:creationId xmlns:p14="http://schemas.microsoft.com/office/powerpoint/2010/main" val="281672299"/>
+      </p:ext>
+    </p:extLst>
+  </p:cSld>
+  <p:clrMapOvr>
+    <a:masterClrMapping/>
+  </p:clrMapOvr>
+  <p:timing>
+    <p:tnLst>
+      <p:par>
+        <p:cTn id="1" dur="indefinite" restart="never" nodeType="tmRoot">
+          <p:childTnLst>
+            <p:seq concurrent="1" nextAc="seek">
+              <p:cTn id="2" dur="indefinite" nodeType="mainSeq">
+                <p:childTnLst>
+                  <p:par>
+                    <p:cTn id="3" fill="hold">
+                      <p:stCondLst>
+                        <p:cond delay="indefinite"/>
+                      </p:stCondLst>
+                      <p:childTnLst>
+                        <p:par>
+                          <p:cTn id="4" fill="hold">
+                            <p:stCondLst>
+                              <p:cond delay="0"/>
+                            </p:stCondLst>
+                            <p:childTnLst>
+                              <p:par>
+                                <p:cTn id="5" presetID="2" presetClass="entr" presetSubtype="4" fill="hold" grpId="0" nodeType="clickEffect">
+                                  <p:stCondLst>
+                                    <p:cond delay="0"/>
+                                  </p:stCondLst>
+                                  <p:childTnLst>
+                                    <p:set>
+                                      <p:cBhvr>
+                                        <p:cTn id="6" dur="1" fill="hold">
+                                          <p:stCondLst>
+                                            <p:cond delay="0"/>
+                                          </p:stCondLst>
+                                        </p:cTn>
+                                        <p:tgtEl>
+                                          <p:spTgt spid="3">
+                                            <p:txEl>
+                                              <p:pRg st="0" end="0"/>
+                                            </p:txEl>
+                                          </p:spTgt>
+                                        </p:tgtEl>
+                                        <p:attrNameLst>
+                                          <p:attrName>style.visibility</p:attrName>
+                                        </p:attrNameLst>
+                                      </p:cBhvr>
+                                      <p:to>
+                                        <p:strVal val="visible"/>
+                                      </p:to>
+                                    </p:set>
+                                    <p:anim calcmode="lin" valueType="num">
+                                      <p:cBhvr additive="base">
+                                        <p:cTn id="7" dur="500" fill="hold"/>
+                                        <p:tgtEl>
+                                          <p:spTgt spid="3">
+                                            <p:txEl>
+                                              <p:pRg st="0" end="0"/>
+                                            </p:txEl>
+                                          </p:spTgt>
+                                        </p:tgtEl>
+                                        <p:attrNameLst>
+                                          <p:attrName>ppt_x</p:attrName>
+                                        </p:attrNameLst>
+                                      </p:cBhvr>
+                                      <p:tavLst>
+                                        <p:tav tm="0">
+                                          <p:val>
+                                            <p:strVal val="#ppt_x"/>
+                                          </p:val>
+                                        </p:tav>
+                                        <p:tav tm="100000">
+                                          <p:val>
+                                            <p:strVal val="#ppt_x"/>
+                                          </p:val>
+                                        </p:tav>
+                                      </p:tavLst>
+                                    </p:anim>
+                                    <p:anim calcmode="lin" valueType="num">
+                                      <p:cBhvr additive="base">
+                                        <p:cTn id="8" dur="500" fill="hold"/>
+                                        <p:tgtEl>
+                                          <p:spTgt spid="3">
+                                            <p:txEl>
+                                              <p:pRg st="0" end="0"/>
+                                            </p:txEl>
+                                          </p:spTgt>
+                                        </p:tgtEl>
+                                        <p:attrNameLst>
+                                          <p:attrName>ppt_y</p:attrName>
+                                        </p:attrNameLst>
+                                      </p:cBhvr>
+                                      <p:tavLst>
+                                        <p:tav tm="0">
+                                          <p:val>
+                                            <p:strVal val="1+#ppt_h/2"/>
+                                          </p:val>
+                                        </p:tav>
+                                        <p:tav tm="100000">
+                                          <p:val>
+                                            <p:strVal val="#ppt_y"/>
+                                          </p:val>
+                                        </p:tav>
+                                      </p:tavLst>
+                                    </p:anim>
+                                  </p:childTnLst>
+                                </p:cTn>
+                              </p:par>
+                            </p:childTnLst>
+                          </p:cTn>
+                        </p:par>
+                      </p:childTnLst>
+                    </p:cTn>
+                  </p:par>
+                </p:childTnLst>
+              </p:cTn>
+              <p:prevCondLst>
+                <p:cond evt="onPrev" delay="0">
+                  <p:tgtEl>
+                    <p:sldTgt/>
+                  </p:tgtEl>
+                </p:cond>
+              </p:prevCondLst>
+              <p:nextCondLst>
+                <p:cond evt="onNext" delay="0">
+                  <p:tgtEl>
+                    <p:sldTgt/>
+                  </p:tgtEl>
+                </p:cond>
+              </p:nextCondLst>
+            </p:seq>
+          </p:childTnLst>
+        </p:cTn>
+      </p:par>
+    </p:tnLst>
+    <p:bldLst>
+      <p:bldP spid="3" grpId="0" build="p"/>
+    </p:bldLst>
+  </p:timing>
+</p:sld>
+</file>
+
+<file path=ppt/slides/slide17.xml><?xml version="1.0" encoding="utf-8"?>
+<p:sld xmlns:a="http://schemas.openxmlformats.org/drawingml/2006/main" xmlns:r="http://schemas.openxmlformats.org/officeDocument/2006/relationships" xmlns:p="http://schemas.openxmlformats.org/presentationml/2006/main">
+  <p:cSld>
+    <p:spTree>
+      <p:nvGrpSpPr>
+        <p:cNvPr id="1" name=""/>
+        <p:cNvGrpSpPr/>
+        <p:nvPr/>
+      </p:nvGrpSpPr>
+      <p:grpSpPr>
+        <a:xfrm>
+          <a:off x="0" y="0"/>
+          <a:ext cx="0" cy="0"/>
+          <a:chOff x="0" y="0"/>
+          <a:chExt cx="0" cy="0"/>
+        </a:xfrm>
+      </p:grpSpPr>
+      <p:sp>
+        <p:nvSpPr>
+          <p:cNvPr id="4" name="Slide Number Placeholder 3">
+            <a:extLst>
+              <a:ext uri="{FF2B5EF4-FFF2-40B4-BE49-F238E27FC236}">
+                <a16:creationId xmlns:a16="http://schemas.microsoft.com/office/drawing/2014/main" id="{EB8605B1-C986-0C2E-6BD8-24FCF8879998}"/>
+              </a:ext>
+            </a:extLst>
+          </p:cNvPr>
+          <p:cNvSpPr>
+            <a:spLocks noGrp="1"/>
+          </p:cNvSpPr>
+          <p:nvPr>
+            <p:ph type="sldNum" idx="12"/>
+          </p:nvPr>
+        </p:nvSpPr>
+        <p:spPr/>
+        <p:txBody>
+          <a:bodyPr/>
+          <a:lstStyle/>
+          <a:p>
+            <a:pPr marL="0" lvl="0" indent="0" algn="r" rtl="0">
+              <a:spcBef>
+                <a:spcPts val="0"/>
+              </a:spcBef>
+              <a:spcAft>
+                <a:spcPts val="0"/>
+              </a:spcAft>
+              <a:buNone/>
+            </a:pPr>
+            <a:fld id="{00000000-1234-1234-1234-123412341234}" type="slidenum">
+              <a:rPr lang="en" smtClean="0"/>
+              <a:t>17</a:t>
+            </a:fld>
+            <a:endParaRPr lang="en"/>
+          </a:p>
+        </p:txBody>
+      </p:sp>
+      <p:pic>
+        <p:nvPicPr>
+          <p:cNvPr id="7" name="Picture 6"/>
+          <p:cNvPicPr>
+            <a:picLocks noChangeAspect="1"/>
+          </p:cNvPicPr>
+          <p:nvPr/>
+        </p:nvPicPr>
+        <p:blipFill>
+          <a:blip r:embed="rId2"/>
+          <a:stretch>
+            <a:fillRect/>
+          </a:stretch>
+        </p:blipFill>
+        <p:spPr>
+          <a:xfrm>
+            <a:off x="1985517" y="705928"/>
+            <a:ext cx="5104397" cy="3590574"/>
+          </a:xfrm>
+          <a:prstGeom prst="rect">
+            <a:avLst/>
+          </a:prstGeom>
+        </p:spPr>
+      </p:pic>
+    </p:spTree>
+    <p:extLst>
+      <p:ext uri="{BB962C8B-B14F-4D97-AF65-F5344CB8AC3E}">
+        <p14:creationId xmlns:p14="http://schemas.microsoft.com/office/powerpoint/2010/main" val="1251228716"/>
+      </p:ext>
+    </p:extLst>
+  </p:cSld>
+  <p:clrMapOvr>
+    <a:masterClrMapping/>
+  </p:clrMapOvr>
+</p:sld>
+</file>
+
+<file path=ppt/slides/slide18.xml><?xml version="1.0" encoding="utf-8"?>
+<p:sld xmlns:a="http://schemas.openxmlformats.org/drawingml/2006/main" xmlns:r="http://schemas.openxmlformats.org/officeDocument/2006/relationships" xmlns:p="http://schemas.openxmlformats.org/presentationml/2006/main">
+  <p:cSld>
+    <p:spTree>
+      <p:nvGrpSpPr>
+        <p:cNvPr id="1" name=""/>
+        <p:cNvGrpSpPr/>
+        <p:nvPr/>
+      </p:nvGrpSpPr>
+      <p:grpSpPr>
+        <a:xfrm>
+          <a:off x="0" y="0"/>
+          <a:ext cx="0" cy="0"/>
+          <a:chOff x="0" y="0"/>
+          <a:chExt cx="0" cy="0"/>
+        </a:xfrm>
+      </p:grpSpPr>
+      <p:sp>
+        <p:nvSpPr>
+          <p:cNvPr id="4" name="Slide Number Placeholder 3">
+            <a:extLst>
+              <a:ext uri="{FF2B5EF4-FFF2-40B4-BE49-F238E27FC236}">
+                <a16:creationId xmlns:a16="http://schemas.microsoft.com/office/drawing/2014/main" id="{A336AEF3-97B2-3E72-3AC5-094F95F09282}"/>
+              </a:ext>
+            </a:extLst>
+          </p:cNvPr>
+          <p:cNvSpPr>
+            <a:spLocks noGrp="1"/>
+          </p:cNvSpPr>
+          <p:nvPr>
+            <p:ph type="sldNum" idx="12"/>
+          </p:nvPr>
+        </p:nvSpPr>
+        <p:spPr/>
+        <p:txBody>
+          <a:bodyPr/>
+          <a:lstStyle/>
+          <a:p>
+            <a:pPr marL="0" lvl="0" indent="0" algn="r" rtl="0">
+              <a:spcBef>
+                <a:spcPts val="0"/>
+              </a:spcBef>
+              <a:spcAft>
+                <a:spcPts val="0"/>
+              </a:spcAft>
+              <a:buNone/>
+            </a:pPr>
+            <a:fld id="{00000000-1234-1234-1234-123412341234}" type="slidenum">
+              <a:rPr lang="en" smtClean="0"/>
+              <a:t>18</a:t>
+            </a:fld>
+            <a:endParaRPr lang="en"/>
+          </a:p>
+        </p:txBody>
+      </p:sp>
+      <p:pic>
+        <p:nvPicPr>
+          <p:cNvPr id="8" name="Picture 7"/>
+          <p:cNvPicPr>
+            <a:picLocks noChangeAspect="1"/>
+          </p:cNvPicPr>
+          <p:nvPr/>
+        </p:nvPicPr>
+        <p:blipFill>
+          <a:blip r:embed="rId2"/>
+          <a:stretch>
+            <a:fillRect/>
+          </a:stretch>
+        </p:blipFill>
+        <p:spPr>
+          <a:xfrm>
+            <a:off x="1456890" y="690300"/>
+            <a:ext cx="6230219" cy="3762900"/>
+          </a:xfrm>
+          <a:prstGeom prst="rect">
+            <a:avLst/>
+          </a:prstGeom>
+        </p:spPr>
+      </p:pic>
+    </p:spTree>
+    <p:extLst>
+      <p:ext uri="{BB962C8B-B14F-4D97-AF65-F5344CB8AC3E}">
+        <p14:creationId xmlns:p14="http://schemas.microsoft.com/office/powerpoint/2010/main" val="856331890"/>
+      </p:ext>
+    </p:extLst>
+  </p:cSld>
+  <p:clrMapOvr>
+    <a:masterClrMapping/>
+  </p:clrMapOvr>
+</p:sld>
+</file>
+
+<file path=ppt/slides/slide2.xml><?xml version="1.0" encoding="utf-8"?>
+<p:sld xmlns:a="http://schemas.openxmlformats.org/drawingml/2006/main" xmlns:r="http://schemas.openxmlformats.org/officeDocument/2006/relationships" xmlns:p="http://schemas.openxmlformats.org/presentationml/2006/main">
+  <p:cSld>
+    <p:spTree>
+      <p:nvGrpSpPr>
+        <p:cNvPr id="1" name=""/>
+        <p:cNvGrpSpPr/>
+        <p:nvPr/>
+      </p:nvGrpSpPr>
+      <p:grpSpPr>
+        <a:xfrm>
+          <a:off x="0" y="0"/>
+          <a:ext cx="0" cy="0"/>
+          <a:chOff x="0" y="0"/>
+          <a:chExt cx="0" cy="0"/>
+        </a:xfrm>
+      </p:grpSpPr>
+      <p:sp>
+        <p:nvSpPr>
+          <p:cNvPr id="2" name="Title 1">
+            <a:extLst>
+              <a:ext uri="{FF2B5EF4-FFF2-40B4-BE49-F238E27FC236}">
+                <a16:creationId xmlns:a16="http://schemas.microsoft.com/office/drawing/2014/main" id="{EEBE8625-A865-4330-2B01-9D2BEFA064D3}"/>
+              </a:ext>
+            </a:extLst>
+          </p:cNvPr>
+          <p:cNvSpPr>
+            <a:spLocks noGrp="1"/>
+          </p:cNvSpPr>
+          <p:nvPr>
+            <p:ph type="title"/>
+          </p:nvPr>
+        </p:nvSpPr>
+        <p:spPr>
+          <a:xfrm>
+            <a:off x="658135" y="396752"/>
+            <a:ext cx="5092200" cy="859646"/>
+          </a:xfrm>
+        </p:spPr>
+        <p:txBody>
+          <a:bodyPr/>
+          <a:lstStyle/>
+          <a:p>
+            <a:r>
+              <a:rPr lang="en-US"/>
+              <a:t>1. Khái niệm</a:t>
+            </a:r>
+          </a:p>
+        </p:txBody>
+      </p:sp>
+      <p:sp>
+        <p:nvSpPr>
+          <p:cNvPr id="3" name="Text Placeholder 2">
+            <a:extLst>
+              <a:ext uri="{FF2B5EF4-FFF2-40B4-BE49-F238E27FC236}">
+                <a16:creationId xmlns:a16="http://schemas.microsoft.com/office/drawing/2014/main" id="{963BEEC6-E08A-DFF6-3789-80BE58E1F3F3}"/>
+              </a:ext>
+            </a:extLst>
+          </p:cNvPr>
+          <p:cNvSpPr>
+            <a:spLocks noGrp="1"/>
+          </p:cNvSpPr>
+          <p:nvPr>
+            <p:ph type="body" idx="1"/>
+          </p:nvPr>
+        </p:nvSpPr>
+        <p:spPr>
+          <a:xfrm>
+            <a:off x="869100" y="1256398"/>
+            <a:ext cx="7405800" cy="2272248"/>
+          </a:xfrm>
+        </p:spPr>
+        <p:txBody>
+          <a:bodyPr/>
+          <a:lstStyle/>
+          <a:p>
+            <a:r>
+              <a:rPr lang="en-US"/>
+              <a:t>Trong java có lớp có thể chứa một lớp khác được gọi là lớp lồng nhau.</a:t>
+            </a:r>
+          </a:p>
+          <a:p>
+            <a:r>
+              <a:rPr lang="en-US"/>
+              <a:t>Có thể tạo 1 lớp lồng nhau mà không cần đặt bất kì tên nào.</a:t>
+            </a:r>
+          </a:p>
+          <a:p>
+            <a:r>
+              <a:rPr lang="en-US"/>
+              <a:t>Một lớp lồng nhau không có bất kì tên nào thì được gọi là lớp ẩn danh</a:t>
+            </a:r>
+          </a:p>
+        </p:txBody>
+      </p:sp>
+      <p:sp>
+        <p:nvSpPr>
+          <p:cNvPr id="4" name="Slide Number Placeholder 3">
+            <a:extLst>
+              <a:ext uri="{FF2B5EF4-FFF2-40B4-BE49-F238E27FC236}">
+                <a16:creationId xmlns:a16="http://schemas.microsoft.com/office/drawing/2014/main" id="{7C59957F-82D2-F410-51F8-2D208483ED87}"/>
+              </a:ext>
+            </a:extLst>
+          </p:cNvPr>
+          <p:cNvSpPr>
+            <a:spLocks noGrp="1"/>
+          </p:cNvSpPr>
+          <p:nvPr>
+            <p:ph type="sldNum" idx="12"/>
+          </p:nvPr>
+        </p:nvSpPr>
+        <p:spPr/>
+        <p:txBody>
+          <a:bodyPr/>
+          <a:lstStyle/>
+          <a:p>
+            <a:pPr marL="0" lvl="0" indent="0" algn="r" rtl="0">
+              <a:spcBef>
+                <a:spcPts val="0"/>
+              </a:spcBef>
+              <a:spcAft>
+                <a:spcPts val="0"/>
+              </a:spcAft>
+              <a:buNone/>
+            </a:pPr>
+            <a:fld id="{00000000-1234-1234-1234-123412341234}" type="slidenum">
+              <a:rPr lang="en" smtClean="0"/>
+              <a:t>2</a:t>
+            </a:fld>
+            <a:endParaRPr lang="en"/>
+          </a:p>
+        </p:txBody>
+      </p:sp>
+    </p:spTree>
+    <p:extLst>
+      <p:ext uri="{BB962C8B-B14F-4D97-AF65-F5344CB8AC3E}">
+        <p14:creationId xmlns:p14="http://schemas.microsoft.com/office/powerpoint/2010/main" val="1079380178"/>
+      </p:ext>
+    </p:extLst>
+  </p:cSld>
+  <p:clrMapOvr>
+    <a:masterClrMapping/>
+  </p:clrMapOvr>
+  <p:timing>
+    <p:tnLst>
+      <p:par>
+        <p:cTn id="1" dur="indefinite" restart="never" nodeType="tmRoot"/>
+      </p:par>
+    </p:tnLst>
+  </p:timing>
+</p:sld>
+</file>
+
+<file path=ppt/slides/slide3.xml><?xml version="1.0" encoding="utf-8"?>
+<p:sld xmlns:a="http://schemas.openxmlformats.org/drawingml/2006/main" xmlns:r="http://schemas.openxmlformats.org/officeDocument/2006/relationships" xmlns:p="http://schemas.openxmlformats.org/presentationml/2006/main">
+  <p:cSld>
+    <p:spTree>
+      <p:nvGrpSpPr>
+        <p:cNvPr id="1" name=""/>
+        <p:cNvGrpSpPr/>
+        <p:nvPr/>
+      </p:nvGrpSpPr>
+      <p:grpSpPr>
+        <a:xfrm>
+          <a:off x="0" y="0"/>
+          <a:ext cx="0" cy="0"/>
+          <a:chOff x="0" y="0"/>
+          <a:chExt cx="0" cy="0"/>
+        </a:xfrm>
+      </p:grpSpPr>
+      <p:sp>
+        <p:nvSpPr>
+          <p:cNvPr id="2" name="Title 1">
+            <a:extLst>
+              <a:ext uri="{FF2B5EF4-FFF2-40B4-BE49-F238E27FC236}">
+                <a16:creationId xmlns:a16="http://schemas.microsoft.com/office/drawing/2014/main" id="{5EDB2AD7-E7EE-F9B0-AD7C-35EAC5100A0E}"/>
+              </a:ext>
+            </a:extLst>
+          </p:cNvPr>
+          <p:cNvSpPr>
+            <a:spLocks noGrp="1"/>
+          </p:cNvSpPr>
+          <p:nvPr>
+            <p:ph type="title"/>
+          </p:nvPr>
+        </p:nvSpPr>
+        <p:spPr>
+          <a:xfrm>
+            <a:off x="705026" y="1093784"/>
+            <a:ext cx="7090820" cy="735015"/>
+          </a:xfrm>
+        </p:spPr>
+        <p:txBody>
+          <a:bodyPr/>
+          <a:lstStyle/>
+          <a:p>
+            <a:r>
+              <a:rPr lang="en-US"/>
+              <a:t>? Nhận biết đâu là lớp ẩn danh</a:t>
+            </a:r>
+          </a:p>
+        </p:txBody>
+      </p:sp>
+      <p:sp>
+        <p:nvSpPr>
+          <p:cNvPr id="4" name="Slide Number Placeholder 3">
+            <a:extLst>
+              <a:ext uri="{FF2B5EF4-FFF2-40B4-BE49-F238E27FC236}">
+                <a16:creationId xmlns:a16="http://schemas.microsoft.com/office/drawing/2014/main" id="{70CB7206-3E90-6FAA-A07F-29C06A58B621}"/>
+              </a:ext>
+            </a:extLst>
+          </p:cNvPr>
+          <p:cNvSpPr>
+            <a:spLocks noGrp="1"/>
+          </p:cNvSpPr>
+          <p:nvPr>
+            <p:ph type="sldNum" idx="12"/>
+          </p:nvPr>
+        </p:nvSpPr>
+        <p:spPr/>
+        <p:txBody>
+          <a:bodyPr/>
+          <a:lstStyle/>
+          <a:p>
+            <a:pPr marL="0" lvl="0" indent="0" algn="r" rtl="0">
+              <a:spcBef>
+                <a:spcPts val="0"/>
+              </a:spcBef>
+              <a:spcAft>
+                <a:spcPts val="0"/>
+              </a:spcAft>
+              <a:buNone/>
+            </a:pPr>
+            <a:fld id="{00000000-1234-1234-1234-123412341234}" type="slidenum">
+              <a:rPr lang="en" smtClean="0"/>
+              <a:t>3</a:t>
+            </a:fld>
+            <a:endParaRPr lang="en"/>
+          </a:p>
+        </p:txBody>
+      </p:sp>
+      <p:sp>
+        <p:nvSpPr>
+          <p:cNvPr id="5" name="Text Placeholder 2">
+            <a:extLst>
+              <a:ext uri="{FF2B5EF4-FFF2-40B4-BE49-F238E27FC236}">
+                <a16:creationId xmlns:a16="http://schemas.microsoft.com/office/drawing/2014/main" id="{BDE35463-C92F-F4A6-A0C6-5688FD91E926}"/>
+              </a:ext>
+            </a:extLst>
+          </p:cNvPr>
+          <p:cNvSpPr>
+            <a:spLocks noGrp="1"/>
+          </p:cNvSpPr>
+          <p:nvPr>
+            <p:ph type="body" idx="1"/>
+          </p:nvPr>
+        </p:nvSpPr>
+        <p:spPr>
+          <a:xfrm>
+            <a:off x="547536" y="1561198"/>
+            <a:ext cx="7405800" cy="2272248"/>
+          </a:xfrm>
+        </p:spPr>
+        <p:txBody>
+          <a:bodyPr/>
+          <a:lstStyle/>
+          <a:p>
+            <a:r>
+              <a:rPr lang="en-US"/>
+              <a:t>Ví dụ:</a:t>
+            </a:r>
+          </a:p>
+          <a:p>
+            <a:pPr lvl="1"/>
+            <a:endParaRPr lang="en-US">
+              <a:latin typeface="Times New Roman" panose="02020603050405020304" pitchFamily="18" charset="0"/>
+              <a:cs typeface="Times New Roman" panose="02020603050405020304" pitchFamily="18" charset="0"/>
+            </a:endParaRPr>
+          </a:p>
+        </p:txBody>
+      </p:sp>
+      <p:sp>
+        <p:nvSpPr>
+          <p:cNvPr id="6" name="Rectangle 1">
+            <a:extLst>
+              <a:ext uri="{FF2B5EF4-FFF2-40B4-BE49-F238E27FC236}">
+                <a16:creationId xmlns:a16="http://schemas.microsoft.com/office/drawing/2014/main" id="{9309C394-C473-7533-3598-CA81F14F632F}"/>
+              </a:ext>
+            </a:extLst>
+          </p:cNvPr>
+          <p:cNvSpPr>
+            <a:spLocks noChangeArrowheads="1"/>
+          </p:cNvSpPr>
+          <p:nvPr/>
+        </p:nvSpPr>
+        <p:spPr bwMode="auto">
+          <a:xfrm>
+            <a:off x="973016" y="1875690"/>
+            <a:ext cx="2907802" cy="1588745"/>
+          </a:xfrm>
+          <a:prstGeom prst="rect">
+            <a:avLst/>
+          </a:prstGeom>
+          <a:noFill/>
+          <a:ln>
+            <a:noFill/>
+          </a:ln>
+          <a:effectLst/>
+          <a:extLst>
+            <a:ext uri="{909E8E84-426E-40DD-AFC4-6F175D3DCCD1}">
+              <a14:hiddenFill xmlns:a14="http://schemas.microsoft.com/office/drawing/2010/main">
+                <a:solidFill>
+                  <a:schemeClr val="accent1"/>
+                </a:solidFill>
+              </a14:hiddenFill>
+            </a:ext>
+            <a:ext uri="{91240B29-F687-4F45-9708-019B960494DF}">
+              <a14:hiddenLine xmlns:a14="http://schemas.microsoft.com/office/drawing/2010/main" w="9525">
+                <a:solidFill>
+                  <a:schemeClr val="tx1"/>
+                </a:solidFill>
+                <a:miter lim="800000"/>
+                <a:headEnd/>
+                <a:tailEnd/>
+              </a14:hiddenLine>
+            </a:ext>
+            <a:ext uri="{AF507438-7753-43E0-B8FC-AC1667EBCBE1}">
+              <a14:hiddenEffects xmlns:a14="http://schemas.microsoft.com/office/drawing/2010/main">
+                <a:effectLst>
+                  <a:outerShdw dist="35921" dir="2700000" algn="ctr" rotWithShape="0">
+                    <a:schemeClr val="bg2"/>
+                  </a:outerShdw>
+                </a:effectLst>
+              </a14:hiddenEffects>
+            </a:ext>
+          </a:extLst>
+        </p:spPr>
+        <p:txBody>
+          <a:bodyPr vert="horz" wrap="none" lIns="142830" tIns="238050" rIns="0" bIns="238050" numCol="1" anchor="ctr" anchorCtr="0" compatLnSpc="1">
+            <a:prstTxWarp prst="textNoShape">
+              <a:avLst/>
+            </a:prstTxWarp>
+            <a:spAutoFit/>
+          </a:bodyPr>
+          <a:lstStyle/>
+          <a:p>
+            <a:pPr marL="0" marR="0" lvl="0" indent="0" algn="l" defTabSz="914400" rtl="0" eaLnBrk="0" fontAlgn="base" latinLnBrk="0" hangingPunct="0">
+              <a:lnSpc>
+                <a:spcPct val="100000"/>
+              </a:lnSpc>
+              <a:spcBef>
+                <a:spcPct val="0"/>
+              </a:spcBef>
+              <a:spcAft>
+                <a:spcPct val="0"/>
+              </a:spcAft>
+              <a:buClrTx/>
+              <a:buSzTx/>
+              <a:buFontTx/>
+              <a:buNone/>
+              <a:tabLst/>
+            </a:pPr>
+            <a:r>
+              <a:rPr kumimoji="0" lang="en-US" altLang="en-US" sz="1800" b="1" i="0" u="none" strike="noStrike" cap="none" normalizeH="0" baseline="0">
+                <a:ln>
+                  <a:noFill/>
+                </a:ln>
+                <a:solidFill>
+                  <a:schemeClr val="tx1"/>
+                </a:solidFill>
+                <a:effectLst/>
+                <a:latin typeface="Times New Roman" panose="02020603050405020304" pitchFamily="18" charset="0"/>
+                <a:cs typeface="Times New Roman" panose="02020603050405020304" pitchFamily="18" charset="0"/>
+              </a:rPr>
+              <a:t>class tên_lớp { </a:t>
+            </a:r>
+          </a:p>
+          <a:p>
+            <a:pPr marL="0" marR="0" lvl="0" indent="0" algn="l" defTabSz="914400" rtl="0" eaLnBrk="0" fontAlgn="base" latinLnBrk="0" hangingPunct="0">
+              <a:lnSpc>
+                <a:spcPct val="100000"/>
+              </a:lnSpc>
+              <a:spcBef>
+                <a:spcPct val="0"/>
+              </a:spcBef>
+              <a:spcAft>
+                <a:spcPct val="0"/>
+              </a:spcAft>
+              <a:buClrTx/>
+              <a:buSzTx/>
+              <a:buFontTx/>
+              <a:buNone/>
+              <a:tabLst/>
+            </a:pPr>
+            <a:r>
+              <a:rPr kumimoji="0" lang="en-US" altLang="en-US" sz="1800" b="1" i="0" u="none" strike="noStrike" cap="none" normalizeH="0" baseline="0">
+                <a:ln>
+                  <a:noFill/>
+                </a:ln>
+                <a:solidFill>
+                  <a:schemeClr val="tx1"/>
+                </a:solidFill>
+                <a:effectLst/>
+                <a:latin typeface="Times New Roman" panose="02020603050405020304" pitchFamily="18" charset="0"/>
+                <a:cs typeface="Times New Roman" panose="02020603050405020304" pitchFamily="18" charset="0"/>
+              </a:rPr>
+              <a:t>	các_thuộc_tính; </a:t>
+            </a:r>
+          </a:p>
+          <a:p>
+            <a:pPr marL="0" marR="0" lvl="0" indent="0" algn="l" defTabSz="914400" rtl="0" eaLnBrk="0" fontAlgn="base" latinLnBrk="0" hangingPunct="0">
+              <a:lnSpc>
+                <a:spcPct val="100000"/>
+              </a:lnSpc>
+              <a:spcBef>
+                <a:spcPct val="0"/>
+              </a:spcBef>
+              <a:spcAft>
+                <a:spcPct val="0"/>
+              </a:spcAft>
+              <a:buClrTx/>
+              <a:buSzTx/>
+              <a:buFontTx/>
+              <a:buNone/>
+              <a:tabLst/>
+            </a:pPr>
+            <a:r>
+              <a:rPr kumimoji="0" lang="en-US" altLang="en-US" sz="1800" b="1" i="0" u="none" strike="noStrike" cap="none" normalizeH="0" baseline="0">
+                <a:ln>
+                  <a:noFill/>
+                </a:ln>
+                <a:solidFill>
+                  <a:schemeClr val="tx1"/>
+                </a:solidFill>
+                <a:effectLst/>
+                <a:latin typeface="Times New Roman" panose="02020603050405020304" pitchFamily="18" charset="0"/>
+                <a:cs typeface="Times New Roman" panose="02020603050405020304" pitchFamily="18" charset="0"/>
+              </a:rPr>
+              <a:t>	các_phương_thức;</a:t>
+            </a:r>
+          </a:p>
+          <a:p>
+            <a:pPr marL="0" marR="0" lvl="0" indent="0" algn="l" defTabSz="914400" rtl="0" eaLnBrk="0" fontAlgn="base" latinLnBrk="0" hangingPunct="0">
+              <a:lnSpc>
+                <a:spcPct val="100000"/>
+              </a:lnSpc>
+              <a:spcBef>
+                <a:spcPct val="0"/>
+              </a:spcBef>
+              <a:spcAft>
+                <a:spcPct val="0"/>
+              </a:spcAft>
+              <a:buClrTx/>
+              <a:buSzTx/>
+              <a:buFontTx/>
+              <a:buNone/>
+              <a:tabLst/>
+            </a:pPr>
+            <a:r>
+              <a:rPr kumimoji="0" lang="en-US" altLang="en-US" sz="1800" b="1" i="0" u="none" strike="noStrike" cap="none" normalizeH="0" baseline="0">
+                <a:ln>
+                  <a:noFill/>
+                </a:ln>
+                <a:solidFill>
+                  <a:schemeClr val="tx1"/>
+                </a:solidFill>
+                <a:effectLst/>
+                <a:latin typeface="Times New Roman" panose="02020603050405020304" pitchFamily="18" charset="0"/>
+                <a:cs typeface="Times New Roman" panose="02020603050405020304" pitchFamily="18" charset="0"/>
+              </a:rPr>
+              <a:t>} </a:t>
+            </a:r>
+          </a:p>
+        </p:txBody>
+      </p:sp>
+      <p:sp>
+        <p:nvSpPr>
+          <p:cNvPr id="8" name="Arrow: Right 7">
+            <a:extLst>
+              <a:ext uri="{FF2B5EF4-FFF2-40B4-BE49-F238E27FC236}">
+                <a16:creationId xmlns:a16="http://schemas.microsoft.com/office/drawing/2014/main" id="{9F2BB970-B11F-4AE6-3135-DD121CCA8B61}"/>
+              </a:ext>
+            </a:extLst>
+          </p:cNvPr>
+          <p:cNvSpPr/>
+          <p:nvPr/>
+        </p:nvSpPr>
+        <p:spPr>
+          <a:xfrm>
+            <a:off x="4636716" y="2366551"/>
+            <a:ext cx="1195754" cy="269631"/>
+          </a:xfrm>
+          <a:prstGeom prst="rightArrow">
+            <a:avLst/>
+          </a:prstGeom>
+        </p:spPr>
+        <p:style>
+          <a:lnRef idx="2">
+            <a:schemeClr val="accent1">
+              <a:shade val="50000"/>
+            </a:schemeClr>
+          </a:lnRef>
+          <a:fillRef idx="1">
+            <a:schemeClr val="accent1"/>
+          </a:fillRef>
+          <a:effectRef idx="0">
+            <a:schemeClr val="accent1"/>
+          </a:effectRef>
+          <a:fontRef idx="minor">
+            <a:schemeClr val="lt1"/>
+          </a:fontRef>
+        </p:style>
+        <p:txBody>
+          <a:bodyPr rtlCol="0" anchor="ctr"/>
+          <a:lstStyle/>
+          <a:p>
+            <a:pPr algn="ctr"/>
+            <a:endParaRPr lang="en-US"/>
+          </a:p>
+        </p:txBody>
+      </p:sp>
+      <p:sp>
+        <p:nvSpPr>
+          <p:cNvPr id="10" name="TextBox 9">
+            <a:extLst>
+              <a:ext uri="{FF2B5EF4-FFF2-40B4-BE49-F238E27FC236}">
+                <a16:creationId xmlns:a16="http://schemas.microsoft.com/office/drawing/2014/main" id="{0B4CADCB-3B7C-1CE6-0DC8-7F34568BBC60}"/>
+              </a:ext>
+            </a:extLst>
+          </p:cNvPr>
+          <p:cNvSpPr txBox="1"/>
+          <p:nvPr/>
+        </p:nvSpPr>
+        <p:spPr>
+          <a:xfrm>
+            <a:off x="6071261" y="2244180"/>
+            <a:ext cx="2362588" cy="461665"/>
+          </a:xfrm>
+          <a:prstGeom prst="rect">
+            <a:avLst/>
+          </a:prstGeom>
+          <a:noFill/>
+        </p:spPr>
+        <p:txBody>
+          <a:bodyPr wrap="square" rtlCol="0">
+            <a:spAutoFit/>
+          </a:bodyPr>
+          <a:lstStyle/>
+          <a:p>
+            <a:r>
+              <a:rPr lang="en-US" sz="2400" b="1">
+                <a:latin typeface="Times New Roman" panose="02020603050405020304" pitchFamily="18" charset="0"/>
+                <a:cs typeface="Times New Roman" panose="02020603050405020304" pitchFamily="18" charset="0"/>
+              </a:rPr>
+              <a:t>Từ khóa: NEW</a:t>
+            </a:r>
+          </a:p>
+        </p:txBody>
+      </p:sp>
+      <p:sp>
+        <p:nvSpPr>
+          <p:cNvPr id="11" name="Arrow: Right 10">
+            <a:extLst>
+              <a:ext uri="{FF2B5EF4-FFF2-40B4-BE49-F238E27FC236}">
+                <a16:creationId xmlns:a16="http://schemas.microsoft.com/office/drawing/2014/main" id="{1C3C4E42-6526-29E8-CB44-D0E66D48E1B8}"/>
+              </a:ext>
+            </a:extLst>
+          </p:cNvPr>
+          <p:cNvSpPr/>
+          <p:nvPr/>
+        </p:nvSpPr>
+        <p:spPr>
+          <a:xfrm>
+            <a:off x="705026" y="3821152"/>
+            <a:ext cx="1874051" cy="393600"/>
+          </a:xfrm>
+          <a:prstGeom prst="rightArrow">
+            <a:avLst/>
+          </a:prstGeom>
+        </p:spPr>
+        <p:style>
+          <a:lnRef idx="2">
+            <a:schemeClr val="accent1">
+              <a:shade val="50000"/>
+            </a:schemeClr>
+          </a:lnRef>
+          <a:fillRef idx="1">
+            <a:schemeClr val="accent1"/>
+          </a:fillRef>
+          <a:effectRef idx="0">
+            <a:schemeClr val="accent1"/>
+          </a:effectRef>
+          <a:fontRef idx="minor">
+            <a:schemeClr val="lt1"/>
+          </a:fontRef>
+        </p:style>
+        <p:txBody>
+          <a:bodyPr rtlCol="0" anchor="ctr"/>
+          <a:lstStyle/>
+          <a:p>
+            <a:pPr algn="ctr"/>
+            <a:endParaRPr lang="en-US"/>
+          </a:p>
+        </p:txBody>
+      </p:sp>
+      <p:sp>
+        <p:nvSpPr>
+          <p:cNvPr id="12" name="TextBox 11">
+            <a:extLst>
+              <a:ext uri="{FF2B5EF4-FFF2-40B4-BE49-F238E27FC236}">
+                <a16:creationId xmlns:a16="http://schemas.microsoft.com/office/drawing/2014/main" id="{5E7F97E5-0A38-DDB3-4AFB-AE49B2CEA617}"/>
+              </a:ext>
+            </a:extLst>
+          </p:cNvPr>
+          <p:cNvSpPr txBox="1"/>
+          <p:nvPr/>
+        </p:nvSpPr>
+        <p:spPr>
+          <a:xfrm>
+            <a:off x="2872005" y="3753087"/>
+            <a:ext cx="3692920" cy="461665"/>
+          </a:xfrm>
+          <a:prstGeom prst="rect">
+            <a:avLst/>
+          </a:prstGeom>
+          <a:noFill/>
+        </p:spPr>
+        <p:txBody>
+          <a:bodyPr wrap="square" rtlCol="0">
+            <a:spAutoFit/>
+          </a:bodyPr>
+          <a:lstStyle/>
+          <a:p>
+            <a:r>
+              <a:rPr lang="en-US" sz="2400" b="1">
+                <a:latin typeface="Times New Roman" panose="02020603050405020304" pitchFamily="18" charset="0"/>
+                <a:cs typeface="Times New Roman" panose="02020603050405020304" pitchFamily="18" charset="0"/>
+              </a:rPr>
+              <a:t>Đây là cách thông thường</a:t>
+            </a:r>
+          </a:p>
+        </p:txBody>
+      </p:sp>
+    </p:spTree>
+    <p:extLst>
+      <p:ext uri="{BB962C8B-B14F-4D97-AF65-F5344CB8AC3E}">
+        <p14:creationId xmlns:p14="http://schemas.microsoft.com/office/powerpoint/2010/main" val="806173269"/>
+      </p:ext>
+    </p:extLst>
+  </p:cSld>
+  <p:clrMapOvr>
+    <a:masterClrMapping/>
+  </p:clrMapOvr>
+  <p:timing>
+    <p:tnLst>
+      <p:par>
+        <p:cTn id="1" dur="indefinite" restart="never" nodeType="tmRoot"/>
+      </p:par>
+    </p:tnLst>
+  </p:timing>
+</p:sld>
+</file>
+
+<file path=ppt/slides/slide4.xml><?xml version="1.0" encoding="utf-8"?>
+<p:sld xmlns:a="http://schemas.openxmlformats.org/drawingml/2006/main" xmlns:r="http://schemas.openxmlformats.org/officeDocument/2006/relationships" xmlns:p="http://schemas.openxmlformats.org/presentationml/2006/main">
+  <p:cSld>
+    <p:spTree>
+      <p:nvGrpSpPr>
+        <p:cNvPr id="1" name=""/>
+        <p:cNvGrpSpPr/>
+        <p:nvPr/>
+      </p:nvGrpSpPr>
+      <p:grpSpPr>
+        <a:xfrm>
+          <a:off x="0" y="0"/>
+          <a:ext cx="0" cy="0"/>
+          <a:chOff x="0" y="0"/>
+          <a:chExt cx="0" cy="0"/>
+        </a:xfrm>
+      </p:grpSpPr>
+      <p:sp>
+        <p:nvSpPr>
+          <p:cNvPr id="3" name="Text Placeholder 2">
+            <a:extLst>
+              <a:ext uri="{FF2B5EF4-FFF2-40B4-BE49-F238E27FC236}">
+                <a16:creationId xmlns:a16="http://schemas.microsoft.com/office/drawing/2014/main" id="{9FF2071F-4388-0D53-13CF-6D396E752187}"/>
+              </a:ext>
+            </a:extLst>
+          </p:cNvPr>
+          <p:cNvSpPr>
+            <a:spLocks noGrp="1"/>
+          </p:cNvSpPr>
+          <p:nvPr>
+            <p:ph type="body" idx="1"/>
+          </p:nvPr>
+        </p:nvSpPr>
+        <p:spPr>
+          <a:xfrm>
+            <a:off x="564350" y="567750"/>
+            <a:ext cx="7405800" cy="1003142"/>
+          </a:xfrm>
+        </p:spPr>
+        <p:txBody>
+          <a:bodyPr/>
+          <a:lstStyle/>
+          <a:p>
+            <a:r>
+              <a:rPr lang="vi-VN">
+                <a:solidFill>
+                  <a:schemeClr val="tx1"/>
+                </a:solidFill>
+                <a:effectLst/>
+                <a:latin typeface="Roboto" panose="02000000000000000000" pitchFamily="2" charset="0"/>
+              </a:rPr>
+              <a:t>Còn với các lớp </a:t>
+            </a:r>
+            <a:r>
+              <a:rPr lang="en-US" i="1">
+                <a:solidFill>
+                  <a:schemeClr val="tx1"/>
+                </a:solidFill>
+                <a:latin typeface="Roboto" panose="02000000000000000000" pitchFamily="2" charset="0"/>
+              </a:rPr>
+              <a:t>Ẩn</a:t>
+            </a:r>
+            <a:r>
+              <a:rPr lang="vi-VN" i="1">
+                <a:solidFill>
+                  <a:schemeClr val="tx1"/>
+                </a:solidFill>
+                <a:effectLst/>
+                <a:latin typeface="Roboto" panose="02000000000000000000" pitchFamily="2" charset="0"/>
+              </a:rPr>
+              <a:t> Danh</a:t>
+            </a:r>
+            <a:r>
+              <a:rPr lang="vi-VN">
+                <a:solidFill>
+                  <a:schemeClr val="tx1"/>
+                </a:solidFill>
+                <a:effectLst/>
+                <a:latin typeface="Roboto" panose="02000000000000000000" pitchFamily="2" charset="0"/>
+              </a:rPr>
+              <a:t>, bạn sẽ </a:t>
+            </a:r>
+            <a:r>
+              <a:rPr lang="vi-VN" b="1" i="1">
+                <a:solidFill>
+                  <a:srgbClr val="00B0F0"/>
+                </a:solidFill>
+                <a:effectLst/>
+                <a:latin typeface="Roboto" panose="02000000000000000000" pitchFamily="2" charset="0"/>
+              </a:rPr>
+              <a:t>không cần phải khai báo một lớp nào, mà vẫn có thể tạo ra các đối tượng của nó</a:t>
+            </a:r>
+            <a:r>
+              <a:rPr lang="vi-VN">
+                <a:solidFill>
+                  <a:schemeClr val="tx1"/>
+                </a:solidFill>
+                <a:effectLst/>
+                <a:latin typeface="Roboto" panose="02000000000000000000" pitchFamily="2" charset="0"/>
+              </a:rPr>
+              <a:t>.</a:t>
+            </a:r>
+            <a:endParaRPr lang="en-US">
+              <a:solidFill>
+                <a:schemeClr val="tx1"/>
+              </a:solidFill>
+              <a:effectLst/>
+              <a:latin typeface="Roboto" panose="02000000000000000000" pitchFamily="2" charset="0"/>
+            </a:endParaRPr>
+          </a:p>
+          <a:p>
+            <a:r>
+              <a:rPr lang="en-US">
+                <a:solidFill>
+                  <a:schemeClr val="tx1"/>
+                </a:solidFill>
+                <a:latin typeface="Roboto" panose="02000000000000000000" pitchFamily="2" charset="0"/>
+              </a:rPr>
+              <a:t>Ví dụ:</a:t>
+            </a:r>
+            <a:r>
+              <a:rPr lang="vi-VN">
+                <a:solidFill>
+                  <a:schemeClr val="tx1"/>
+                </a:solidFill>
+                <a:effectLst/>
+                <a:latin typeface="Roboto" panose="02000000000000000000" pitchFamily="2" charset="0"/>
+              </a:rPr>
+              <a:t> </a:t>
+            </a:r>
+            <a:endParaRPr lang="en-US"/>
+          </a:p>
+        </p:txBody>
+      </p:sp>
+      <p:sp>
+        <p:nvSpPr>
+          <p:cNvPr id="4" name="Slide Number Placeholder 3">
+            <a:extLst>
+              <a:ext uri="{FF2B5EF4-FFF2-40B4-BE49-F238E27FC236}">
+                <a16:creationId xmlns:a16="http://schemas.microsoft.com/office/drawing/2014/main" id="{762AC6A8-BD47-CF01-49E8-9F397CAAABC7}"/>
+              </a:ext>
+            </a:extLst>
+          </p:cNvPr>
+          <p:cNvSpPr>
+            <a:spLocks noGrp="1"/>
+          </p:cNvSpPr>
+          <p:nvPr>
+            <p:ph type="sldNum" idx="12"/>
+          </p:nvPr>
+        </p:nvSpPr>
+        <p:spPr/>
+        <p:txBody>
+          <a:bodyPr/>
+          <a:lstStyle/>
+          <a:p>
+            <a:pPr marL="0" lvl="0" indent="0" algn="r" rtl="0">
+              <a:spcBef>
+                <a:spcPts val="0"/>
+              </a:spcBef>
+              <a:spcAft>
+                <a:spcPts val="0"/>
+              </a:spcAft>
+              <a:buNone/>
+            </a:pPr>
+            <a:fld id="{00000000-1234-1234-1234-123412341234}" type="slidenum">
+              <a:rPr lang="en" smtClean="0"/>
+              <a:t>4</a:t>
+            </a:fld>
+            <a:endParaRPr lang="en"/>
+          </a:p>
+        </p:txBody>
+      </p:sp>
+      <p:sp>
+        <p:nvSpPr>
+          <p:cNvPr id="5" name="Rectangle 1">
+            <a:extLst>
+              <a:ext uri="{FF2B5EF4-FFF2-40B4-BE49-F238E27FC236}">
+                <a16:creationId xmlns:a16="http://schemas.microsoft.com/office/drawing/2014/main" id="{4BF54E3A-4722-4537-4148-B05330320908}"/>
+              </a:ext>
+            </a:extLst>
+          </p:cNvPr>
+          <p:cNvSpPr>
+            <a:spLocks noChangeArrowheads="1"/>
+          </p:cNvSpPr>
+          <p:nvPr/>
+        </p:nvSpPr>
+        <p:spPr bwMode="auto">
+          <a:xfrm>
+            <a:off x="808892" y="1777377"/>
+            <a:ext cx="3566637" cy="1588745"/>
+          </a:xfrm>
+          <a:prstGeom prst="rect">
+            <a:avLst/>
+          </a:prstGeom>
+          <a:noFill/>
+          <a:ln>
+            <a:noFill/>
+          </a:ln>
+          <a:effectLst/>
+          <a:extLst>
+            <a:ext uri="{909E8E84-426E-40DD-AFC4-6F175D3DCCD1}">
+              <a14:hiddenFill xmlns:a14="http://schemas.microsoft.com/office/drawing/2010/main">
+                <a:solidFill>
+                  <a:schemeClr val="accent1"/>
+                </a:solidFill>
+              </a14:hiddenFill>
+            </a:ext>
+            <a:ext uri="{91240B29-F687-4F45-9708-019B960494DF}">
+              <a14:hiddenLine xmlns:a14="http://schemas.microsoft.com/office/drawing/2010/main" w="9525">
+                <a:solidFill>
+                  <a:schemeClr val="tx1"/>
+                </a:solidFill>
+                <a:miter lim="800000"/>
+                <a:headEnd/>
+                <a:tailEnd/>
+              </a14:hiddenLine>
+            </a:ext>
+            <a:ext uri="{AF507438-7753-43E0-B8FC-AC1667EBCBE1}">
+              <a14:hiddenEffects xmlns:a14="http://schemas.microsoft.com/office/drawing/2010/main">
+                <a:effectLst>
+                  <a:outerShdw dist="35921" dir="2700000" algn="ctr" rotWithShape="0">
+                    <a:schemeClr val="bg2"/>
+                  </a:outerShdw>
+                </a:effectLst>
+              </a14:hiddenEffects>
+            </a:ext>
+          </a:extLst>
+        </p:spPr>
+        <p:txBody>
+          <a:bodyPr vert="horz" wrap="none" lIns="142830" tIns="238050" rIns="0" bIns="238050" numCol="1" anchor="ctr" anchorCtr="0" compatLnSpc="1">
+            <a:prstTxWarp prst="textNoShape">
+              <a:avLst/>
+            </a:prstTxWarp>
+            <a:spAutoFit/>
+          </a:bodyPr>
+          <a:lstStyle/>
+          <a:p>
+            <a:pPr marL="0" marR="0" lvl="0" indent="0" algn="l" defTabSz="914400" rtl="0" eaLnBrk="0" fontAlgn="base" latinLnBrk="0" hangingPunct="0">
+              <a:lnSpc>
+                <a:spcPct val="100000"/>
+              </a:lnSpc>
+              <a:spcBef>
+                <a:spcPct val="0"/>
+              </a:spcBef>
+              <a:spcAft>
+                <a:spcPct val="0"/>
+              </a:spcAft>
+              <a:buClrTx/>
+              <a:buSzTx/>
+              <a:buFontTx/>
+              <a:buNone/>
+              <a:tabLst/>
+            </a:pPr>
+            <a:r>
+              <a:rPr kumimoji="0" lang="en-US" altLang="en-US" sz="1800" b="1" i="0" u="none" strike="noStrike" cap="none" normalizeH="0" baseline="0">
+                <a:ln>
+                  <a:noFill/>
+                </a:ln>
+                <a:solidFill>
+                  <a:schemeClr val="tx1"/>
+                </a:solidFill>
+                <a:effectLst/>
+                <a:latin typeface="Times New Roman" panose="02020603050405020304" pitchFamily="18" charset="0"/>
+                <a:cs typeface="Times New Roman" panose="02020603050405020304" pitchFamily="18" charset="0"/>
+              </a:rPr>
+              <a:t>NhanVien nv1 = new NhanVien() {</a:t>
+            </a:r>
+          </a:p>
+          <a:p>
+            <a:pPr marL="0" marR="0" lvl="0" indent="0" algn="l" defTabSz="914400" rtl="0" eaLnBrk="0" fontAlgn="base" latinLnBrk="0" hangingPunct="0">
+              <a:lnSpc>
+                <a:spcPct val="100000"/>
+              </a:lnSpc>
+              <a:spcBef>
+                <a:spcPct val="0"/>
+              </a:spcBef>
+              <a:spcAft>
+                <a:spcPct val="0"/>
+              </a:spcAft>
+              <a:buClrTx/>
+              <a:buSzTx/>
+              <a:buFontTx/>
+              <a:buNone/>
+              <a:tabLst/>
+            </a:pPr>
+            <a:r>
+              <a:rPr kumimoji="0" lang="en-US" altLang="en-US" sz="1800" b="1" i="0" u="none" strike="noStrike" cap="none" normalizeH="0" baseline="0">
+                <a:ln>
+                  <a:noFill/>
+                </a:ln>
+                <a:solidFill>
+                  <a:schemeClr val="tx1"/>
+                </a:solidFill>
+                <a:effectLst/>
+                <a:latin typeface="Times New Roman" panose="02020603050405020304" pitchFamily="18" charset="0"/>
+                <a:cs typeface="Times New Roman" panose="02020603050405020304" pitchFamily="18" charset="0"/>
+              </a:rPr>
+              <a:t> 	các_thuộc_tính; </a:t>
+            </a:r>
+          </a:p>
+          <a:p>
+            <a:pPr marL="0" marR="0" lvl="0" indent="0" algn="l" defTabSz="914400" rtl="0" eaLnBrk="0" fontAlgn="base" latinLnBrk="0" hangingPunct="0">
+              <a:lnSpc>
+                <a:spcPct val="100000"/>
+              </a:lnSpc>
+              <a:spcBef>
+                <a:spcPct val="0"/>
+              </a:spcBef>
+              <a:spcAft>
+                <a:spcPct val="0"/>
+              </a:spcAft>
+              <a:buClrTx/>
+              <a:buSzTx/>
+              <a:buFontTx/>
+              <a:buNone/>
+              <a:tabLst/>
+            </a:pPr>
+            <a:r>
+              <a:rPr lang="en-US" altLang="en-US" sz="1800" b="1">
+                <a:solidFill>
+                  <a:schemeClr val="tx1"/>
+                </a:solidFill>
+                <a:latin typeface="Times New Roman" panose="02020603050405020304" pitchFamily="18" charset="0"/>
+                <a:cs typeface="Times New Roman" panose="02020603050405020304" pitchFamily="18" charset="0"/>
+              </a:rPr>
+              <a:t>	</a:t>
+            </a:r>
+            <a:r>
+              <a:rPr kumimoji="0" lang="en-US" altLang="en-US" sz="1800" b="1" i="0" u="none" strike="noStrike" cap="none" normalizeH="0" baseline="0">
+                <a:ln>
+                  <a:noFill/>
+                </a:ln>
+                <a:solidFill>
+                  <a:schemeClr val="tx1"/>
+                </a:solidFill>
+                <a:effectLst/>
+                <a:latin typeface="Times New Roman" panose="02020603050405020304" pitchFamily="18" charset="0"/>
+                <a:cs typeface="Times New Roman" panose="02020603050405020304" pitchFamily="18" charset="0"/>
+              </a:rPr>
+              <a:t>các_phương_thức;</a:t>
+            </a:r>
+          </a:p>
+          <a:p>
+            <a:pPr marL="0" marR="0" lvl="0" indent="0" algn="l" defTabSz="914400" rtl="0" eaLnBrk="0" fontAlgn="base" latinLnBrk="0" hangingPunct="0">
+              <a:lnSpc>
+                <a:spcPct val="100000"/>
+              </a:lnSpc>
+              <a:spcBef>
+                <a:spcPct val="0"/>
+              </a:spcBef>
+              <a:spcAft>
+                <a:spcPct val="0"/>
+              </a:spcAft>
+              <a:buClrTx/>
+              <a:buSzTx/>
+              <a:buFontTx/>
+              <a:buNone/>
+              <a:tabLst/>
+            </a:pPr>
+            <a:r>
+              <a:rPr kumimoji="0" lang="en-US" altLang="en-US" sz="1800" b="1" i="0" u="none" strike="noStrike" cap="none" normalizeH="0" baseline="0">
+                <a:ln>
+                  <a:noFill/>
+                </a:ln>
+                <a:solidFill>
+                  <a:schemeClr val="tx1"/>
+                </a:solidFill>
+                <a:effectLst/>
+                <a:latin typeface="Times New Roman" panose="02020603050405020304" pitchFamily="18" charset="0"/>
+                <a:cs typeface="Times New Roman" panose="02020603050405020304" pitchFamily="18" charset="0"/>
+              </a:rPr>
+              <a:t> }</a:t>
+            </a:r>
+            <a:r>
+              <a:rPr kumimoji="0" lang="en-US" altLang="en-US" sz="1100" b="1" i="0" u="none" strike="noStrike" cap="none" normalizeH="0" baseline="0">
+                <a:ln>
+                  <a:noFill/>
+                </a:ln>
+                <a:solidFill>
+                  <a:schemeClr val="tx1"/>
+                </a:solidFill>
+                <a:effectLst/>
+                <a:latin typeface="Times New Roman" panose="02020603050405020304" pitchFamily="18" charset="0"/>
+                <a:cs typeface="Times New Roman" panose="02020603050405020304" pitchFamily="18" charset="0"/>
+              </a:rPr>
+              <a:t> </a:t>
+            </a:r>
+            <a:endParaRPr kumimoji="0" lang="en-US" altLang="en-US" sz="4000" b="1" i="0" u="none" strike="noStrike" cap="none" normalizeH="0" baseline="0">
+              <a:ln>
+                <a:noFill/>
+              </a:ln>
+              <a:solidFill>
+                <a:schemeClr val="tx1"/>
+              </a:solidFill>
+              <a:effectLst/>
+              <a:latin typeface="Times New Roman" panose="02020603050405020304" pitchFamily="18" charset="0"/>
+              <a:cs typeface="Times New Roman" panose="02020603050405020304" pitchFamily="18" charset="0"/>
+            </a:endParaRPr>
+          </a:p>
+        </p:txBody>
+      </p:sp>
+      <p:sp>
+        <p:nvSpPr>
+          <p:cNvPr id="6" name="Arrow: Right 5">
+            <a:extLst>
+              <a:ext uri="{FF2B5EF4-FFF2-40B4-BE49-F238E27FC236}">
+                <a16:creationId xmlns:a16="http://schemas.microsoft.com/office/drawing/2014/main" id="{9B990876-BE83-7A21-D0D1-AECC118E75DB}"/>
+              </a:ext>
+            </a:extLst>
+          </p:cNvPr>
+          <p:cNvSpPr/>
+          <p:nvPr/>
+        </p:nvSpPr>
+        <p:spPr>
+          <a:xfrm>
+            <a:off x="808892" y="3856893"/>
+            <a:ext cx="1324708" cy="281353"/>
+          </a:xfrm>
+          <a:prstGeom prst="rightArrow">
+            <a:avLst/>
+          </a:prstGeom>
+        </p:spPr>
+        <p:style>
+          <a:lnRef idx="2">
+            <a:schemeClr val="accent1">
+              <a:shade val="50000"/>
+            </a:schemeClr>
+          </a:lnRef>
+          <a:fillRef idx="1">
+            <a:schemeClr val="accent1"/>
+          </a:fillRef>
+          <a:effectRef idx="0">
+            <a:schemeClr val="accent1"/>
+          </a:effectRef>
+          <a:fontRef idx="minor">
+            <a:schemeClr val="lt1"/>
+          </a:fontRef>
+        </p:style>
+        <p:txBody>
+          <a:bodyPr rtlCol="0" anchor="ctr"/>
+          <a:lstStyle/>
+          <a:p>
+            <a:pPr algn="ctr"/>
+            <a:endParaRPr lang="en-US"/>
+          </a:p>
+        </p:txBody>
+      </p:sp>
+      <p:sp>
+        <p:nvSpPr>
+          <p:cNvPr id="7" name="TextBox 6">
+            <a:extLst>
+              <a:ext uri="{FF2B5EF4-FFF2-40B4-BE49-F238E27FC236}">
+                <a16:creationId xmlns:a16="http://schemas.microsoft.com/office/drawing/2014/main" id="{4DB05461-F79C-8C63-A8F7-8B48B6CFEDDA}"/>
+              </a:ext>
+            </a:extLst>
+          </p:cNvPr>
+          <p:cNvSpPr txBox="1"/>
+          <p:nvPr/>
+        </p:nvSpPr>
+        <p:spPr>
+          <a:xfrm>
+            <a:off x="2211537" y="3643626"/>
+            <a:ext cx="5533442" cy="707886"/>
+          </a:xfrm>
+          <a:prstGeom prst="rect">
+            <a:avLst/>
+          </a:prstGeom>
+          <a:noFill/>
+        </p:spPr>
+        <p:txBody>
+          <a:bodyPr wrap="square" rtlCol="0">
+            <a:spAutoFit/>
+          </a:bodyPr>
+          <a:lstStyle/>
+          <a:p>
+            <a:r>
+              <a:rPr lang="en-US" sz="2000" b="1">
+                <a:latin typeface="Times New Roman" panose="02020603050405020304" pitchFamily="18" charset="0"/>
+                <a:cs typeface="Times New Roman" panose="02020603050405020304" pitchFamily="18" charset="0"/>
+              </a:rPr>
+              <a:t>Đối tượng có tên nv1 sẽ là đối tượng được tạo ra từ lớp nào có phải là của lớp NhanVien ?</a:t>
+            </a:r>
+          </a:p>
+        </p:txBody>
+      </p:sp>
+    </p:spTree>
+    <p:extLst>
+      <p:ext uri="{BB962C8B-B14F-4D97-AF65-F5344CB8AC3E}">
+        <p14:creationId xmlns:p14="http://schemas.microsoft.com/office/powerpoint/2010/main" val="2599325257"/>
+      </p:ext>
+    </p:extLst>
+  </p:cSld>
+  <p:clrMapOvr>
+    <a:masterClrMapping/>
+  </p:clrMapOvr>
+  <p:timing>
+    <p:tnLst>
+      <p:par>
+        <p:cTn id="1" dur="indefinite" restart="never" nodeType="tmRoot"/>
+      </p:par>
+    </p:tnLst>
+  </p:timing>
+</p:sld>
+</file>
+
+<file path=ppt/slides/slide5.xml><?xml version="1.0" encoding="utf-8"?>
+<p:sld xmlns:a="http://schemas.openxmlformats.org/drawingml/2006/main" xmlns:r="http://schemas.openxmlformats.org/officeDocument/2006/relationships" xmlns:p="http://schemas.openxmlformats.org/presentationml/2006/main">
+  <p:cSld>
+    <p:spTree>
+      <p:nvGrpSpPr>
+        <p:cNvPr id="1" name=""/>
+        <p:cNvGrpSpPr/>
+        <p:nvPr/>
+      </p:nvGrpSpPr>
+      <p:grpSpPr>
+        <a:xfrm>
+          <a:off x="0" y="0"/>
+          <a:ext cx="0" cy="0"/>
+          <a:chOff x="0" y="0"/>
+          <a:chExt cx="0" cy="0"/>
+        </a:xfrm>
+      </p:grpSpPr>
+      <p:sp>
+        <p:nvSpPr>
+          <p:cNvPr id="2" name="Title 1">
+            <a:extLst>
+              <a:ext uri="{FF2B5EF4-FFF2-40B4-BE49-F238E27FC236}">
+                <a16:creationId xmlns:a16="http://schemas.microsoft.com/office/drawing/2014/main" id="{804600E3-E339-F73B-279F-EEE7A5497881}"/>
+              </a:ext>
+            </a:extLst>
+          </p:cNvPr>
+          <p:cNvSpPr>
+            <a:spLocks noGrp="1"/>
+          </p:cNvSpPr>
+          <p:nvPr>
+            <p:ph type="title"/>
+          </p:nvPr>
+        </p:nvSpPr>
+        <p:spPr>
+          <a:xfrm>
+            <a:off x="705026" y="296615"/>
+            <a:ext cx="5930235" cy="1360200"/>
+          </a:xfrm>
+        </p:spPr>
+        <p:txBody>
+          <a:bodyPr/>
+          <a:lstStyle/>
+          <a:p>
+            <a:r>
+              <a:rPr lang="en-US"/>
+              <a:t>Phân loại lớp ẩn danh</a:t>
+            </a:r>
+          </a:p>
+        </p:txBody>
+      </p:sp>
+      <p:sp>
+        <p:nvSpPr>
+          <p:cNvPr id="3" name="Text Placeholder 2">
+            <a:extLst>
+              <a:ext uri="{FF2B5EF4-FFF2-40B4-BE49-F238E27FC236}">
+                <a16:creationId xmlns:a16="http://schemas.microsoft.com/office/drawing/2014/main" id="{045275B3-4B9C-1CB2-AE62-0D57DB242391}"/>
+              </a:ext>
+            </a:extLst>
+          </p:cNvPr>
+          <p:cNvSpPr>
+            <a:spLocks noGrp="1"/>
+          </p:cNvSpPr>
+          <p:nvPr>
+            <p:ph type="body" idx="1"/>
+          </p:nvPr>
+        </p:nvSpPr>
+        <p:spPr>
+          <a:xfrm>
+            <a:off x="869100" y="2008125"/>
+            <a:ext cx="7405800" cy="2004000"/>
+          </a:xfrm>
+        </p:spPr>
+        <p:txBody>
+          <a:bodyPr/>
+          <a:lstStyle/>
+          <a:p>
+            <a:r>
+              <a:rPr lang="en-US"/>
+              <a:t>Lớp ẩn danh được tạo ra thông qua kế thừa từ lớp khác</a:t>
+            </a:r>
+          </a:p>
+          <a:p>
+            <a:r>
+              <a:rPr lang="en-US"/>
+              <a:t>Lớp ẩn danh được tạo ra thông qua triển khai từ interface khác</a:t>
+            </a:r>
+          </a:p>
+          <a:p>
+            <a:r>
+              <a:rPr lang="en-US"/>
+              <a:t>Lớp ẩn danh được dùng như thông số truyền vào.</a:t>
+            </a:r>
+          </a:p>
+        </p:txBody>
+      </p:sp>
+      <p:sp>
+        <p:nvSpPr>
+          <p:cNvPr id="4" name="Slide Number Placeholder 3">
+            <a:extLst>
+              <a:ext uri="{FF2B5EF4-FFF2-40B4-BE49-F238E27FC236}">
+                <a16:creationId xmlns:a16="http://schemas.microsoft.com/office/drawing/2014/main" id="{4C8061A6-CAF9-9299-759B-93FCB946BECE}"/>
+              </a:ext>
+            </a:extLst>
+          </p:cNvPr>
+          <p:cNvSpPr>
+            <a:spLocks noGrp="1"/>
+          </p:cNvSpPr>
+          <p:nvPr>
+            <p:ph type="sldNum" idx="12"/>
+          </p:nvPr>
+        </p:nvSpPr>
+        <p:spPr/>
+        <p:txBody>
+          <a:bodyPr/>
+          <a:lstStyle/>
+          <a:p>
+            <a:pPr marL="0" lvl="0" indent="0" algn="r" rtl="0">
+              <a:spcBef>
+                <a:spcPts val="0"/>
+              </a:spcBef>
+              <a:spcAft>
+                <a:spcPts val="0"/>
+              </a:spcAft>
+              <a:buNone/>
+            </a:pPr>
+            <a:fld id="{00000000-1234-1234-1234-123412341234}" type="slidenum">
+              <a:rPr lang="en" smtClean="0"/>
+              <a:t>5</a:t>
+            </a:fld>
+            <a:endParaRPr lang="en"/>
+          </a:p>
+        </p:txBody>
+      </p:sp>
+    </p:spTree>
+    <p:extLst>
+      <p:ext uri="{BB962C8B-B14F-4D97-AF65-F5344CB8AC3E}">
+        <p14:creationId xmlns:p14="http://schemas.microsoft.com/office/powerpoint/2010/main" val="704558206"/>
+      </p:ext>
+    </p:extLst>
+  </p:cSld>
+  <p:clrMapOvr>
+    <a:masterClrMapping/>
+  </p:clrMapOvr>
+  <p:timing>
+    <p:tnLst>
+      <p:par>
+        <p:cTn id="1" dur="indefinite" restart="never" nodeType="tmRoot"/>
+      </p:par>
+    </p:tnLst>
+  </p:timing>
+</p:sld>
+</file>
+
+<file path=ppt/slides/slide6.xml><?xml version="1.0" encoding="utf-8"?>
+<p:sld xmlns:a="http://schemas.openxmlformats.org/drawingml/2006/main" xmlns:r="http://schemas.openxmlformats.org/officeDocument/2006/relationships" xmlns:p="http://schemas.openxmlformats.org/presentationml/2006/main">
+  <p:cSld>
+    <p:spTree>
+      <p:nvGrpSpPr>
+        <p:cNvPr id="1" name=""/>
+        <p:cNvGrpSpPr/>
+        <p:nvPr/>
+      </p:nvGrpSpPr>
+      <p:grpSpPr>
+        <a:xfrm>
+          <a:off x="0" y="0"/>
+          <a:ext cx="0" cy="0"/>
+          <a:chOff x="0" y="0"/>
+          <a:chExt cx="0" cy="0"/>
+        </a:xfrm>
+      </p:grpSpPr>
+      <p:sp>
+        <p:nvSpPr>
+          <p:cNvPr id="2" name="Title 1">
+            <a:extLst>
+              <a:ext uri="{FF2B5EF4-FFF2-40B4-BE49-F238E27FC236}">
+                <a16:creationId xmlns:a16="http://schemas.microsoft.com/office/drawing/2014/main" id="{804600E3-E339-F73B-279F-EEE7A5497881}"/>
+              </a:ext>
+            </a:extLst>
+          </p:cNvPr>
+          <p:cNvSpPr>
+            <a:spLocks noGrp="1"/>
+          </p:cNvSpPr>
+          <p:nvPr>
+            <p:ph type="title"/>
+          </p:nvPr>
+        </p:nvSpPr>
+        <p:spPr>
+          <a:xfrm>
+            <a:off x="622965" y="422030"/>
+            <a:ext cx="5930235" cy="824477"/>
+          </a:xfrm>
+        </p:spPr>
+        <p:txBody>
+          <a:bodyPr/>
+          <a:lstStyle/>
+          <a:p>
+            <a:r>
+              <a:rPr lang="en-US"/>
+              <a:t>Đặc điểm lớp ẩn danh</a:t>
+            </a:r>
+          </a:p>
+        </p:txBody>
+      </p:sp>
+      <p:sp>
+        <p:nvSpPr>
+          <p:cNvPr id="3" name="Text Placeholder 2">
+            <a:extLst>
+              <a:ext uri="{FF2B5EF4-FFF2-40B4-BE49-F238E27FC236}">
+                <a16:creationId xmlns:a16="http://schemas.microsoft.com/office/drawing/2014/main" id="{045275B3-4B9C-1CB2-AE62-0D57DB242391}"/>
+              </a:ext>
+            </a:extLst>
+          </p:cNvPr>
+          <p:cNvSpPr>
+            <a:spLocks noGrp="1"/>
+          </p:cNvSpPr>
+          <p:nvPr>
+            <p:ph type="body" idx="1"/>
+          </p:nvPr>
+        </p:nvSpPr>
+        <p:spPr>
+          <a:xfrm>
+            <a:off x="622965" y="998364"/>
+            <a:ext cx="7405800" cy="3146771"/>
+          </a:xfrm>
+        </p:spPr>
+        <p:txBody>
+          <a:bodyPr/>
+          <a:lstStyle/>
+          <a:p>
+            <a:r>
+              <a:rPr lang="vi-VN" sz="1600" b="0" i="0">
+                <a:solidFill>
+                  <a:srgbClr val="555555"/>
+                </a:solidFill>
+                <a:effectLst/>
+                <a:latin typeface="Roboto" panose="02000000000000000000" pitchFamily="2" charset="0"/>
+              </a:rPr>
+              <a:t>Nếu một lớp bình thường có thể triển khai bao nhiêu interface cũng được, thì </a:t>
+            </a:r>
+            <a:r>
+              <a:rPr lang="vi-VN" sz="1600" b="1" i="1">
+                <a:solidFill>
+                  <a:srgbClr val="003573"/>
+                </a:solidFill>
+                <a:effectLst/>
+                <a:latin typeface="Roboto" panose="02000000000000000000" pitchFamily="2" charset="0"/>
+              </a:rPr>
+              <a:t>lớp Vô Danh chỉ có thể triển khai từ duy nhất một interface</a:t>
+            </a:r>
+            <a:r>
+              <a:rPr lang="vi-VN" sz="1600" b="0" i="0">
+                <a:solidFill>
+                  <a:srgbClr val="555555"/>
+                </a:solidFill>
+                <a:effectLst/>
+                <a:latin typeface="Roboto" panose="02000000000000000000" pitchFamily="2" charset="0"/>
+              </a:rPr>
+              <a:t> mà thôi.</a:t>
+            </a:r>
+            <a:endParaRPr lang="en-US" sz="1600" b="0" i="0">
+              <a:solidFill>
+                <a:srgbClr val="555555"/>
+              </a:solidFill>
+              <a:effectLst/>
+              <a:latin typeface="Roboto" panose="02000000000000000000" pitchFamily="2" charset="0"/>
+            </a:endParaRPr>
+          </a:p>
+          <a:p>
+            <a:r>
+              <a:rPr lang="vi-VN" sz="1600" b="0" i="0">
+                <a:solidFill>
+                  <a:srgbClr val="555555"/>
+                </a:solidFill>
+                <a:effectLst/>
+                <a:latin typeface="Roboto" panose="02000000000000000000" pitchFamily="2" charset="0"/>
+              </a:rPr>
+              <a:t>Nếu một lớp bình thường vừa có thể kế thừa từ một lớp nào đó, vừa có thể triển khai từ nhiều interface khác, thì </a:t>
+            </a:r>
+            <a:r>
+              <a:rPr lang="vi-VN" sz="1600" b="1" i="1">
+                <a:solidFill>
+                  <a:srgbClr val="003573"/>
+                </a:solidFill>
+                <a:effectLst/>
+                <a:latin typeface="Roboto" panose="02000000000000000000" pitchFamily="2" charset="0"/>
+              </a:rPr>
+              <a:t>lớp Vô Danh chỉ có thể hoặc là kế thừa hoặc là triển khai một lớp hay một interface khác thôi</a:t>
+            </a:r>
+            <a:r>
+              <a:rPr lang="vi-VN" sz="1600" b="0" i="0">
+                <a:solidFill>
+                  <a:srgbClr val="555555"/>
+                </a:solidFill>
+                <a:effectLst/>
+                <a:latin typeface="Roboto" panose="02000000000000000000" pitchFamily="2" charset="0"/>
+              </a:rPr>
+              <a:t>.</a:t>
+            </a:r>
+            <a:endParaRPr lang="en-US" sz="1600" b="0" i="0">
+              <a:solidFill>
+                <a:srgbClr val="555555"/>
+              </a:solidFill>
+              <a:effectLst/>
+              <a:latin typeface="Roboto" panose="02000000000000000000" pitchFamily="2" charset="0"/>
+            </a:endParaRPr>
+          </a:p>
+          <a:p>
+            <a:r>
+              <a:rPr lang="vi-VN" sz="1600" b="0" i="0">
+                <a:solidFill>
+                  <a:srgbClr val="555555"/>
+                </a:solidFill>
+                <a:effectLst/>
+                <a:latin typeface="Roboto" panose="02000000000000000000" pitchFamily="2" charset="0"/>
+              </a:rPr>
+              <a:t>Với một lớp bình thường, bạn có thể định nghĩa các </a:t>
+            </a:r>
+            <a:r>
+              <a:rPr lang="vi-VN" sz="1600" b="0" i="1" u="sng">
+                <a:effectLst/>
+                <a:latin typeface="Roboto" panose="02000000000000000000" pitchFamily="2" charset="0"/>
+                <a:hlinkClick r:id="rId2"/>
+              </a:rPr>
+              <a:t>constructor</a:t>
+            </a:r>
+            <a:r>
+              <a:rPr lang="vi-VN" sz="1600" b="0" i="0">
+                <a:solidFill>
+                  <a:srgbClr val="555555"/>
+                </a:solidFill>
+                <a:effectLst/>
+                <a:latin typeface="Roboto" panose="02000000000000000000" pitchFamily="2" charset="0"/>
+              </a:rPr>
+              <a:t> tùy thích. Nhưng </a:t>
+            </a:r>
+            <a:r>
+              <a:rPr lang="vi-VN" sz="1600" b="1" i="1">
+                <a:solidFill>
+                  <a:srgbClr val="003573"/>
+                </a:solidFill>
+                <a:effectLst/>
+                <a:latin typeface="Roboto" panose="02000000000000000000" pitchFamily="2" charset="0"/>
+              </a:rPr>
+              <a:t>lớp Vô Danh lại không hề có bất kỳ constructor nào</a:t>
+            </a:r>
+            <a:r>
+              <a:rPr lang="vi-VN" sz="1600" b="0" i="0">
+                <a:solidFill>
+                  <a:srgbClr val="555555"/>
+                </a:solidFill>
+                <a:effectLst/>
+                <a:latin typeface="Roboto" panose="02000000000000000000" pitchFamily="2" charset="0"/>
+              </a:rPr>
+              <a:t>. Điều này cũng dễ hiểu, vì constructor buộc phải có tên trùng với tên lớp, mà lớp </a:t>
+            </a:r>
+            <a:r>
+              <a:rPr lang="vi-VN" sz="1600" b="0" i="1">
+                <a:solidFill>
+                  <a:srgbClr val="003573"/>
+                </a:solidFill>
+                <a:effectLst/>
+                <a:latin typeface="Roboto" panose="02000000000000000000" pitchFamily="2" charset="0"/>
+              </a:rPr>
+              <a:t>Vô Danh</a:t>
+            </a:r>
+            <a:r>
+              <a:rPr lang="vi-VN" sz="1600" b="0" i="0">
+                <a:solidFill>
+                  <a:srgbClr val="555555"/>
+                </a:solidFill>
+                <a:effectLst/>
+                <a:latin typeface="Roboto" panose="02000000000000000000" pitchFamily="2" charset="0"/>
+              </a:rPr>
+              <a:t> thì không có tên, nên chẳng bao giờ bạn có thể định nghĩa được constructor cho nó.</a:t>
+            </a:r>
+            <a:endParaRPr lang="en-US" sz="1600" b="0" i="0">
+              <a:solidFill>
+                <a:srgbClr val="555555"/>
+              </a:solidFill>
+              <a:effectLst/>
+              <a:latin typeface="Roboto" panose="02000000000000000000" pitchFamily="2" charset="0"/>
+            </a:endParaRPr>
+          </a:p>
+          <a:p>
+            <a:r>
+              <a:rPr lang="vi-VN" sz="1600" b="0" i="0">
+                <a:solidFill>
+                  <a:srgbClr val="555555"/>
+                </a:solidFill>
+                <a:effectLst/>
+                <a:latin typeface="Roboto" panose="02000000000000000000" pitchFamily="2" charset="0"/>
+              </a:rPr>
+              <a:t>Và vì một lớp </a:t>
+            </a:r>
+            <a:r>
+              <a:rPr lang="vi-VN" sz="1600" b="0" i="1">
+                <a:solidFill>
+                  <a:srgbClr val="003573"/>
+                </a:solidFill>
+                <a:effectLst/>
+                <a:latin typeface="Roboto" panose="02000000000000000000" pitchFamily="2" charset="0"/>
+              </a:rPr>
+              <a:t>Vô Danh</a:t>
+            </a:r>
+            <a:r>
+              <a:rPr lang="vi-VN" sz="1600" b="0" i="0">
+                <a:solidFill>
+                  <a:srgbClr val="555555"/>
+                </a:solidFill>
+                <a:effectLst/>
+                <a:latin typeface="Roboto" panose="02000000000000000000" pitchFamily="2" charset="0"/>
+              </a:rPr>
+              <a:t> được khai báo bên trong lớp khác, nên nó có một đặc điểm giống với </a:t>
+            </a:r>
+            <a:r>
+              <a:rPr lang="vi-VN" sz="1600" b="0" i="1" u="sng">
+                <a:effectLst/>
+                <a:latin typeface="Roboto" panose="02000000000000000000" pitchFamily="2" charset="0"/>
+                <a:hlinkClick r:id="rId3"/>
+              </a:rPr>
+              <a:t>lớp Lồng</a:t>
+            </a:r>
+            <a:r>
+              <a:rPr lang="vi-VN" sz="1600" b="0" i="0">
+                <a:solidFill>
+                  <a:srgbClr val="555555"/>
+                </a:solidFill>
+                <a:effectLst/>
+                <a:latin typeface="Roboto" panose="02000000000000000000" pitchFamily="2" charset="0"/>
+              </a:rPr>
+              <a:t>, ở chỗ nó có thể truy cập đến các thành viên của lớp bao của nó</a:t>
+            </a:r>
+            <a:endParaRPr lang="en-US" sz="1600"/>
+          </a:p>
+        </p:txBody>
+      </p:sp>
+      <p:sp>
+        <p:nvSpPr>
+          <p:cNvPr id="4" name="Slide Number Placeholder 3">
+            <a:extLst>
+              <a:ext uri="{FF2B5EF4-FFF2-40B4-BE49-F238E27FC236}">
+                <a16:creationId xmlns:a16="http://schemas.microsoft.com/office/drawing/2014/main" id="{4C8061A6-CAF9-9299-759B-93FCB946BECE}"/>
+              </a:ext>
+            </a:extLst>
+          </p:cNvPr>
+          <p:cNvSpPr>
+            <a:spLocks noGrp="1"/>
+          </p:cNvSpPr>
+          <p:nvPr>
+            <p:ph type="sldNum" idx="12"/>
+          </p:nvPr>
+        </p:nvSpPr>
+        <p:spPr/>
+        <p:txBody>
+          <a:bodyPr/>
+          <a:lstStyle/>
+          <a:p>
+            <a:pPr marL="0" lvl="0" indent="0" algn="r" rtl="0">
+              <a:spcBef>
+                <a:spcPts val="0"/>
+              </a:spcBef>
+              <a:spcAft>
+                <a:spcPts val="0"/>
+              </a:spcAft>
+              <a:buNone/>
+            </a:pPr>
+            <a:fld id="{00000000-1234-1234-1234-123412341234}" type="slidenum">
+              <a:rPr lang="en" smtClean="0"/>
+              <a:t>6</a:t>
+            </a:fld>
+            <a:endParaRPr lang="en"/>
+          </a:p>
+        </p:txBody>
+      </p:sp>
+    </p:spTree>
+    <p:extLst>
+      <p:ext uri="{BB962C8B-B14F-4D97-AF65-F5344CB8AC3E}">
+        <p14:creationId xmlns:p14="http://schemas.microsoft.com/office/powerpoint/2010/main" val="2985988765"/>
+      </p:ext>
+    </p:extLst>
+  </p:cSld>
+  <p:clrMapOvr>
+    <a:masterClrMapping/>
+  </p:clrMapOvr>
+  <p:timing>
+    <p:tnLst>
+      <p:par>
+        <p:cTn id="1" dur="indefinite" restart="never" nodeType="tmRoot"/>
+      </p:par>
+    </p:tnLst>
+  </p:timing>
+</p:sld>
+</file>
+
+<file path=ppt/slides/slide7.xml><?xml version="1.0" encoding="utf-8"?>
+<p:sld xmlns:a="http://schemas.openxmlformats.org/drawingml/2006/main" xmlns:r="http://schemas.openxmlformats.org/officeDocument/2006/relationships" xmlns:p="http://schemas.openxmlformats.org/presentationml/2006/main">
+  <p:cSld>
+    <p:spTree>
+      <p:nvGrpSpPr>
+        <p:cNvPr id="1" name=""/>
+        <p:cNvGrpSpPr/>
+        <p:nvPr/>
+      </p:nvGrpSpPr>
+      <p:grpSpPr>
+        <a:xfrm>
+          <a:off x="0" y="0"/>
+          <a:ext cx="0" cy="0"/>
+          <a:chOff x="0" y="0"/>
+          <a:chExt cx="0" cy="0"/>
+        </a:xfrm>
+      </p:grpSpPr>
+      <p:sp>
+        <p:nvSpPr>
+          <p:cNvPr id="2" name="Title 1">
+            <a:extLst>
+              <a:ext uri="{FF2B5EF4-FFF2-40B4-BE49-F238E27FC236}">
+                <a16:creationId xmlns:a16="http://schemas.microsoft.com/office/drawing/2014/main" id="{68C31805-1B6F-21B3-77E5-B4412D821221}"/>
+              </a:ext>
+            </a:extLst>
+          </p:cNvPr>
+          <p:cNvSpPr>
+            <a:spLocks noGrp="1"/>
+          </p:cNvSpPr>
+          <p:nvPr>
+            <p:ph type="ctrTitle"/>
+          </p:nvPr>
+        </p:nvSpPr>
+        <p:spPr>
+          <a:xfrm>
+            <a:off x="921006" y="1016723"/>
+            <a:ext cx="4914000" cy="1159800"/>
+          </a:xfrm>
+        </p:spPr>
+        <p:txBody>
+          <a:bodyPr/>
+          <a:lstStyle/>
+          <a:p>
+            <a:r>
+              <a:rPr lang="en-US" dirty="0" err="1" smtClean="0"/>
+              <a:t>Lớp</a:t>
+            </a:r>
+            <a:r>
+              <a:rPr lang="en-US" dirty="0" smtClean="0"/>
+              <a:t> </a:t>
+            </a:r>
+            <a:r>
+              <a:rPr lang="en-US" dirty="0" err="1" smtClean="0"/>
+              <a:t>lồng</a:t>
+            </a:r>
+            <a:endParaRPr lang="en-US" dirty="0"/>
+          </a:p>
+        </p:txBody>
+      </p:sp>
+      <p:grpSp>
+        <p:nvGrpSpPr>
+          <p:cNvPr id="3" name="Google Shape;59;p12">
+            <a:extLst>
+              <a:ext uri="{FF2B5EF4-FFF2-40B4-BE49-F238E27FC236}">
+                <a16:creationId xmlns:a16="http://schemas.microsoft.com/office/drawing/2014/main" id="{4B9031D7-ED38-3DAD-0EC5-9C7E07BA7D0B}"/>
+              </a:ext>
+            </a:extLst>
+          </p:cNvPr>
+          <p:cNvGrpSpPr/>
+          <p:nvPr/>
+        </p:nvGrpSpPr>
+        <p:grpSpPr>
+          <a:xfrm>
+            <a:off x="6867248" y="652997"/>
+            <a:ext cx="1580904" cy="1684493"/>
+            <a:chOff x="5970800" y="1619250"/>
+            <a:chExt cx="428650" cy="456725"/>
+          </a:xfrm>
+        </p:grpSpPr>
+        <p:sp>
+          <p:nvSpPr>
+            <p:cNvPr id="4" name="Google Shape;60;p12">
+              <a:extLst>
+                <a:ext uri="{FF2B5EF4-FFF2-40B4-BE49-F238E27FC236}">
+                  <a16:creationId xmlns:a16="http://schemas.microsoft.com/office/drawing/2014/main" id="{3DC5937A-858C-83EE-AA94-C98DF0D44DAE}"/>
+                </a:ext>
+              </a:extLst>
+            </p:cNvPr>
+            <p:cNvSpPr/>
+            <p:nvPr/>
+          </p:nvSpPr>
+          <p:spPr>
+            <a:xfrm>
+              <a:off x="5970800" y="1674200"/>
+              <a:ext cx="377975" cy="377950"/>
+            </a:xfrm>
+            <a:custGeom>
+              <a:avLst/>
+              <a:gdLst/>
+              <a:ahLst/>
+              <a:cxnLst/>
+              <a:rect l="l" t="t" r="r" b="b"/>
+              <a:pathLst>
+                <a:path w="15119" h="15118" extrusionOk="0">
+                  <a:moveTo>
+                    <a:pt x="7181" y="0"/>
+                  </a:moveTo>
+                  <a:lnTo>
+                    <a:pt x="6790" y="49"/>
+                  </a:lnTo>
+                  <a:lnTo>
+                    <a:pt x="6424" y="98"/>
+                  </a:lnTo>
+                  <a:lnTo>
+                    <a:pt x="6058" y="147"/>
+                  </a:lnTo>
+                  <a:lnTo>
+                    <a:pt x="5691" y="244"/>
+                  </a:lnTo>
+                  <a:lnTo>
+                    <a:pt x="5325" y="342"/>
+                  </a:lnTo>
+                  <a:lnTo>
+                    <a:pt x="4983" y="464"/>
+                  </a:lnTo>
+                  <a:lnTo>
+                    <a:pt x="4641" y="586"/>
+                  </a:lnTo>
+                  <a:lnTo>
+                    <a:pt x="4299" y="733"/>
+                  </a:lnTo>
+                  <a:lnTo>
+                    <a:pt x="3982" y="904"/>
+                  </a:lnTo>
+                  <a:lnTo>
+                    <a:pt x="3664" y="1099"/>
+                  </a:lnTo>
+                  <a:lnTo>
+                    <a:pt x="3347" y="1295"/>
+                  </a:lnTo>
+                  <a:lnTo>
+                    <a:pt x="3053" y="1490"/>
+                  </a:lnTo>
+                  <a:lnTo>
+                    <a:pt x="2760" y="1734"/>
+                  </a:lnTo>
+                  <a:lnTo>
+                    <a:pt x="2492" y="1954"/>
+                  </a:lnTo>
+                  <a:lnTo>
+                    <a:pt x="2223" y="2223"/>
+                  </a:lnTo>
+                  <a:lnTo>
+                    <a:pt x="1979" y="2467"/>
+                  </a:lnTo>
+                  <a:lnTo>
+                    <a:pt x="1735" y="2760"/>
+                  </a:lnTo>
+                  <a:lnTo>
+                    <a:pt x="1515" y="3029"/>
+                  </a:lnTo>
+                  <a:lnTo>
+                    <a:pt x="1295" y="3322"/>
+                  </a:lnTo>
+                  <a:lnTo>
+                    <a:pt x="1100" y="3639"/>
+                  </a:lnTo>
+                  <a:lnTo>
+                    <a:pt x="929" y="3957"/>
+                  </a:lnTo>
+                  <a:lnTo>
+                    <a:pt x="758" y="4274"/>
+                  </a:lnTo>
+                  <a:lnTo>
+                    <a:pt x="611" y="4616"/>
+                  </a:lnTo>
+                  <a:lnTo>
+                    <a:pt x="465" y="4958"/>
+                  </a:lnTo>
+                  <a:lnTo>
+                    <a:pt x="343" y="5300"/>
+                  </a:lnTo>
+                  <a:lnTo>
+                    <a:pt x="245" y="5666"/>
+                  </a:lnTo>
+                  <a:lnTo>
+                    <a:pt x="172" y="6033"/>
+                  </a:lnTo>
+                  <a:lnTo>
+                    <a:pt x="98" y="6399"/>
+                  </a:lnTo>
+                  <a:lnTo>
+                    <a:pt x="49" y="6790"/>
+                  </a:lnTo>
+                  <a:lnTo>
+                    <a:pt x="25" y="7156"/>
+                  </a:lnTo>
+                  <a:lnTo>
+                    <a:pt x="1" y="7547"/>
+                  </a:lnTo>
+                  <a:lnTo>
+                    <a:pt x="25" y="7938"/>
+                  </a:lnTo>
+                  <a:lnTo>
+                    <a:pt x="49" y="8328"/>
+                  </a:lnTo>
+                  <a:lnTo>
+                    <a:pt x="98" y="8695"/>
+                  </a:lnTo>
+                  <a:lnTo>
+                    <a:pt x="172" y="9085"/>
+                  </a:lnTo>
+                  <a:lnTo>
+                    <a:pt x="245" y="9452"/>
+                  </a:lnTo>
+                  <a:lnTo>
+                    <a:pt x="343" y="9794"/>
+                  </a:lnTo>
+                  <a:lnTo>
+                    <a:pt x="465" y="10160"/>
+                  </a:lnTo>
+                  <a:lnTo>
+                    <a:pt x="611" y="10502"/>
+                  </a:lnTo>
+                  <a:lnTo>
+                    <a:pt x="758" y="10820"/>
+                  </a:lnTo>
+                  <a:lnTo>
+                    <a:pt x="929" y="11161"/>
+                  </a:lnTo>
+                  <a:lnTo>
+                    <a:pt x="1100" y="11479"/>
+                  </a:lnTo>
+                  <a:lnTo>
+                    <a:pt x="1295" y="11772"/>
+                  </a:lnTo>
+                  <a:lnTo>
+                    <a:pt x="1515" y="12065"/>
+                  </a:lnTo>
+                  <a:lnTo>
+                    <a:pt x="1735" y="12358"/>
+                  </a:lnTo>
+                  <a:lnTo>
+                    <a:pt x="1979" y="12627"/>
+                  </a:lnTo>
+                  <a:lnTo>
+                    <a:pt x="2223" y="12895"/>
+                  </a:lnTo>
+                  <a:lnTo>
+                    <a:pt x="2492" y="13140"/>
+                  </a:lnTo>
+                  <a:lnTo>
+                    <a:pt x="2760" y="13384"/>
+                  </a:lnTo>
+                  <a:lnTo>
+                    <a:pt x="3053" y="13604"/>
+                  </a:lnTo>
+                  <a:lnTo>
+                    <a:pt x="3347" y="13824"/>
+                  </a:lnTo>
+                  <a:lnTo>
+                    <a:pt x="3664" y="14019"/>
+                  </a:lnTo>
+                  <a:lnTo>
+                    <a:pt x="3982" y="14190"/>
+                  </a:lnTo>
+                  <a:lnTo>
+                    <a:pt x="4299" y="14361"/>
+                  </a:lnTo>
+                  <a:lnTo>
+                    <a:pt x="4641" y="14507"/>
+                  </a:lnTo>
+                  <a:lnTo>
+                    <a:pt x="4983" y="14654"/>
+                  </a:lnTo>
+                  <a:lnTo>
+                    <a:pt x="5325" y="14776"/>
+                  </a:lnTo>
+                  <a:lnTo>
+                    <a:pt x="5691" y="14874"/>
+                  </a:lnTo>
+                  <a:lnTo>
+                    <a:pt x="6058" y="14947"/>
+                  </a:lnTo>
+                  <a:lnTo>
+                    <a:pt x="6424" y="15020"/>
+                  </a:lnTo>
+                  <a:lnTo>
+                    <a:pt x="6790" y="15069"/>
+                  </a:lnTo>
+                  <a:lnTo>
+                    <a:pt x="7181" y="15094"/>
+                  </a:lnTo>
+                  <a:lnTo>
+                    <a:pt x="7572" y="15118"/>
+                  </a:lnTo>
+                  <a:lnTo>
+                    <a:pt x="7963" y="15094"/>
+                  </a:lnTo>
+                  <a:lnTo>
+                    <a:pt x="8329" y="15069"/>
+                  </a:lnTo>
+                  <a:lnTo>
+                    <a:pt x="8720" y="15020"/>
+                  </a:lnTo>
+                  <a:lnTo>
+                    <a:pt x="9086" y="14947"/>
+                  </a:lnTo>
+                  <a:lnTo>
+                    <a:pt x="9452" y="14874"/>
+                  </a:lnTo>
+                  <a:lnTo>
+                    <a:pt x="9819" y="14776"/>
+                  </a:lnTo>
+                  <a:lnTo>
+                    <a:pt x="10161" y="14654"/>
+                  </a:lnTo>
+                  <a:lnTo>
+                    <a:pt x="10503" y="14507"/>
+                  </a:lnTo>
+                  <a:lnTo>
+                    <a:pt x="10844" y="14361"/>
+                  </a:lnTo>
+                  <a:lnTo>
+                    <a:pt x="11162" y="14190"/>
+                  </a:lnTo>
+                  <a:lnTo>
+                    <a:pt x="11479" y="14019"/>
+                  </a:lnTo>
+                  <a:lnTo>
+                    <a:pt x="11797" y="13824"/>
+                  </a:lnTo>
+                  <a:lnTo>
+                    <a:pt x="12090" y="13604"/>
+                  </a:lnTo>
+                  <a:lnTo>
+                    <a:pt x="12383" y="13384"/>
+                  </a:lnTo>
+                  <a:lnTo>
+                    <a:pt x="12652" y="13140"/>
+                  </a:lnTo>
+                  <a:lnTo>
+                    <a:pt x="12920" y="12895"/>
+                  </a:lnTo>
+                  <a:lnTo>
+                    <a:pt x="13165" y="12627"/>
+                  </a:lnTo>
+                  <a:lnTo>
+                    <a:pt x="13409" y="12358"/>
+                  </a:lnTo>
+                  <a:lnTo>
+                    <a:pt x="13629" y="12065"/>
+                  </a:lnTo>
+                  <a:lnTo>
+                    <a:pt x="13824" y="11772"/>
+                  </a:lnTo>
+                  <a:lnTo>
+                    <a:pt x="14019" y="11479"/>
+                  </a:lnTo>
+                  <a:lnTo>
+                    <a:pt x="14215" y="11161"/>
+                  </a:lnTo>
+                  <a:lnTo>
+                    <a:pt x="14386" y="10820"/>
+                  </a:lnTo>
+                  <a:lnTo>
+                    <a:pt x="14532" y="10502"/>
+                  </a:lnTo>
+                  <a:lnTo>
+                    <a:pt x="14654" y="10160"/>
+                  </a:lnTo>
+                  <a:lnTo>
+                    <a:pt x="14777" y="9794"/>
+                  </a:lnTo>
+                  <a:lnTo>
+                    <a:pt x="14899" y="9452"/>
+                  </a:lnTo>
+                  <a:lnTo>
+                    <a:pt x="14972" y="9085"/>
+                  </a:lnTo>
+                  <a:lnTo>
+                    <a:pt x="15045" y="8695"/>
+                  </a:lnTo>
+                  <a:lnTo>
+                    <a:pt x="15094" y="8328"/>
+                  </a:lnTo>
+                  <a:lnTo>
+                    <a:pt x="15118" y="7938"/>
+                  </a:lnTo>
+                  <a:lnTo>
+                    <a:pt x="15118" y="7547"/>
+                  </a:lnTo>
+                  <a:lnTo>
+                    <a:pt x="15094" y="6936"/>
+                  </a:lnTo>
+                  <a:lnTo>
+                    <a:pt x="15021" y="6326"/>
+                  </a:lnTo>
+                  <a:lnTo>
+                    <a:pt x="14899" y="5740"/>
+                  </a:lnTo>
+                  <a:lnTo>
+                    <a:pt x="14728" y="5178"/>
+                  </a:lnTo>
+                  <a:lnTo>
+                    <a:pt x="14532" y="4616"/>
+                  </a:lnTo>
+                  <a:lnTo>
+                    <a:pt x="14288" y="4079"/>
+                  </a:lnTo>
+                  <a:lnTo>
+                    <a:pt x="13995" y="3590"/>
+                  </a:lnTo>
+                  <a:lnTo>
+                    <a:pt x="13653" y="3102"/>
+                  </a:lnTo>
+                  <a:lnTo>
+                    <a:pt x="13458" y="3053"/>
+                  </a:lnTo>
+                  <a:lnTo>
+                    <a:pt x="12163" y="4347"/>
+                  </a:lnTo>
+                  <a:lnTo>
+                    <a:pt x="12383" y="4689"/>
+                  </a:lnTo>
+                  <a:lnTo>
+                    <a:pt x="12578" y="5056"/>
+                  </a:lnTo>
+                  <a:lnTo>
+                    <a:pt x="12749" y="5446"/>
+                  </a:lnTo>
+                  <a:lnTo>
+                    <a:pt x="12896" y="5837"/>
+                  </a:lnTo>
+                  <a:lnTo>
+                    <a:pt x="13018" y="6252"/>
+                  </a:lnTo>
+                  <a:lnTo>
+                    <a:pt x="13091" y="6668"/>
+                  </a:lnTo>
+                  <a:lnTo>
+                    <a:pt x="13165" y="7107"/>
+                  </a:lnTo>
+                  <a:lnTo>
+                    <a:pt x="13165" y="7547"/>
+                  </a:lnTo>
+                  <a:lnTo>
+                    <a:pt x="13140" y="8133"/>
+                  </a:lnTo>
+                  <a:lnTo>
+                    <a:pt x="13067" y="8695"/>
+                  </a:lnTo>
+                  <a:lnTo>
+                    <a:pt x="12920" y="9208"/>
+                  </a:lnTo>
+                  <a:lnTo>
+                    <a:pt x="12725" y="9745"/>
+                  </a:lnTo>
+                  <a:lnTo>
+                    <a:pt x="12505" y="10233"/>
+                  </a:lnTo>
+                  <a:lnTo>
+                    <a:pt x="12212" y="10673"/>
+                  </a:lnTo>
+                  <a:lnTo>
+                    <a:pt x="11895" y="11113"/>
+                  </a:lnTo>
+                  <a:lnTo>
+                    <a:pt x="11528" y="11503"/>
+                  </a:lnTo>
+                  <a:lnTo>
+                    <a:pt x="11138" y="11870"/>
+                  </a:lnTo>
+                  <a:lnTo>
+                    <a:pt x="10698" y="12187"/>
+                  </a:lnTo>
+                  <a:lnTo>
+                    <a:pt x="10234" y="12480"/>
+                  </a:lnTo>
+                  <a:lnTo>
+                    <a:pt x="9745" y="12725"/>
+                  </a:lnTo>
+                  <a:lnTo>
+                    <a:pt x="9233" y="12895"/>
+                  </a:lnTo>
+                  <a:lnTo>
+                    <a:pt x="8695" y="13042"/>
+                  </a:lnTo>
+                  <a:lnTo>
+                    <a:pt x="8133" y="13140"/>
+                  </a:lnTo>
+                  <a:lnTo>
+                    <a:pt x="7572" y="13164"/>
+                  </a:lnTo>
+                  <a:lnTo>
+                    <a:pt x="6986" y="13140"/>
+                  </a:lnTo>
+                  <a:lnTo>
+                    <a:pt x="6448" y="13042"/>
+                  </a:lnTo>
+                  <a:lnTo>
+                    <a:pt x="5911" y="12895"/>
+                  </a:lnTo>
+                  <a:lnTo>
+                    <a:pt x="5398" y="12725"/>
+                  </a:lnTo>
+                  <a:lnTo>
+                    <a:pt x="4910" y="12480"/>
+                  </a:lnTo>
+                  <a:lnTo>
+                    <a:pt x="4446" y="12187"/>
+                  </a:lnTo>
+                  <a:lnTo>
+                    <a:pt x="4006" y="11870"/>
+                  </a:lnTo>
+                  <a:lnTo>
+                    <a:pt x="3615" y="11503"/>
+                  </a:lnTo>
+                  <a:lnTo>
+                    <a:pt x="3249" y="11113"/>
+                  </a:lnTo>
+                  <a:lnTo>
+                    <a:pt x="2931" y="10673"/>
+                  </a:lnTo>
+                  <a:lnTo>
+                    <a:pt x="2638" y="10233"/>
+                  </a:lnTo>
+                  <a:lnTo>
+                    <a:pt x="2418" y="9745"/>
+                  </a:lnTo>
+                  <a:lnTo>
+                    <a:pt x="2223" y="9208"/>
+                  </a:lnTo>
+                  <a:lnTo>
+                    <a:pt x="2077" y="8695"/>
+                  </a:lnTo>
+                  <a:lnTo>
+                    <a:pt x="2003" y="8133"/>
+                  </a:lnTo>
+                  <a:lnTo>
+                    <a:pt x="1954" y="7547"/>
+                  </a:lnTo>
+                  <a:lnTo>
+                    <a:pt x="2003" y="6985"/>
+                  </a:lnTo>
+                  <a:lnTo>
+                    <a:pt x="2077" y="6423"/>
+                  </a:lnTo>
+                  <a:lnTo>
+                    <a:pt x="2223" y="5886"/>
+                  </a:lnTo>
+                  <a:lnTo>
+                    <a:pt x="2418" y="5373"/>
+                  </a:lnTo>
+                  <a:lnTo>
+                    <a:pt x="2638" y="4885"/>
+                  </a:lnTo>
+                  <a:lnTo>
+                    <a:pt x="2931" y="4421"/>
+                  </a:lnTo>
+                  <a:lnTo>
+                    <a:pt x="3249" y="4005"/>
+                  </a:lnTo>
+                  <a:lnTo>
+                    <a:pt x="3615" y="3590"/>
+                  </a:lnTo>
+                  <a:lnTo>
+                    <a:pt x="4006" y="3224"/>
+                  </a:lnTo>
+                  <a:lnTo>
+                    <a:pt x="4446" y="2906"/>
+                  </a:lnTo>
+                  <a:lnTo>
+                    <a:pt x="4910" y="2638"/>
+                  </a:lnTo>
+                  <a:lnTo>
+                    <a:pt x="5398" y="2394"/>
+                  </a:lnTo>
+                  <a:lnTo>
+                    <a:pt x="5911" y="2198"/>
+                  </a:lnTo>
+                  <a:lnTo>
+                    <a:pt x="6448" y="2076"/>
+                  </a:lnTo>
+                  <a:lnTo>
+                    <a:pt x="6986" y="1978"/>
+                  </a:lnTo>
+                  <a:lnTo>
+                    <a:pt x="7572" y="1954"/>
+                  </a:lnTo>
+                  <a:lnTo>
+                    <a:pt x="8011" y="1978"/>
+                  </a:lnTo>
+                  <a:lnTo>
+                    <a:pt x="8451" y="2027"/>
+                  </a:lnTo>
+                  <a:lnTo>
+                    <a:pt x="8866" y="2100"/>
+                  </a:lnTo>
+                  <a:lnTo>
+                    <a:pt x="9281" y="2223"/>
+                  </a:lnTo>
+                  <a:lnTo>
+                    <a:pt x="9672" y="2369"/>
+                  </a:lnTo>
+                  <a:lnTo>
+                    <a:pt x="10063" y="2540"/>
+                  </a:lnTo>
+                  <a:lnTo>
+                    <a:pt x="10429" y="2735"/>
+                  </a:lnTo>
+                  <a:lnTo>
+                    <a:pt x="10771" y="2955"/>
+                  </a:lnTo>
+                  <a:lnTo>
+                    <a:pt x="11943" y="1807"/>
+                  </a:lnTo>
+                  <a:lnTo>
+                    <a:pt x="11846" y="1343"/>
+                  </a:lnTo>
+                  <a:lnTo>
+                    <a:pt x="11382" y="1026"/>
+                  </a:lnTo>
+                  <a:lnTo>
+                    <a:pt x="10893" y="782"/>
+                  </a:lnTo>
+                  <a:lnTo>
+                    <a:pt x="10380" y="537"/>
+                  </a:lnTo>
+                  <a:lnTo>
+                    <a:pt x="9843" y="342"/>
+                  </a:lnTo>
+                  <a:lnTo>
+                    <a:pt x="9306" y="195"/>
+                  </a:lnTo>
+                  <a:lnTo>
+                    <a:pt x="8744" y="98"/>
+                  </a:lnTo>
+                  <a:lnTo>
+                    <a:pt x="8158" y="25"/>
+                  </a:lnTo>
+                  <a:lnTo>
+                    <a:pt x="7572" y="0"/>
+                  </a:lnTo>
+                  <a:close/>
+                </a:path>
+              </a:pathLst>
+            </a:custGeom>
+            <a:solidFill>
+              <a:srgbClr val="000000"/>
+            </a:solidFill>
+            <a:ln>
+              <a:noFill/>
+            </a:ln>
+          </p:spPr>
+          <p:txBody>
+            <a:bodyPr spcFirstLastPara="1" wrap="square" lIns="91425" tIns="91425" rIns="91425" bIns="91425" anchor="ctr" anchorCtr="0">
+              <a:noAutofit/>
+            </a:bodyPr>
+            <a:lstStyle/>
+            <a:p>
+              <a:pPr marL="0" lvl="0" indent="0" algn="l" rtl="0">
+                <a:spcBef>
+                  <a:spcPts val="0"/>
+                </a:spcBef>
+                <a:spcAft>
+                  <a:spcPts val="0"/>
+                </a:spcAft>
+                <a:buNone/>
+              </a:pPr>
+              <a:endParaRPr/>
+            </a:p>
+          </p:txBody>
+        </p:sp>
+        <p:sp>
+          <p:nvSpPr>
+            <p:cNvPr id="5" name="Google Shape;61;p12">
+              <a:extLst>
+                <a:ext uri="{FF2B5EF4-FFF2-40B4-BE49-F238E27FC236}">
+                  <a16:creationId xmlns:a16="http://schemas.microsoft.com/office/drawing/2014/main" id="{FD1A21F3-DE10-465B-4A38-259B7FB61A5D}"/>
+                </a:ext>
+              </a:extLst>
+            </p:cNvPr>
+            <p:cNvSpPr/>
+            <p:nvPr/>
+          </p:nvSpPr>
+          <p:spPr>
+            <a:xfrm>
+              <a:off x="6068500" y="1771875"/>
+              <a:ext cx="182575" cy="182600"/>
+            </a:xfrm>
+            <a:custGeom>
+              <a:avLst/>
+              <a:gdLst/>
+              <a:ahLst/>
+              <a:cxnLst/>
+              <a:rect l="l" t="t" r="r" b="b"/>
+              <a:pathLst>
+                <a:path w="7303" h="7304" extrusionOk="0">
+                  <a:moveTo>
+                    <a:pt x="3664" y="1"/>
+                  </a:moveTo>
+                  <a:lnTo>
+                    <a:pt x="3297" y="25"/>
+                  </a:lnTo>
+                  <a:lnTo>
+                    <a:pt x="2931" y="74"/>
+                  </a:lnTo>
+                  <a:lnTo>
+                    <a:pt x="2565" y="147"/>
+                  </a:lnTo>
+                  <a:lnTo>
+                    <a:pt x="2247" y="294"/>
+                  </a:lnTo>
+                  <a:lnTo>
+                    <a:pt x="1930" y="440"/>
+                  </a:lnTo>
+                  <a:lnTo>
+                    <a:pt x="1612" y="611"/>
+                  </a:lnTo>
+                  <a:lnTo>
+                    <a:pt x="1344" y="831"/>
+                  </a:lnTo>
+                  <a:lnTo>
+                    <a:pt x="1075" y="1075"/>
+                  </a:lnTo>
+                  <a:lnTo>
+                    <a:pt x="831" y="1320"/>
+                  </a:lnTo>
+                  <a:lnTo>
+                    <a:pt x="635" y="1613"/>
+                  </a:lnTo>
+                  <a:lnTo>
+                    <a:pt x="440" y="1906"/>
+                  </a:lnTo>
+                  <a:lnTo>
+                    <a:pt x="293" y="2223"/>
+                  </a:lnTo>
+                  <a:lnTo>
+                    <a:pt x="171" y="2565"/>
+                  </a:lnTo>
+                  <a:lnTo>
+                    <a:pt x="74" y="2907"/>
+                  </a:lnTo>
+                  <a:lnTo>
+                    <a:pt x="25" y="3273"/>
+                  </a:lnTo>
+                  <a:lnTo>
+                    <a:pt x="0" y="3640"/>
+                  </a:lnTo>
+                  <a:lnTo>
+                    <a:pt x="25" y="4031"/>
+                  </a:lnTo>
+                  <a:lnTo>
+                    <a:pt x="74" y="4373"/>
+                  </a:lnTo>
+                  <a:lnTo>
+                    <a:pt x="171" y="4739"/>
+                  </a:lnTo>
+                  <a:lnTo>
+                    <a:pt x="293" y="5081"/>
+                  </a:lnTo>
+                  <a:lnTo>
+                    <a:pt x="440" y="5398"/>
+                  </a:lnTo>
+                  <a:lnTo>
+                    <a:pt x="635" y="5691"/>
+                  </a:lnTo>
+                  <a:lnTo>
+                    <a:pt x="831" y="5960"/>
+                  </a:lnTo>
+                  <a:lnTo>
+                    <a:pt x="1075" y="6229"/>
+                  </a:lnTo>
+                  <a:lnTo>
+                    <a:pt x="1344" y="6473"/>
+                  </a:lnTo>
+                  <a:lnTo>
+                    <a:pt x="1612" y="6668"/>
+                  </a:lnTo>
+                  <a:lnTo>
+                    <a:pt x="1930" y="6864"/>
+                  </a:lnTo>
+                  <a:lnTo>
+                    <a:pt x="2247" y="7010"/>
+                  </a:lnTo>
+                  <a:lnTo>
+                    <a:pt x="2565" y="7132"/>
+                  </a:lnTo>
+                  <a:lnTo>
+                    <a:pt x="2931" y="7230"/>
+                  </a:lnTo>
+                  <a:lnTo>
+                    <a:pt x="3297" y="7279"/>
+                  </a:lnTo>
+                  <a:lnTo>
+                    <a:pt x="3664" y="7303"/>
+                  </a:lnTo>
+                  <a:lnTo>
+                    <a:pt x="4030" y="7279"/>
+                  </a:lnTo>
+                  <a:lnTo>
+                    <a:pt x="4396" y="7230"/>
+                  </a:lnTo>
+                  <a:lnTo>
+                    <a:pt x="4738" y="7132"/>
+                  </a:lnTo>
+                  <a:lnTo>
+                    <a:pt x="5080" y="7010"/>
+                  </a:lnTo>
+                  <a:lnTo>
+                    <a:pt x="5398" y="6864"/>
+                  </a:lnTo>
+                  <a:lnTo>
+                    <a:pt x="5691" y="6668"/>
+                  </a:lnTo>
+                  <a:lnTo>
+                    <a:pt x="5984" y="6473"/>
+                  </a:lnTo>
+                  <a:lnTo>
+                    <a:pt x="6253" y="6229"/>
+                  </a:lnTo>
+                  <a:lnTo>
+                    <a:pt x="6472" y="5960"/>
+                  </a:lnTo>
+                  <a:lnTo>
+                    <a:pt x="6692" y="5691"/>
+                  </a:lnTo>
+                  <a:lnTo>
+                    <a:pt x="6863" y="5398"/>
+                  </a:lnTo>
+                  <a:lnTo>
+                    <a:pt x="7034" y="5081"/>
+                  </a:lnTo>
+                  <a:lnTo>
+                    <a:pt x="7156" y="4739"/>
+                  </a:lnTo>
+                  <a:lnTo>
+                    <a:pt x="7230" y="4373"/>
+                  </a:lnTo>
+                  <a:lnTo>
+                    <a:pt x="7303" y="4031"/>
+                  </a:lnTo>
+                  <a:lnTo>
+                    <a:pt x="7303" y="3640"/>
+                  </a:lnTo>
+                  <a:lnTo>
+                    <a:pt x="7303" y="3396"/>
+                  </a:lnTo>
+                  <a:lnTo>
+                    <a:pt x="7278" y="3176"/>
+                  </a:lnTo>
+                  <a:lnTo>
+                    <a:pt x="7254" y="2932"/>
+                  </a:lnTo>
+                  <a:lnTo>
+                    <a:pt x="7181" y="2712"/>
+                  </a:lnTo>
+                  <a:lnTo>
+                    <a:pt x="7132" y="2492"/>
+                  </a:lnTo>
+                  <a:lnTo>
+                    <a:pt x="7034" y="2272"/>
+                  </a:lnTo>
+                  <a:lnTo>
+                    <a:pt x="6839" y="1857"/>
+                  </a:lnTo>
+                  <a:lnTo>
+                    <a:pt x="5325" y="3347"/>
+                  </a:lnTo>
+                  <a:lnTo>
+                    <a:pt x="5349" y="3640"/>
+                  </a:lnTo>
+                  <a:lnTo>
+                    <a:pt x="5349" y="3811"/>
+                  </a:lnTo>
+                  <a:lnTo>
+                    <a:pt x="5325" y="3982"/>
+                  </a:lnTo>
+                  <a:lnTo>
+                    <a:pt x="5276" y="4153"/>
+                  </a:lnTo>
+                  <a:lnTo>
+                    <a:pt x="5227" y="4299"/>
+                  </a:lnTo>
+                  <a:lnTo>
+                    <a:pt x="5154" y="4446"/>
+                  </a:lnTo>
+                  <a:lnTo>
+                    <a:pt x="5080" y="4592"/>
+                  </a:lnTo>
+                  <a:lnTo>
+                    <a:pt x="4983" y="4739"/>
+                  </a:lnTo>
+                  <a:lnTo>
+                    <a:pt x="4860" y="4861"/>
+                  </a:lnTo>
+                  <a:lnTo>
+                    <a:pt x="4738" y="4959"/>
+                  </a:lnTo>
+                  <a:lnTo>
+                    <a:pt x="4616" y="5056"/>
+                  </a:lnTo>
+                  <a:lnTo>
+                    <a:pt x="4470" y="5154"/>
+                  </a:lnTo>
+                  <a:lnTo>
+                    <a:pt x="4323" y="5203"/>
+                  </a:lnTo>
+                  <a:lnTo>
+                    <a:pt x="4177" y="5276"/>
+                  </a:lnTo>
+                  <a:lnTo>
+                    <a:pt x="4006" y="5301"/>
+                  </a:lnTo>
+                  <a:lnTo>
+                    <a:pt x="3835" y="5349"/>
+                  </a:lnTo>
+                  <a:lnTo>
+                    <a:pt x="3493" y="5349"/>
+                  </a:lnTo>
+                  <a:lnTo>
+                    <a:pt x="3322" y="5301"/>
+                  </a:lnTo>
+                  <a:lnTo>
+                    <a:pt x="3151" y="5276"/>
+                  </a:lnTo>
+                  <a:lnTo>
+                    <a:pt x="3004" y="5203"/>
+                  </a:lnTo>
+                  <a:lnTo>
+                    <a:pt x="2858" y="5154"/>
+                  </a:lnTo>
+                  <a:lnTo>
+                    <a:pt x="2711" y="5056"/>
+                  </a:lnTo>
+                  <a:lnTo>
+                    <a:pt x="2589" y="4959"/>
+                  </a:lnTo>
+                  <a:lnTo>
+                    <a:pt x="2467" y="4861"/>
+                  </a:lnTo>
+                  <a:lnTo>
+                    <a:pt x="2345" y="4739"/>
+                  </a:lnTo>
+                  <a:lnTo>
+                    <a:pt x="2247" y="4592"/>
+                  </a:lnTo>
+                  <a:lnTo>
+                    <a:pt x="2174" y="4446"/>
+                  </a:lnTo>
+                  <a:lnTo>
+                    <a:pt x="2101" y="4299"/>
+                  </a:lnTo>
+                  <a:lnTo>
+                    <a:pt x="2027" y="4153"/>
+                  </a:lnTo>
+                  <a:lnTo>
+                    <a:pt x="2003" y="3982"/>
+                  </a:lnTo>
+                  <a:lnTo>
+                    <a:pt x="1979" y="3811"/>
+                  </a:lnTo>
+                  <a:lnTo>
+                    <a:pt x="1954" y="3640"/>
+                  </a:lnTo>
+                  <a:lnTo>
+                    <a:pt x="1979" y="3469"/>
+                  </a:lnTo>
+                  <a:lnTo>
+                    <a:pt x="2003" y="3298"/>
+                  </a:lnTo>
+                  <a:lnTo>
+                    <a:pt x="2027" y="3151"/>
+                  </a:lnTo>
+                  <a:lnTo>
+                    <a:pt x="2101" y="2980"/>
+                  </a:lnTo>
+                  <a:lnTo>
+                    <a:pt x="2174" y="2834"/>
+                  </a:lnTo>
+                  <a:lnTo>
+                    <a:pt x="2247" y="2687"/>
+                  </a:lnTo>
+                  <a:lnTo>
+                    <a:pt x="2345" y="2565"/>
+                  </a:lnTo>
+                  <a:lnTo>
+                    <a:pt x="2467" y="2443"/>
+                  </a:lnTo>
+                  <a:lnTo>
+                    <a:pt x="2589" y="2345"/>
+                  </a:lnTo>
+                  <a:lnTo>
+                    <a:pt x="2711" y="2248"/>
+                  </a:lnTo>
+                  <a:lnTo>
+                    <a:pt x="2858" y="2150"/>
+                  </a:lnTo>
+                  <a:lnTo>
+                    <a:pt x="3004" y="2077"/>
+                  </a:lnTo>
+                  <a:lnTo>
+                    <a:pt x="3151" y="2028"/>
+                  </a:lnTo>
+                  <a:lnTo>
+                    <a:pt x="3322" y="1979"/>
+                  </a:lnTo>
+                  <a:lnTo>
+                    <a:pt x="3493" y="1955"/>
+                  </a:lnTo>
+                  <a:lnTo>
+                    <a:pt x="3664" y="1955"/>
+                  </a:lnTo>
+                  <a:lnTo>
+                    <a:pt x="3957" y="1979"/>
+                  </a:lnTo>
+                  <a:lnTo>
+                    <a:pt x="5447" y="465"/>
+                  </a:lnTo>
+                  <a:lnTo>
+                    <a:pt x="5056" y="269"/>
+                  </a:lnTo>
+                  <a:lnTo>
+                    <a:pt x="4836" y="196"/>
+                  </a:lnTo>
+                  <a:lnTo>
+                    <a:pt x="4616" y="123"/>
+                  </a:lnTo>
+                  <a:lnTo>
+                    <a:pt x="4372" y="74"/>
+                  </a:lnTo>
+                  <a:lnTo>
+                    <a:pt x="4152" y="25"/>
+                  </a:lnTo>
+                  <a:lnTo>
+                    <a:pt x="3908" y="1"/>
+                  </a:lnTo>
+                  <a:close/>
+                </a:path>
+              </a:pathLst>
+            </a:custGeom>
+            <a:solidFill>
+              <a:srgbClr val="000000"/>
+            </a:solidFill>
+            <a:ln>
+              <a:noFill/>
+            </a:ln>
+          </p:spPr>
+          <p:txBody>
+            <a:bodyPr spcFirstLastPara="1" wrap="square" lIns="91425" tIns="91425" rIns="91425" bIns="91425" anchor="ctr" anchorCtr="0">
+              <a:noAutofit/>
+            </a:bodyPr>
+            <a:lstStyle/>
+            <a:p>
+              <a:pPr marL="0" lvl="0" indent="0" algn="l" rtl="0">
+                <a:spcBef>
+                  <a:spcPts val="0"/>
+                </a:spcBef>
+                <a:spcAft>
+                  <a:spcPts val="0"/>
+                </a:spcAft>
+                <a:buNone/>
+              </a:pPr>
+              <a:endParaRPr/>
+            </a:p>
+          </p:txBody>
+        </p:sp>
+        <p:sp>
+          <p:nvSpPr>
+            <p:cNvPr id="6" name="Google Shape;62;p12">
+              <a:extLst>
+                <a:ext uri="{FF2B5EF4-FFF2-40B4-BE49-F238E27FC236}">
+                  <a16:creationId xmlns:a16="http://schemas.microsoft.com/office/drawing/2014/main" id="{B2C5922E-87C7-A0BA-36F9-F13BB28024A4}"/>
+                </a:ext>
+              </a:extLst>
+            </p:cNvPr>
+            <p:cNvSpPr/>
+            <p:nvPr/>
+          </p:nvSpPr>
+          <p:spPr>
+            <a:xfrm>
+              <a:off x="5981175" y="2005125"/>
+              <a:ext cx="75125" cy="70850"/>
+            </a:xfrm>
+            <a:custGeom>
+              <a:avLst/>
+              <a:gdLst/>
+              <a:ahLst/>
+              <a:cxnLst/>
+              <a:rect l="l" t="t" r="r" b="b"/>
+              <a:pathLst>
+                <a:path w="3005" h="2834" extrusionOk="0">
+                  <a:moveTo>
+                    <a:pt x="1466" y="0"/>
+                  </a:moveTo>
+                  <a:lnTo>
+                    <a:pt x="294" y="1173"/>
+                  </a:lnTo>
+                  <a:lnTo>
+                    <a:pt x="172" y="1319"/>
+                  </a:lnTo>
+                  <a:lnTo>
+                    <a:pt x="74" y="1490"/>
+                  </a:lnTo>
+                  <a:lnTo>
+                    <a:pt x="25" y="1661"/>
+                  </a:lnTo>
+                  <a:lnTo>
+                    <a:pt x="1" y="1857"/>
+                  </a:lnTo>
+                  <a:lnTo>
+                    <a:pt x="25" y="2052"/>
+                  </a:lnTo>
+                  <a:lnTo>
+                    <a:pt x="74" y="2223"/>
+                  </a:lnTo>
+                  <a:lnTo>
+                    <a:pt x="172" y="2394"/>
+                  </a:lnTo>
+                  <a:lnTo>
+                    <a:pt x="294" y="2540"/>
+                  </a:lnTo>
+                  <a:lnTo>
+                    <a:pt x="440" y="2663"/>
+                  </a:lnTo>
+                  <a:lnTo>
+                    <a:pt x="611" y="2760"/>
+                  </a:lnTo>
+                  <a:lnTo>
+                    <a:pt x="807" y="2809"/>
+                  </a:lnTo>
+                  <a:lnTo>
+                    <a:pt x="978" y="2833"/>
+                  </a:lnTo>
+                  <a:lnTo>
+                    <a:pt x="1173" y="2809"/>
+                  </a:lnTo>
+                  <a:lnTo>
+                    <a:pt x="1344" y="2760"/>
+                  </a:lnTo>
+                  <a:lnTo>
+                    <a:pt x="1515" y="2663"/>
+                  </a:lnTo>
+                  <a:lnTo>
+                    <a:pt x="1686" y="2540"/>
+                  </a:lnTo>
+                  <a:lnTo>
+                    <a:pt x="2858" y="1368"/>
+                  </a:lnTo>
+                  <a:lnTo>
+                    <a:pt x="3005" y="1197"/>
+                  </a:lnTo>
+                  <a:lnTo>
+                    <a:pt x="2590" y="928"/>
+                  </a:lnTo>
+                  <a:lnTo>
+                    <a:pt x="2199" y="635"/>
+                  </a:lnTo>
+                  <a:lnTo>
+                    <a:pt x="1808" y="342"/>
+                  </a:lnTo>
+                  <a:lnTo>
+                    <a:pt x="1466" y="0"/>
+                  </a:lnTo>
+                  <a:close/>
+                </a:path>
+              </a:pathLst>
+            </a:custGeom>
+            <a:solidFill>
+              <a:srgbClr val="000000"/>
+            </a:solidFill>
+            <a:ln>
+              <a:noFill/>
+            </a:ln>
+          </p:spPr>
+          <p:txBody>
+            <a:bodyPr spcFirstLastPara="1" wrap="square" lIns="91425" tIns="91425" rIns="91425" bIns="91425" anchor="ctr" anchorCtr="0">
+              <a:noAutofit/>
+            </a:bodyPr>
+            <a:lstStyle/>
+            <a:p>
+              <a:pPr marL="0" lvl="0" indent="0" algn="l" rtl="0">
+                <a:spcBef>
+                  <a:spcPts val="0"/>
+                </a:spcBef>
+                <a:spcAft>
+                  <a:spcPts val="0"/>
+                </a:spcAft>
+                <a:buNone/>
+              </a:pPr>
+              <a:endParaRPr/>
+            </a:p>
+          </p:txBody>
+        </p:sp>
+        <p:sp>
+          <p:nvSpPr>
+            <p:cNvPr id="7" name="Google Shape;63;p12">
+              <a:extLst>
+                <a:ext uri="{FF2B5EF4-FFF2-40B4-BE49-F238E27FC236}">
+                  <a16:creationId xmlns:a16="http://schemas.microsoft.com/office/drawing/2014/main" id="{0FB80475-67C3-4CE1-85FA-F0C729AB9E28}"/>
+                </a:ext>
+              </a:extLst>
+            </p:cNvPr>
+            <p:cNvSpPr/>
+            <p:nvPr/>
+          </p:nvSpPr>
+          <p:spPr>
+            <a:xfrm>
+              <a:off x="6263875" y="2005125"/>
+              <a:ext cx="74525" cy="70850"/>
+            </a:xfrm>
+            <a:custGeom>
+              <a:avLst/>
+              <a:gdLst/>
+              <a:ahLst/>
+              <a:cxnLst/>
+              <a:rect l="l" t="t" r="r" b="b"/>
+              <a:pathLst>
+                <a:path w="2981" h="2834" extrusionOk="0">
+                  <a:moveTo>
+                    <a:pt x="1539" y="0"/>
+                  </a:moveTo>
+                  <a:lnTo>
+                    <a:pt x="1173" y="342"/>
+                  </a:lnTo>
+                  <a:lnTo>
+                    <a:pt x="807" y="635"/>
+                  </a:lnTo>
+                  <a:lnTo>
+                    <a:pt x="416" y="928"/>
+                  </a:lnTo>
+                  <a:lnTo>
+                    <a:pt x="1" y="1197"/>
+                  </a:lnTo>
+                  <a:lnTo>
+                    <a:pt x="123" y="1368"/>
+                  </a:lnTo>
+                  <a:lnTo>
+                    <a:pt x="1319" y="2540"/>
+                  </a:lnTo>
+                  <a:lnTo>
+                    <a:pt x="1466" y="2663"/>
+                  </a:lnTo>
+                  <a:lnTo>
+                    <a:pt x="1637" y="2760"/>
+                  </a:lnTo>
+                  <a:lnTo>
+                    <a:pt x="1832" y="2809"/>
+                  </a:lnTo>
+                  <a:lnTo>
+                    <a:pt x="2003" y="2833"/>
+                  </a:lnTo>
+                  <a:lnTo>
+                    <a:pt x="2199" y="2809"/>
+                  </a:lnTo>
+                  <a:lnTo>
+                    <a:pt x="2370" y="2760"/>
+                  </a:lnTo>
+                  <a:lnTo>
+                    <a:pt x="2541" y="2663"/>
+                  </a:lnTo>
+                  <a:lnTo>
+                    <a:pt x="2712" y="2540"/>
+                  </a:lnTo>
+                  <a:lnTo>
+                    <a:pt x="2834" y="2394"/>
+                  </a:lnTo>
+                  <a:lnTo>
+                    <a:pt x="2931" y="2223"/>
+                  </a:lnTo>
+                  <a:lnTo>
+                    <a:pt x="2980" y="2052"/>
+                  </a:lnTo>
+                  <a:lnTo>
+                    <a:pt x="2980" y="1857"/>
+                  </a:lnTo>
+                  <a:lnTo>
+                    <a:pt x="2980" y="1661"/>
+                  </a:lnTo>
+                  <a:lnTo>
+                    <a:pt x="2931" y="1490"/>
+                  </a:lnTo>
+                  <a:lnTo>
+                    <a:pt x="2834" y="1319"/>
+                  </a:lnTo>
+                  <a:lnTo>
+                    <a:pt x="2712" y="1173"/>
+                  </a:lnTo>
+                  <a:lnTo>
+                    <a:pt x="1539" y="0"/>
+                  </a:lnTo>
+                  <a:close/>
+                </a:path>
+              </a:pathLst>
+            </a:custGeom>
+            <a:solidFill>
+              <a:srgbClr val="000000"/>
+            </a:solidFill>
+            <a:ln>
+              <a:noFill/>
+            </a:ln>
+          </p:spPr>
+          <p:txBody>
+            <a:bodyPr spcFirstLastPara="1" wrap="square" lIns="91425" tIns="91425" rIns="91425" bIns="91425" anchor="ctr" anchorCtr="0">
+              <a:noAutofit/>
+            </a:bodyPr>
+            <a:lstStyle/>
+            <a:p>
+              <a:pPr marL="0" lvl="0" indent="0" algn="l" rtl="0">
+                <a:spcBef>
+                  <a:spcPts val="0"/>
+                </a:spcBef>
+                <a:spcAft>
+                  <a:spcPts val="0"/>
+                </a:spcAft>
+                <a:buNone/>
+              </a:pPr>
+              <a:endParaRPr/>
+            </a:p>
+          </p:txBody>
+        </p:sp>
+        <p:sp>
+          <p:nvSpPr>
+            <p:cNvPr id="8" name="Google Shape;64;p12">
+              <a:extLst>
+                <a:ext uri="{FF2B5EF4-FFF2-40B4-BE49-F238E27FC236}">
+                  <a16:creationId xmlns:a16="http://schemas.microsoft.com/office/drawing/2014/main" id="{DED122C1-5AAE-442B-46F4-FD0F8778EF85}"/>
+                </a:ext>
+              </a:extLst>
+            </p:cNvPr>
+            <p:cNvSpPr/>
+            <p:nvPr/>
+          </p:nvSpPr>
+          <p:spPr>
+            <a:xfrm>
+              <a:off x="6147875" y="1619250"/>
+              <a:ext cx="251575" cy="255850"/>
+            </a:xfrm>
+            <a:custGeom>
+              <a:avLst/>
+              <a:gdLst/>
+              <a:ahLst/>
+              <a:cxnLst/>
+              <a:rect l="l" t="t" r="r" b="b"/>
+              <a:pathLst>
+                <a:path w="10063" h="10234" extrusionOk="0">
+                  <a:moveTo>
+                    <a:pt x="7352" y="0"/>
+                  </a:moveTo>
+                  <a:lnTo>
+                    <a:pt x="7254" y="24"/>
+                  </a:lnTo>
+                  <a:lnTo>
+                    <a:pt x="7181" y="73"/>
+                  </a:lnTo>
+                  <a:lnTo>
+                    <a:pt x="7083" y="147"/>
+                  </a:lnTo>
+                  <a:lnTo>
+                    <a:pt x="5447" y="1758"/>
+                  </a:lnTo>
+                  <a:lnTo>
+                    <a:pt x="5373" y="1856"/>
+                  </a:lnTo>
+                  <a:lnTo>
+                    <a:pt x="5300" y="1978"/>
+                  </a:lnTo>
+                  <a:lnTo>
+                    <a:pt x="5227" y="2125"/>
+                  </a:lnTo>
+                  <a:lnTo>
+                    <a:pt x="5178" y="2247"/>
+                  </a:lnTo>
+                  <a:lnTo>
+                    <a:pt x="5154" y="2393"/>
+                  </a:lnTo>
+                  <a:lnTo>
+                    <a:pt x="5129" y="2540"/>
+                  </a:lnTo>
+                  <a:lnTo>
+                    <a:pt x="5129" y="2687"/>
+                  </a:lnTo>
+                  <a:lnTo>
+                    <a:pt x="5129" y="2809"/>
+                  </a:lnTo>
+                  <a:lnTo>
+                    <a:pt x="5349" y="3981"/>
+                  </a:lnTo>
+                  <a:lnTo>
+                    <a:pt x="5398" y="4152"/>
+                  </a:lnTo>
+                  <a:lnTo>
+                    <a:pt x="147" y="9403"/>
+                  </a:lnTo>
+                  <a:lnTo>
+                    <a:pt x="74" y="9476"/>
+                  </a:lnTo>
+                  <a:lnTo>
+                    <a:pt x="25" y="9574"/>
+                  </a:lnTo>
+                  <a:lnTo>
+                    <a:pt x="0" y="9672"/>
+                  </a:lnTo>
+                  <a:lnTo>
+                    <a:pt x="0" y="9745"/>
+                  </a:lnTo>
+                  <a:lnTo>
+                    <a:pt x="0" y="9843"/>
+                  </a:lnTo>
+                  <a:lnTo>
+                    <a:pt x="25" y="9940"/>
+                  </a:lnTo>
+                  <a:lnTo>
+                    <a:pt x="74" y="10013"/>
+                  </a:lnTo>
+                  <a:lnTo>
+                    <a:pt x="147" y="10087"/>
+                  </a:lnTo>
+                  <a:lnTo>
+                    <a:pt x="220" y="10160"/>
+                  </a:lnTo>
+                  <a:lnTo>
+                    <a:pt x="293" y="10209"/>
+                  </a:lnTo>
+                  <a:lnTo>
+                    <a:pt x="391" y="10233"/>
+                  </a:lnTo>
+                  <a:lnTo>
+                    <a:pt x="586" y="10233"/>
+                  </a:lnTo>
+                  <a:lnTo>
+                    <a:pt x="660" y="10209"/>
+                  </a:lnTo>
+                  <a:lnTo>
+                    <a:pt x="757" y="10160"/>
+                  </a:lnTo>
+                  <a:lnTo>
+                    <a:pt x="831" y="10087"/>
+                  </a:lnTo>
+                  <a:lnTo>
+                    <a:pt x="6204" y="4738"/>
+                  </a:lnTo>
+                  <a:lnTo>
+                    <a:pt x="7254" y="4909"/>
+                  </a:lnTo>
+                  <a:lnTo>
+                    <a:pt x="7376" y="4933"/>
+                  </a:lnTo>
+                  <a:lnTo>
+                    <a:pt x="7523" y="4933"/>
+                  </a:lnTo>
+                  <a:lnTo>
+                    <a:pt x="7645" y="4909"/>
+                  </a:lnTo>
+                  <a:lnTo>
+                    <a:pt x="7791" y="4860"/>
+                  </a:lnTo>
+                  <a:lnTo>
+                    <a:pt x="7938" y="4811"/>
+                  </a:lnTo>
+                  <a:lnTo>
+                    <a:pt x="8060" y="4763"/>
+                  </a:lnTo>
+                  <a:lnTo>
+                    <a:pt x="8182" y="4689"/>
+                  </a:lnTo>
+                  <a:lnTo>
+                    <a:pt x="8280" y="4592"/>
+                  </a:lnTo>
+                  <a:lnTo>
+                    <a:pt x="9916" y="2955"/>
+                  </a:lnTo>
+                  <a:lnTo>
+                    <a:pt x="9989" y="2882"/>
+                  </a:lnTo>
+                  <a:lnTo>
+                    <a:pt x="10038" y="2784"/>
+                  </a:lnTo>
+                  <a:lnTo>
+                    <a:pt x="10063" y="2711"/>
+                  </a:lnTo>
+                  <a:lnTo>
+                    <a:pt x="10038" y="2613"/>
+                  </a:lnTo>
+                  <a:lnTo>
+                    <a:pt x="10014" y="2564"/>
+                  </a:lnTo>
+                  <a:lnTo>
+                    <a:pt x="9940" y="2491"/>
+                  </a:lnTo>
+                  <a:lnTo>
+                    <a:pt x="9843" y="2442"/>
+                  </a:lnTo>
+                  <a:lnTo>
+                    <a:pt x="9745" y="2418"/>
+                  </a:lnTo>
+                  <a:lnTo>
+                    <a:pt x="8695" y="2223"/>
+                  </a:lnTo>
+                  <a:lnTo>
+                    <a:pt x="9721" y="1197"/>
+                  </a:lnTo>
+                  <a:lnTo>
+                    <a:pt x="9794" y="1123"/>
+                  </a:lnTo>
+                  <a:lnTo>
+                    <a:pt x="9843" y="1026"/>
+                  </a:lnTo>
+                  <a:lnTo>
+                    <a:pt x="9867" y="953"/>
+                  </a:lnTo>
+                  <a:lnTo>
+                    <a:pt x="9867" y="855"/>
+                  </a:lnTo>
+                  <a:lnTo>
+                    <a:pt x="9867" y="757"/>
+                  </a:lnTo>
+                  <a:lnTo>
+                    <a:pt x="9843" y="659"/>
+                  </a:lnTo>
+                  <a:lnTo>
+                    <a:pt x="9794" y="586"/>
+                  </a:lnTo>
+                  <a:lnTo>
+                    <a:pt x="9721" y="513"/>
+                  </a:lnTo>
+                  <a:lnTo>
+                    <a:pt x="9647" y="440"/>
+                  </a:lnTo>
+                  <a:lnTo>
+                    <a:pt x="9574" y="391"/>
+                  </a:lnTo>
+                  <a:lnTo>
+                    <a:pt x="9476" y="366"/>
+                  </a:lnTo>
+                  <a:lnTo>
+                    <a:pt x="9281" y="366"/>
+                  </a:lnTo>
+                  <a:lnTo>
+                    <a:pt x="9208" y="391"/>
+                  </a:lnTo>
+                  <a:lnTo>
+                    <a:pt x="9110" y="440"/>
+                  </a:lnTo>
+                  <a:lnTo>
+                    <a:pt x="9037" y="513"/>
+                  </a:lnTo>
+                  <a:lnTo>
+                    <a:pt x="7889" y="1661"/>
+                  </a:lnTo>
+                  <a:lnTo>
+                    <a:pt x="7840" y="1490"/>
+                  </a:lnTo>
+                  <a:lnTo>
+                    <a:pt x="7620" y="318"/>
+                  </a:lnTo>
+                  <a:lnTo>
+                    <a:pt x="7596" y="195"/>
+                  </a:lnTo>
+                  <a:lnTo>
+                    <a:pt x="7547" y="98"/>
+                  </a:lnTo>
+                  <a:lnTo>
+                    <a:pt x="7498" y="49"/>
+                  </a:lnTo>
+                  <a:lnTo>
+                    <a:pt x="7425" y="0"/>
+                  </a:lnTo>
+                  <a:close/>
+                </a:path>
+              </a:pathLst>
+            </a:custGeom>
+            <a:solidFill>
+              <a:srgbClr val="000000"/>
+            </a:solidFill>
+            <a:ln>
+              <a:noFill/>
+            </a:ln>
+          </p:spPr>
+          <p:txBody>
+            <a:bodyPr spcFirstLastPara="1" wrap="square" lIns="91425" tIns="91425" rIns="91425" bIns="91425" anchor="ctr" anchorCtr="0">
+              <a:noAutofit/>
+            </a:bodyPr>
+            <a:lstStyle/>
+            <a:p>
+              <a:pPr marL="0" lvl="0" indent="0" algn="l" rtl="0">
+                <a:spcBef>
+                  <a:spcPts val="0"/>
+                </a:spcBef>
+                <a:spcAft>
+                  <a:spcPts val="0"/>
+                </a:spcAft>
+                <a:buNone/>
+              </a:pPr>
+              <a:endParaRPr/>
+            </a:p>
+          </p:txBody>
+        </p:sp>
+      </p:grpSp>
+      <p:sp>
+        <p:nvSpPr>
+          <p:cNvPr id="15" name="Title 1">
+            <a:extLst>
+              <a:ext uri="{FF2B5EF4-FFF2-40B4-BE49-F238E27FC236}">
+                <a16:creationId xmlns:a16="http://schemas.microsoft.com/office/drawing/2014/main" id="{C9FB675D-BBD2-6CEE-6057-8DABC13AB59B}"/>
+              </a:ext>
+            </a:extLst>
+          </p:cNvPr>
+          <p:cNvSpPr txBox="1">
+            <a:spLocks/>
+          </p:cNvSpPr>
+          <p:nvPr/>
+        </p:nvSpPr>
+        <p:spPr>
+          <a:xfrm>
+            <a:off x="602770" y="2156758"/>
+            <a:ext cx="6264478" cy="1159800"/>
+          </a:xfrm>
+          <a:prstGeom prst="rect">
+            <a:avLst/>
+          </a:prstGeom>
+          <a:noFill/>
+          <a:ln>
+            <a:noFill/>
+          </a:ln>
+        </p:spPr>
+        <p:txBody>
+          <a:bodyPr spcFirstLastPara="1" wrap="square" lIns="91425" tIns="91425" rIns="91425" bIns="91425" anchor="b" anchorCtr="0">
+            <a:noAutofit/>
+          </a:bodyPr>
+          <a:lstStyle>
+            <a:defPPr marR="0" lvl="0" algn="l" rtl="0">
+              <a:lnSpc>
+                <a:spcPct val="100000"/>
+              </a:lnSpc>
+              <a:spcBef>
+                <a:spcPts val="0"/>
+              </a:spcBef>
+              <a:spcAft>
+                <a:spcPts val="0"/>
+              </a:spcAft>
+            </a:defPPr>
+            <a:lvl1pPr marR="0" lvl="0" algn="l" rtl="0">
+              <a:lnSpc>
+                <a:spcPct val="100000"/>
+              </a:lnSpc>
+              <a:spcBef>
+                <a:spcPts val="0"/>
+              </a:spcBef>
+              <a:spcAft>
+                <a:spcPts val="0"/>
+              </a:spcAft>
+              <a:buClr>
+                <a:schemeClr val="dk1"/>
+              </a:buClr>
+              <a:buSzPts val="4800"/>
+              <a:buFont typeface="Work Sans"/>
+              <a:buNone/>
+              <a:defRPr sz="4800" b="1" i="0" u="none" strike="noStrike" cap="none">
+                <a:solidFill>
+                  <a:schemeClr val="dk1"/>
+                </a:solidFill>
+                <a:latin typeface="Work Sans"/>
+                <a:ea typeface="Work Sans"/>
+                <a:cs typeface="Work Sans"/>
+                <a:sym typeface="Work Sans"/>
+              </a:defRPr>
+            </a:lvl1pPr>
+            <a:lvl2pPr marR="0" lvl="1" algn="l" rtl="0">
+              <a:lnSpc>
+                <a:spcPct val="100000"/>
+              </a:lnSpc>
+              <a:spcBef>
+                <a:spcPts val="0"/>
+              </a:spcBef>
+              <a:spcAft>
+                <a:spcPts val="0"/>
+              </a:spcAft>
+              <a:buClr>
+                <a:schemeClr val="dk1"/>
+              </a:buClr>
+              <a:buSzPts val="4800"/>
+              <a:buFont typeface="Work Sans"/>
+              <a:buNone/>
+              <a:defRPr sz="4800" b="1" i="0" u="none" strike="noStrike" cap="none">
+                <a:solidFill>
+                  <a:schemeClr val="dk1"/>
+                </a:solidFill>
+                <a:latin typeface="Work Sans"/>
+                <a:ea typeface="Work Sans"/>
+                <a:cs typeface="Work Sans"/>
+                <a:sym typeface="Work Sans"/>
+              </a:defRPr>
+            </a:lvl2pPr>
+            <a:lvl3pPr marR="0" lvl="2" algn="l" rtl="0">
+              <a:lnSpc>
+                <a:spcPct val="100000"/>
+              </a:lnSpc>
+              <a:spcBef>
+                <a:spcPts val="0"/>
+              </a:spcBef>
+              <a:spcAft>
+                <a:spcPts val="0"/>
+              </a:spcAft>
+              <a:buClr>
+                <a:schemeClr val="dk1"/>
+              </a:buClr>
+              <a:buSzPts val="4800"/>
+              <a:buFont typeface="Work Sans"/>
+              <a:buNone/>
+              <a:defRPr sz="4800" b="1" i="0" u="none" strike="noStrike" cap="none">
+                <a:solidFill>
+                  <a:schemeClr val="dk1"/>
+                </a:solidFill>
+                <a:latin typeface="Work Sans"/>
+                <a:ea typeface="Work Sans"/>
+                <a:cs typeface="Work Sans"/>
+                <a:sym typeface="Work Sans"/>
+              </a:defRPr>
+            </a:lvl3pPr>
+            <a:lvl4pPr marR="0" lvl="3" algn="l" rtl="0">
+              <a:lnSpc>
+                <a:spcPct val="100000"/>
+              </a:lnSpc>
+              <a:spcBef>
+                <a:spcPts val="0"/>
+              </a:spcBef>
+              <a:spcAft>
+                <a:spcPts val="0"/>
+              </a:spcAft>
+              <a:buClr>
+                <a:schemeClr val="dk1"/>
+              </a:buClr>
+              <a:buSzPts val="4800"/>
+              <a:buFont typeface="Work Sans"/>
+              <a:buNone/>
+              <a:defRPr sz="4800" b="1" i="0" u="none" strike="noStrike" cap="none">
+                <a:solidFill>
+                  <a:schemeClr val="dk1"/>
+                </a:solidFill>
+                <a:latin typeface="Work Sans"/>
+                <a:ea typeface="Work Sans"/>
+                <a:cs typeface="Work Sans"/>
+                <a:sym typeface="Work Sans"/>
+              </a:defRPr>
+            </a:lvl4pPr>
+            <a:lvl5pPr marR="0" lvl="4" algn="l" rtl="0">
+              <a:lnSpc>
+                <a:spcPct val="100000"/>
+              </a:lnSpc>
+              <a:spcBef>
+                <a:spcPts val="0"/>
+              </a:spcBef>
+              <a:spcAft>
+                <a:spcPts val="0"/>
+              </a:spcAft>
+              <a:buClr>
+                <a:schemeClr val="dk1"/>
+              </a:buClr>
+              <a:buSzPts val="4800"/>
+              <a:buFont typeface="Work Sans"/>
+              <a:buNone/>
+              <a:defRPr sz="4800" b="1" i="0" u="none" strike="noStrike" cap="none">
+                <a:solidFill>
+                  <a:schemeClr val="dk1"/>
+                </a:solidFill>
+                <a:latin typeface="Work Sans"/>
+                <a:ea typeface="Work Sans"/>
+                <a:cs typeface="Work Sans"/>
+                <a:sym typeface="Work Sans"/>
+              </a:defRPr>
+            </a:lvl5pPr>
+            <a:lvl6pPr marR="0" lvl="5" algn="l" rtl="0">
+              <a:lnSpc>
+                <a:spcPct val="100000"/>
+              </a:lnSpc>
+              <a:spcBef>
+                <a:spcPts val="0"/>
+              </a:spcBef>
+              <a:spcAft>
+                <a:spcPts val="0"/>
+              </a:spcAft>
+              <a:buClr>
+                <a:schemeClr val="dk1"/>
+              </a:buClr>
+              <a:buSzPts val="4800"/>
+              <a:buFont typeface="Work Sans"/>
+              <a:buNone/>
+              <a:defRPr sz="4800" b="1" i="0" u="none" strike="noStrike" cap="none">
+                <a:solidFill>
+                  <a:schemeClr val="dk1"/>
+                </a:solidFill>
+                <a:latin typeface="Work Sans"/>
+                <a:ea typeface="Work Sans"/>
+                <a:cs typeface="Work Sans"/>
+                <a:sym typeface="Work Sans"/>
+              </a:defRPr>
+            </a:lvl6pPr>
+            <a:lvl7pPr marR="0" lvl="6" algn="l" rtl="0">
+              <a:lnSpc>
+                <a:spcPct val="100000"/>
+              </a:lnSpc>
+              <a:spcBef>
+                <a:spcPts val="0"/>
+              </a:spcBef>
+              <a:spcAft>
+                <a:spcPts val="0"/>
+              </a:spcAft>
+              <a:buClr>
+                <a:schemeClr val="dk1"/>
+              </a:buClr>
+              <a:buSzPts val="4800"/>
+              <a:buFont typeface="Work Sans"/>
+              <a:buNone/>
+              <a:defRPr sz="4800" b="1" i="0" u="none" strike="noStrike" cap="none">
+                <a:solidFill>
+                  <a:schemeClr val="dk1"/>
+                </a:solidFill>
+                <a:latin typeface="Work Sans"/>
+                <a:ea typeface="Work Sans"/>
+                <a:cs typeface="Work Sans"/>
+                <a:sym typeface="Work Sans"/>
+              </a:defRPr>
+            </a:lvl7pPr>
+            <a:lvl8pPr marR="0" lvl="7" algn="l" rtl="0">
+              <a:lnSpc>
+                <a:spcPct val="100000"/>
+              </a:lnSpc>
+              <a:spcBef>
+                <a:spcPts val="0"/>
+              </a:spcBef>
+              <a:spcAft>
+                <a:spcPts val="0"/>
+              </a:spcAft>
+              <a:buClr>
+                <a:schemeClr val="dk1"/>
+              </a:buClr>
+              <a:buSzPts val="4800"/>
+              <a:buFont typeface="Work Sans"/>
+              <a:buNone/>
+              <a:defRPr sz="4800" b="1" i="0" u="none" strike="noStrike" cap="none">
+                <a:solidFill>
+                  <a:schemeClr val="dk1"/>
+                </a:solidFill>
+                <a:latin typeface="Work Sans"/>
+                <a:ea typeface="Work Sans"/>
+                <a:cs typeface="Work Sans"/>
+                <a:sym typeface="Work Sans"/>
+              </a:defRPr>
+            </a:lvl8pPr>
+            <a:lvl9pPr marR="0" lvl="8" algn="l" rtl="0">
+              <a:lnSpc>
+                <a:spcPct val="100000"/>
+              </a:lnSpc>
+              <a:spcBef>
+                <a:spcPts val="0"/>
+              </a:spcBef>
+              <a:spcAft>
+                <a:spcPts val="0"/>
+              </a:spcAft>
+              <a:buClr>
+                <a:schemeClr val="dk1"/>
+              </a:buClr>
+              <a:buSzPts val="4800"/>
+              <a:buFont typeface="Work Sans"/>
+              <a:buNone/>
+              <a:defRPr sz="4800" b="1" i="0" u="none" strike="noStrike" cap="none">
+                <a:solidFill>
+                  <a:schemeClr val="dk1"/>
+                </a:solidFill>
+                <a:latin typeface="Work Sans"/>
+                <a:ea typeface="Work Sans"/>
+                <a:cs typeface="Work Sans"/>
+                <a:sym typeface="Work Sans"/>
+              </a:defRPr>
+            </a:lvl9pPr>
+          </a:lstStyle>
+          <a:p>
+            <a:r>
+              <a:rPr lang="en-US" dirty="0" smtClean="0"/>
+              <a:t>(Inner Class)</a:t>
+            </a:r>
+            <a:endParaRPr lang="en-US" dirty="0"/>
+          </a:p>
+        </p:txBody>
+      </p:sp>
+    </p:spTree>
+    <p:extLst>
+      <p:ext uri="{BB962C8B-B14F-4D97-AF65-F5344CB8AC3E}">
+        <p14:creationId xmlns:p14="http://schemas.microsoft.com/office/powerpoint/2010/main" val="2326741492"/>
+      </p:ext>
+    </p:extLst>
+  </p:cSld>
+  <p:clrMapOvr>
+    <a:masterClrMapping/>
+  </p:clrMapOvr>
+  <p:timing>
+    <p:tnLst>
+      <p:par>
+        <p:cTn id="1" dur="indefinite" restart="never" nodeType="tmRoot"/>
+      </p:par>
+    </p:tnLst>
+  </p:timing>
+</p:sld>
+</file>
+
+<file path=ppt/slides/slide8.xml><?xml version="1.0" encoding="utf-8"?>
+<p:sld xmlns:a="http://schemas.openxmlformats.org/drawingml/2006/main" xmlns:r="http://schemas.openxmlformats.org/officeDocument/2006/relationships" xmlns:p="http://schemas.openxmlformats.org/presentationml/2006/main">
+  <p:cSld>
+    <p:spTree>
+      <p:nvGrpSpPr>
+        <p:cNvPr id="1" name=""/>
+        <p:cNvGrpSpPr/>
+        <p:nvPr/>
+      </p:nvGrpSpPr>
+      <p:grpSpPr>
+        <a:xfrm>
+          <a:off x="0" y="0"/>
+          <a:ext cx="0" cy="0"/>
+          <a:chOff x="0" y="0"/>
+          <a:chExt cx="0" cy="0"/>
+        </a:xfrm>
+      </p:grpSpPr>
+      <p:sp>
+        <p:nvSpPr>
+          <p:cNvPr id="2" name="Title 1"/>
+          <p:cNvSpPr>
+            <a:spLocks noGrp="1"/>
+          </p:cNvSpPr>
+          <p:nvPr>
+            <p:ph type="title"/>
+          </p:nvPr>
+        </p:nvSpPr>
+        <p:spPr>
+          <a:xfrm>
+            <a:off x="796263" y="556052"/>
+            <a:ext cx="5092200" cy="643270"/>
+          </a:xfrm>
+        </p:spPr>
+        <p:txBody>
+          <a:bodyPr/>
+          <a:lstStyle/>
+          <a:p>
+            <a:r>
+              <a:rPr lang="en-US" sz="3200" dirty="0" smtClean="0"/>
+              <a:t>1. </a:t>
+            </a:r>
+            <a:r>
+              <a:rPr lang="en-US" sz="3200" dirty="0" err="1" smtClean="0"/>
+              <a:t>Khái</a:t>
+            </a:r>
+            <a:r>
+              <a:rPr lang="en-US" sz="3200" dirty="0" smtClean="0"/>
+              <a:t> </a:t>
+            </a:r>
+            <a:r>
+              <a:rPr lang="en-US" sz="3200" dirty="0" err="1" smtClean="0"/>
+              <a:t>niệm</a:t>
+            </a:r>
+            <a:endParaRPr lang="en-US" sz="3200" dirty="0"/>
+          </a:p>
+        </p:txBody>
+      </p:sp>
+      <p:sp>
+        <p:nvSpPr>
+          <p:cNvPr id="3" name="Text Placeholder 2"/>
+          <p:cNvSpPr>
+            <a:spLocks noGrp="1"/>
+          </p:cNvSpPr>
+          <p:nvPr>
+            <p:ph type="body" idx="1"/>
+          </p:nvPr>
+        </p:nvSpPr>
+        <p:spPr>
+          <a:xfrm>
+            <a:off x="796263" y="1266003"/>
+            <a:ext cx="7405800" cy="2004000"/>
+          </a:xfrm>
+        </p:spPr>
+        <p:txBody>
+          <a:bodyPr/>
+          <a:lstStyle/>
+          <a:p>
+            <a:r>
+              <a:rPr lang="vi-VN" b="1" dirty="0"/>
+              <a:t>Lớp lồng nhau (inner class) trong java</a:t>
+            </a:r>
+            <a:r>
+              <a:rPr lang="vi-VN" dirty="0"/>
+              <a:t> là một lớp được khai báo trong lớp (class) hoặc interface khác.</a:t>
+            </a:r>
+          </a:p>
+          <a:p>
+            <a:r>
+              <a:rPr lang="vi-VN" dirty="0" smtClean="0"/>
+              <a:t>Lớp </a:t>
+            </a:r>
+            <a:r>
+              <a:rPr lang="vi-VN" dirty="0"/>
+              <a:t>lồng không có quan hệ cha con, do vậy không có tính kế thừa inheritance</a:t>
+            </a:r>
+            <a:r>
+              <a:rPr lang="en-US" dirty="0"/>
+              <a:t>.</a:t>
+            </a:r>
+          </a:p>
+          <a:p>
+            <a:r>
+              <a:rPr lang="vi-VN" dirty="0"/>
+              <a:t>Khai báo 1 class ở BÊN TRONG 1 class khác.</a:t>
+            </a:r>
+            <a:endParaRPr lang="en-US" dirty="0"/>
+          </a:p>
+          <a:p>
+            <a:endParaRPr lang="en-US" dirty="0"/>
+          </a:p>
+        </p:txBody>
+      </p:sp>
+      <p:sp>
+        <p:nvSpPr>
+          <p:cNvPr id="4" name="Slide Number Placeholder 3"/>
+          <p:cNvSpPr>
+            <a:spLocks noGrp="1"/>
+          </p:cNvSpPr>
+          <p:nvPr>
+            <p:ph type="sldNum" idx="12"/>
+          </p:nvPr>
+        </p:nvSpPr>
+        <p:spPr/>
+        <p:txBody>
+          <a:bodyPr/>
+          <a:lstStyle/>
+          <a:p>
+            <a:pPr marL="0" lvl="0" indent="0" algn="r" rtl="0">
+              <a:spcBef>
+                <a:spcPts val="0"/>
+              </a:spcBef>
+              <a:spcAft>
+                <a:spcPts val="0"/>
+              </a:spcAft>
+              <a:buNone/>
+            </a:pPr>
+            <a:fld id="{00000000-1234-1234-1234-123412341234}" type="slidenum">
+              <a:rPr lang="en" smtClean="0"/>
+              <a:t>8</a:t>
+            </a:fld>
+            <a:endParaRPr lang="en"/>
+          </a:p>
+        </p:txBody>
+      </p:sp>
+    </p:spTree>
+    <p:extLst>
+      <p:ext uri="{BB962C8B-B14F-4D97-AF65-F5344CB8AC3E}">
+        <p14:creationId xmlns:p14="http://schemas.microsoft.com/office/powerpoint/2010/main" val="233784541"/>
+      </p:ext>
+    </p:extLst>
+  </p:cSld>
+  <p:clrMapOvr>
+    <a:masterClrMapping/>
+  </p:clrMapOvr>
+  <p:timing>
+    <p:tnLst>
+      <p:par>
+        <p:cTn id="1" dur="indefinite" restart="never" nodeType="tmRoot"/>
+      </p:par>
+    </p:tnLst>
+  </p:timing>
+</p:sld>
+</file>
+
+<file path=ppt/slides/slide9.xml><?xml version="1.0" encoding="utf-8"?>
+<p:sld xmlns:a="http://schemas.openxmlformats.org/drawingml/2006/main" xmlns:r="http://schemas.openxmlformats.org/officeDocument/2006/relationships" xmlns:p="http://schemas.openxmlformats.org/presentationml/2006/main">
+  <p:cSld>
+    <p:spTree>
+      <p:nvGrpSpPr>
+        <p:cNvPr id="1" name=""/>
+        <p:cNvGrpSpPr/>
+        <p:nvPr/>
+      </p:nvGrpSpPr>
+      <p:grpSpPr>
+        <a:xfrm>
+          <a:off x="0" y="0"/>
+          <a:ext cx="0" cy="0"/>
+          <a:chOff x="0" y="0"/>
+          <a:chExt cx="0" cy="0"/>
+        </a:xfrm>
+      </p:grpSpPr>
+      <p:sp>
+        <p:nvSpPr>
+          <p:cNvPr id="7" name="Title 6"/>
+          <p:cNvSpPr>
+            <a:spLocks noGrp="1"/>
+          </p:cNvSpPr>
+          <p:nvPr>
+            <p:ph type="title"/>
+          </p:nvPr>
+        </p:nvSpPr>
+        <p:spPr>
+          <a:xfrm>
+            <a:off x="869150" y="463825"/>
+            <a:ext cx="5092200" cy="776565"/>
+          </a:xfrm>
+        </p:spPr>
+        <p:txBody>
+          <a:bodyPr/>
+          <a:lstStyle/>
+          <a:p>
+            <a:r>
+              <a:rPr lang="en-US" dirty="0" smtClean="0"/>
+              <a:t>2. </a:t>
+            </a:r>
+            <a:r>
+              <a:rPr lang="en-US" dirty="0" err="1" smtClean="0"/>
+              <a:t>Phân</a:t>
+            </a:r>
+            <a:r>
+              <a:rPr lang="en-US" dirty="0" smtClean="0"/>
+              <a:t> </a:t>
+            </a:r>
+            <a:r>
+              <a:rPr lang="en-US" dirty="0" err="1" smtClean="0"/>
+              <a:t>loại</a:t>
+            </a:r>
+            <a:endParaRPr lang="en-US" dirty="0"/>
+          </a:p>
+        </p:txBody>
+      </p:sp>
+      <p:sp>
+        <p:nvSpPr>
+          <p:cNvPr id="3" name="Text Placeholder 2"/>
+          <p:cNvSpPr>
+            <a:spLocks noGrp="1"/>
+          </p:cNvSpPr>
+          <p:nvPr>
+            <p:ph type="body" idx="1"/>
+          </p:nvPr>
+        </p:nvSpPr>
+        <p:spPr>
+          <a:xfrm>
+            <a:off x="753699" y="1100351"/>
+            <a:ext cx="7405800" cy="2004000"/>
+          </a:xfrm>
+        </p:spPr>
+        <p:txBody>
+          <a:bodyPr/>
+          <a:lstStyle/>
+          <a:p>
+            <a:r>
+              <a:rPr lang="vi-VN" dirty="0" smtClean="0"/>
+              <a:t>Lớp chứa các class khác bên trong nó gọi là Outer Class (lớp bao)</a:t>
+            </a:r>
+            <a:endParaRPr lang="en-US" dirty="0" smtClean="0"/>
+          </a:p>
+          <a:p>
+            <a:r>
+              <a:rPr lang="vi-VN" dirty="0" smtClean="0"/>
+              <a:t>Lớp ở bên trong Outer Class được chia làm </a:t>
+            </a:r>
+            <a:r>
+              <a:rPr lang="en-US" dirty="0" smtClean="0"/>
+              <a:t>3</a:t>
+            </a:r>
+            <a:r>
+              <a:rPr lang="vi-VN" dirty="0" smtClean="0"/>
+              <a:t> loại khác nhau:     </a:t>
+            </a:r>
+            <a:endParaRPr lang="en-US" dirty="0" smtClean="0"/>
+          </a:p>
+          <a:p>
+            <a:pPr lvl="1">
+              <a:buFont typeface="Work Sans Light" panose="020B0604020202020204" charset="0"/>
+              <a:buChar char="†"/>
+            </a:pPr>
+            <a:r>
+              <a:rPr lang="vi-VN" dirty="0" smtClean="0"/>
+              <a:t>Non-static class, </a:t>
+            </a:r>
+            <a:endParaRPr lang="en-US" dirty="0" smtClean="0"/>
+          </a:p>
+          <a:p>
+            <a:pPr lvl="1">
+              <a:buFont typeface="Work Sans Light" panose="020B0604020202020204" charset="0"/>
+              <a:buChar char="†"/>
+            </a:pPr>
+            <a:r>
+              <a:rPr lang="vi-VN" dirty="0" smtClean="0"/>
+              <a:t>Static class</a:t>
+            </a:r>
+            <a:endParaRPr lang="en-US" dirty="0" smtClean="0"/>
+          </a:p>
+          <a:p>
+            <a:pPr lvl="1">
+              <a:buFont typeface="Work Sans Light" panose="020B0604020202020204" charset="0"/>
+              <a:buChar char="†"/>
+            </a:pPr>
+            <a:r>
+              <a:rPr lang="vi-VN" dirty="0" smtClean="0"/>
+              <a:t>MethodLocalInner:</a:t>
+            </a:r>
+            <a:endParaRPr lang="en-US" dirty="0"/>
+          </a:p>
+        </p:txBody>
+      </p:sp>
+      <p:sp>
+        <p:nvSpPr>
+          <p:cNvPr id="4" name="Slide Number Placeholder 3"/>
+          <p:cNvSpPr>
+            <a:spLocks noGrp="1"/>
+          </p:cNvSpPr>
+          <p:nvPr>
+            <p:ph type="sldNum" idx="12"/>
+          </p:nvPr>
+        </p:nvSpPr>
+        <p:spPr/>
+        <p:txBody>
+          <a:bodyPr/>
+          <a:lstStyle/>
+          <a:p>
+            <a:pPr lvl="0"/>
+            <a:fld id="{00000000-1234-1234-1234-123412341234}" type="slidenum">
+              <a:rPr lang="en" smtClean="0"/>
+              <a:pPr lvl="0"/>
+              <a:t>9</a:t>
+            </a:fld>
+            <a:endParaRPr lang="en"/>
+          </a:p>
+        </p:txBody>
+      </p:sp>
+    </p:spTree>
+    <p:extLst>
+      <p:ext uri="{BB962C8B-B14F-4D97-AF65-F5344CB8AC3E}">
+        <p14:creationId xmlns:p14="http://schemas.microsoft.com/office/powerpoint/2010/main" val="3521310321"/>
+      </p:ext>
+    </p:extLst>
+  </p:cSld>
+  <p:clrMapOvr>
+    <a:masterClrMapping/>
+  </p:clrMapOvr>
+  <p:timing>
+    <p:tnLst>
+      <p:par>
+        <p:cTn id="1" dur="indefinite" restart="never" nodeType="tmRoot"/>
+      </p:par>
+    </p:tnLst>
+  </p:timing>
+</p:sld>
+</file>
+
 <file path=ppt/theme/theme1.xml><?xml version="1.0" encoding="utf-8"?>
 <a:theme xmlns:a="http://schemas.openxmlformats.org/drawingml/2006/main" name="Jacquenetta template">
   <a:themeElements>

--- a/ProjectNhom3/src/baocaogiuaki/lambda/Lambda.pptx
+++ b/ProjectNhom3/src/baocaogiuaki/lambda/Lambda.pptx
@@ -5,15 +5,15 @@
     <p:sldMasterId id="2147483658" r:id="rId1"/>
   </p:sldMasterIdLst>
   <p:notesMasterIdLst>
-    <p:notesMasterId r:id="rId20"/>
+    <p:notesMasterId r:id="rId18"/>
   </p:notesMasterIdLst>
   <p:sldIdLst>
-    <p:sldId id="266" r:id="rId2"/>
-    <p:sldId id="267" r:id="rId3"/>
-    <p:sldId id="268" r:id="rId4"/>
-    <p:sldId id="269" r:id="rId5"/>
-    <p:sldId id="270" r:id="rId6"/>
-    <p:sldId id="271" r:id="rId7"/>
+    <p:sldId id="279" r:id="rId2"/>
+    <p:sldId id="280" r:id="rId3"/>
+    <p:sldId id="281" r:id="rId4"/>
+    <p:sldId id="282" r:id="rId5"/>
+    <p:sldId id="283" r:id="rId6"/>
+    <p:sldId id="284" r:id="rId7"/>
     <p:sldId id="273" r:id="rId8"/>
     <p:sldId id="272" r:id="rId9"/>
     <p:sldId id="274" r:id="rId10"/>
@@ -24,32 +24,30 @@
     <p:sldId id="261" r:id="rId15"/>
     <p:sldId id="262" r:id="rId16"/>
     <p:sldId id="263" r:id="rId17"/>
-    <p:sldId id="264" r:id="rId18"/>
-    <p:sldId id="265" r:id="rId19"/>
   </p:sldIdLst>
   <p:sldSz cx="9144000" cy="5143500" type="screen16x9"/>
   <p:notesSz cx="6858000" cy="9144000"/>
   <p:embeddedFontLst>
     <p:embeddedFont>
       <p:font typeface="Roboto" panose="020B0604020202020204" charset="0"/>
-      <p:regular r:id="rId21"/>
-      <p:bold r:id="rId22"/>
-      <p:italic r:id="rId23"/>
-      <p:boldItalic r:id="rId24"/>
+      <p:regular r:id="rId19"/>
+      <p:bold r:id="rId20"/>
+      <p:italic r:id="rId21"/>
+      <p:boldItalic r:id="rId22"/>
+    </p:embeddedFont>
+    <p:embeddedFont>
+      <p:font typeface="Work Sans" panose="020B0604020202020204" charset="0"/>
+      <p:regular r:id="rId23"/>
+      <p:bold r:id="rId24"/>
+      <p:italic r:id="rId25"/>
+      <p:boldItalic r:id="rId26"/>
     </p:embeddedFont>
     <p:embeddedFont>
       <p:font typeface="Work Sans Light" panose="020B0604020202020204" charset="0"/>
-      <p:regular r:id="rId25"/>
-      <p:bold r:id="rId26"/>
-      <p:italic r:id="rId27"/>
-      <p:boldItalic r:id="rId28"/>
-    </p:embeddedFont>
-    <p:embeddedFont>
-      <p:font typeface="Work Sans" panose="020B0604020202020204" charset="0"/>
-      <p:regular r:id="rId29"/>
-      <p:bold r:id="rId30"/>
-      <p:italic r:id="rId31"/>
-      <p:boldItalic r:id="rId32"/>
+      <p:regular r:id="rId27"/>
+      <p:bold r:id="rId28"/>
+      <p:italic r:id="rId29"/>
+      <p:boldItalic r:id="rId30"/>
     </p:embeddedFont>
   </p:embeddedFontLst>
   <p:defaultTextStyle>
@@ -4797,7 +4795,7 @@
     </p:spTree>
     <p:extLst>
       <p:ext uri="{BB962C8B-B14F-4D97-AF65-F5344CB8AC3E}">
-        <p14:creationId xmlns:p14="http://schemas.microsoft.com/office/powerpoint/2010/main" val="3099593086"/>
+        <p14:creationId xmlns:p14="http://schemas.microsoft.com/office/powerpoint/2010/main" val="1452075982"/>
       </p:ext>
     </p:extLst>
   </p:cSld>
@@ -8370,9 +8368,22 @@
           <a:lstStyle/>
           <a:p>
             <a:r>
-              <a:rPr lang="en-US"/>
-              <a:t>Cú pháp:</a:t>
-            </a:r>
+              <a:rPr lang="en-US" dirty="0" err="1"/>
+              <a:t>Cú</a:t>
+            </a:r>
+            <a:r>
+              <a:rPr lang="en-US" dirty="0"/>
+              <a:t> </a:t>
+            </a:r>
+            <a:r>
+              <a:rPr lang="en-US" dirty="0" err="1" smtClean="0"/>
+              <a:t>pháp</a:t>
+            </a:r>
+            <a:r>
+              <a:rPr lang="en-US" dirty="0" smtClean="0"/>
+              <a:t> lambda:</a:t>
+            </a:r>
+            <a:endParaRPr lang="en-US" dirty="0"/>
           </a:p>
         </p:txBody>
       </p:sp>
@@ -8405,46 +8416,103 @@
             <a:pPr marL="101600" indent="0">
               <a:buNone/>
             </a:pPr>
-            <a:endParaRPr lang="en-US" sz="1800"/>
+            <a:endParaRPr lang="en-US" sz="1800" dirty="0"/>
           </a:p>
           <a:p>
             <a:r>
-              <a:rPr lang="en-US" sz="1800"/>
-              <a:t>([&lt;Kiểu 1&gt;] p1, [&lt;Kiểu 1&gt;] p2, .....) </a:t>
-            </a:r>
-            <a:r>
-              <a:rPr lang="en-US" sz="1800">
+              <a:rPr lang="en-US" sz="1800" dirty="0"/>
+              <a:t>([&lt;</a:t>
+            </a:r>
+            <a:r>
+              <a:rPr lang="en-US" sz="1800" dirty="0" err="1"/>
+              <a:t>Kiểu</a:t>
+            </a:r>
+            <a:r>
+              <a:rPr lang="en-US" sz="1800" dirty="0"/>
+              <a:t> 1&gt;] p1, [&lt;</a:t>
+            </a:r>
+            <a:r>
+              <a:rPr lang="en-US" sz="1800" dirty="0" err="1"/>
+              <a:t>Kiểu</a:t>
+            </a:r>
+            <a:r>
+              <a:rPr lang="en-US" sz="1800" dirty="0"/>
+              <a:t> 1&gt;] p2, .....) </a:t>
+            </a:r>
+            <a:r>
+              <a:rPr lang="en-US" sz="1800" dirty="0">
                 <a:sym typeface="Wingdings" panose="05000000000000000000" pitchFamily="2" charset="2"/>
               </a:rPr>
               <a:t> </a:t>
             </a:r>
             <a:r>
-              <a:rPr lang="en-US" sz="1800"/>
-              <a:t>&lt;một câu lệnh&gt;</a:t>
-            </a:r>
+              <a:rPr lang="en-US" sz="1800" dirty="0"/>
+              <a:t>&lt;</a:t>
+            </a:r>
+            <a:r>
+              <a:rPr lang="en-US" sz="1800" dirty="0" err="1"/>
+              <a:t>một</a:t>
+            </a:r>
+            <a:r>
+              <a:rPr lang="en-US" sz="1800" dirty="0"/>
+              <a:t> </a:t>
+            </a:r>
+            <a:r>
+              <a:rPr lang="en-US" sz="1800" dirty="0" err="1"/>
+              <a:t>câu</a:t>
+            </a:r>
+            <a:r>
+              <a:rPr lang="en-US" sz="1800" dirty="0"/>
+              <a:t> </a:t>
+            </a:r>
+            <a:r>
+              <a:rPr lang="en-US" sz="1800" dirty="0" err="1"/>
+              <a:t>lệnh</a:t>
+            </a:r>
+            <a:r>
+              <a:rPr lang="en-US" sz="1800" dirty="0" smtClean="0"/>
+              <a:t>&gt;;</a:t>
+            </a:r>
+            <a:endParaRPr lang="en-US" sz="1800" dirty="0"/>
           </a:p>
           <a:p>
             <a:pPr marL="101600" indent="0">
               <a:buNone/>
             </a:pPr>
             <a:r>
-              <a:rPr lang="en-US" sz="1800"/>
+              <a:rPr lang="en-US" sz="1800" dirty="0"/>
               <a:t>	 </a:t>
             </a:r>
           </a:p>
           <a:p>
             <a:r>
-              <a:rPr lang="en-US" sz="1800"/>
-              <a:t>([&lt;Kiểu 1&gt;] p1, [&lt;Kiểu 1&gt;] p2, .....) </a:t>
-            </a:r>
-            <a:r>
-              <a:rPr lang="en-US" sz="1800">
+              <a:rPr lang="en-US" sz="1800" dirty="0" smtClean="0"/>
+              <a:t>([&lt;</a:t>
+            </a:r>
+            <a:r>
+              <a:rPr lang="en-US" sz="1800" dirty="0" err="1" smtClean="0"/>
+              <a:t>Kiểu</a:t>
+            </a:r>
+            <a:r>
+              <a:rPr lang="en-US" sz="1800" dirty="0" smtClean="0"/>
+              <a:t> 1&gt;] p1, [&lt;</a:t>
+            </a:r>
+            <a:r>
+              <a:rPr lang="en-US" sz="1800" dirty="0" err="1" smtClean="0"/>
+              <a:t>Kiểu</a:t>
+            </a:r>
+            <a:r>
+              <a:rPr lang="en-US" sz="1800" dirty="0" smtClean="0"/>
+              <a:t> 1&gt;] p2, .....) </a:t>
+            </a:r>
+            <a:r>
+              <a:rPr lang="en-US" sz="1800" dirty="0" smtClean="0">
                 <a:sym typeface="Wingdings" panose="05000000000000000000" pitchFamily="2" charset="2"/>
               </a:rPr>
               <a:t></a:t>
             </a:r>
             <a:r>
-              <a:rPr lang="en-US" sz="1800"/>
+              <a:rPr lang="en-US" sz="1800" dirty="0" smtClean="0"/>
               <a:t> {</a:t>
             </a:r>
           </a:p>
@@ -8453,18 +8521,48 @@
               <a:buNone/>
             </a:pPr>
             <a:r>
-              <a:rPr lang="en-US" sz="1800"/>
-              <a:t>		&lt;nhiều câu lệnh&gt;</a:t>
-            </a:r>
+              <a:rPr lang="en-US" sz="1800" dirty="0" smtClean="0"/>
+              <a:t>		&lt;</a:t>
+            </a:r>
+            <a:r>
+              <a:rPr lang="en-US" sz="1800" dirty="0" err="1" smtClean="0"/>
+              <a:t>nhiều</a:t>
+            </a:r>
+            <a:r>
+              <a:rPr lang="en-US" sz="1800" dirty="0" smtClean="0"/>
+              <a:t> </a:t>
+            </a:r>
+            <a:r>
+              <a:rPr lang="en-US" sz="1800" dirty="0" err="1" smtClean="0"/>
+              <a:t>câu</a:t>
+            </a:r>
+            <a:r>
+              <a:rPr lang="en-US" sz="1800" dirty="0" smtClean="0"/>
+              <a:t> </a:t>
+            </a:r>
+            <a:r>
+              <a:rPr lang="en-US" sz="1800" dirty="0" err="1" smtClean="0"/>
+              <a:t>lệnh</a:t>
+            </a:r>
+            <a:r>
+              <a:rPr lang="en-US" sz="1800" dirty="0" smtClean="0"/>
+              <a:t>&gt;;</a:t>
+            </a:r>
+            <a:endParaRPr lang="en-US" sz="1800" dirty="0" smtClean="0"/>
           </a:p>
           <a:p>
             <a:pPr marL="101600" indent="0">
               <a:buNone/>
             </a:pPr>
             <a:r>
-              <a:rPr lang="en-US" sz="1800"/>
-              <a:t>	}</a:t>
-            </a:r>
+              <a:rPr lang="en-US" sz="1800" dirty="0" smtClean="0"/>
+              <a:t>	</a:t>
+            </a:r>
+            <a:r>
+              <a:rPr lang="en-US" sz="1800" dirty="0" smtClean="0"/>
+              <a:t>};</a:t>
+            </a:r>
+            <a:endParaRPr lang="en-US" sz="1800" dirty="0"/>
           </a:p>
         </p:txBody>
       </p:sp>
@@ -8522,7 +8620,7 @@
         </p:nvSpPr>
         <p:spPr>
           <a:xfrm>
-            <a:off x="869100" y="3065069"/>
+            <a:off x="753699" y="3568102"/>
             <a:ext cx="7405800" cy="1187397"/>
           </a:xfrm>
           <a:prstGeom prst="rect">
@@ -8789,25 +8887,79 @@
               <a:buFont typeface="Work Sans Light"/>
               <a:buNone/>
             </a:pPr>
-            <a:endParaRPr lang="en-US" sz="1800"/>
+            <a:endParaRPr lang="en-US" sz="1800" dirty="0"/>
           </a:p>
           <a:p>
             <a:r>
-              <a:rPr lang="en-US" b="1"/>
-              <a:t>Công dụng</a:t>
-            </a:r>
-            <a:r>
-              <a:rPr lang="en-US" sz="1800"/>
+              <a:rPr lang="en-US" b="1" dirty="0" err="1"/>
+              <a:t>Công</a:t>
+            </a:r>
+            <a:r>
+              <a:rPr lang="en-US" b="1" dirty="0"/>
+              <a:t> </a:t>
+            </a:r>
+            <a:r>
+              <a:rPr lang="en-US" b="1" dirty="0" err="1"/>
+              <a:t>dụng</a:t>
+            </a:r>
+            <a:r>
+              <a:rPr lang="en-US" sz="1800" dirty="0"/>
               <a:t>: </a:t>
             </a:r>
             <a:r>
-              <a:rPr lang="vi-VN" sz="1800"/>
+              <a:rPr lang="vi-VN" sz="1800" dirty="0"/>
               <a:t>Giúp cho việc lập trình trở nên ngắn gọn, đơn giản và dễ hiểu hơn.</a:t>
             </a:r>
-            <a:endParaRPr lang="en-US" sz="1800"/>
+            <a:endParaRPr lang="en-US" sz="1800" dirty="0"/>
           </a:p>
         </p:txBody>
       </p:sp>
+      <p:pic>
+        <p:nvPicPr>
+          <p:cNvPr id="8" name="Picture 7"/>
+          <p:cNvPicPr>
+            <a:picLocks noChangeAspect="1"/>
+          </p:cNvPicPr>
+          <p:nvPr/>
+        </p:nvPicPr>
+        <p:blipFill rotWithShape="1">
+          <a:blip r:embed="rId2"/>
+          <a:srcRect l="16295" t="34407" r="930" b="51682"/>
+          <a:stretch/>
+        </p:blipFill>
+        <p:spPr>
+          <a:xfrm>
+            <a:off x="1616767" y="1786576"/>
+            <a:ext cx="4605130" cy="205410"/>
+          </a:xfrm>
+          <a:prstGeom prst="rect">
+            <a:avLst/>
+          </a:prstGeom>
+        </p:spPr>
+      </p:pic>
+      <p:pic>
+        <p:nvPicPr>
+          <p:cNvPr id="5" name="Picture 4"/>
+          <p:cNvPicPr>
+            <a:picLocks noChangeAspect="1"/>
+          </p:cNvPicPr>
+          <p:nvPr/>
+        </p:nvPicPr>
+        <p:blipFill rotWithShape="1">
+          <a:blip r:embed="rId3"/>
+          <a:srcRect l="20659" r="21182"/>
+          <a:stretch/>
+        </p:blipFill>
+        <p:spPr>
+          <a:xfrm>
+            <a:off x="1802296" y="3167996"/>
+            <a:ext cx="2941982" cy="800212"/>
+          </a:xfrm>
+          <a:prstGeom prst="rect">
+            <a:avLst/>
+          </a:prstGeom>
+        </p:spPr>
+      </p:pic>
     </p:spTree>
     <p:extLst>
       <p:ext uri="{BB962C8B-B14F-4D97-AF65-F5344CB8AC3E}">
@@ -9597,11 +9749,23 @@
           <a:lstStyle/>
           <a:p>
             <a:r>
-              <a:rPr lang="vi-VN"/>
-              <a:t>Biểu thức lambda sử dụng chính để thể hiện các giao diện có duy nhất 1 phương thức trừu tượng</a:t>
-            </a:r>
-            <a:r>
-              <a:rPr lang="en-US"/>
+              <a:rPr lang="vi-VN" dirty="0"/>
+              <a:t>Biểu thức lambda sử dụng chính để thể hiện các </a:t>
+            </a:r>
+            <a:r>
+              <a:rPr lang="en-US" dirty="0" smtClean="0"/>
+              <a:t>interface </a:t>
+            </a:r>
+            <a:r>
+              <a:rPr lang="vi-VN" dirty="0" smtClean="0"/>
+              <a:t>có </a:t>
+            </a:r>
+            <a:r>
+              <a:rPr lang="vi-VN" dirty="0"/>
+              <a:t>duy nhất 1 phương thức trừu tượng</a:t>
+            </a:r>
+            <a:r>
+              <a:rPr lang="en-US" dirty="0"/>
               <a:t>.</a:t>
             </a:r>
           </a:p>
@@ -9794,190 +9958,6 @@
 </p:sld>
 </file>
 
-<file path=ppt/slides/slide17.xml><?xml version="1.0" encoding="utf-8"?>
-<p:sld xmlns:a="http://schemas.openxmlformats.org/drawingml/2006/main" xmlns:r="http://schemas.openxmlformats.org/officeDocument/2006/relationships" xmlns:p="http://schemas.openxmlformats.org/presentationml/2006/main">
-  <p:cSld>
-    <p:spTree>
-      <p:nvGrpSpPr>
-        <p:cNvPr id="1" name=""/>
-        <p:cNvGrpSpPr/>
-        <p:nvPr/>
-      </p:nvGrpSpPr>
-      <p:grpSpPr>
-        <a:xfrm>
-          <a:off x="0" y="0"/>
-          <a:ext cx="0" cy="0"/>
-          <a:chOff x="0" y="0"/>
-          <a:chExt cx="0" cy="0"/>
-        </a:xfrm>
-      </p:grpSpPr>
-      <p:sp>
-        <p:nvSpPr>
-          <p:cNvPr id="4" name="Slide Number Placeholder 3">
-            <a:extLst>
-              <a:ext uri="{FF2B5EF4-FFF2-40B4-BE49-F238E27FC236}">
-                <a16:creationId xmlns:a16="http://schemas.microsoft.com/office/drawing/2014/main" id="{EB8605B1-C986-0C2E-6BD8-24FCF8879998}"/>
-              </a:ext>
-            </a:extLst>
-          </p:cNvPr>
-          <p:cNvSpPr>
-            <a:spLocks noGrp="1"/>
-          </p:cNvSpPr>
-          <p:nvPr>
-            <p:ph type="sldNum" idx="12"/>
-          </p:nvPr>
-        </p:nvSpPr>
-        <p:spPr/>
-        <p:txBody>
-          <a:bodyPr/>
-          <a:lstStyle/>
-          <a:p>
-            <a:pPr marL="0" lvl="0" indent="0" algn="r" rtl="0">
-              <a:spcBef>
-                <a:spcPts val="0"/>
-              </a:spcBef>
-              <a:spcAft>
-                <a:spcPts val="0"/>
-              </a:spcAft>
-              <a:buNone/>
-            </a:pPr>
-            <a:fld id="{00000000-1234-1234-1234-123412341234}" type="slidenum">
-              <a:rPr lang="en" smtClean="0"/>
-              <a:t>17</a:t>
-            </a:fld>
-            <a:endParaRPr lang="en"/>
-          </a:p>
-        </p:txBody>
-      </p:sp>
-      <p:pic>
-        <p:nvPicPr>
-          <p:cNvPr id="7" name="Picture 6"/>
-          <p:cNvPicPr>
-            <a:picLocks noChangeAspect="1"/>
-          </p:cNvPicPr>
-          <p:nvPr/>
-        </p:nvPicPr>
-        <p:blipFill>
-          <a:blip r:embed="rId2"/>
-          <a:stretch>
-            <a:fillRect/>
-          </a:stretch>
-        </p:blipFill>
-        <p:spPr>
-          <a:xfrm>
-            <a:off x="1985517" y="705928"/>
-            <a:ext cx="5104397" cy="3590574"/>
-          </a:xfrm>
-          <a:prstGeom prst="rect">
-            <a:avLst/>
-          </a:prstGeom>
-        </p:spPr>
-      </p:pic>
-    </p:spTree>
-    <p:extLst>
-      <p:ext uri="{BB962C8B-B14F-4D97-AF65-F5344CB8AC3E}">
-        <p14:creationId xmlns:p14="http://schemas.microsoft.com/office/powerpoint/2010/main" val="1251228716"/>
-      </p:ext>
-    </p:extLst>
-  </p:cSld>
-  <p:clrMapOvr>
-    <a:masterClrMapping/>
-  </p:clrMapOvr>
-</p:sld>
-</file>
-
-<file path=ppt/slides/slide18.xml><?xml version="1.0" encoding="utf-8"?>
-<p:sld xmlns:a="http://schemas.openxmlformats.org/drawingml/2006/main" xmlns:r="http://schemas.openxmlformats.org/officeDocument/2006/relationships" xmlns:p="http://schemas.openxmlformats.org/presentationml/2006/main">
-  <p:cSld>
-    <p:spTree>
-      <p:nvGrpSpPr>
-        <p:cNvPr id="1" name=""/>
-        <p:cNvGrpSpPr/>
-        <p:nvPr/>
-      </p:nvGrpSpPr>
-      <p:grpSpPr>
-        <a:xfrm>
-          <a:off x="0" y="0"/>
-          <a:ext cx="0" cy="0"/>
-          <a:chOff x="0" y="0"/>
-          <a:chExt cx="0" cy="0"/>
-        </a:xfrm>
-      </p:grpSpPr>
-      <p:sp>
-        <p:nvSpPr>
-          <p:cNvPr id="4" name="Slide Number Placeholder 3">
-            <a:extLst>
-              <a:ext uri="{FF2B5EF4-FFF2-40B4-BE49-F238E27FC236}">
-                <a16:creationId xmlns:a16="http://schemas.microsoft.com/office/drawing/2014/main" id="{A336AEF3-97B2-3E72-3AC5-094F95F09282}"/>
-              </a:ext>
-            </a:extLst>
-          </p:cNvPr>
-          <p:cNvSpPr>
-            <a:spLocks noGrp="1"/>
-          </p:cNvSpPr>
-          <p:nvPr>
-            <p:ph type="sldNum" idx="12"/>
-          </p:nvPr>
-        </p:nvSpPr>
-        <p:spPr/>
-        <p:txBody>
-          <a:bodyPr/>
-          <a:lstStyle/>
-          <a:p>
-            <a:pPr marL="0" lvl="0" indent="0" algn="r" rtl="0">
-              <a:spcBef>
-                <a:spcPts val="0"/>
-              </a:spcBef>
-              <a:spcAft>
-                <a:spcPts val="0"/>
-              </a:spcAft>
-              <a:buNone/>
-            </a:pPr>
-            <a:fld id="{00000000-1234-1234-1234-123412341234}" type="slidenum">
-              <a:rPr lang="en" smtClean="0"/>
-              <a:t>18</a:t>
-            </a:fld>
-            <a:endParaRPr lang="en"/>
-          </a:p>
-        </p:txBody>
-      </p:sp>
-      <p:pic>
-        <p:nvPicPr>
-          <p:cNvPr id="8" name="Picture 7"/>
-          <p:cNvPicPr>
-            <a:picLocks noChangeAspect="1"/>
-          </p:cNvPicPr>
-          <p:nvPr/>
-        </p:nvPicPr>
-        <p:blipFill>
-          <a:blip r:embed="rId2"/>
-          <a:stretch>
-            <a:fillRect/>
-          </a:stretch>
-        </p:blipFill>
-        <p:spPr>
-          <a:xfrm>
-            <a:off x="1456890" y="690300"/>
-            <a:ext cx="6230219" cy="3762900"/>
-          </a:xfrm>
-          <a:prstGeom prst="rect">
-            <a:avLst/>
-          </a:prstGeom>
-        </p:spPr>
-      </p:pic>
-    </p:spTree>
-    <p:extLst>
-      <p:ext uri="{BB962C8B-B14F-4D97-AF65-F5344CB8AC3E}">
-        <p14:creationId xmlns:p14="http://schemas.microsoft.com/office/powerpoint/2010/main" val="856331890"/>
-      </p:ext>
-    </p:extLst>
-  </p:cSld>
-  <p:clrMapOvr>
-    <a:masterClrMapping/>
-  </p:clrMapOvr>
-</p:sld>
-</file>
-
 <file path=ppt/slides/slide2.xml><?xml version="1.0" encoding="utf-8"?>
 <p:sld xmlns:a="http://schemas.openxmlformats.org/drawingml/2006/main" xmlns:r="http://schemas.openxmlformats.org/officeDocument/2006/relationships" xmlns:p="http://schemas.openxmlformats.org/presentationml/2006/main">
   <p:cSld>
@@ -10114,7 +10094,7 @@
     </p:spTree>
     <p:extLst>
       <p:ext uri="{BB962C8B-B14F-4D97-AF65-F5344CB8AC3E}">
-        <p14:creationId xmlns:p14="http://schemas.microsoft.com/office/powerpoint/2010/main" val="1079380178"/>
+        <p14:creationId xmlns:p14="http://schemas.microsoft.com/office/powerpoint/2010/main" val="4238860030"/>
       </p:ext>
     </p:extLst>
   </p:cSld>
@@ -10124,9 +10104,436 @@
   <p:timing>
     <p:tnLst>
       <p:par>
-        <p:cTn id="1" dur="indefinite" restart="never" nodeType="tmRoot"/>
+        <p:cTn id="1" dur="indefinite" restart="never" nodeType="tmRoot">
+          <p:childTnLst>
+            <p:seq concurrent="1" nextAc="seek">
+              <p:cTn id="2" dur="indefinite" nodeType="mainSeq">
+                <p:childTnLst>
+                  <p:par>
+                    <p:cTn id="3" fill="hold">
+                      <p:stCondLst>
+                        <p:cond delay="indefinite"/>
+                      </p:stCondLst>
+                      <p:childTnLst>
+                        <p:par>
+                          <p:cTn id="4" fill="hold">
+                            <p:stCondLst>
+                              <p:cond delay="0"/>
+                            </p:stCondLst>
+                            <p:childTnLst>
+                              <p:par>
+                                <p:cTn id="5" presetID="2" presetClass="entr" presetSubtype="4" fill="hold" grpId="0" nodeType="clickEffect">
+                                  <p:stCondLst>
+                                    <p:cond delay="0"/>
+                                  </p:stCondLst>
+                                  <p:childTnLst>
+                                    <p:set>
+                                      <p:cBhvr>
+                                        <p:cTn id="6" dur="1" fill="hold">
+                                          <p:stCondLst>
+                                            <p:cond delay="0"/>
+                                          </p:stCondLst>
+                                        </p:cTn>
+                                        <p:tgtEl>
+                                          <p:spTgt spid="2"/>
+                                        </p:tgtEl>
+                                        <p:attrNameLst>
+                                          <p:attrName>style.visibility</p:attrName>
+                                        </p:attrNameLst>
+                                      </p:cBhvr>
+                                      <p:to>
+                                        <p:strVal val="visible"/>
+                                      </p:to>
+                                    </p:set>
+                                    <p:anim calcmode="lin" valueType="num">
+                                      <p:cBhvr additive="base">
+                                        <p:cTn id="7" dur="500" fill="hold"/>
+                                        <p:tgtEl>
+                                          <p:spTgt spid="2"/>
+                                        </p:tgtEl>
+                                        <p:attrNameLst>
+                                          <p:attrName>ppt_x</p:attrName>
+                                        </p:attrNameLst>
+                                      </p:cBhvr>
+                                      <p:tavLst>
+                                        <p:tav tm="0">
+                                          <p:val>
+                                            <p:strVal val="#ppt_x"/>
+                                          </p:val>
+                                        </p:tav>
+                                        <p:tav tm="100000">
+                                          <p:val>
+                                            <p:strVal val="#ppt_x"/>
+                                          </p:val>
+                                        </p:tav>
+                                      </p:tavLst>
+                                    </p:anim>
+                                    <p:anim calcmode="lin" valueType="num">
+                                      <p:cBhvr additive="base">
+                                        <p:cTn id="8" dur="500" fill="hold"/>
+                                        <p:tgtEl>
+                                          <p:spTgt spid="2"/>
+                                        </p:tgtEl>
+                                        <p:attrNameLst>
+                                          <p:attrName>ppt_y</p:attrName>
+                                        </p:attrNameLst>
+                                      </p:cBhvr>
+                                      <p:tavLst>
+                                        <p:tav tm="0">
+                                          <p:val>
+                                            <p:strVal val="1+#ppt_h/2"/>
+                                          </p:val>
+                                        </p:tav>
+                                        <p:tav tm="100000">
+                                          <p:val>
+                                            <p:strVal val="#ppt_y"/>
+                                          </p:val>
+                                        </p:tav>
+                                      </p:tavLst>
+                                    </p:anim>
+                                  </p:childTnLst>
+                                </p:cTn>
+                              </p:par>
+                            </p:childTnLst>
+                          </p:cTn>
+                        </p:par>
+                      </p:childTnLst>
+                    </p:cTn>
+                  </p:par>
+                  <p:par>
+                    <p:cTn id="9" fill="hold">
+                      <p:stCondLst>
+                        <p:cond delay="indefinite"/>
+                      </p:stCondLst>
+                      <p:childTnLst>
+                        <p:par>
+                          <p:cTn id="10" fill="hold">
+                            <p:stCondLst>
+                              <p:cond delay="0"/>
+                            </p:stCondLst>
+                            <p:childTnLst>
+                              <p:par>
+                                <p:cTn id="11" presetID="2" presetClass="entr" presetSubtype="4" fill="hold" grpId="0" nodeType="clickEffect">
+                                  <p:stCondLst>
+                                    <p:cond delay="0"/>
+                                  </p:stCondLst>
+                                  <p:childTnLst>
+                                    <p:set>
+                                      <p:cBhvr>
+                                        <p:cTn id="12" dur="1" fill="hold">
+                                          <p:stCondLst>
+                                            <p:cond delay="0"/>
+                                          </p:stCondLst>
+                                        </p:cTn>
+                                        <p:tgtEl>
+                                          <p:spTgt spid="3">
+                                            <p:txEl>
+                                              <p:pRg st="0" end="0"/>
+                                            </p:txEl>
+                                          </p:spTgt>
+                                        </p:tgtEl>
+                                        <p:attrNameLst>
+                                          <p:attrName>style.visibility</p:attrName>
+                                        </p:attrNameLst>
+                                      </p:cBhvr>
+                                      <p:to>
+                                        <p:strVal val="visible"/>
+                                      </p:to>
+                                    </p:set>
+                                    <p:anim calcmode="lin" valueType="num">
+                                      <p:cBhvr additive="base">
+                                        <p:cTn id="13" dur="500" fill="hold"/>
+                                        <p:tgtEl>
+                                          <p:spTgt spid="3">
+                                            <p:txEl>
+                                              <p:pRg st="0" end="0"/>
+                                            </p:txEl>
+                                          </p:spTgt>
+                                        </p:tgtEl>
+                                        <p:attrNameLst>
+                                          <p:attrName>ppt_x</p:attrName>
+                                        </p:attrNameLst>
+                                      </p:cBhvr>
+                                      <p:tavLst>
+                                        <p:tav tm="0">
+                                          <p:val>
+                                            <p:strVal val="#ppt_x"/>
+                                          </p:val>
+                                        </p:tav>
+                                        <p:tav tm="100000">
+                                          <p:val>
+                                            <p:strVal val="#ppt_x"/>
+                                          </p:val>
+                                        </p:tav>
+                                      </p:tavLst>
+                                    </p:anim>
+                                    <p:anim calcmode="lin" valueType="num">
+                                      <p:cBhvr additive="base">
+                                        <p:cTn id="14" dur="500" fill="hold"/>
+                                        <p:tgtEl>
+                                          <p:spTgt spid="3">
+                                            <p:txEl>
+                                              <p:pRg st="0" end="0"/>
+                                            </p:txEl>
+                                          </p:spTgt>
+                                        </p:tgtEl>
+                                        <p:attrNameLst>
+                                          <p:attrName>ppt_y</p:attrName>
+                                        </p:attrNameLst>
+                                      </p:cBhvr>
+                                      <p:tavLst>
+                                        <p:tav tm="0">
+                                          <p:val>
+                                            <p:strVal val="1+#ppt_h/2"/>
+                                          </p:val>
+                                        </p:tav>
+                                        <p:tav tm="100000">
+                                          <p:val>
+                                            <p:strVal val="#ppt_y"/>
+                                          </p:val>
+                                        </p:tav>
+                                      </p:tavLst>
+                                    </p:anim>
+                                  </p:childTnLst>
+                                </p:cTn>
+                              </p:par>
+                            </p:childTnLst>
+                          </p:cTn>
+                        </p:par>
+                      </p:childTnLst>
+                    </p:cTn>
+                  </p:par>
+                  <p:par>
+                    <p:cTn id="15" fill="hold">
+                      <p:stCondLst>
+                        <p:cond delay="indefinite"/>
+                      </p:stCondLst>
+                      <p:childTnLst>
+                        <p:par>
+                          <p:cTn id="16" fill="hold">
+                            <p:stCondLst>
+                              <p:cond delay="0"/>
+                            </p:stCondLst>
+                            <p:childTnLst>
+                              <p:par>
+                                <p:cTn id="17" presetID="2" presetClass="entr" presetSubtype="4" fill="hold" grpId="0" nodeType="clickEffect">
+                                  <p:stCondLst>
+                                    <p:cond delay="0"/>
+                                  </p:stCondLst>
+                                  <p:childTnLst>
+                                    <p:set>
+                                      <p:cBhvr>
+                                        <p:cTn id="18" dur="1" fill="hold">
+                                          <p:stCondLst>
+                                            <p:cond delay="0"/>
+                                          </p:stCondLst>
+                                        </p:cTn>
+                                        <p:tgtEl>
+                                          <p:spTgt spid="3">
+                                            <p:txEl>
+                                              <p:pRg st="1" end="1"/>
+                                            </p:txEl>
+                                          </p:spTgt>
+                                        </p:tgtEl>
+                                        <p:attrNameLst>
+                                          <p:attrName>style.visibility</p:attrName>
+                                        </p:attrNameLst>
+                                      </p:cBhvr>
+                                      <p:to>
+                                        <p:strVal val="visible"/>
+                                      </p:to>
+                                    </p:set>
+                                    <p:anim calcmode="lin" valueType="num">
+                                      <p:cBhvr additive="base">
+                                        <p:cTn id="19" dur="500" fill="hold"/>
+                                        <p:tgtEl>
+                                          <p:spTgt spid="3">
+                                            <p:txEl>
+                                              <p:pRg st="1" end="1"/>
+                                            </p:txEl>
+                                          </p:spTgt>
+                                        </p:tgtEl>
+                                        <p:attrNameLst>
+                                          <p:attrName>ppt_x</p:attrName>
+                                        </p:attrNameLst>
+                                      </p:cBhvr>
+                                      <p:tavLst>
+                                        <p:tav tm="0">
+                                          <p:val>
+                                            <p:strVal val="#ppt_x"/>
+                                          </p:val>
+                                        </p:tav>
+                                        <p:tav tm="100000">
+                                          <p:val>
+                                            <p:strVal val="#ppt_x"/>
+                                          </p:val>
+                                        </p:tav>
+                                      </p:tavLst>
+                                    </p:anim>
+                                    <p:anim calcmode="lin" valueType="num">
+                                      <p:cBhvr additive="base">
+                                        <p:cTn id="20" dur="500" fill="hold"/>
+                                        <p:tgtEl>
+                                          <p:spTgt spid="3">
+                                            <p:txEl>
+                                              <p:pRg st="1" end="1"/>
+                                            </p:txEl>
+                                          </p:spTgt>
+                                        </p:tgtEl>
+                                        <p:attrNameLst>
+                                          <p:attrName>ppt_y</p:attrName>
+                                        </p:attrNameLst>
+                                      </p:cBhvr>
+                                      <p:tavLst>
+                                        <p:tav tm="0">
+                                          <p:val>
+                                            <p:strVal val="1+#ppt_h/2"/>
+                                          </p:val>
+                                        </p:tav>
+                                        <p:tav tm="100000">
+                                          <p:val>
+                                            <p:strVal val="#ppt_y"/>
+                                          </p:val>
+                                        </p:tav>
+                                      </p:tavLst>
+                                    </p:anim>
+                                  </p:childTnLst>
+                                </p:cTn>
+                              </p:par>
+                            </p:childTnLst>
+                          </p:cTn>
+                        </p:par>
+                      </p:childTnLst>
+                    </p:cTn>
+                  </p:par>
+                  <p:par>
+                    <p:cTn id="21" fill="hold">
+                      <p:stCondLst>
+                        <p:cond delay="indefinite"/>
+                      </p:stCondLst>
+                      <p:childTnLst>
+                        <p:par>
+                          <p:cTn id="22" fill="hold">
+                            <p:stCondLst>
+                              <p:cond delay="0"/>
+                            </p:stCondLst>
+                            <p:childTnLst>
+                              <p:par>
+                                <p:cTn id="23" presetID="2" presetClass="entr" presetSubtype="4" fill="hold" grpId="0" nodeType="clickEffect">
+                                  <p:stCondLst>
+                                    <p:cond delay="0"/>
+                                  </p:stCondLst>
+                                  <p:childTnLst>
+                                    <p:set>
+                                      <p:cBhvr>
+                                        <p:cTn id="24" dur="1" fill="hold">
+                                          <p:stCondLst>
+                                            <p:cond delay="0"/>
+                                          </p:stCondLst>
+                                        </p:cTn>
+                                        <p:tgtEl>
+                                          <p:spTgt spid="3">
+                                            <p:txEl>
+                                              <p:pRg st="2" end="2"/>
+                                            </p:txEl>
+                                          </p:spTgt>
+                                        </p:tgtEl>
+                                        <p:attrNameLst>
+                                          <p:attrName>style.visibility</p:attrName>
+                                        </p:attrNameLst>
+                                      </p:cBhvr>
+                                      <p:to>
+                                        <p:strVal val="visible"/>
+                                      </p:to>
+                                    </p:set>
+                                    <p:anim calcmode="lin" valueType="num">
+                                      <p:cBhvr additive="base">
+                                        <p:cTn id="25" dur="500" fill="hold"/>
+                                        <p:tgtEl>
+                                          <p:spTgt spid="3">
+                                            <p:txEl>
+                                              <p:pRg st="2" end="2"/>
+                                            </p:txEl>
+                                          </p:spTgt>
+                                        </p:tgtEl>
+                                        <p:attrNameLst>
+                                          <p:attrName>ppt_x</p:attrName>
+                                        </p:attrNameLst>
+                                      </p:cBhvr>
+                                      <p:tavLst>
+                                        <p:tav tm="0">
+                                          <p:val>
+                                            <p:strVal val="#ppt_x"/>
+                                          </p:val>
+                                        </p:tav>
+                                        <p:tav tm="100000">
+                                          <p:val>
+                                            <p:strVal val="#ppt_x"/>
+                                          </p:val>
+                                        </p:tav>
+                                      </p:tavLst>
+                                    </p:anim>
+                                    <p:anim calcmode="lin" valueType="num">
+                                      <p:cBhvr additive="base">
+                                        <p:cTn id="26" dur="500" fill="hold"/>
+                                        <p:tgtEl>
+                                          <p:spTgt spid="3">
+                                            <p:txEl>
+                                              <p:pRg st="2" end="2"/>
+                                            </p:txEl>
+                                          </p:spTgt>
+                                        </p:tgtEl>
+                                        <p:attrNameLst>
+                                          <p:attrName>ppt_y</p:attrName>
+                                        </p:attrNameLst>
+                                      </p:cBhvr>
+                                      <p:tavLst>
+                                        <p:tav tm="0">
+                                          <p:val>
+                                            <p:strVal val="1+#ppt_h/2"/>
+                                          </p:val>
+                                        </p:tav>
+                                        <p:tav tm="100000">
+                                          <p:val>
+                                            <p:strVal val="#ppt_y"/>
+                                          </p:val>
+                                        </p:tav>
+                                      </p:tavLst>
+                                    </p:anim>
+                                  </p:childTnLst>
+                                </p:cTn>
+                              </p:par>
+                            </p:childTnLst>
+                          </p:cTn>
+                        </p:par>
+                      </p:childTnLst>
+                    </p:cTn>
+                  </p:par>
+                </p:childTnLst>
+              </p:cTn>
+              <p:prevCondLst>
+                <p:cond evt="onPrev" delay="0">
+                  <p:tgtEl>
+                    <p:sldTgt/>
+                  </p:tgtEl>
+                </p:cond>
+              </p:prevCondLst>
+              <p:nextCondLst>
+                <p:cond evt="onNext" delay="0">
+                  <p:tgtEl>
+                    <p:sldTgt/>
+                  </p:tgtEl>
+                </p:cond>
+              </p:nextCondLst>
+            </p:seq>
+          </p:childTnLst>
+        </p:cTn>
       </p:par>
     </p:tnLst>
+    <p:bldLst>
+      <p:bldP spid="2" grpId="0"/>
+      <p:bldP spid="3" grpId="0" build="p"/>
+    </p:bldLst>
   </p:timing>
 </p:sld>
 </file>
@@ -10166,8 +10573,8 @@
         </p:nvSpPr>
         <p:spPr>
           <a:xfrm>
-            <a:off x="705026" y="1093784"/>
-            <a:ext cx="7090820" cy="735015"/>
+            <a:off x="705026" y="556748"/>
+            <a:ext cx="7090820" cy="1272052"/>
           </a:xfrm>
         </p:spPr>
         <p:txBody>
@@ -10624,7 +11031,7 @@
     </p:spTree>
     <p:extLst>
       <p:ext uri="{BB962C8B-B14F-4D97-AF65-F5344CB8AC3E}">
-        <p14:creationId xmlns:p14="http://schemas.microsoft.com/office/powerpoint/2010/main" val="806173269"/>
+        <p14:creationId xmlns:p14="http://schemas.microsoft.com/office/powerpoint/2010/main" val="2923310693"/>
       </p:ext>
     </p:extLst>
   </p:cSld>
@@ -10634,9 +11041,690 @@
   <p:timing>
     <p:tnLst>
       <p:par>
-        <p:cTn id="1" dur="indefinite" restart="never" nodeType="tmRoot"/>
+        <p:cTn id="1" dur="indefinite" restart="never" nodeType="tmRoot">
+          <p:childTnLst>
+            <p:seq concurrent="1" nextAc="seek">
+              <p:cTn id="2" dur="indefinite" nodeType="mainSeq">
+                <p:childTnLst>
+                  <p:par>
+                    <p:cTn id="3" fill="hold">
+                      <p:stCondLst>
+                        <p:cond delay="indefinite"/>
+                      </p:stCondLst>
+                      <p:childTnLst>
+                        <p:par>
+                          <p:cTn id="4" fill="hold">
+                            <p:stCondLst>
+                              <p:cond delay="0"/>
+                            </p:stCondLst>
+                            <p:childTnLst>
+                              <p:par>
+                                <p:cTn id="5" presetID="2" presetClass="entr" presetSubtype="4" fill="hold" grpId="0" nodeType="clickEffect">
+                                  <p:stCondLst>
+                                    <p:cond delay="0"/>
+                                  </p:stCondLst>
+                                  <p:childTnLst>
+                                    <p:set>
+                                      <p:cBhvr>
+                                        <p:cTn id="6" dur="1" fill="hold">
+                                          <p:stCondLst>
+                                            <p:cond delay="0"/>
+                                          </p:stCondLst>
+                                        </p:cTn>
+                                        <p:tgtEl>
+                                          <p:spTgt spid="2"/>
+                                        </p:tgtEl>
+                                        <p:attrNameLst>
+                                          <p:attrName>style.visibility</p:attrName>
+                                        </p:attrNameLst>
+                                      </p:cBhvr>
+                                      <p:to>
+                                        <p:strVal val="visible"/>
+                                      </p:to>
+                                    </p:set>
+                                    <p:anim calcmode="lin" valueType="num">
+                                      <p:cBhvr additive="base">
+                                        <p:cTn id="7" dur="500" fill="hold"/>
+                                        <p:tgtEl>
+                                          <p:spTgt spid="2"/>
+                                        </p:tgtEl>
+                                        <p:attrNameLst>
+                                          <p:attrName>ppt_x</p:attrName>
+                                        </p:attrNameLst>
+                                      </p:cBhvr>
+                                      <p:tavLst>
+                                        <p:tav tm="0">
+                                          <p:val>
+                                            <p:strVal val="#ppt_x"/>
+                                          </p:val>
+                                        </p:tav>
+                                        <p:tav tm="100000">
+                                          <p:val>
+                                            <p:strVal val="#ppt_x"/>
+                                          </p:val>
+                                        </p:tav>
+                                      </p:tavLst>
+                                    </p:anim>
+                                    <p:anim calcmode="lin" valueType="num">
+                                      <p:cBhvr additive="base">
+                                        <p:cTn id="8" dur="500" fill="hold"/>
+                                        <p:tgtEl>
+                                          <p:spTgt spid="2"/>
+                                        </p:tgtEl>
+                                        <p:attrNameLst>
+                                          <p:attrName>ppt_y</p:attrName>
+                                        </p:attrNameLst>
+                                      </p:cBhvr>
+                                      <p:tavLst>
+                                        <p:tav tm="0">
+                                          <p:val>
+                                            <p:strVal val="1+#ppt_h/2"/>
+                                          </p:val>
+                                        </p:tav>
+                                        <p:tav tm="100000">
+                                          <p:val>
+                                            <p:strVal val="#ppt_y"/>
+                                          </p:val>
+                                        </p:tav>
+                                      </p:tavLst>
+                                    </p:anim>
+                                  </p:childTnLst>
+                                </p:cTn>
+                              </p:par>
+                            </p:childTnLst>
+                          </p:cTn>
+                        </p:par>
+                      </p:childTnLst>
+                    </p:cTn>
+                  </p:par>
+                  <p:par>
+                    <p:cTn id="9" fill="hold">
+                      <p:stCondLst>
+                        <p:cond delay="indefinite"/>
+                      </p:stCondLst>
+                      <p:childTnLst>
+                        <p:par>
+                          <p:cTn id="10" fill="hold">
+                            <p:stCondLst>
+                              <p:cond delay="0"/>
+                            </p:stCondLst>
+                            <p:childTnLst>
+                              <p:par>
+                                <p:cTn id="11" presetID="2" presetClass="entr" presetSubtype="4" fill="hold" grpId="0" nodeType="clickEffect">
+                                  <p:stCondLst>
+                                    <p:cond delay="0"/>
+                                  </p:stCondLst>
+                                  <p:childTnLst>
+                                    <p:set>
+                                      <p:cBhvr>
+                                        <p:cTn id="12" dur="1" fill="hold">
+                                          <p:stCondLst>
+                                            <p:cond delay="0"/>
+                                          </p:stCondLst>
+                                        </p:cTn>
+                                        <p:tgtEl>
+                                          <p:spTgt spid="5">
+                                            <p:txEl>
+                                              <p:pRg st="0" end="0"/>
+                                            </p:txEl>
+                                          </p:spTgt>
+                                        </p:tgtEl>
+                                        <p:attrNameLst>
+                                          <p:attrName>style.visibility</p:attrName>
+                                        </p:attrNameLst>
+                                      </p:cBhvr>
+                                      <p:to>
+                                        <p:strVal val="visible"/>
+                                      </p:to>
+                                    </p:set>
+                                    <p:anim calcmode="lin" valueType="num">
+                                      <p:cBhvr additive="base">
+                                        <p:cTn id="13" dur="500" fill="hold"/>
+                                        <p:tgtEl>
+                                          <p:spTgt spid="5">
+                                            <p:txEl>
+                                              <p:pRg st="0" end="0"/>
+                                            </p:txEl>
+                                          </p:spTgt>
+                                        </p:tgtEl>
+                                        <p:attrNameLst>
+                                          <p:attrName>ppt_x</p:attrName>
+                                        </p:attrNameLst>
+                                      </p:cBhvr>
+                                      <p:tavLst>
+                                        <p:tav tm="0">
+                                          <p:val>
+                                            <p:strVal val="#ppt_x"/>
+                                          </p:val>
+                                        </p:tav>
+                                        <p:tav tm="100000">
+                                          <p:val>
+                                            <p:strVal val="#ppt_x"/>
+                                          </p:val>
+                                        </p:tav>
+                                      </p:tavLst>
+                                    </p:anim>
+                                    <p:anim calcmode="lin" valueType="num">
+                                      <p:cBhvr additive="base">
+                                        <p:cTn id="14" dur="500" fill="hold"/>
+                                        <p:tgtEl>
+                                          <p:spTgt spid="5">
+                                            <p:txEl>
+                                              <p:pRg st="0" end="0"/>
+                                            </p:txEl>
+                                          </p:spTgt>
+                                        </p:tgtEl>
+                                        <p:attrNameLst>
+                                          <p:attrName>ppt_y</p:attrName>
+                                        </p:attrNameLst>
+                                      </p:cBhvr>
+                                      <p:tavLst>
+                                        <p:tav tm="0">
+                                          <p:val>
+                                            <p:strVal val="1+#ppt_h/2"/>
+                                          </p:val>
+                                        </p:tav>
+                                        <p:tav tm="100000">
+                                          <p:val>
+                                            <p:strVal val="#ppt_y"/>
+                                          </p:val>
+                                        </p:tav>
+                                      </p:tavLst>
+                                    </p:anim>
+                                  </p:childTnLst>
+                                </p:cTn>
+                              </p:par>
+                            </p:childTnLst>
+                          </p:cTn>
+                        </p:par>
+                      </p:childTnLst>
+                    </p:cTn>
+                  </p:par>
+                  <p:par>
+                    <p:cTn id="15" fill="hold">
+                      <p:stCondLst>
+                        <p:cond delay="indefinite"/>
+                      </p:stCondLst>
+                      <p:childTnLst>
+                        <p:par>
+                          <p:cTn id="16" fill="hold">
+                            <p:stCondLst>
+                              <p:cond delay="0"/>
+                            </p:stCondLst>
+                            <p:childTnLst>
+                              <p:par>
+                                <p:cTn id="17" presetID="2" presetClass="entr" presetSubtype="4" fill="hold" grpId="0" nodeType="clickEffect">
+                                  <p:stCondLst>
+                                    <p:cond delay="0"/>
+                                  </p:stCondLst>
+                                  <p:childTnLst>
+                                    <p:set>
+                                      <p:cBhvr>
+                                        <p:cTn id="18" dur="1" fill="hold">
+                                          <p:stCondLst>
+                                            <p:cond delay="0"/>
+                                          </p:stCondLst>
+                                        </p:cTn>
+                                        <p:tgtEl>
+                                          <p:spTgt spid="6"/>
+                                        </p:tgtEl>
+                                        <p:attrNameLst>
+                                          <p:attrName>style.visibility</p:attrName>
+                                        </p:attrNameLst>
+                                      </p:cBhvr>
+                                      <p:to>
+                                        <p:strVal val="visible"/>
+                                      </p:to>
+                                    </p:set>
+                                    <p:anim calcmode="lin" valueType="num">
+                                      <p:cBhvr additive="base">
+                                        <p:cTn id="19" dur="500" fill="hold"/>
+                                        <p:tgtEl>
+                                          <p:spTgt spid="6"/>
+                                        </p:tgtEl>
+                                        <p:attrNameLst>
+                                          <p:attrName>ppt_x</p:attrName>
+                                        </p:attrNameLst>
+                                      </p:cBhvr>
+                                      <p:tavLst>
+                                        <p:tav tm="0">
+                                          <p:val>
+                                            <p:strVal val="#ppt_x"/>
+                                          </p:val>
+                                        </p:tav>
+                                        <p:tav tm="100000">
+                                          <p:val>
+                                            <p:strVal val="#ppt_x"/>
+                                          </p:val>
+                                        </p:tav>
+                                      </p:tavLst>
+                                    </p:anim>
+                                    <p:anim calcmode="lin" valueType="num">
+                                      <p:cBhvr additive="base">
+                                        <p:cTn id="20" dur="500" fill="hold"/>
+                                        <p:tgtEl>
+                                          <p:spTgt spid="6"/>
+                                        </p:tgtEl>
+                                        <p:attrNameLst>
+                                          <p:attrName>ppt_y</p:attrName>
+                                        </p:attrNameLst>
+                                      </p:cBhvr>
+                                      <p:tavLst>
+                                        <p:tav tm="0">
+                                          <p:val>
+                                            <p:strVal val="1+#ppt_h/2"/>
+                                          </p:val>
+                                        </p:tav>
+                                        <p:tav tm="100000">
+                                          <p:val>
+                                            <p:strVal val="#ppt_y"/>
+                                          </p:val>
+                                        </p:tav>
+                                      </p:tavLst>
+                                    </p:anim>
+                                  </p:childTnLst>
+                                </p:cTn>
+                              </p:par>
+                            </p:childTnLst>
+                          </p:cTn>
+                        </p:par>
+                      </p:childTnLst>
+                    </p:cTn>
+                  </p:par>
+                  <p:par>
+                    <p:cTn id="21" fill="hold">
+                      <p:stCondLst>
+                        <p:cond delay="indefinite"/>
+                      </p:stCondLst>
+                      <p:childTnLst>
+                        <p:par>
+                          <p:cTn id="22" fill="hold">
+                            <p:stCondLst>
+                              <p:cond delay="0"/>
+                            </p:stCondLst>
+                            <p:childTnLst>
+                              <p:par>
+                                <p:cTn id="23" presetID="2" presetClass="entr" presetSubtype="8" fill="hold" grpId="0" nodeType="clickEffect">
+                                  <p:stCondLst>
+                                    <p:cond delay="0"/>
+                                  </p:stCondLst>
+                                  <p:childTnLst>
+                                    <p:set>
+                                      <p:cBhvr>
+                                        <p:cTn id="24" dur="1" fill="hold">
+                                          <p:stCondLst>
+                                            <p:cond delay="0"/>
+                                          </p:stCondLst>
+                                        </p:cTn>
+                                        <p:tgtEl>
+                                          <p:spTgt spid="8"/>
+                                        </p:tgtEl>
+                                        <p:attrNameLst>
+                                          <p:attrName>style.visibility</p:attrName>
+                                        </p:attrNameLst>
+                                      </p:cBhvr>
+                                      <p:to>
+                                        <p:strVal val="visible"/>
+                                      </p:to>
+                                    </p:set>
+                                    <p:anim calcmode="lin" valueType="num">
+                                      <p:cBhvr additive="base">
+                                        <p:cTn id="25" dur="500" fill="hold"/>
+                                        <p:tgtEl>
+                                          <p:spTgt spid="8"/>
+                                        </p:tgtEl>
+                                        <p:attrNameLst>
+                                          <p:attrName>ppt_x</p:attrName>
+                                        </p:attrNameLst>
+                                      </p:cBhvr>
+                                      <p:tavLst>
+                                        <p:tav tm="0">
+                                          <p:val>
+                                            <p:strVal val="0-#ppt_w/2"/>
+                                          </p:val>
+                                        </p:tav>
+                                        <p:tav tm="100000">
+                                          <p:val>
+                                            <p:strVal val="#ppt_x"/>
+                                          </p:val>
+                                        </p:tav>
+                                      </p:tavLst>
+                                    </p:anim>
+                                    <p:anim calcmode="lin" valueType="num">
+                                      <p:cBhvr additive="base">
+                                        <p:cTn id="26" dur="500" fill="hold"/>
+                                        <p:tgtEl>
+                                          <p:spTgt spid="8"/>
+                                        </p:tgtEl>
+                                        <p:attrNameLst>
+                                          <p:attrName>ppt_y</p:attrName>
+                                        </p:attrNameLst>
+                                      </p:cBhvr>
+                                      <p:tavLst>
+                                        <p:tav tm="0">
+                                          <p:val>
+                                            <p:strVal val="#ppt_y"/>
+                                          </p:val>
+                                        </p:tav>
+                                        <p:tav tm="100000">
+                                          <p:val>
+                                            <p:strVal val="#ppt_y"/>
+                                          </p:val>
+                                        </p:tav>
+                                      </p:tavLst>
+                                    </p:anim>
+                                  </p:childTnLst>
+                                </p:cTn>
+                              </p:par>
+                            </p:childTnLst>
+                          </p:cTn>
+                        </p:par>
+                      </p:childTnLst>
+                    </p:cTn>
+                  </p:par>
+                  <p:par>
+                    <p:cTn id="27" fill="hold">
+                      <p:stCondLst>
+                        <p:cond delay="indefinite"/>
+                      </p:stCondLst>
+                      <p:childTnLst>
+                        <p:par>
+                          <p:cTn id="28" fill="hold">
+                            <p:stCondLst>
+                              <p:cond delay="0"/>
+                            </p:stCondLst>
+                            <p:childTnLst>
+                              <p:par>
+                                <p:cTn id="29" presetID="2" presetClass="entr" presetSubtype="4" fill="hold" grpId="0" nodeType="clickEffect">
+                                  <p:stCondLst>
+                                    <p:cond delay="0"/>
+                                  </p:stCondLst>
+                                  <p:childTnLst>
+                                    <p:set>
+                                      <p:cBhvr>
+                                        <p:cTn id="30" dur="1" fill="hold">
+                                          <p:stCondLst>
+                                            <p:cond delay="0"/>
+                                          </p:stCondLst>
+                                        </p:cTn>
+                                        <p:tgtEl>
+                                          <p:spTgt spid="10"/>
+                                        </p:tgtEl>
+                                        <p:attrNameLst>
+                                          <p:attrName>style.visibility</p:attrName>
+                                        </p:attrNameLst>
+                                      </p:cBhvr>
+                                      <p:to>
+                                        <p:strVal val="visible"/>
+                                      </p:to>
+                                    </p:set>
+                                    <p:anim calcmode="lin" valueType="num">
+                                      <p:cBhvr additive="base">
+                                        <p:cTn id="31" dur="500" fill="hold"/>
+                                        <p:tgtEl>
+                                          <p:spTgt spid="10"/>
+                                        </p:tgtEl>
+                                        <p:attrNameLst>
+                                          <p:attrName>ppt_x</p:attrName>
+                                        </p:attrNameLst>
+                                      </p:cBhvr>
+                                      <p:tavLst>
+                                        <p:tav tm="0">
+                                          <p:val>
+                                            <p:strVal val="#ppt_x"/>
+                                          </p:val>
+                                        </p:tav>
+                                        <p:tav tm="100000">
+                                          <p:val>
+                                            <p:strVal val="#ppt_x"/>
+                                          </p:val>
+                                        </p:tav>
+                                      </p:tavLst>
+                                    </p:anim>
+                                    <p:anim calcmode="lin" valueType="num">
+                                      <p:cBhvr additive="base">
+                                        <p:cTn id="32" dur="500" fill="hold"/>
+                                        <p:tgtEl>
+                                          <p:spTgt spid="10"/>
+                                        </p:tgtEl>
+                                        <p:attrNameLst>
+                                          <p:attrName>ppt_y</p:attrName>
+                                        </p:attrNameLst>
+                                      </p:cBhvr>
+                                      <p:tavLst>
+                                        <p:tav tm="0">
+                                          <p:val>
+                                            <p:strVal val="1+#ppt_h/2"/>
+                                          </p:val>
+                                        </p:tav>
+                                        <p:tav tm="100000">
+                                          <p:val>
+                                            <p:strVal val="#ppt_y"/>
+                                          </p:val>
+                                        </p:tav>
+                                      </p:tavLst>
+                                    </p:anim>
+                                  </p:childTnLst>
+                                </p:cTn>
+                              </p:par>
+                            </p:childTnLst>
+                          </p:cTn>
+                        </p:par>
+                      </p:childTnLst>
+                    </p:cTn>
+                  </p:par>
+                  <p:par>
+                    <p:cTn id="33" fill="hold">
+                      <p:stCondLst>
+                        <p:cond delay="indefinite"/>
+                      </p:stCondLst>
+                      <p:childTnLst>
+                        <p:par>
+                          <p:cTn id="34" fill="hold">
+                            <p:stCondLst>
+                              <p:cond delay="0"/>
+                            </p:stCondLst>
+                            <p:childTnLst>
+                              <p:par>
+                                <p:cTn id="35" presetID="2" presetClass="entr" presetSubtype="8" fill="hold" grpId="0" nodeType="clickEffect">
+                                  <p:stCondLst>
+                                    <p:cond delay="0"/>
+                                  </p:stCondLst>
+                                  <p:childTnLst>
+                                    <p:set>
+                                      <p:cBhvr>
+                                        <p:cTn id="36" dur="1" fill="hold">
+                                          <p:stCondLst>
+                                            <p:cond delay="0"/>
+                                          </p:stCondLst>
+                                        </p:cTn>
+                                        <p:tgtEl>
+                                          <p:spTgt spid="11"/>
+                                        </p:tgtEl>
+                                        <p:attrNameLst>
+                                          <p:attrName>style.visibility</p:attrName>
+                                        </p:attrNameLst>
+                                      </p:cBhvr>
+                                      <p:to>
+                                        <p:strVal val="visible"/>
+                                      </p:to>
+                                    </p:set>
+                                    <p:anim calcmode="lin" valueType="num">
+                                      <p:cBhvr additive="base">
+                                        <p:cTn id="37" dur="500" fill="hold"/>
+                                        <p:tgtEl>
+                                          <p:spTgt spid="11"/>
+                                        </p:tgtEl>
+                                        <p:attrNameLst>
+                                          <p:attrName>ppt_x</p:attrName>
+                                        </p:attrNameLst>
+                                      </p:cBhvr>
+                                      <p:tavLst>
+                                        <p:tav tm="0">
+                                          <p:val>
+                                            <p:strVal val="0-#ppt_w/2"/>
+                                          </p:val>
+                                        </p:tav>
+                                        <p:tav tm="100000">
+                                          <p:val>
+                                            <p:strVal val="#ppt_x"/>
+                                          </p:val>
+                                        </p:tav>
+                                      </p:tavLst>
+                                    </p:anim>
+                                    <p:anim calcmode="lin" valueType="num">
+                                      <p:cBhvr additive="base">
+                                        <p:cTn id="38" dur="500" fill="hold"/>
+                                        <p:tgtEl>
+                                          <p:spTgt spid="11"/>
+                                        </p:tgtEl>
+                                        <p:attrNameLst>
+                                          <p:attrName>ppt_y</p:attrName>
+                                        </p:attrNameLst>
+                                      </p:cBhvr>
+                                      <p:tavLst>
+                                        <p:tav tm="0">
+                                          <p:val>
+                                            <p:strVal val="#ppt_y"/>
+                                          </p:val>
+                                        </p:tav>
+                                        <p:tav tm="100000">
+                                          <p:val>
+                                            <p:strVal val="#ppt_y"/>
+                                          </p:val>
+                                        </p:tav>
+                                      </p:tavLst>
+                                    </p:anim>
+                                  </p:childTnLst>
+                                </p:cTn>
+                              </p:par>
+                            </p:childTnLst>
+                          </p:cTn>
+                        </p:par>
+                      </p:childTnLst>
+                    </p:cTn>
+                  </p:par>
+                  <p:par>
+                    <p:cTn id="39" fill="hold">
+                      <p:stCondLst>
+                        <p:cond delay="indefinite"/>
+                      </p:stCondLst>
+                      <p:childTnLst>
+                        <p:par>
+                          <p:cTn id="40" fill="hold">
+                            <p:stCondLst>
+                              <p:cond delay="0"/>
+                            </p:stCondLst>
+                            <p:childTnLst>
+                              <p:par>
+                                <p:cTn id="41" presetID="2" presetClass="entr" presetSubtype="4" fill="hold" grpId="0" nodeType="clickEffect">
+                                  <p:stCondLst>
+                                    <p:cond delay="0"/>
+                                  </p:stCondLst>
+                                  <p:childTnLst>
+                                    <p:set>
+                                      <p:cBhvr>
+                                        <p:cTn id="42" dur="1" fill="hold">
+                                          <p:stCondLst>
+                                            <p:cond delay="0"/>
+                                          </p:stCondLst>
+                                        </p:cTn>
+                                        <p:tgtEl>
+                                          <p:spTgt spid="12"/>
+                                        </p:tgtEl>
+                                        <p:attrNameLst>
+                                          <p:attrName>style.visibility</p:attrName>
+                                        </p:attrNameLst>
+                                      </p:cBhvr>
+                                      <p:to>
+                                        <p:strVal val="visible"/>
+                                      </p:to>
+                                    </p:set>
+                                    <p:anim calcmode="lin" valueType="num">
+                                      <p:cBhvr additive="base">
+                                        <p:cTn id="43" dur="500" fill="hold"/>
+                                        <p:tgtEl>
+                                          <p:spTgt spid="12"/>
+                                        </p:tgtEl>
+                                        <p:attrNameLst>
+                                          <p:attrName>ppt_x</p:attrName>
+                                        </p:attrNameLst>
+                                      </p:cBhvr>
+                                      <p:tavLst>
+                                        <p:tav tm="0">
+                                          <p:val>
+                                            <p:strVal val="#ppt_x"/>
+                                          </p:val>
+                                        </p:tav>
+                                        <p:tav tm="100000">
+                                          <p:val>
+                                            <p:strVal val="#ppt_x"/>
+                                          </p:val>
+                                        </p:tav>
+                                      </p:tavLst>
+                                    </p:anim>
+                                    <p:anim calcmode="lin" valueType="num">
+                                      <p:cBhvr additive="base">
+                                        <p:cTn id="44" dur="500" fill="hold"/>
+                                        <p:tgtEl>
+                                          <p:spTgt spid="12"/>
+                                        </p:tgtEl>
+                                        <p:attrNameLst>
+                                          <p:attrName>ppt_y</p:attrName>
+                                        </p:attrNameLst>
+                                      </p:cBhvr>
+                                      <p:tavLst>
+                                        <p:tav tm="0">
+                                          <p:val>
+                                            <p:strVal val="1+#ppt_h/2"/>
+                                          </p:val>
+                                        </p:tav>
+                                        <p:tav tm="100000">
+                                          <p:val>
+                                            <p:strVal val="#ppt_y"/>
+                                          </p:val>
+                                        </p:tav>
+                                      </p:tavLst>
+                                    </p:anim>
+                                  </p:childTnLst>
+                                </p:cTn>
+                              </p:par>
+                            </p:childTnLst>
+                          </p:cTn>
+                        </p:par>
+                      </p:childTnLst>
+                    </p:cTn>
+                  </p:par>
+                </p:childTnLst>
+              </p:cTn>
+              <p:prevCondLst>
+                <p:cond evt="onPrev" delay="0">
+                  <p:tgtEl>
+                    <p:sldTgt/>
+                  </p:tgtEl>
+                </p:cond>
+              </p:prevCondLst>
+              <p:nextCondLst>
+                <p:cond evt="onNext" delay="0">
+                  <p:tgtEl>
+                    <p:sldTgt/>
+                  </p:tgtEl>
+                </p:cond>
+              </p:nextCondLst>
+            </p:seq>
+          </p:childTnLst>
+        </p:cTn>
       </p:par>
     </p:tnLst>
+    <p:bldLst>
+      <p:bldP spid="2" grpId="0"/>
+      <p:bldP spid="5" grpId="0" build="p"/>
+      <p:bldP spid="6" grpId="0"/>
+      <p:bldP spid="8" grpId="0" animBg="1"/>
+      <p:bldP spid="10" grpId="0"/>
+      <p:bldP spid="11" grpId="0" animBg="1"/>
+      <p:bldP spid="12" grpId="0"/>
+    </p:bldLst>
   </p:timing>
 </p:sld>
 </file>
@@ -11129,7 +12217,7 @@
     </p:spTree>
     <p:extLst>
       <p:ext uri="{BB962C8B-B14F-4D97-AF65-F5344CB8AC3E}">
-        <p14:creationId xmlns:p14="http://schemas.microsoft.com/office/powerpoint/2010/main" val="2599325257"/>
+        <p14:creationId xmlns:p14="http://schemas.microsoft.com/office/powerpoint/2010/main" val="752091242"/>
       </p:ext>
     </p:extLst>
   </p:cSld>
@@ -11139,9 +12227,528 @@
   <p:timing>
     <p:tnLst>
       <p:par>
-        <p:cTn id="1" dur="indefinite" restart="never" nodeType="tmRoot"/>
+        <p:cTn id="1" dur="indefinite" restart="never" nodeType="tmRoot">
+          <p:childTnLst>
+            <p:seq concurrent="1" nextAc="seek">
+              <p:cTn id="2" dur="indefinite" nodeType="mainSeq">
+                <p:childTnLst>
+                  <p:par>
+                    <p:cTn id="3" fill="hold">
+                      <p:stCondLst>
+                        <p:cond delay="indefinite"/>
+                      </p:stCondLst>
+                      <p:childTnLst>
+                        <p:par>
+                          <p:cTn id="4" fill="hold">
+                            <p:stCondLst>
+                              <p:cond delay="0"/>
+                            </p:stCondLst>
+                            <p:childTnLst>
+                              <p:par>
+                                <p:cTn id="5" presetID="2" presetClass="entr" presetSubtype="4" fill="hold" grpId="0" nodeType="clickEffect">
+                                  <p:stCondLst>
+                                    <p:cond delay="0"/>
+                                  </p:stCondLst>
+                                  <p:childTnLst>
+                                    <p:set>
+                                      <p:cBhvr>
+                                        <p:cTn id="6" dur="1" fill="hold">
+                                          <p:stCondLst>
+                                            <p:cond delay="0"/>
+                                          </p:stCondLst>
+                                        </p:cTn>
+                                        <p:tgtEl>
+                                          <p:spTgt spid="3">
+                                            <p:txEl>
+                                              <p:pRg st="0" end="0"/>
+                                            </p:txEl>
+                                          </p:spTgt>
+                                        </p:tgtEl>
+                                        <p:attrNameLst>
+                                          <p:attrName>style.visibility</p:attrName>
+                                        </p:attrNameLst>
+                                      </p:cBhvr>
+                                      <p:to>
+                                        <p:strVal val="visible"/>
+                                      </p:to>
+                                    </p:set>
+                                    <p:anim calcmode="lin" valueType="num">
+                                      <p:cBhvr additive="base">
+                                        <p:cTn id="7" dur="500" fill="hold"/>
+                                        <p:tgtEl>
+                                          <p:spTgt spid="3">
+                                            <p:txEl>
+                                              <p:pRg st="0" end="0"/>
+                                            </p:txEl>
+                                          </p:spTgt>
+                                        </p:tgtEl>
+                                        <p:attrNameLst>
+                                          <p:attrName>ppt_x</p:attrName>
+                                        </p:attrNameLst>
+                                      </p:cBhvr>
+                                      <p:tavLst>
+                                        <p:tav tm="0">
+                                          <p:val>
+                                            <p:strVal val="#ppt_x"/>
+                                          </p:val>
+                                        </p:tav>
+                                        <p:tav tm="100000">
+                                          <p:val>
+                                            <p:strVal val="#ppt_x"/>
+                                          </p:val>
+                                        </p:tav>
+                                      </p:tavLst>
+                                    </p:anim>
+                                    <p:anim calcmode="lin" valueType="num">
+                                      <p:cBhvr additive="base">
+                                        <p:cTn id="8" dur="500" fill="hold"/>
+                                        <p:tgtEl>
+                                          <p:spTgt spid="3">
+                                            <p:txEl>
+                                              <p:pRg st="0" end="0"/>
+                                            </p:txEl>
+                                          </p:spTgt>
+                                        </p:tgtEl>
+                                        <p:attrNameLst>
+                                          <p:attrName>ppt_y</p:attrName>
+                                        </p:attrNameLst>
+                                      </p:cBhvr>
+                                      <p:tavLst>
+                                        <p:tav tm="0">
+                                          <p:val>
+                                            <p:strVal val="1+#ppt_h/2"/>
+                                          </p:val>
+                                        </p:tav>
+                                        <p:tav tm="100000">
+                                          <p:val>
+                                            <p:strVal val="#ppt_y"/>
+                                          </p:val>
+                                        </p:tav>
+                                      </p:tavLst>
+                                    </p:anim>
+                                  </p:childTnLst>
+                                </p:cTn>
+                              </p:par>
+                            </p:childTnLst>
+                          </p:cTn>
+                        </p:par>
+                      </p:childTnLst>
+                    </p:cTn>
+                  </p:par>
+                  <p:par>
+                    <p:cTn id="9" fill="hold">
+                      <p:stCondLst>
+                        <p:cond delay="indefinite"/>
+                      </p:stCondLst>
+                      <p:childTnLst>
+                        <p:par>
+                          <p:cTn id="10" fill="hold">
+                            <p:stCondLst>
+                              <p:cond delay="0"/>
+                            </p:stCondLst>
+                            <p:childTnLst>
+                              <p:par>
+                                <p:cTn id="11" presetID="2" presetClass="entr" presetSubtype="4" fill="hold" grpId="0" nodeType="clickEffect">
+                                  <p:stCondLst>
+                                    <p:cond delay="0"/>
+                                  </p:stCondLst>
+                                  <p:childTnLst>
+                                    <p:set>
+                                      <p:cBhvr>
+                                        <p:cTn id="12" dur="1" fill="hold">
+                                          <p:stCondLst>
+                                            <p:cond delay="0"/>
+                                          </p:stCondLst>
+                                        </p:cTn>
+                                        <p:tgtEl>
+                                          <p:spTgt spid="3">
+                                            <p:txEl>
+                                              <p:pRg st="1" end="1"/>
+                                            </p:txEl>
+                                          </p:spTgt>
+                                        </p:tgtEl>
+                                        <p:attrNameLst>
+                                          <p:attrName>style.visibility</p:attrName>
+                                        </p:attrNameLst>
+                                      </p:cBhvr>
+                                      <p:to>
+                                        <p:strVal val="visible"/>
+                                      </p:to>
+                                    </p:set>
+                                    <p:anim calcmode="lin" valueType="num">
+                                      <p:cBhvr additive="base">
+                                        <p:cTn id="13" dur="500" fill="hold"/>
+                                        <p:tgtEl>
+                                          <p:spTgt spid="3">
+                                            <p:txEl>
+                                              <p:pRg st="1" end="1"/>
+                                            </p:txEl>
+                                          </p:spTgt>
+                                        </p:tgtEl>
+                                        <p:attrNameLst>
+                                          <p:attrName>ppt_x</p:attrName>
+                                        </p:attrNameLst>
+                                      </p:cBhvr>
+                                      <p:tavLst>
+                                        <p:tav tm="0">
+                                          <p:val>
+                                            <p:strVal val="#ppt_x"/>
+                                          </p:val>
+                                        </p:tav>
+                                        <p:tav tm="100000">
+                                          <p:val>
+                                            <p:strVal val="#ppt_x"/>
+                                          </p:val>
+                                        </p:tav>
+                                      </p:tavLst>
+                                    </p:anim>
+                                    <p:anim calcmode="lin" valueType="num">
+                                      <p:cBhvr additive="base">
+                                        <p:cTn id="14" dur="500" fill="hold"/>
+                                        <p:tgtEl>
+                                          <p:spTgt spid="3">
+                                            <p:txEl>
+                                              <p:pRg st="1" end="1"/>
+                                            </p:txEl>
+                                          </p:spTgt>
+                                        </p:tgtEl>
+                                        <p:attrNameLst>
+                                          <p:attrName>ppt_y</p:attrName>
+                                        </p:attrNameLst>
+                                      </p:cBhvr>
+                                      <p:tavLst>
+                                        <p:tav tm="0">
+                                          <p:val>
+                                            <p:strVal val="1+#ppt_h/2"/>
+                                          </p:val>
+                                        </p:tav>
+                                        <p:tav tm="100000">
+                                          <p:val>
+                                            <p:strVal val="#ppt_y"/>
+                                          </p:val>
+                                        </p:tav>
+                                      </p:tavLst>
+                                    </p:anim>
+                                  </p:childTnLst>
+                                </p:cTn>
+                              </p:par>
+                            </p:childTnLst>
+                          </p:cTn>
+                        </p:par>
+                      </p:childTnLst>
+                    </p:cTn>
+                  </p:par>
+                  <p:par>
+                    <p:cTn id="15" fill="hold">
+                      <p:stCondLst>
+                        <p:cond delay="indefinite"/>
+                      </p:stCondLst>
+                      <p:childTnLst>
+                        <p:par>
+                          <p:cTn id="16" fill="hold">
+                            <p:stCondLst>
+                              <p:cond delay="0"/>
+                            </p:stCondLst>
+                            <p:childTnLst>
+                              <p:par>
+                                <p:cTn id="17" presetID="2" presetClass="entr" presetSubtype="4" fill="hold" grpId="0" nodeType="clickEffect">
+                                  <p:stCondLst>
+                                    <p:cond delay="0"/>
+                                  </p:stCondLst>
+                                  <p:childTnLst>
+                                    <p:set>
+                                      <p:cBhvr>
+                                        <p:cTn id="18" dur="1" fill="hold">
+                                          <p:stCondLst>
+                                            <p:cond delay="0"/>
+                                          </p:stCondLst>
+                                        </p:cTn>
+                                        <p:tgtEl>
+                                          <p:spTgt spid="5"/>
+                                        </p:tgtEl>
+                                        <p:attrNameLst>
+                                          <p:attrName>style.visibility</p:attrName>
+                                        </p:attrNameLst>
+                                      </p:cBhvr>
+                                      <p:to>
+                                        <p:strVal val="visible"/>
+                                      </p:to>
+                                    </p:set>
+                                    <p:anim calcmode="lin" valueType="num">
+                                      <p:cBhvr additive="base">
+                                        <p:cTn id="19" dur="500" fill="hold"/>
+                                        <p:tgtEl>
+                                          <p:spTgt spid="5"/>
+                                        </p:tgtEl>
+                                        <p:attrNameLst>
+                                          <p:attrName>ppt_x</p:attrName>
+                                        </p:attrNameLst>
+                                      </p:cBhvr>
+                                      <p:tavLst>
+                                        <p:tav tm="0">
+                                          <p:val>
+                                            <p:strVal val="#ppt_x"/>
+                                          </p:val>
+                                        </p:tav>
+                                        <p:tav tm="100000">
+                                          <p:val>
+                                            <p:strVal val="#ppt_x"/>
+                                          </p:val>
+                                        </p:tav>
+                                      </p:tavLst>
+                                    </p:anim>
+                                    <p:anim calcmode="lin" valueType="num">
+                                      <p:cBhvr additive="base">
+                                        <p:cTn id="20" dur="500" fill="hold"/>
+                                        <p:tgtEl>
+                                          <p:spTgt spid="5"/>
+                                        </p:tgtEl>
+                                        <p:attrNameLst>
+                                          <p:attrName>ppt_y</p:attrName>
+                                        </p:attrNameLst>
+                                      </p:cBhvr>
+                                      <p:tavLst>
+                                        <p:tav tm="0">
+                                          <p:val>
+                                            <p:strVal val="1+#ppt_h/2"/>
+                                          </p:val>
+                                        </p:tav>
+                                        <p:tav tm="100000">
+                                          <p:val>
+                                            <p:strVal val="#ppt_y"/>
+                                          </p:val>
+                                        </p:tav>
+                                      </p:tavLst>
+                                    </p:anim>
+                                  </p:childTnLst>
+                                </p:cTn>
+                              </p:par>
+                            </p:childTnLst>
+                          </p:cTn>
+                        </p:par>
+                      </p:childTnLst>
+                    </p:cTn>
+                  </p:par>
+                  <p:par>
+                    <p:cTn id="21" fill="hold">
+                      <p:stCondLst>
+                        <p:cond delay="indefinite"/>
+                      </p:stCondLst>
+                      <p:childTnLst>
+                        <p:par>
+                          <p:cTn id="22" fill="hold">
+                            <p:stCondLst>
+                              <p:cond delay="0"/>
+                            </p:stCondLst>
+                            <p:childTnLst>
+                              <p:par>
+                                <p:cTn id="23" presetID="2" presetClass="entr" presetSubtype="8" fill="hold" grpId="0" nodeType="clickEffect">
+                                  <p:stCondLst>
+                                    <p:cond delay="0"/>
+                                  </p:stCondLst>
+                                  <p:childTnLst>
+                                    <p:set>
+                                      <p:cBhvr>
+                                        <p:cTn id="24" dur="1" fill="hold">
+                                          <p:stCondLst>
+                                            <p:cond delay="0"/>
+                                          </p:stCondLst>
+                                        </p:cTn>
+                                        <p:tgtEl>
+                                          <p:spTgt spid="6"/>
+                                        </p:tgtEl>
+                                        <p:attrNameLst>
+                                          <p:attrName>style.visibility</p:attrName>
+                                        </p:attrNameLst>
+                                      </p:cBhvr>
+                                      <p:to>
+                                        <p:strVal val="visible"/>
+                                      </p:to>
+                                    </p:set>
+                                    <p:anim calcmode="lin" valueType="num">
+                                      <p:cBhvr additive="base">
+                                        <p:cTn id="25" dur="500" fill="hold"/>
+                                        <p:tgtEl>
+                                          <p:spTgt spid="6"/>
+                                        </p:tgtEl>
+                                        <p:attrNameLst>
+                                          <p:attrName>ppt_x</p:attrName>
+                                        </p:attrNameLst>
+                                      </p:cBhvr>
+                                      <p:tavLst>
+                                        <p:tav tm="0">
+                                          <p:val>
+                                            <p:strVal val="0-#ppt_w/2"/>
+                                          </p:val>
+                                        </p:tav>
+                                        <p:tav tm="100000">
+                                          <p:val>
+                                            <p:strVal val="#ppt_x"/>
+                                          </p:val>
+                                        </p:tav>
+                                      </p:tavLst>
+                                    </p:anim>
+                                    <p:anim calcmode="lin" valueType="num">
+                                      <p:cBhvr additive="base">
+                                        <p:cTn id="26" dur="500" fill="hold"/>
+                                        <p:tgtEl>
+                                          <p:spTgt spid="6"/>
+                                        </p:tgtEl>
+                                        <p:attrNameLst>
+                                          <p:attrName>ppt_y</p:attrName>
+                                        </p:attrNameLst>
+                                      </p:cBhvr>
+                                      <p:tavLst>
+                                        <p:tav tm="0">
+                                          <p:val>
+                                            <p:strVal val="#ppt_y"/>
+                                          </p:val>
+                                        </p:tav>
+                                        <p:tav tm="100000">
+                                          <p:val>
+                                            <p:strVal val="#ppt_y"/>
+                                          </p:val>
+                                        </p:tav>
+                                      </p:tavLst>
+                                    </p:anim>
+                                  </p:childTnLst>
+                                </p:cTn>
+                              </p:par>
+                            </p:childTnLst>
+                          </p:cTn>
+                        </p:par>
+                      </p:childTnLst>
+                    </p:cTn>
+                  </p:par>
+                  <p:par>
+                    <p:cTn id="27" fill="hold">
+                      <p:stCondLst>
+                        <p:cond delay="indefinite"/>
+                      </p:stCondLst>
+                      <p:childTnLst>
+                        <p:par>
+                          <p:cTn id="28" fill="hold">
+                            <p:stCondLst>
+                              <p:cond delay="0"/>
+                            </p:stCondLst>
+                            <p:childTnLst>
+                              <p:par>
+                                <p:cTn id="29" presetID="2" presetClass="entr" presetSubtype="4" fill="hold" nodeType="clickEffect">
+                                  <p:stCondLst>
+                                    <p:cond delay="0"/>
+                                  </p:stCondLst>
+                                  <p:childTnLst>
+                                    <p:set>
+                                      <p:cBhvr>
+                                        <p:cTn id="30" dur="1" fill="hold">
+                                          <p:stCondLst>
+                                            <p:cond delay="0"/>
+                                          </p:stCondLst>
+                                        </p:cTn>
+                                        <p:tgtEl>
+                                          <p:spTgt spid="7">
+                                            <p:txEl>
+                                              <p:pRg st="0" end="0"/>
+                                            </p:txEl>
+                                          </p:spTgt>
+                                        </p:tgtEl>
+                                        <p:attrNameLst>
+                                          <p:attrName>style.visibility</p:attrName>
+                                        </p:attrNameLst>
+                                      </p:cBhvr>
+                                      <p:to>
+                                        <p:strVal val="visible"/>
+                                      </p:to>
+                                    </p:set>
+                                    <p:anim calcmode="lin" valueType="num">
+                                      <p:cBhvr additive="base">
+                                        <p:cTn id="31" dur="500" fill="hold"/>
+                                        <p:tgtEl>
+                                          <p:spTgt spid="7">
+                                            <p:txEl>
+                                              <p:pRg st="0" end="0"/>
+                                            </p:txEl>
+                                          </p:spTgt>
+                                        </p:tgtEl>
+                                        <p:attrNameLst>
+                                          <p:attrName>ppt_x</p:attrName>
+                                        </p:attrNameLst>
+                                      </p:cBhvr>
+                                      <p:tavLst>
+                                        <p:tav tm="0">
+                                          <p:val>
+                                            <p:strVal val="#ppt_x"/>
+                                          </p:val>
+                                        </p:tav>
+                                        <p:tav tm="100000">
+                                          <p:val>
+                                            <p:strVal val="#ppt_x"/>
+                                          </p:val>
+                                        </p:tav>
+                                      </p:tavLst>
+                                    </p:anim>
+                                    <p:anim calcmode="lin" valueType="num">
+                                      <p:cBhvr additive="base">
+                                        <p:cTn id="32" dur="500" fill="hold"/>
+                                        <p:tgtEl>
+                                          <p:spTgt spid="7">
+                                            <p:txEl>
+                                              <p:pRg st="0" end="0"/>
+                                            </p:txEl>
+                                          </p:spTgt>
+                                        </p:tgtEl>
+                                        <p:attrNameLst>
+                                          <p:attrName>ppt_y</p:attrName>
+                                        </p:attrNameLst>
+                                      </p:cBhvr>
+                                      <p:tavLst>
+                                        <p:tav tm="0">
+                                          <p:val>
+                                            <p:strVal val="1+#ppt_h/2"/>
+                                          </p:val>
+                                        </p:tav>
+                                        <p:tav tm="100000">
+                                          <p:val>
+                                            <p:strVal val="#ppt_y"/>
+                                          </p:val>
+                                        </p:tav>
+                                      </p:tavLst>
+                                    </p:anim>
+                                  </p:childTnLst>
+                                </p:cTn>
+                              </p:par>
+                            </p:childTnLst>
+                          </p:cTn>
+                        </p:par>
+                      </p:childTnLst>
+                    </p:cTn>
+                  </p:par>
+                </p:childTnLst>
+              </p:cTn>
+              <p:prevCondLst>
+                <p:cond evt="onPrev" delay="0">
+                  <p:tgtEl>
+                    <p:sldTgt/>
+                  </p:tgtEl>
+                </p:cond>
+              </p:prevCondLst>
+              <p:nextCondLst>
+                <p:cond evt="onNext" delay="0">
+                  <p:tgtEl>
+                    <p:sldTgt/>
+                  </p:tgtEl>
+                </p:cond>
+              </p:nextCondLst>
+            </p:seq>
+          </p:childTnLst>
+        </p:cTn>
       </p:par>
     </p:tnLst>
+    <p:bldLst>
+      <p:bldP spid="3" grpId="0" build="p"/>
+      <p:bldP spid="5" grpId="0"/>
+      <p:bldP spid="6" grpId="0" animBg="1"/>
+    </p:bldLst>
   </p:timing>
 </p:sld>
 </file>
@@ -11223,20 +12830,266 @@
           <a:lstStyle/>
           <a:p>
             <a:r>
-              <a:rPr lang="en-US"/>
-              <a:t>Lớp ẩn danh được tạo ra thông qua kế thừa từ lớp khác</a:t>
-            </a:r>
+              <a:rPr lang="en-US" dirty="0" err="1"/>
+              <a:t>Lớp</a:t>
+            </a:r>
+            <a:r>
+              <a:rPr lang="en-US" dirty="0"/>
+              <a:t> </a:t>
+            </a:r>
+            <a:r>
+              <a:rPr lang="en-US" dirty="0" err="1"/>
+              <a:t>ẩn</a:t>
+            </a:r>
+            <a:r>
+              <a:rPr lang="en-US" dirty="0"/>
+              <a:t> </a:t>
+            </a:r>
+            <a:r>
+              <a:rPr lang="en-US" dirty="0" err="1"/>
+              <a:t>danh</a:t>
+            </a:r>
+            <a:r>
+              <a:rPr lang="en-US" dirty="0"/>
+              <a:t> </a:t>
+            </a:r>
+            <a:r>
+              <a:rPr lang="en-US" dirty="0" err="1"/>
+              <a:t>được</a:t>
+            </a:r>
+            <a:r>
+              <a:rPr lang="en-US" dirty="0"/>
+              <a:t> </a:t>
+            </a:r>
+            <a:r>
+              <a:rPr lang="en-US" dirty="0" err="1"/>
+              <a:t>tạo</a:t>
+            </a:r>
+            <a:r>
+              <a:rPr lang="en-US" dirty="0"/>
+              <a:t> </a:t>
+            </a:r>
+            <a:r>
+              <a:rPr lang="en-US" dirty="0" err="1"/>
+              <a:t>ra</a:t>
+            </a:r>
+            <a:r>
+              <a:rPr lang="en-US" dirty="0"/>
+              <a:t> </a:t>
+            </a:r>
+            <a:r>
+              <a:rPr lang="en-US" dirty="0" err="1"/>
+              <a:t>thông</a:t>
+            </a:r>
+            <a:r>
+              <a:rPr lang="en-US" dirty="0"/>
+              <a:t> qua </a:t>
+            </a:r>
+            <a:r>
+              <a:rPr lang="en-US" dirty="0" err="1"/>
+              <a:t>kế</a:t>
+            </a:r>
+            <a:r>
+              <a:rPr lang="en-US" dirty="0"/>
+              <a:t> </a:t>
+            </a:r>
+            <a:r>
+              <a:rPr lang="en-US" dirty="0" err="1"/>
+              <a:t>thừa</a:t>
+            </a:r>
+            <a:r>
+              <a:rPr lang="en-US" dirty="0"/>
+              <a:t> </a:t>
+            </a:r>
+            <a:r>
+              <a:rPr lang="en-US" dirty="0" err="1"/>
+              <a:t>từ</a:t>
+            </a:r>
+            <a:r>
+              <a:rPr lang="en-US" dirty="0"/>
+              <a:t> </a:t>
+            </a:r>
+            <a:r>
+              <a:rPr lang="en-US" dirty="0" err="1"/>
+              <a:t>lớp</a:t>
+            </a:r>
+            <a:r>
+              <a:rPr lang="en-US" dirty="0"/>
+              <a:t> </a:t>
+            </a:r>
+            <a:r>
+              <a:rPr lang="en-US" dirty="0" err="1"/>
+              <a:t>khác</a:t>
+            </a:r>
+            <a:endParaRPr lang="en-US" dirty="0"/>
           </a:p>
           <a:p>
             <a:r>
-              <a:rPr lang="en-US"/>
-              <a:t>Lớp ẩn danh được tạo ra thông qua triển khai từ interface khác</a:t>
-            </a:r>
+              <a:rPr lang="en-US" dirty="0" err="1"/>
+              <a:t>Lớp</a:t>
+            </a:r>
+            <a:r>
+              <a:rPr lang="en-US" dirty="0"/>
+              <a:t> </a:t>
+            </a:r>
+            <a:r>
+              <a:rPr lang="en-US" dirty="0" err="1"/>
+              <a:t>ẩn</a:t>
+            </a:r>
+            <a:r>
+              <a:rPr lang="en-US" dirty="0"/>
+              <a:t> </a:t>
+            </a:r>
+            <a:r>
+              <a:rPr lang="en-US" dirty="0" err="1"/>
+              <a:t>danh</a:t>
+            </a:r>
+            <a:r>
+              <a:rPr lang="en-US" dirty="0"/>
+              <a:t> </a:t>
+            </a:r>
+            <a:r>
+              <a:rPr lang="en-US" dirty="0" err="1"/>
+              <a:t>được</a:t>
+            </a:r>
+            <a:r>
+              <a:rPr lang="en-US" dirty="0"/>
+              <a:t> </a:t>
+            </a:r>
+            <a:r>
+              <a:rPr lang="en-US" dirty="0" err="1"/>
+              <a:t>tạo</a:t>
+            </a:r>
+            <a:r>
+              <a:rPr lang="en-US" dirty="0"/>
+              <a:t> </a:t>
+            </a:r>
+            <a:r>
+              <a:rPr lang="en-US" dirty="0" err="1"/>
+              <a:t>ra</a:t>
+            </a:r>
+            <a:r>
+              <a:rPr lang="en-US" dirty="0"/>
+              <a:t> </a:t>
+            </a:r>
+            <a:r>
+              <a:rPr lang="en-US" dirty="0" err="1"/>
+              <a:t>thông</a:t>
+            </a:r>
+            <a:r>
+              <a:rPr lang="en-US" dirty="0"/>
+              <a:t> qua </a:t>
+            </a:r>
+            <a:r>
+              <a:rPr lang="en-US" dirty="0" err="1"/>
+              <a:t>triển</a:t>
+            </a:r>
+            <a:r>
+              <a:rPr lang="en-US" dirty="0"/>
+              <a:t> </a:t>
+            </a:r>
+            <a:r>
+              <a:rPr lang="en-US" dirty="0" err="1"/>
+              <a:t>khai</a:t>
+            </a:r>
+            <a:r>
+              <a:rPr lang="en-US" dirty="0"/>
+              <a:t> </a:t>
+            </a:r>
+            <a:r>
+              <a:rPr lang="en-US" dirty="0" err="1"/>
+              <a:t>từ</a:t>
+            </a:r>
+            <a:r>
+              <a:rPr lang="en-US" dirty="0"/>
+              <a:t> interface </a:t>
+            </a:r>
+            <a:r>
+              <a:rPr lang="en-US" dirty="0" err="1"/>
+              <a:t>khác</a:t>
+            </a:r>
+            <a:endParaRPr lang="en-US" dirty="0"/>
           </a:p>
           <a:p>
             <a:r>
-              <a:rPr lang="en-US"/>
-              <a:t>Lớp ẩn danh được dùng như thông số truyền vào.</a:t>
+              <a:rPr lang="en-US" dirty="0" err="1"/>
+              <a:t>Lớp</a:t>
+            </a:r>
+            <a:r>
+              <a:rPr lang="en-US" dirty="0"/>
+              <a:t> </a:t>
+            </a:r>
+            <a:r>
+              <a:rPr lang="en-US" dirty="0" err="1"/>
+              <a:t>ẩn</a:t>
+            </a:r>
+            <a:r>
+              <a:rPr lang="en-US" dirty="0"/>
+              <a:t> </a:t>
+            </a:r>
+            <a:r>
+              <a:rPr lang="en-US" dirty="0" err="1"/>
+              <a:t>danh</a:t>
+            </a:r>
+            <a:r>
+              <a:rPr lang="en-US" dirty="0"/>
+              <a:t> </a:t>
+            </a:r>
+            <a:r>
+              <a:rPr lang="en-US" dirty="0" err="1"/>
+              <a:t>được</a:t>
+            </a:r>
+            <a:r>
+              <a:rPr lang="en-US" dirty="0"/>
+              <a:t> </a:t>
+            </a:r>
+            <a:r>
+              <a:rPr lang="en-US" dirty="0" err="1"/>
+              <a:t>dùng</a:t>
+            </a:r>
+            <a:r>
+              <a:rPr lang="en-US" dirty="0"/>
+              <a:t> </a:t>
+            </a:r>
+            <a:r>
+              <a:rPr lang="en-US" dirty="0" err="1"/>
+              <a:t>như</a:t>
+            </a:r>
+            <a:r>
+              <a:rPr lang="en-US" dirty="0"/>
+              <a:t> </a:t>
+            </a:r>
+            <a:r>
+              <a:rPr lang="en-US" dirty="0" err="1"/>
+              <a:t>thông</a:t>
+            </a:r>
+            <a:r>
+              <a:rPr lang="en-US" dirty="0"/>
+              <a:t> </a:t>
+            </a:r>
+            <a:r>
+              <a:rPr lang="en-US" dirty="0" err="1"/>
+              <a:t>số</a:t>
+            </a:r>
+            <a:r>
+              <a:rPr lang="en-US" dirty="0"/>
+              <a:t> </a:t>
+            </a:r>
+            <a:r>
+              <a:rPr lang="en-US" dirty="0" err="1"/>
+              <a:t>truyền</a:t>
+            </a:r>
+            <a:r>
+              <a:rPr lang="en-US" dirty="0"/>
+              <a:t> </a:t>
+            </a:r>
+            <a:r>
+              <a:rPr lang="en-US" dirty="0" err="1"/>
+              <a:t>vào</a:t>
+            </a:r>
+            <a:r>
+              <a:rPr lang="en-US" dirty="0"/>
+              <a:t>.</a:t>
             </a:r>
           </a:p>
         </p:txBody>
@@ -11282,7 +13135,7 @@
     </p:spTree>
     <p:extLst>
       <p:ext uri="{BB962C8B-B14F-4D97-AF65-F5344CB8AC3E}">
-        <p14:creationId xmlns:p14="http://schemas.microsoft.com/office/powerpoint/2010/main" val="704558206"/>
+        <p14:creationId xmlns:p14="http://schemas.microsoft.com/office/powerpoint/2010/main" val="1544192842"/>
       </p:ext>
     </p:extLst>
   </p:cSld>
@@ -11292,9 +13145,436 @@
   <p:timing>
     <p:tnLst>
       <p:par>
-        <p:cTn id="1" dur="indefinite" restart="never" nodeType="tmRoot"/>
+        <p:cTn id="1" dur="indefinite" restart="never" nodeType="tmRoot">
+          <p:childTnLst>
+            <p:seq concurrent="1" nextAc="seek">
+              <p:cTn id="2" dur="indefinite" nodeType="mainSeq">
+                <p:childTnLst>
+                  <p:par>
+                    <p:cTn id="3" fill="hold">
+                      <p:stCondLst>
+                        <p:cond delay="indefinite"/>
+                      </p:stCondLst>
+                      <p:childTnLst>
+                        <p:par>
+                          <p:cTn id="4" fill="hold">
+                            <p:stCondLst>
+                              <p:cond delay="0"/>
+                            </p:stCondLst>
+                            <p:childTnLst>
+                              <p:par>
+                                <p:cTn id="5" presetID="2" presetClass="entr" presetSubtype="4" fill="hold" grpId="0" nodeType="clickEffect">
+                                  <p:stCondLst>
+                                    <p:cond delay="0"/>
+                                  </p:stCondLst>
+                                  <p:childTnLst>
+                                    <p:set>
+                                      <p:cBhvr>
+                                        <p:cTn id="6" dur="1" fill="hold">
+                                          <p:stCondLst>
+                                            <p:cond delay="0"/>
+                                          </p:stCondLst>
+                                        </p:cTn>
+                                        <p:tgtEl>
+                                          <p:spTgt spid="2"/>
+                                        </p:tgtEl>
+                                        <p:attrNameLst>
+                                          <p:attrName>style.visibility</p:attrName>
+                                        </p:attrNameLst>
+                                      </p:cBhvr>
+                                      <p:to>
+                                        <p:strVal val="visible"/>
+                                      </p:to>
+                                    </p:set>
+                                    <p:anim calcmode="lin" valueType="num">
+                                      <p:cBhvr additive="base">
+                                        <p:cTn id="7" dur="500" fill="hold"/>
+                                        <p:tgtEl>
+                                          <p:spTgt spid="2"/>
+                                        </p:tgtEl>
+                                        <p:attrNameLst>
+                                          <p:attrName>ppt_x</p:attrName>
+                                        </p:attrNameLst>
+                                      </p:cBhvr>
+                                      <p:tavLst>
+                                        <p:tav tm="0">
+                                          <p:val>
+                                            <p:strVal val="#ppt_x"/>
+                                          </p:val>
+                                        </p:tav>
+                                        <p:tav tm="100000">
+                                          <p:val>
+                                            <p:strVal val="#ppt_x"/>
+                                          </p:val>
+                                        </p:tav>
+                                      </p:tavLst>
+                                    </p:anim>
+                                    <p:anim calcmode="lin" valueType="num">
+                                      <p:cBhvr additive="base">
+                                        <p:cTn id="8" dur="500" fill="hold"/>
+                                        <p:tgtEl>
+                                          <p:spTgt spid="2"/>
+                                        </p:tgtEl>
+                                        <p:attrNameLst>
+                                          <p:attrName>ppt_y</p:attrName>
+                                        </p:attrNameLst>
+                                      </p:cBhvr>
+                                      <p:tavLst>
+                                        <p:tav tm="0">
+                                          <p:val>
+                                            <p:strVal val="1+#ppt_h/2"/>
+                                          </p:val>
+                                        </p:tav>
+                                        <p:tav tm="100000">
+                                          <p:val>
+                                            <p:strVal val="#ppt_y"/>
+                                          </p:val>
+                                        </p:tav>
+                                      </p:tavLst>
+                                    </p:anim>
+                                  </p:childTnLst>
+                                </p:cTn>
+                              </p:par>
+                            </p:childTnLst>
+                          </p:cTn>
+                        </p:par>
+                      </p:childTnLst>
+                    </p:cTn>
+                  </p:par>
+                  <p:par>
+                    <p:cTn id="9" fill="hold">
+                      <p:stCondLst>
+                        <p:cond delay="indefinite"/>
+                      </p:stCondLst>
+                      <p:childTnLst>
+                        <p:par>
+                          <p:cTn id="10" fill="hold">
+                            <p:stCondLst>
+                              <p:cond delay="0"/>
+                            </p:stCondLst>
+                            <p:childTnLst>
+                              <p:par>
+                                <p:cTn id="11" presetID="2" presetClass="entr" presetSubtype="4" fill="hold" grpId="0" nodeType="clickEffect">
+                                  <p:stCondLst>
+                                    <p:cond delay="0"/>
+                                  </p:stCondLst>
+                                  <p:childTnLst>
+                                    <p:set>
+                                      <p:cBhvr>
+                                        <p:cTn id="12" dur="1" fill="hold">
+                                          <p:stCondLst>
+                                            <p:cond delay="0"/>
+                                          </p:stCondLst>
+                                        </p:cTn>
+                                        <p:tgtEl>
+                                          <p:spTgt spid="3">
+                                            <p:txEl>
+                                              <p:pRg st="0" end="0"/>
+                                            </p:txEl>
+                                          </p:spTgt>
+                                        </p:tgtEl>
+                                        <p:attrNameLst>
+                                          <p:attrName>style.visibility</p:attrName>
+                                        </p:attrNameLst>
+                                      </p:cBhvr>
+                                      <p:to>
+                                        <p:strVal val="visible"/>
+                                      </p:to>
+                                    </p:set>
+                                    <p:anim calcmode="lin" valueType="num">
+                                      <p:cBhvr additive="base">
+                                        <p:cTn id="13" dur="500" fill="hold"/>
+                                        <p:tgtEl>
+                                          <p:spTgt spid="3">
+                                            <p:txEl>
+                                              <p:pRg st="0" end="0"/>
+                                            </p:txEl>
+                                          </p:spTgt>
+                                        </p:tgtEl>
+                                        <p:attrNameLst>
+                                          <p:attrName>ppt_x</p:attrName>
+                                        </p:attrNameLst>
+                                      </p:cBhvr>
+                                      <p:tavLst>
+                                        <p:tav tm="0">
+                                          <p:val>
+                                            <p:strVal val="#ppt_x"/>
+                                          </p:val>
+                                        </p:tav>
+                                        <p:tav tm="100000">
+                                          <p:val>
+                                            <p:strVal val="#ppt_x"/>
+                                          </p:val>
+                                        </p:tav>
+                                      </p:tavLst>
+                                    </p:anim>
+                                    <p:anim calcmode="lin" valueType="num">
+                                      <p:cBhvr additive="base">
+                                        <p:cTn id="14" dur="500" fill="hold"/>
+                                        <p:tgtEl>
+                                          <p:spTgt spid="3">
+                                            <p:txEl>
+                                              <p:pRg st="0" end="0"/>
+                                            </p:txEl>
+                                          </p:spTgt>
+                                        </p:tgtEl>
+                                        <p:attrNameLst>
+                                          <p:attrName>ppt_y</p:attrName>
+                                        </p:attrNameLst>
+                                      </p:cBhvr>
+                                      <p:tavLst>
+                                        <p:tav tm="0">
+                                          <p:val>
+                                            <p:strVal val="1+#ppt_h/2"/>
+                                          </p:val>
+                                        </p:tav>
+                                        <p:tav tm="100000">
+                                          <p:val>
+                                            <p:strVal val="#ppt_y"/>
+                                          </p:val>
+                                        </p:tav>
+                                      </p:tavLst>
+                                    </p:anim>
+                                  </p:childTnLst>
+                                </p:cTn>
+                              </p:par>
+                            </p:childTnLst>
+                          </p:cTn>
+                        </p:par>
+                      </p:childTnLst>
+                    </p:cTn>
+                  </p:par>
+                  <p:par>
+                    <p:cTn id="15" fill="hold">
+                      <p:stCondLst>
+                        <p:cond delay="indefinite"/>
+                      </p:stCondLst>
+                      <p:childTnLst>
+                        <p:par>
+                          <p:cTn id="16" fill="hold">
+                            <p:stCondLst>
+                              <p:cond delay="0"/>
+                            </p:stCondLst>
+                            <p:childTnLst>
+                              <p:par>
+                                <p:cTn id="17" presetID="2" presetClass="entr" presetSubtype="4" fill="hold" grpId="0" nodeType="clickEffect">
+                                  <p:stCondLst>
+                                    <p:cond delay="0"/>
+                                  </p:stCondLst>
+                                  <p:childTnLst>
+                                    <p:set>
+                                      <p:cBhvr>
+                                        <p:cTn id="18" dur="1" fill="hold">
+                                          <p:stCondLst>
+                                            <p:cond delay="0"/>
+                                          </p:stCondLst>
+                                        </p:cTn>
+                                        <p:tgtEl>
+                                          <p:spTgt spid="3">
+                                            <p:txEl>
+                                              <p:pRg st="1" end="1"/>
+                                            </p:txEl>
+                                          </p:spTgt>
+                                        </p:tgtEl>
+                                        <p:attrNameLst>
+                                          <p:attrName>style.visibility</p:attrName>
+                                        </p:attrNameLst>
+                                      </p:cBhvr>
+                                      <p:to>
+                                        <p:strVal val="visible"/>
+                                      </p:to>
+                                    </p:set>
+                                    <p:anim calcmode="lin" valueType="num">
+                                      <p:cBhvr additive="base">
+                                        <p:cTn id="19" dur="500" fill="hold"/>
+                                        <p:tgtEl>
+                                          <p:spTgt spid="3">
+                                            <p:txEl>
+                                              <p:pRg st="1" end="1"/>
+                                            </p:txEl>
+                                          </p:spTgt>
+                                        </p:tgtEl>
+                                        <p:attrNameLst>
+                                          <p:attrName>ppt_x</p:attrName>
+                                        </p:attrNameLst>
+                                      </p:cBhvr>
+                                      <p:tavLst>
+                                        <p:tav tm="0">
+                                          <p:val>
+                                            <p:strVal val="#ppt_x"/>
+                                          </p:val>
+                                        </p:tav>
+                                        <p:tav tm="100000">
+                                          <p:val>
+                                            <p:strVal val="#ppt_x"/>
+                                          </p:val>
+                                        </p:tav>
+                                      </p:tavLst>
+                                    </p:anim>
+                                    <p:anim calcmode="lin" valueType="num">
+                                      <p:cBhvr additive="base">
+                                        <p:cTn id="20" dur="500" fill="hold"/>
+                                        <p:tgtEl>
+                                          <p:spTgt spid="3">
+                                            <p:txEl>
+                                              <p:pRg st="1" end="1"/>
+                                            </p:txEl>
+                                          </p:spTgt>
+                                        </p:tgtEl>
+                                        <p:attrNameLst>
+                                          <p:attrName>ppt_y</p:attrName>
+                                        </p:attrNameLst>
+                                      </p:cBhvr>
+                                      <p:tavLst>
+                                        <p:tav tm="0">
+                                          <p:val>
+                                            <p:strVal val="1+#ppt_h/2"/>
+                                          </p:val>
+                                        </p:tav>
+                                        <p:tav tm="100000">
+                                          <p:val>
+                                            <p:strVal val="#ppt_y"/>
+                                          </p:val>
+                                        </p:tav>
+                                      </p:tavLst>
+                                    </p:anim>
+                                  </p:childTnLst>
+                                </p:cTn>
+                              </p:par>
+                            </p:childTnLst>
+                          </p:cTn>
+                        </p:par>
+                      </p:childTnLst>
+                    </p:cTn>
+                  </p:par>
+                  <p:par>
+                    <p:cTn id="21" fill="hold">
+                      <p:stCondLst>
+                        <p:cond delay="indefinite"/>
+                      </p:stCondLst>
+                      <p:childTnLst>
+                        <p:par>
+                          <p:cTn id="22" fill="hold">
+                            <p:stCondLst>
+                              <p:cond delay="0"/>
+                            </p:stCondLst>
+                            <p:childTnLst>
+                              <p:par>
+                                <p:cTn id="23" presetID="2" presetClass="entr" presetSubtype="4" fill="hold" grpId="0" nodeType="clickEffect">
+                                  <p:stCondLst>
+                                    <p:cond delay="0"/>
+                                  </p:stCondLst>
+                                  <p:childTnLst>
+                                    <p:set>
+                                      <p:cBhvr>
+                                        <p:cTn id="24" dur="1" fill="hold">
+                                          <p:stCondLst>
+                                            <p:cond delay="0"/>
+                                          </p:stCondLst>
+                                        </p:cTn>
+                                        <p:tgtEl>
+                                          <p:spTgt spid="3">
+                                            <p:txEl>
+                                              <p:pRg st="2" end="2"/>
+                                            </p:txEl>
+                                          </p:spTgt>
+                                        </p:tgtEl>
+                                        <p:attrNameLst>
+                                          <p:attrName>style.visibility</p:attrName>
+                                        </p:attrNameLst>
+                                      </p:cBhvr>
+                                      <p:to>
+                                        <p:strVal val="visible"/>
+                                      </p:to>
+                                    </p:set>
+                                    <p:anim calcmode="lin" valueType="num">
+                                      <p:cBhvr additive="base">
+                                        <p:cTn id="25" dur="500" fill="hold"/>
+                                        <p:tgtEl>
+                                          <p:spTgt spid="3">
+                                            <p:txEl>
+                                              <p:pRg st="2" end="2"/>
+                                            </p:txEl>
+                                          </p:spTgt>
+                                        </p:tgtEl>
+                                        <p:attrNameLst>
+                                          <p:attrName>ppt_x</p:attrName>
+                                        </p:attrNameLst>
+                                      </p:cBhvr>
+                                      <p:tavLst>
+                                        <p:tav tm="0">
+                                          <p:val>
+                                            <p:strVal val="#ppt_x"/>
+                                          </p:val>
+                                        </p:tav>
+                                        <p:tav tm="100000">
+                                          <p:val>
+                                            <p:strVal val="#ppt_x"/>
+                                          </p:val>
+                                        </p:tav>
+                                      </p:tavLst>
+                                    </p:anim>
+                                    <p:anim calcmode="lin" valueType="num">
+                                      <p:cBhvr additive="base">
+                                        <p:cTn id="26" dur="500" fill="hold"/>
+                                        <p:tgtEl>
+                                          <p:spTgt spid="3">
+                                            <p:txEl>
+                                              <p:pRg st="2" end="2"/>
+                                            </p:txEl>
+                                          </p:spTgt>
+                                        </p:tgtEl>
+                                        <p:attrNameLst>
+                                          <p:attrName>ppt_y</p:attrName>
+                                        </p:attrNameLst>
+                                      </p:cBhvr>
+                                      <p:tavLst>
+                                        <p:tav tm="0">
+                                          <p:val>
+                                            <p:strVal val="1+#ppt_h/2"/>
+                                          </p:val>
+                                        </p:tav>
+                                        <p:tav tm="100000">
+                                          <p:val>
+                                            <p:strVal val="#ppt_y"/>
+                                          </p:val>
+                                        </p:tav>
+                                      </p:tavLst>
+                                    </p:anim>
+                                  </p:childTnLst>
+                                </p:cTn>
+                              </p:par>
+                            </p:childTnLst>
+                          </p:cTn>
+                        </p:par>
+                      </p:childTnLst>
+                    </p:cTn>
+                  </p:par>
+                </p:childTnLst>
+              </p:cTn>
+              <p:prevCondLst>
+                <p:cond evt="onPrev" delay="0">
+                  <p:tgtEl>
+                    <p:sldTgt/>
+                  </p:tgtEl>
+                </p:cond>
+              </p:prevCondLst>
+              <p:nextCondLst>
+                <p:cond evt="onNext" delay="0">
+                  <p:tgtEl>
+                    <p:sldTgt/>
+                  </p:tgtEl>
+                </p:cond>
+              </p:nextCondLst>
+            </p:seq>
+          </p:childTnLst>
+        </p:cTn>
       </p:par>
     </p:tnLst>
+    <p:bldLst>
+      <p:bldP spid="2" grpId="0"/>
+      <p:bldP spid="3" grpId="0" build="p"/>
+    </p:bldLst>
   </p:timing>
 </p:sld>
 </file>
@@ -11623,7 +13903,7 @@
     </p:spTree>
     <p:extLst>
       <p:ext uri="{BB962C8B-B14F-4D97-AF65-F5344CB8AC3E}">
-        <p14:creationId xmlns:p14="http://schemas.microsoft.com/office/powerpoint/2010/main" val="2985988765"/>
+        <p14:creationId xmlns:p14="http://schemas.microsoft.com/office/powerpoint/2010/main" val="4195236044"/>
       </p:ext>
     </p:extLst>
   </p:cSld>
@@ -11633,9 +13913,539 @@
   <p:timing>
     <p:tnLst>
       <p:par>
-        <p:cTn id="1" dur="indefinite" restart="never" nodeType="tmRoot"/>
+        <p:cTn id="1" dur="indefinite" restart="never" nodeType="tmRoot">
+          <p:childTnLst>
+            <p:seq concurrent="1" nextAc="seek">
+              <p:cTn id="2" dur="indefinite" nodeType="mainSeq">
+                <p:childTnLst>
+                  <p:par>
+                    <p:cTn id="3" fill="hold">
+                      <p:stCondLst>
+                        <p:cond delay="indefinite"/>
+                      </p:stCondLst>
+                      <p:childTnLst>
+                        <p:par>
+                          <p:cTn id="4" fill="hold">
+                            <p:stCondLst>
+                              <p:cond delay="0"/>
+                            </p:stCondLst>
+                            <p:childTnLst>
+                              <p:par>
+                                <p:cTn id="5" presetID="2" presetClass="entr" presetSubtype="4" fill="hold" grpId="0" nodeType="clickEffect">
+                                  <p:stCondLst>
+                                    <p:cond delay="0"/>
+                                  </p:stCondLst>
+                                  <p:childTnLst>
+                                    <p:set>
+                                      <p:cBhvr>
+                                        <p:cTn id="6" dur="1" fill="hold">
+                                          <p:stCondLst>
+                                            <p:cond delay="0"/>
+                                          </p:stCondLst>
+                                        </p:cTn>
+                                        <p:tgtEl>
+                                          <p:spTgt spid="2"/>
+                                        </p:tgtEl>
+                                        <p:attrNameLst>
+                                          <p:attrName>style.visibility</p:attrName>
+                                        </p:attrNameLst>
+                                      </p:cBhvr>
+                                      <p:to>
+                                        <p:strVal val="visible"/>
+                                      </p:to>
+                                    </p:set>
+                                    <p:anim calcmode="lin" valueType="num">
+                                      <p:cBhvr additive="base">
+                                        <p:cTn id="7" dur="500" fill="hold"/>
+                                        <p:tgtEl>
+                                          <p:spTgt spid="2"/>
+                                        </p:tgtEl>
+                                        <p:attrNameLst>
+                                          <p:attrName>ppt_x</p:attrName>
+                                        </p:attrNameLst>
+                                      </p:cBhvr>
+                                      <p:tavLst>
+                                        <p:tav tm="0">
+                                          <p:val>
+                                            <p:strVal val="#ppt_x"/>
+                                          </p:val>
+                                        </p:tav>
+                                        <p:tav tm="100000">
+                                          <p:val>
+                                            <p:strVal val="#ppt_x"/>
+                                          </p:val>
+                                        </p:tav>
+                                      </p:tavLst>
+                                    </p:anim>
+                                    <p:anim calcmode="lin" valueType="num">
+                                      <p:cBhvr additive="base">
+                                        <p:cTn id="8" dur="500" fill="hold"/>
+                                        <p:tgtEl>
+                                          <p:spTgt spid="2"/>
+                                        </p:tgtEl>
+                                        <p:attrNameLst>
+                                          <p:attrName>ppt_y</p:attrName>
+                                        </p:attrNameLst>
+                                      </p:cBhvr>
+                                      <p:tavLst>
+                                        <p:tav tm="0">
+                                          <p:val>
+                                            <p:strVal val="1+#ppt_h/2"/>
+                                          </p:val>
+                                        </p:tav>
+                                        <p:tav tm="100000">
+                                          <p:val>
+                                            <p:strVal val="#ppt_y"/>
+                                          </p:val>
+                                        </p:tav>
+                                      </p:tavLst>
+                                    </p:anim>
+                                  </p:childTnLst>
+                                </p:cTn>
+                              </p:par>
+                            </p:childTnLst>
+                          </p:cTn>
+                        </p:par>
+                      </p:childTnLst>
+                    </p:cTn>
+                  </p:par>
+                  <p:par>
+                    <p:cTn id="9" fill="hold">
+                      <p:stCondLst>
+                        <p:cond delay="indefinite"/>
+                      </p:stCondLst>
+                      <p:childTnLst>
+                        <p:par>
+                          <p:cTn id="10" fill="hold">
+                            <p:stCondLst>
+                              <p:cond delay="0"/>
+                            </p:stCondLst>
+                            <p:childTnLst>
+                              <p:par>
+                                <p:cTn id="11" presetID="2" presetClass="entr" presetSubtype="4" fill="hold" grpId="0" nodeType="clickEffect">
+                                  <p:stCondLst>
+                                    <p:cond delay="0"/>
+                                  </p:stCondLst>
+                                  <p:childTnLst>
+                                    <p:set>
+                                      <p:cBhvr>
+                                        <p:cTn id="12" dur="1" fill="hold">
+                                          <p:stCondLst>
+                                            <p:cond delay="0"/>
+                                          </p:stCondLst>
+                                        </p:cTn>
+                                        <p:tgtEl>
+                                          <p:spTgt spid="3">
+                                            <p:txEl>
+                                              <p:pRg st="0" end="0"/>
+                                            </p:txEl>
+                                          </p:spTgt>
+                                        </p:tgtEl>
+                                        <p:attrNameLst>
+                                          <p:attrName>style.visibility</p:attrName>
+                                        </p:attrNameLst>
+                                      </p:cBhvr>
+                                      <p:to>
+                                        <p:strVal val="visible"/>
+                                      </p:to>
+                                    </p:set>
+                                    <p:anim calcmode="lin" valueType="num">
+                                      <p:cBhvr additive="base">
+                                        <p:cTn id="13" dur="500" fill="hold"/>
+                                        <p:tgtEl>
+                                          <p:spTgt spid="3">
+                                            <p:txEl>
+                                              <p:pRg st="0" end="0"/>
+                                            </p:txEl>
+                                          </p:spTgt>
+                                        </p:tgtEl>
+                                        <p:attrNameLst>
+                                          <p:attrName>ppt_x</p:attrName>
+                                        </p:attrNameLst>
+                                      </p:cBhvr>
+                                      <p:tavLst>
+                                        <p:tav tm="0">
+                                          <p:val>
+                                            <p:strVal val="#ppt_x"/>
+                                          </p:val>
+                                        </p:tav>
+                                        <p:tav tm="100000">
+                                          <p:val>
+                                            <p:strVal val="#ppt_x"/>
+                                          </p:val>
+                                        </p:tav>
+                                      </p:tavLst>
+                                    </p:anim>
+                                    <p:anim calcmode="lin" valueType="num">
+                                      <p:cBhvr additive="base">
+                                        <p:cTn id="14" dur="500" fill="hold"/>
+                                        <p:tgtEl>
+                                          <p:spTgt spid="3">
+                                            <p:txEl>
+                                              <p:pRg st="0" end="0"/>
+                                            </p:txEl>
+                                          </p:spTgt>
+                                        </p:tgtEl>
+                                        <p:attrNameLst>
+                                          <p:attrName>ppt_y</p:attrName>
+                                        </p:attrNameLst>
+                                      </p:cBhvr>
+                                      <p:tavLst>
+                                        <p:tav tm="0">
+                                          <p:val>
+                                            <p:strVal val="1+#ppt_h/2"/>
+                                          </p:val>
+                                        </p:tav>
+                                        <p:tav tm="100000">
+                                          <p:val>
+                                            <p:strVal val="#ppt_y"/>
+                                          </p:val>
+                                        </p:tav>
+                                      </p:tavLst>
+                                    </p:anim>
+                                  </p:childTnLst>
+                                </p:cTn>
+                              </p:par>
+                            </p:childTnLst>
+                          </p:cTn>
+                        </p:par>
+                      </p:childTnLst>
+                    </p:cTn>
+                  </p:par>
+                  <p:par>
+                    <p:cTn id="15" fill="hold">
+                      <p:stCondLst>
+                        <p:cond delay="indefinite"/>
+                      </p:stCondLst>
+                      <p:childTnLst>
+                        <p:par>
+                          <p:cTn id="16" fill="hold">
+                            <p:stCondLst>
+                              <p:cond delay="0"/>
+                            </p:stCondLst>
+                            <p:childTnLst>
+                              <p:par>
+                                <p:cTn id="17" presetID="2" presetClass="entr" presetSubtype="4" fill="hold" grpId="0" nodeType="clickEffect">
+                                  <p:stCondLst>
+                                    <p:cond delay="0"/>
+                                  </p:stCondLst>
+                                  <p:childTnLst>
+                                    <p:set>
+                                      <p:cBhvr>
+                                        <p:cTn id="18" dur="1" fill="hold">
+                                          <p:stCondLst>
+                                            <p:cond delay="0"/>
+                                          </p:stCondLst>
+                                        </p:cTn>
+                                        <p:tgtEl>
+                                          <p:spTgt spid="3">
+                                            <p:txEl>
+                                              <p:pRg st="1" end="1"/>
+                                            </p:txEl>
+                                          </p:spTgt>
+                                        </p:tgtEl>
+                                        <p:attrNameLst>
+                                          <p:attrName>style.visibility</p:attrName>
+                                        </p:attrNameLst>
+                                      </p:cBhvr>
+                                      <p:to>
+                                        <p:strVal val="visible"/>
+                                      </p:to>
+                                    </p:set>
+                                    <p:anim calcmode="lin" valueType="num">
+                                      <p:cBhvr additive="base">
+                                        <p:cTn id="19" dur="500" fill="hold"/>
+                                        <p:tgtEl>
+                                          <p:spTgt spid="3">
+                                            <p:txEl>
+                                              <p:pRg st="1" end="1"/>
+                                            </p:txEl>
+                                          </p:spTgt>
+                                        </p:tgtEl>
+                                        <p:attrNameLst>
+                                          <p:attrName>ppt_x</p:attrName>
+                                        </p:attrNameLst>
+                                      </p:cBhvr>
+                                      <p:tavLst>
+                                        <p:tav tm="0">
+                                          <p:val>
+                                            <p:strVal val="#ppt_x"/>
+                                          </p:val>
+                                        </p:tav>
+                                        <p:tav tm="100000">
+                                          <p:val>
+                                            <p:strVal val="#ppt_x"/>
+                                          </p:val>
+                                        </p:tav>
+                                      </p:tavLst>
+                                    </p:anim>
+                                    <p:anim calcmode="lin" valueType="num">
+                                      <p:cBhvr additive="base">
+                                        <p:cTn id="20" dur="500" fill="hold"/>
+                                        <p:tgtEl>
+                                          <p:spTgt spid="3">
+                                            <p:txEl>
+                                              <p:pRg st="1" end="1"/>
+                                            </p:txEl>
+                                          </p:spTgt>
+                                        </p:tgtEl>
+                                        <p:attrNameLst>
+                                          <p:attrName>ppt_y</p:attrName>
+                                        </p:attrNameLst>
+                                      </p:cBhvr>
+                                      <p:tavLst>
+                                        <p:tav tm="0">
+                                          <p:val>
+                                            <p:strVal val="1+#ppt_h/2"/>
+                                          </p:val>
+                                        </p:tav>
+                                        <p:tav tm="100000">
+                                          <p:val>
+                                            <p:strVal val="#ppt_y"/>
+                                          </p:val>
+                                        </p:tav>
+                                      </p:tavLst>
+                                    </p:anim>
+                                  </p:childTnLst>
+                                </p:cTn>
+                              </p:par>
+                            </p:childTnLst>
+                          </p:cTn>
+                        </p:par>
+                      </p:childTnLst>
+                    </p:cTn>
+                  </p:par>
+                  <p:par>
+                    <p:cTn id="21" fill="hold">
+                      <p:stCondLst>
+                        <p:cond delay="indefinite"/>
+                      </p:stCondLst>
+                      <p:childTnLst>
+                        <p:par>
+                          <p:cTn id="22" fill="hold">
+                            <p:stCondLst>
+                              <p:cond delay="0"/>
+                            </p:stCondLst>
+                            <p:childTnLst>
+                              <p:par>
+                                <p:cTn id="23" presetID="2" presetClass="entr" presetSubtype="4" fill="hold" grpId="0" nodeType="clickEffect">
+                                  <p:stCondLst>
+                                    <p:cond delay="0"/>
+                                  </p:stCondLst>
+                                  <p:childTnLst>
+                                    <p:set>
+                                      <p:cBhvr>
+                                        <p:cTn id="24" dur="1" fill="hold">
+                                          <p:stCondLst>
+                                            <p:cond delay="0"/>
+                                          </p:stCondLst>
+                                        </p:cTn>
+                                        <p:tgtEl>
+                                          <p:spTgt spid="3">
+                                            <p:txEl>
+                                              <p:pRg st="2" end="2"/>
+                                            </p:txEl>
+                                          </p:spTgt>
+                                        </p:tgtEl>
+                                        <p:attrNameLst>
+                                          <p:attrName>style.visibility</p:attrName>
+                                        </p:attrNameLst>
+                                      </p:cBhvr>
+                                      <p:to>
+                                        <p:strVal val="visible"/>
+                                      </p:to>
+                                    </p:set>
+                                    <p:anim calcmode="lin" valueType="num">
+                                      <p:cBhvr additive="base">
+                                        <p:cTn id="25" dur="500" fill="hold"/>
+                                        <p:tgtEl>
+                                          <p:spTgt spid="3">
+                                            <p:txEl>
+                                              <p:pRg st="2" end="2"/>
+                                            </p:txEl>
+                                          </p:spTgt>
+                                        </p:tgtEl>
+                                        <p:attrNameLst>
+                                          <p:attrName>ppt_x</p:attrName>
+                                        </p:attrNameLst>
+                                      </p:cBhvr>
+                                      <p:tavLst>
+                                        <p:tav tm="0">
+                                          <p:val>
+                                            <p:strVal val="#ppt_x"/>
+                                          </p:val>
+                                        </p:tav>
+                                        <p:tav tm="100000">
+                                          <p:val>
+                                            <p:strVal val="#ppt_x"/>
+                                          </p:val>
+                                        </p:tav>
+                                      </p:tavLst>
+                                    </p:anim>
+                                    <p:anim calcmode="lin" valueType="num">
+                                      <p:cBhvr additive="base">
+                                        <p:cTn id="26" dur="500" fill="hold"/>
+                                        <p:tgtEl>
+                                          <p:spTgt spid="3">
+                                            <p:txEl>
+                                              <p:pRg st="2" end="2"/>
+                                            </p:txEl>
+                                          </p:spTgt>
+                                        </p:tgtEl>
+                                        <p:attrNameLst>
+                                          <p:attrName>ppt_y</p:attrName>
+                                        </p:attrNameLst>
+                                      </p:cBhvr>
+                                      <p:tavLst>
+                                        <p:tav tm="0">
+                                          <p:val>
+                                            <p:strVal val="1+#ppt_h/2"/>
+                                          </p:val>
+                                        </p:tav>
+                                        <p:tav tm="100000">
+                                          <p:val>
+                                            <p:strVal val="#ppt_y"/>
+                                          </p:val>
+                                        </p:tav>
+                                      </p:tavLst>
+                                    </p:anim>
+                                  </p:childTnLst>
+                                </p:cTn>
+                              </p:par>
+                            </p:childTnLst>
+                          </p:cTn>
+                        </p:par>
+                      </p:childTnLst>
+                    </p:cTn>
+                  </p:par>
+                  <p:par>
+                    <p:cTn id="27" fill="hold">
+                      <p:stCondLst>
+                        <p:cond delay="indefinite"/>
+                      </p:stCondLst>
+                      <p:childTnLst>
+                        <p:par>
+                          <p:cTn id="28" fill="hold">
+                            <p:stCondLst>
+                              <p:cond delay="0"/>
+                            </p:stCondLst>
+                            <p:childTnLst>
+                              <p:par>
+                                <p:cTn id="29" presetID="2" presetClass="entr" presetSubtype="4" fill="hold" grpId="0" nodeType="clickEffect">
+                                  <p:stCondLst>
+                                    <p:cond delay="0"/>
+                                  </p:stCondLst>
+                                  <p:childTnLst>
+                                    <p:set>
+                                      <p:cBhvr>
+                                        <p:cTn id="30" dur="1" fill="hold">
+                                          <p:stCondLst>
+                                            <p:cond delay="0"/>
+                                          </p:stCondLst>
+                                        </p:cTn>
+                                        <p:tgtEl>
+                                          <p:spTgt spid="3">
+                                            <p:txEl>
+                                              <p:pRg st="3" end="3"/>
+                                            </p:txEl>
+                                          </p:spTgt>
+                                        </p:tgtEl>
+                                        <p:attrNameLst>
+                                          <p:attrName>style.visibility</p:attrName>
+                                        </p:attrNameLst>
+                                      </p:cBhvr>
+                                      <p:to>
+                                        <p:strVal val="visible"/>
+                                      </p:to>
+                                    </p:set>
+                                    <p:anim calcmode="lin" valueType="num">
+                                      <p:cBhvr additive="base">
+                                        <p:cTn id="31" dur="500" fill="hold"/>
+                                        <p:tgtEl>
+                                          <p:spTgt spid="3">
+                                            <p:txEl>
+                                              <p:pRg st="3" end="3"/>
+                                            </p:txEl>
+                                          </p:spTgt>
+                                        </p:tgtEl>
+                                        <p:attrNameLst>
+                                          <p:attrName>ppt_x</p:attrName>
+                                        </p:attrNameLst>
+                                      </p:cBhvr>
+                                      <p:tavLst>
+                                        <p:tav tm="0">
+                                          <p:val>
+                                            <p:strVal val="#ppt_x"/>
+                                          </p:val>
+                                        </p:tav>
+                                        <p:tav tm="100000">
+                                          <p:val>
+                                            <p:strVal val="#ppt_x"/>
+                                          </p:val>
+                                        </p:tav>
+                                      </p:tavLst>
+                                    </p:anim>
+                                    <p:anim calcmode="lin" valueType="num">
+                                      <p:cBhvr additive="base">
+                                        <p:cTn id="32" dur="500" fill="hold"/>
+                                        <p:tgtEl>
+                                          <p:spTgt spid="3">
+                                            <p:txEl>
+                                              <p:pRg st="3" end="3"/>
+                                            </p:txEl>
+                                          </p:spTgt>
+                                        </p:tgtEl>
+                                        <p:attrNameLst>
+                                          <p:attrName>ppt_y</p:attrName>
+                                        </p:attrNameLst>
+                                      </p:cBhvr>
+                                      <p:tavLst>
+                                        <p:tav tm="0">
+                                          <p:val>
+                                            <p:strVal val="1+#ppt_h/2"/>
+                                          </p:val>
+                                        </p:tav>
+                                        <p:tav tm="100000">
+                                          <p:val>
+                                            <p:strVal val="#ppt_y"/>
+                                          </p:val>
+                                        </p:tav>
+                                      </p:tavLst>
+                                    </p:anim>
+                                  </p:childTnLst>
+                                </p:cTn>
+                              </p:par>
+                            </p:childTnLst>
+                          </p:cTn>
+                        </p:par>
+                      </p:childTnLst>
+                    </p:cTn>
+                  </p:par>
+                </p:childTnLst>
+              </p:cTn>
+              <p:prevCondLst>
+                <p:cond evt="onPrev" delay="0">
+                  <p:tgtEl>
+                    <p:sldTgt/>
+                  </p:tgtEl>
+                </p:cond>
+              </p:prevCondLst>
+              <p:nextCondLst>
+                <p:cond evt="onNext" delay="0">
+                  <p:tgtEl>
+                    <p:sldTgt/>
+                  </p:tgtEl>
+                </p:cond>
+              </p:nextCondLst>
+            </p:seq>
+          </p:childTnLst>
+        </p:cTn>
       </p:par>
     </p:tnLst>
+    <p:bldLst>
+      <p:bldP spid="2" grpId="0"/>
+      <p:bldP spid="3" grpId="0" build="p"/>
+    </p:bldLst>
   </p:timing>
 </p:sld>
 </file>
